--- a/doc/tsduck-project.pptx
+++ b/doc/tsduck-project.pptx
@@ -2802,32 +2802,51 @@
             </a:r>
           </a:p>
           <a:p>
-            <a:pPr lvl="2"/>
+            <a:pPr marL="914400" lvl="2" indent="0">
+              <a:buNone/>
+            </a:pPr>
             <a:r>
               <a:rPr lang="en-US" dirty="0" smtClean="0"/>
               <a:t>same automated QA as any build</a:t>
             </a:r>
           </a:p>
           <a:p>
+            <a:pPr marL="914400" lvl="2" indent="0">
+              <a:buNone/>
+            </a:pPr>
+            <a:r>
+              <a:rPr lang="en-US" dirty="0" smtClean="0"/>
+              <a:t>=&gt; you may safely use </a:t>
+            </a:r>
+            <a:r>
+              <a:rPr lang="en-US" dirty="0" err="1" smtClean="0"/>
+              <a:t>nighlty</a:t>
+            </a:r>
+            <a:r>
+              <a:rPr lang="en-US" dirty="0" smtClean="0"/>
+              <a:t> builds</a:t>
+            </a:r>
+          </a:p>
+          <a:p>
             <a:pPr lvl="1"/>
             <a:r>
               <a:rPr lang="en-US" dirty="0" smtClean="0"/>
-              <a:t>build</a:t>
-            </a:r>
-            <a:r>
-              <a:rPr lang="en-US" dirty="0" smtClean="0"/>
-              <a:t> is fully automated from a macOS host</a:t>
-            </a:r>
-          </a:p>
-          <a:p>
-            <a:pPr lvl="2"/>
+              <a:t>build of a “release” is fully automated from a macOS host</a:t>
+            </a:r>
+          </a:p>
+          <a:p>
+            <a:pPr marL="914400" lvl="2" indent="0">
+              <a:buNone/>
+            </a:pPr>
             <a:r>
               <a:rPr lang="en-US" dirty="0" smtClean="0"/>
               <a:t>boot, build and shutdown Linux and Windows virtual machines</a:t>
             </a:r>
           </a:p>
           <a:p>
-            <a:pPr lvl="2"/>
+            <a:pPr marL="914400" lvl="2" indent="0">
+              <a:buNone/>
+            </a:pPr>
             <a:r>
               <a:rPr lang="en-US" dirty="0" smtClean="0"/>
               <a:t>remote build on Raspberry PI</a:t>
@@ -2837,7 +2856,7 @@
             <a:pPr lvl="1"/>
             <a:r>
               <a:rPr lang="en-US" dirty="0" smtClean="0"/>
-              <a:t>tagged in git, published on GitHub</a:t>
+              <a:t>releases are tagged in git, published on GitHub</a:t>
             </a:r>
             <a:endParaRPr lang="en-US" dirty="0"/>
           </a:p>
@@ -2932,11 +2951,7 @@
             </a:pPr>
             <a:r>
               <a:rPr lang="en-US" dirty="0" smtClean="0"/>
-              <a:t>T</a:t>
-            </a:r>
-            <a:r>
-              <a:rPr lang="en-US" dirty="0" smtClean="0"/>
-              <a:t>ime resource constraints</a:t>
+              <a:t>Time resource constraints</a:t>
             </a:r>
           </a:p>
           <a:p>
@@ -2992,11 +3007,7 @@
             </a:pPr>
             <a:r>
               <a:rPr lang="en-US" dirty="0" smtClean="0"/>
-              <a:t>JUnit-like</a:t>
-            </a:r>
-            <a:r>
-              <a:rPr lang="en-US" dirty="0" smtClean="0"/>
-              <a:t> dedicated framework (« </a:t>
+              <a:t>JUnit-like dedicated framework (« </a:t>
             </a:r>
             <a:r>
               <a:rPr lang="en-US" dirty="0" err="1" smtClean="0"/>
@@ -3028,7 +3039,6 @@
               <a:rPr lang="en-US" dirty="0" smtClean="0"/>
               <a:t>560+ tests, 28000+ assertions</a:t>
             </a:r>
-            <a:endParaRPr lang="en-US" dirty="0" smtClean="0"/>
           </a:p>
           <a:p>
             <a:pPr>
@@ -3049,11 +3059,7 @@
             </a:pPr>
             <a:r>
               <a:rPr lang="en-US" dirty="0" smtClean="0"/>
-              <a:t>commands and plugins scenarios </a:t>
-            </a:r>
-            <a:r>
-              <a:rPr lang="en-US" dirty="0" smtClean="0"/>
-              <a:t>in a dedicated git repository</a:t>
+              <a:t>commands and plugins scenarios in a dedicated git repository</a:t>
             </a:r>
           </a:p>
           <a:p>
@@ -3307,23 +3313,38 @@
         </p:nvSpPr>
         <p:spPr/>
         <p:txBody>
-          <a:bodyPr/>
-          <a:lstStyle/>
-          <a:p>
+          <a:bodyPr>
+            <a:normAutofit fontScale="92500" lnSpcReduction="10000"/>
+          </a:bodyPr>
+          <a:lstStyle/>
+          <a:p>
+            <a:pPr>
+              <a:lnSpc>
+                <a:spcPct val="110000"/>
+              </a:lnSpc>
+            </a:pPr>
             <a:r>
               <a:rPr lang="en-US" noProof="0" dirty="0" smtClean="0"/>
               <a:t>Continuous documentation</a:t>
             </a:r>
           </a:p>
           <a:p>
-            <a:pPr lvl="1"/>
+            <a:pPr lvl="1">
+              <a:lnSpc>
+                <a:spcPct val="110000"/>
+              </a:lnSpc>
+            </a:pPr>
             <a:r>
               <a:rPr lang="en-US" noProof="0" dirty="0" smtClean="0"/>
               <a:t>code-test-document in each iteration</a:t>
             </a:r>
           </a:p>
           <a:p>
-            <a:pPr lvl="1"/>
+            <a:pPr lvl="1">
+              <a:lnSpc>
+                <a:spcPct val="110000"/>
+              </a:lnSpc>
+            </a:pPr>
             <a:r>
               <a:rPr lang="en-US" dirty="0" smtClean="0"/>
               <a:t>require self-discipline</a:t>
@@ -3331,43 +3352,92 @@
             <a:endParaRPr lang="en-US" noProof="0" dirty="0" smtClean="0"/>
           </a:p>
           <a:p>
+            <a:pPr>
+              <a:lnSpc>
+                <a:spcPct val="110000"/>
+              </a:lnSpc>
+            </a:pPr>
             <a:r>
               <a:rPr lang="en-US" noProof="0" dirty="0" smtClean="0"/>
               <a:t>User’s guide</a:t>
             </a:r>
           </a:p>
           <a:p>
-            <a:pPr lvl="1"/>
+            <a:pPr lvl="1">
+              <a:lnSpc>
+                <a:spcPct val="110000"/>
+              </a:lnSpc>
+            </a:pPr>
             <a:r>
               <a:rPr lang="en-US" noProof="0" dirty="0" smtClean="0"/>
               <a:t>Microsoft Word</a:t>
             </a:r>
           </a:p>
           <a:p>
-            <a:pPr lvl="1"/>
+            <a:pPr lvl="1">
+              <a:lnSpc>
+                <a:spcPct val="110000"/>
+              </a:lnSpc>
+            </a:pPr>
             <a:r>
               <a:rPr lang="en-US" noProof="0" dirty="0" smtClean="0"/>
               <a:t>PDF and details are automatically updated using a PowerShell script</a:t>
             </a:r>
           </a:p>
           <a:p>
+            <a:pPr lvl="1">
+              <a:lnSpc>
+                <a:spcPct val="110000"/>
+              </a:lnSpc>
+            </a:pPr>
+            <a:r>
+              <a:rPr lang="en-US" dirty="0" smtClean="0"/>
+              <a:t>~500 pages</a:t>
+            </a:r>
+            <a:endParaRPr lang="en-US" noProof="0" dirty="0" smtClean="0"/>
+          </a:p>
+          <a:p>
+            <a:pPr>
+              <a:lnSpc>
+                <a:spcPct val="110000"/>
+              </a:lnSpc>
+            </a:pPr>
             <a:r>
               <a:rPr lang="en-US" noProof="0" dirty="0" smtClean="0"/>
               <a:t>Programmer’s guide</a:t>
             </a:r>
           </a:p>
           <a:p>
-            <a:pPr lvl="1"/>
+            <a:pPr lvl="1">
+              <a:lnSpc>
+                <a:spcPct val="110000"/>
+              </a:lnSpc>
+            </a:pPr>
             <a:r>
               <a:rPr lang="en-US" noProof="0" dirty="0" smtClean="0"/>
               <a:t>doxygen from code</a:t>
             </a:r>
           </a:p>
           <a:p>
-            <a:pPr lvl="1"/>
+            <a:pPr lvl="1">
+              <a:lnSpc>
+                <a:spcPct val="110000"/>
+              </a:lnSpc>
+            </a:pPr>
             <a:r>
               <a:rPr lang="en-US" noProof="0" dirty="0" smtClean="0"/>
               <a:t>automatically generated and published every night on tsduck.io</a:t>
+            </a:r>
+          </a:p>
+          <a:p>
+            <a:pPr lvl="1">
+              <a:lnSpc>
+                <a:spcPct val="110000"/>
+              </a:lnSpc>
+            </a:pPr>
+            <a:r>
+              <a:rPr lang="en-US" dirty="0" smtClean="0"/>
+              <a:t>~3000 HTML files</a:t>
             </a:r>
             <a:endParaRPr lang="en-US" noProof="0" dirty="0"/>
           </a:p>
@@ -3446,7 +3516,7 @@
         <p:spPr/>
         <p:txBody>
           <a:bodyPr>
-            <a:normAutofit fontScale="70000" lnSpcReduction="20000"/>
+            <a:normAutofit fontScale="77500" lnSpcReduction="20000"/>
           </a:bodyPr>
           <a:lstStyle/>
           <a:p>
@@ -3456,19 +3526,16 @@
               </a:lnSpc>
             </a:pPr>
             <a:r>
-              <a:rPr lang="en-US" noProof="0" dirty="0" smtClean="0"/>
-              <a:t>An open-source product is still a product</a:t>
-            </a:r>
-          </a:p>
-          <a:p>
-            <a:pPr lvl="1">
-              <a:lnSpc>
-                <a:spcPct val="120000"/>
-              </a:lnSpc>
-            </a:pPr>
-            <a:r>
-              <a:rPr lang="en-US" noProof="0" dirty="0" smtClean="0"/>
-              <a:t>binary packaging is essential</a:t>
+              <a:rPr lang="en-US" dirty="0" smtClean="0"/>
+              <a:t>Proper b</a:t>
+            </a:r>
+            <a:r>
+              <a:rPr lang="en-US" noProof="0" dirty="0" err="1" smtClean="0"/>
+              <a:t>inary</a:t>
+            </a:r>
+            <a:r>
+              <a:rPr lang="en-US" noProof="0" dirty="0" smtClean="0"/>
+              <a:t> packaging is essential for user experience</a:t>
             </a:r>
           </a:p>
           <a:p>
@@ -3528,6 +3595,27 @@
             </a:r>
           </a:p>
           <a:p>
+            <a:pPr marL="914400" lvl="2" indent="0">
+              <a:lnSpc>
+                <a:spcPct val="120000"/>
+              </a:lnSpc>
+              <a:buNone/>
+            </a:pPr>
+            <a:r>
+              <a:rPr lang="en-US" dirty="0"/>
+              <a:t>User’s contribution</a:t>
+            </a:r>
+            <a:r>
+              <a:rPr lang="en-US" dirty="0" smtClean="0"/>
+              <a:t>: </a:t>
+            </a:r>
+            <a:r>
+              <a:rPr lang="en-US" dirty="0" err="1" smtClean="0"/>
+              <a:t>MacPorts</a:t>
+            </a:r>
+            <a:endParaRPr lang="en-US" noProof="0" dirty="0" smtClean="0"/>
+          </a:p>
+          <a:p>
             <a:pPr>
               <a:lnSpc>
                 <a:spcPct val="120000"/>
@@ -3536,17 +3624,6 @@
             <a:r>
               <a:rPr lang="en-US" noProof="0" dirty="0" smtClean="0"/>
               <a:t>User-friendly build</a:t>
-            </a:r>
-          </a:p>
-          <a:p>
-            <a:pPr lvl="1">
-              <a:lnSpc>
-                <a:spcPct val="120000"/>
-              </a:lnSpc>
-            </a:pPr>
-            <a:r>
-              <a:rPr lang="en-US" noProof="0" dirty="0" smtClean="0"/>
-              <a:t>many wonderful open-source tools are a pain to build</a:t>
             </a:r>
           </a:p>
           <a:p>
@@ -3757,15 +3834,7 @@
             </a:pPr>
             <a:r>
               <a:rPr lang="en-US" noProof="0" dirty="0" smtClean="0"/>
-              <a:t>give investigation clues </a:t>
-            </a:r>
-            <a:r>
-              <a:rPr lang="en-US" noProof="0" dirty="0" smtClean="0"/>
-              <a:t>or suggestions, </a:t>
-            </a:r>
-            <a:r>
-              <a:rPr lang="en-US" noProof="0" dirty="0" smtClean="0"/>
-              <a:t>don’t give solutions</a:t>
+              <a:t>give investigation clues or suggestions, don’t give solutions</a:t>
             </a:r>
           </a:p>
           <a:p>
@@ -4049,7 +4118,6 @@
               <a:rPr lang="en-US" dirty="0" smtClean="0"/>
               <a:t>macOS</a:t>
             </a:r>
-            <a:endParaRPr lang="en-US" dirty="0" smtClean="0"/>
           </a:p>
         </p:txBody>
       </p:sp>
@@ -4061,8 +4129,8 @@
         </p:nvSpPr>
         <p:spPr>
           <a:xfrm>
-            <a:off x="895449" y="3695272"/>
-            <a:ext cx="956552" cy="1055632"/>
+            <a:off x="895449" y="3184908"/>
+            <a:ext cx="956552" cy="1771673"/>
           </a:xfrm>
           <a:prstGeom prst="rect">
             <a:avLst/>
@@ -4092,7 +4160,6 @@
               <a:rPr lang="en-US" dirty="0" smtClean="0"/>
               <a:t>NAS</a:t>
             </a:r>
-            <a:endParaRPr lang="en-US" dirty="0" smtClean="0"/>
           </a:p>
         </p:txBody>
       </p:sp>
@@ -4104,7 +4171,7 @@
         </p:nvSpPr>
         <p:spPr>
           <a:xfrm>
-            <a:off x="1060781" y="4157927"/>
+            <a:off x="1060781" y="3668830"/>
             <a:ext cx="632298" cy="426087"/>
           </a:xfrm>
           <a:prstGeom prst="flowChartMagneticDisk">
@@ -4194,7 +4261,6 @@
               <a:rPr lang="en-US" sz="1050" dirty="0" smtClean="0"/>
               <a:t>Ubuntu</a:t>
             </a:r>
-            <a:endParaRPr lang="en-US" sz="1050" dirty="0" smtClean="0"/>
           </a:p>
         </p:txBody>
       </p:sp>
@@ -4334,7 +4400,6 @@
               <a:rPr lang="en-US" sz="1050" dirty="0" smtClean="0"/>
               <a:t>Fedora</a:t>
             </a:r>
-            <a:endParaRPr lang="en-US" sz="1050" dirty="0" smtClean="0"/>
           </a:p>
         </p:txBody>
       </p:sp>
@@ -4381,7 +4446,6 @@
               <a:rPr lang="en-US" sz="1050" dirty="0" smtClean="0"/>
               <a:t>Alpine</a:t>
             </a:r>
-            <a:endParaRPr lang="en-US" sz="1050" dirty="0" smtClean="0"/>
           </a:p>
         </p:txBody>
       </p:sp>
@@ -4428,7 +4492,6 @@
               <a:rPr lang="en-US" sz="1050" dirty="0" smtClean="0"/>
               <a:t>Windows</a:t>
             </a:r>
-            <a:endParaRPr lang="en-US" sz="1050" dirty="0" smtClean="0"/>
           </a:p>
         </p:txBody>
       </p:sp>
@@ -4729,7 +4792,6 @@
               <a:rPr lang="en-US" dirty="0" smtClean="0"/>
               <a:t>Raspberry Pi</a:t>
             </a:r>
-            <a:endParaRPr lang="en-US" dirty="0" smtClean="0"/>
           </a:p>
         </p:txBody>
       </p:sp>
@@ -4928,23 +4990,7 @@
                   <a:schemeClr val="tx1"/>
                 </a:solidFill>
               </a:rPr>
-              <a:t>tsduck</a:t>
-            </a:r>
-            <a:r>
-              <a:rPr lang="en-US" dirty="0" smtClean="0">
-                <a:solidFill>
-                  <a:schemeClr val="tx1"/>
-                </a:solidFill>
-              </a:rPr>
-              <a:t>.io</a:t>
-            </a:r>
-            <a:r>
-              <a:rPr lang="en-US" dirty="0" smtClean="0">
-                <a:solidFill>
-                  <a:schemeClr val="tx1"/>
-                </a:solidFill>
-              </a:rPr>
-              <a:t> (web hosting)</a:t>
+              <a:t>tsduck.io (web hosting)</a:t>
             </a:r>
             <a:endParaRPr lang="en-US" dirty="0">
               <a:solidFill>
@@ -5401,7 +5447,6 @@
               <a:rPr lang="en-US" dirty="0" smtClean="0"/>
               <a:t>continuous integration</a:t>
             </a:r>
-            <a:endParaRPr lang="en-US" dirty="0" smtClean="0"/>
           </a:p>
         </p:txBody>
       </p:sp>
@@ -5448,7 +5493,6 @@
               <a:rPr lang="en-US" sz="1050" dirty="0" smtClean="0"/>
               <a:t>Ubuntu</a:t>
             </a:r>
-            <a:endParaRPr lang="en-US" sz="1050" dirty="0" smtClean="0"/>
           </a:p>
         </p:txBody>
       </p:sp>
@@ -5495,7 +5539,6 @@
               <a:rPr lang="en-US" sz="1050" dirty="0" smtClean="0"/>
               <a:t>macOS</a:t>
             </a:r>
-            <a:endParaRPr lang="en-US" sz="1050" dirty="0" smtClean="0"/>
           </a:p>
         </p:txBody>
       </p:sp>
@@ -5542,7 +5585,6 @@
               <a:rPr lang="en-US" sz="1050" dirty="0" smtClean="0"/>
               <a:t>Windows</a:t>
             </a:r>
-            <a:endParaRPr lang="en-US" sz="1050" dirty="0" smtClean="0"/>
           </a:p>
         </p:txBody>
       </p:sp>
@@ -5585,7 +5627,6 @@
               <a:rPr lang="en-US" dirty="0" smtClean="0"/>
               <a:t>nightly builds</a:t>
             </a:r>
-            <a:endParaRPr lang="en-US" dirty="0" smtClean="0"/>
           </a:p>
         </p:txBody>
       </p:sp>
@@ -5632,7 +5673,6 @@
               <a:rPr lang="en-US" sz="1050" dirty="0" smtClean="0"/>
               <a:t>Ubuntu</a:t>
             </a:r>
-            <a:endParaRPr lang="en-US" sz="1050" dirty="0" smtClean="0"/>
           </a:p>
         </p:txBody>
       </p:sp>
@@ -5679,7 +5719,6 @@
               <a:rPr lang="en-US" sz="1050" dirty="0" smtClean="0"/>
               <a:t>Windows</a:t>
             </a:r>
-            <a:endParaRPr lang="en-US" sz="1050" dirty="0" smtClean="0"/>
           </a:p>
         </p:txBody>
       </p:sp>
@@ -5726,7 +5765,6 @@
               <a:rPr lang="en-US" sz="1050" dirty="0" smtClean="0"/>
               <a:t>Doc</a:t>
             </a:r>
-            <a:endParaRPr lang="en-US" sz="1050" dirty="0" smtClean="0"/>
           </a:p>
         </p:txBody>
       </p:sp>
@@ -6319,7 +6357,6 @@
               <a:rPr lang="en-US" sz="1050" dirty="0" smtClean="0"/>
               <a:t>CentOS</a:t>
             </a:r>
-            <a:endParaRPr lang="en-US" sz="1050" dirty="0" smtClean="0"/>
           </a:p>
         </p:txBody>
       </p:sp>
@@ -6366,7 +6403,6 @@
               <a:rPr lang="en-US" sz="1050" dirty="0" smtClean="0"/>
               <a:t>Arch</a:t>
             </a:r>
-            <a:endParaRPr lang="en-US" sz="1050" dirty="0" smtClean="0"/>
           </a:p>
         </p:txBody>
       </p:sp>
@@ -6413,7 +6449,6 @@
               <a:rPr lang="en-US" sz="1050" dirty="0" smtClean="0"/>
               <a:t>Gentoo</a:t>
             </a:r>
-            <a:endParaRPr lang="en-US" sz="1050" dirty="0" smtClean="0"/>
           </a:p>
         </p:txBody>
       </p:sp>
@@ -6805,7 +6840,7 @@
         </p:nvSpPr>
         <p:spPr>
           <a:xfrm>
-            <a:off x="9823196" y="4754460"/>
+            <a:off x="9823196" y="4743827"/>
             <a:ext cx="850404" cy="646331"/>
           </a:xfrm>
           <a:prstGeom prst="rect">
@@ -6998,6 +7033,61 @@
               <a:t>on pull request</a:t>
             </a:r>
             <a:endParaRPr lang="en-US" sz="1200" dirty="0"/>
+          </a:p>
+        </p:txBody>
+      </p:sp>
+      <p:sp>
+        <p:nvSpPr>
+          <p:cNvPr id="69" name="Flowchart: Magnetic Disk 68"/>
+          <p:cNvSpPr/>
+          <p:nvPr/>
+        </p:nvSpPr>
+        <p:spPr>
+          <a:xfrm>
+            <a:off x="1052048" y="4254662"/>
+            <a:ext cx="632298" cy="426087"/>
+          </a:xfrm>
+          <a:prstGeom prst="flowChartMagneticDisk">
+            <a:avLst/>
+          </a:prstGeom>
+          <a:solidFill>
+            <a:schemeClr val="accent5"/>
+          </a:solidFill>
+        </p:spPr>
+        <p:style>
+          <a:lnRef idx="2">
+            <a:schemeClr val="accent1">
+              <a:shade val="50000"/>
+            </a:schemeClr>
+          </a:lnRef>
+          <a:fillRef idx="1">
+            <a:schemeClr val="accent1"/>
+          </a:fillRef>
+          <a:effectRef idx="0">
+            <a:schemeClr val="accent1"/>
+          </a:effectRef>
+          <a:fontRef idx="minor">
+            <a:schemeClr val="lt1"/>
+          </a:fontRef>
+        </p:style>
+        <p:txBody>
+          <a:bodyPr lIns="0" rIns="0" rtlCol="0" anchor="ctr"/>
+          <a:lstStyle/>
+          <a:p>
+            <a:pPr algn="ctr"/>
+            <a:r>
+              <a:rPr lang="en-US" sz="1200" dirty="0" smtClean="0">
+                <a:solidFill>
+                  <a:schemeClr val="tx1"/>
+                </a:solidFill>
+              </a:rPr>
+              <a:t>backups</a:t>
+            </a:r>
+            <a:endParaRPr lang="en-US" sz="1200" dirty="0">
+              <a:solidFill>
+                <a:schemeClr val="tx1"/>
+              </a:solidFill>
+            </a:endParaRPr>
           </a:p>
         </p:txBody>
       </p:sp>
@@ -7586,7 +7676,6 @@
               <a:rPr lang="en-US" noProof="0" dirty="0" smtClean="0"/>
               <a:t>It all started from a personal need</a:t>
             </a:r>
-            <a:endParaRPr lang="en-US" noProof="0" dirty="0" smtClean="0"/>
           </a:p>
           <a:p>
             <a:pPr lvl="1">
@@ -7607,7 +7696,7 @@
             </a:pPr>
             <a:r>
               <a:rPr lang="en-US" noProof="0" dirty="0" smtClean="0"/>
-              <a:t>increase knowledge in TS structure</a:t>
+              <a:t>need to increase knowledge in TS structure</a:t>
             </a:r>
           </a:p>
           <a:p>
@@ -7660,11 +7749,7 @@
             </a:pPr>
             <a:r>
               <a:rPr lang="en-US" noProof="0" dirty="0" smtClean="0"/>
-              <a:t>Then some colleagues used it</a:t>
-            </a:r>
-            <a:r>
-              <a:rPr lang="en-US" noProof="0" dirty="0" smtClean="0"/>
-              <a:t> for different purposes</a:t>
+              <a:t>Then some colleagues used it for different purposes</a:t>
             </a:r>
           </a:p>
           <a:p>
@@ -7732,7 +7817,6 @@
               <a:rPr lang="en-US" noProof="0" dirty="0" smtClean="0"/>
               <a:t>=&gt; open-source your work</a:t>
             </a:r>
-            <a:endParaRPr lang="en-US" noProof="0" dirty="0" smtClean="0"/>
           </a:p>
         </p:txBody>
       </p:sp>
@@ -7809,7 +7893,7 @@
         <p:spPr/>
         <p:txBody>
           <a:bodyPr>
-            <a:normAutofit fontScale="85000" lnSpcReduction="20000"/>
+            <a:normAutofit fontScale="77500" lnSpcReduction="20000"/>
           </a:bodyPr>
           <a:lstStyle/>
           <a:p>
@@ -7831,11 +7915,7 @@
             </a:pPr>
             <a:r>
               <a:rPr lang="en-US" noProof="0" dirty="0" smtClean="0"/>
-              <a:t>w</a:t>
-            </a:r>
-            <a:r>
-              <a:rPr lang="en-US" noProof="0" dirty="0" smtClean="0"/>
-              <a:t>ritten in C (a mistake!)</a:t>
+              <a:t>written in C (a mistake!)</a:t>
             </a:r>
           </a:p>
           <a:p>
@@ -7894,6 +7974,18 @@
             </a:r>
           </a:p>
           <a:p>
+            <a:pPr lvl="1">
+              <a:lnSpc>
+                <a:spcPct val="120000"/>
+              </a:lnSpc>
+            </a:pPr>
+            <a:r>
+              <a:rPr lang="en-US" dirty="0" smtClean="0"/>
+              <a:t>no longer needed to work on transport streams</a:t>
+            </a:r>
+            <a:endParaRPr lang="en-US" noProof="0" dirty="0" smtClean="0"/>
+          </a:p>
+          <a:p>
             <a:pPr>
               <a:lnSpc>
                 <a:spcPct val="120000"/>
@@ -7947,6 +8039,7 @@
               <a:rPr lang="en-US" noProof="0" dirty="0" smtClean="0"/>
               <a:t>started a community of users</a:t>
             </a:r>
+            <a:endParaRPr lang="en-US" noProof="0" dirty="0" smtClean="0"/>
           </a:p>
         </p:txBody>
       </p:sp>
@@ -8048,11 +8141,7 @@
             <a:pPr lvl="1"/>
             <a:r>
               <a:rPr lang="en-US" noProof="0" dirty="0" smtClean="0"/>
-              <a:t>on personal expenses (hardwar</a:t>
-            </a:r>
-            <a:r>
-              <a:rPr lang="en-US" noProof="0" dirty="0" smtClean="0"/>
-              <a:t>e, web hosting)</a:t>
+              <a:t>on personal expenses (hardware, web hosting)</a:t>
             </a:r>
           </a:p>
           <a:p>
@@ -8213,7 +8302,7 @@
             </a:pPr>
             <a:r>
               <a:rPr lang="en-US" dirty="0" smtClean="0"/>
-              <a:t>are a pain to build (dependency issues, poor Windows integration)</a:t>
+              <a:t>are a pain to build (dependency issues, poor Windows integration, exotic build tools)</a:t>
             </a:r>
           </a:p>
           <a:p>
@@ -8397,57 +8486,95 @@
         </p:nvSpPr>
         <p:spPr/>
         <p:txBody>
-          <a:bodyPr/>
-          <a:lstStyle/>
-          <a:p>
+          <a:bodyPr>
+            <a:normAutofit fontScale="92500" lnSpcReduction="10000"/>
+          </a:bodyPr>
+          <a:lstStyle/>
+          <a:p>
+            <a:pPr>
+              <a:lnSpc>
+                <a:spcPct val="110000"/>
+              </a:lnSpc>
+            </a:pPr>
             <a:r>
               <a:rPr lang="en-US" dirty="0" smtClean="0"/>
               <a:t>Efficiency-driven coding</a:t>
             </a:r>
           </a:p>
           <a:p>
-            <a:pPr lvl="1"/>
+            <a:pPr lvl="1">
+              <a:lnSpc>
+                <a:spcPct val="110000"/>
+              </a:lnSpc>
+            </a:pPr>
             <a:r>
               <a:rPr lang="en-US" dirty="0" smtClean="0"/>
               <a:t>write code rapidly</a:t>
             </a:r>
           </a:p>
           <a:p>
-            <a:pPr lvl="1"/>
+            <a:pPr lvl="1">
+              <a:lnSpc>
+                <a:spcPct val="110000"/>
+              </a:lnSpc>
+            </a:pPr>
             <a:r>
               <a:rPr lang="en-US" dirty="0" smtClean="0"/>
               <a:t>invest time in coding, don’t lose time in debugging</a:t>
             </a:r>
           </a:p>
           <a:p>
-            <a:pPr lvl="1"/>
+            <a:pPr lvl="1">
+              <a:lnSpc>
+                <a:spcPct val="110000"/>
+              </a:lnSpc>
+            </a:pPr>
             <a:r>
               <a:rPr lang="en-US" dirty="0" smtClean="0"/>
               <a:t>anticipate instead of debug</a:t>
             </a:r>
           </a:p>
           <a:p>
-            <a:pPr lvl="2"/>
+            <a:pPr marL="914400" lvl="2" indent="0">
+              <a:lnSpc>
+                <a:spcPct val="110000"/>
+              </a:lnSpc>
+              <a:buNone/>
+            </a:pPr>
             <a:r>
               <a:rPr lang="en-US" dirty="0" smtClean="0"/>
               <a:t>full compile-time code checking</a:t>
             </a:r>
           </a:p>
           <a:p>
-            <a:pPr lvl="2"/>
+            <a:pPr marL="914400" lvl="2" indent="0">
+              <a:lnSpc>
+                <a:spcPct val="110000"/>
+              </a:lnSpc>
+              <a:buNone/>
+            </a:pPr>
             <a:r>
               <a:rPr lang="en-US" dirty="0" smtClean="0"/>
               <a:t>use all language features to enforce defensive coding techniques</a:t>
             </a:r>
           </a:p>
           <a:p>
+            <a:pPr>
+              <a:lnSpc>
+                <a:spcPct val="110000"/>
+              </a:lnSpc>
+            </a:pPr>
             <a:r>
               <a:rPr lang="en-US" dirty="0" smtClean="0"/>
               <a:t>Integrated « quality by design »</a:t>
             </a:r>
           </a:p>
           <a:p>
-            <a:pPr lvl="1"/>
+            <a:pPr lvl="1">
+              <a:lnSpc>
+                <a:spcPct val="110000"/>
+              </a:lnSpc>
+            </a:pPr>
             <a:r>
               <a:rPr lang="en-US" dirty="0" smtClean="0"/>
               <a:t>explained in a </a:t>
@@ -8462,27 +8589,51 @@
             </a:r>
           </a:p>
           <a:p>
-            <a:pPr lvl="1"/>
+            <a:pPr marL="914400" lvl="2" indent="0">
+              <a:lnSpc>
+                <a:spcPct val="110000"/>
+              </a:lnSpc>
+              <a:buNone/>
+            </a:pPr>
             <a:r>
               <a:rPr lang="en-US" dirty="0" smtClean="0"/>
               <a:t>a generic programming manifesto, not limited to TSDuck</a:t>
             </a:r>
           </a:p>
           <a:p>
-            <a:r>
-              <a:rPr lang="en-US" dirty="0" smtClean="0"/>
-              <a:t>Based on past experience</a:t>
-            </a:r>
-          </a:p>
-          <a:p>
-            <a:pPr lvl="1"/>
+            <a:pPr lvl="1">
+              <a:lnSpc>
+                <a:spcPct val="110000"/>
+              </a:lnSpc>
+            </a:pPr>
+            <a:r>
+              <a:rPr lang="en-US" dirty="0" smtClean="0"/>
+              <a:t>based on past professional experience</a:t>
+            </a:r>
+          </a:p>
+          <a:p>
+            <a:pPr marL="914400" lvl="2" indent="0">
+              <a:lnSpc>
+                <a:spcPct val="110000"/>
+              </a:lnSpc>
+              <a:buNone/>
+            </a:pPr>
             <a:r>
               <a:rPr lang="en-US" dirty="0" smtClean="0"/>
               <a:t>large projects in Ada, Java and C++</a:t>
             </a:r>
           </a:p>
           <a:p>
-            <a:pPr lvl="1"/>
+            <a:pPr marL="914400" lvl="2" indent="0">
+              <a:lnSpc>
+                <a:spcPct val="110000"/>
+              </a:lnSpc>
+              <a:buNone/>
+            </a:pPr>
+            <a:r>
+              <a:rPr lang="en-US" dirty="0" smtClean="0"/>
+              <a:t>stringent software engineering rules and methodologies</a:t>
+            </a:r>
             <a:endParaRPr lang="en-US" dirty="0"/>
           </a:p>
         </p:txBody>
@@ -8559,36 +8710,93 @@
         </p:nvSpPr>
         <p:spPr/>
         <p:txBody>
-          <a:bodyPr/>
-          <a:lstStyle/>
-          <a:p>
+          <a:bodyPr>
+            <a:normAutofit fontScale="70000" lnSpcReduction="20000"/>
+          </a:bodyPr>
+          <a:lstStyle/>
+          <a:p>
+            <a:pPr>
+              <a:lnSpc>
+                <a:spcPct val="120000"/>
+              </a:lnSpc>
+            </a:pPr>
             <a:r>
               <a:rPr lang="en-US" dirty="0" smtClean="0"/>
               <a:t>Use proven object design patterns</a:t>
             </a:r>
           </a:p>
           <a:p>
+            <a:pPr>
+              <a:lnSpc>
+                <a:spcPct val="120000"/>
+              </a:lnSpc>
+            </a:pPr>
+            <a:r>
+              <a:rPr lang="en-US" dirty="0" smtClean="0"/>
+              <a:t>Robustness enforcement</a:t>
+            </a:r>
+          </a:p>
+          <a:p>
+            <a:pPr lvl="1">
+              <a:lnSpc>
+                <a:spcPct val="120000"/>
+              </a:lnSpc>
+            </a:pPr>
+            <a:r>
+              <a:rPr lang="en-US" dirty="0" smtClean="0"/>
+              <a:t>resist to incorrect or malformed input data</a:t>
+            </a:r>
+          </a:p>
+          <a:p>
+            <a:pPr lvl="1">
+              <a:lnSpc>
+                <a:spcPct val="120000"/>
+              </a:lnSpc>
+            </a:pPr>
+            <a:r>
+              <a:rPr lang="en-US" dirty="0" smtClean="0"/>
+              <a:t>defensive coding, cross-checking, assertions, bug self-detection, etc.</a:t>
+            </a:r>
+          </a:p>
+          <a:p>
+            <a:pPr>
+              <a:lnSpc>
+                <a:spcPct val="120000"/>
+              </a:lnSpc>
+            </a:pPr>
             <a:r>
               <a:rPr lang="en-US" dirty="0" smtClean="0"/>
               <a:t>Avoiding resource leaks is easy</a:t>
             </a:r>
           </a:p>
           <a:p>
-            <a:pPr lvl="1"/>
+            <a:pPr lvl="1">
+              <a:lnSpc>
+                <a:spcPct val="120000"/>
+              </a:lnSpc>
+            </a:pPr>
             <a:r>
               <a:rPr lang="en-US" dirty="0" smtClean="0"/>
               <a:t>don’t spend time on new/delete or lock/unlock</a:t>
             </a:r>
           </a:p>
           <a:p>
-            <a:pPr lvl="1"/>
+            <a:pPr lvl="1">
+              <a:lnSpc>
+                <a:spcPct val="120000"/>
+              </a:lnSpc>
+            </a:pPr>
             <a:r>
               <a:rPr lang="en-US" dirty="0" smtClean="0"/>
               <a:t>implement « safe pointer » and « guard » classes</a:t>
             </a:r>
           </a:p>
           <a:p>
-            <a:pPr lvl="1"/>
+            <a:pPr lvl="1">
+              <a:lnSpc>
+                <a:spcPct val="120000"/>
+              </a:lnSpc>
+            </a:pPr>
             <a:r>
               <a:rPr lang="en-US" dirty="0" smtClean="0"/>
               <a:t>the C++ concept of « destructor » is invaluable !</a:t>
@@ -8596,6 +8804,9 @@
           </a:p>
           <a:p>
             <a:pPr marL="914400" lvl="2" indent="0">
+              <a:lnSpc>
+                <a:spcPct val="120000"/>
+              </a:lnSpc>
               <a:buNone/>
             </a:pPr>
             <a:r>
@@ -8605,6 +8816,9 @@
           </a:p>
           <a:p>
             <a:pPr marL="914400" lvl="2" indent="0">
+              <a:lnSpc>
+                <a:spcPct val="120000"/>
+              </a:lnSpc>
               <a:buNone/>
             </a:pPr>
             <a:r>
@@ -8613,20 +8827,33 @@
             </a:r>
           </a:p>
           <a:p>
+            <a:pPr>
+              <a:lnSpc>
+                <a:spcPct val="120000"/>
+              </a:lnSpc>
+            </a:pPr>
             <a:r>
               <a:rPr lang="en-US" dirty="0" smtClean="0"/>
               <a:t>Refactoring</a:t>
             </a:r>
           </a:p>
           <a:p>
-            <a:pPr lvl="1"/>
+            <a:pPr lvl="1">
+              <a:lnSpc>
+                <a:spcPct val="120000"/>
+              </a:lnSpc>
+            </a:pPr>
             <a:r>
               <a:rPr lang="en-US" dirty="0" smtClean="0"/>
               <a:t>never let the quality of the code degrade, refactor properly</a:t>
             </a:r>
           </a:p>
           <a:p>
-            <a:pPr lvl="1"/>
+            <a:pPr lvl="1">
+              <a:lnSpc>
+                <a:spcPct val="120000"/>
+              </a:lnSpc>
+            </a:pPr>
             <a:r>
               <a:rPr lang="en-US" dirty="0" smtClean="0"/>
               <a:t>too many projects accumulate quick &amp; dirty fixes or copy/paste</a:t>
@@ -8634,6 +8861,9 @@
           </a:p>
           <a:p>
             <a:pPr marL="914400" lvl="2" indent="0">
+              <a:lnSpc>
+                <a:spcPct val="120000"/>
+              </a:lnSpc>
               <a:buNone/>
             </a:pPr>
             <a:r>
@@ -8722,76 +8952,158 @@
         </p:spPr>
         <p:txBody>
           <a:bodyPr>
-            <a:normAutofit/>
+            <a:normAutofit fontScale="92500" lnSpcReduction="20000"/>
           </a:bodyPr>
           <a:lstStyle/>
           <a:p>
+            <a:pPr>
+              <a:lnSpc>
+                <a:spcPct val="110000"/>
+              </a:lnSpc>
+            </a:pPr>
             <a:r>
               <a:rPr lang="en-US" dirty="0" smtClean="0"/>
               <a:t>Extreme Agility</a:t>
             </a:r>
           </a:p>
           <a:p>
-            <a:pPr lvl="1"/>
+            <a:pPr lvl="1">
+              <a:lnSpc>
+                <a:spcPct val="110000"/>
+              </a:lnSpc>
+            </a:pPr>
+            <a:r>
+              <a:rPr lang="en-US" dirty="0" smtClean="0"/>
+              <a:t>coding on spare time only</a:t>
+            </a:r>
+          </a:p>
+          <a:p>
+            <a:pPr marL="914400" lvl="2" indent="0">
+              <a:lnSpc>
+                <a:spcPct val="110000"/>
+              </a:lnSpc>
+              <a:buNone/>
+            </a:pPr>
+            <a:r>
+              <a:rPr lang="en-US" dirty="0" smtClean="0"/>
+              <a:t>no time to enter long coding tunnels</a:t>
+            </a:r>
+          </a:p>
+          <a:p>
+            <a:pPr lvl="1">
+              <a:lnSpc>
+                <a:spcPct val="110000"/>
+              </a:lnSpc>
+            </a:pPr>
             <a:r>
               <a:rPr lang="en-US" dirty="0" smtClean="0"/>
               <a:t>small iterations</a:t>
             </a:r>
           </a:p>
           <a:p>
-            <a:pPr lvl="2"/>
+            <a:pPr marL="914400" lvl="2" indent="0">
+              <a:lnSpc>
+                <a:spcPct val="110000"/>
+              </a:lnSpc>
+              <a:buNone/>
+            </a:pPr>
             <a:r>
               <a:rPr lang="en-US" dirty="0" smtClean="0"/>
               <a:t>consistent and clean, commit on master branch</a:t>
             </a:r>
           </a:p>
           <a:p>
-            <a:pPr lvl="2"/>
+            <a:pPr marL="914400" lvl="2" indent="0">
+              <a:lnSpc>
+                <a:spcPct val="110000"/>
+              </a:lnSpc>
+              <a:buNone/>
+            </a:pPr>
             <a:r>
               <a:rPr lang="en-US" dirty="0" smtClean="0"/>
               <a:t>successfully compile and pass tests</a:t>
             </a:r>
           </a:p>
           <a:p>
-            <a:pPr lvl="1"/>
+            <a:pPr lvl="1">
+              <a:lnSpc>
+                <a:spcPct val="110000"/>
+              </a:lnSpc>
+            </a:pPr>
             <a:r>
               <a:rPr lang="en-US" dirty="0" smtClean="0"/>
               <a:t>avoid divergent branches</a:t>
             </a:r>
           </a:p>
           <a:p>
-            <a:pPr lvl="2"/>
+            <a:pPr marL="914400" lvl="2" indent="0">
+              <a:lnSpc>
+                <a:spcPct val="110000"/>
+              </a:lnSpc>
+              <a:buNone/>
+            </a:pPr>
             <a:r>
               <a:rPr lang="en-US" dirty="0" smtClean="0"/>
               <a:t>merge &amp; rebase takes time, I haven’t any</a:t>
             </a:r>
           </a:p>
           <a:p>
+            <a:pPr>
+              <a:lnSpc>
+                <a:spcPct val="110000"/>
+              </a:lnSpc>
+            </a:pPr>
             <a:r>
               <a:rPr lang="en-US" dirty="0" smtClean="0"/>
               <a:t>Make short term a long term investment</a:t>
             </a:r>
           </a:p>
           <a:p>
-            <a:pPr lvl="1"/>
+            <a:pPr lvl="1">
+              <a:lnSpc>
+                <a:spcPct val="110000"/>
+              </a:lnSpc>
+            </a:pPr>
             <a:r>
               <a:rPr lang="en-US" dirty="0" smtClean="0"/>
               <a:t>plan evolutions on the long term</a:t>
             </a:r>
           </a:p>
           <a:p>
-            <a:pPr lvl="1"/>
+            <a:pPr lvl="1">
+              <a:lnSpc>
+                <a:spcPct val="110000"/>
+              </a:lnSpc>
+            </a:pPr>
             <a:r>
               <a:rPr lang="en-US" dirty="0" smtClean="0"/>
               <a:t>code step by step on the short term</a:t>
             </a:r>
           </a:p>
           <a:p>
-            <a:pPr lvl="2"/>
+            <a:pPr marL="914400" lvl="2" indent="0">
+              <a:lnSpc>
+                <a:spcPct val="110000"/>
+              </a:lnSpc>
+              <a:buNone/>
+            </a:pPr>
             <a:r>
               <a:rPr lang="en-US" dirty="0" smtClean="0"/>
               <a:t>dormant code for future features</a:t>
             </a:r>
+          </a:p>
+          <a:p>
+            <a:pPr marL="914400" lvl="2" indent="0">
+              <a:lnSpc>
+                <a:spcPct val="110000"/>
+              </a:lnSpc>
+              <a:buNone/>
+            </a:pPr>
+            <a:r>
+              <a:rPr lang="en-US" dirty="0" smtClean="0"/>
+              <a:t>=&gt; if you don’t understand the latest commits, they will make sense later…</a:t>
+            </a:r>
+            <a:endParaRPr lang="en-US" dirty="0" smtClean="0"/>
           </a:p>
         </p:txBody>
       </p:sp>

--- a/doc/tsduck-project.pptx
+++ b/doc/tsduck-project.pptx
@@ -14,15 +14,16 @@
     <p:sldId id="260" r:id="rId8"/>
     <p:sldId id="271" r:id="rId9"/>
     <p:sldId id="261" r:id="rId10"/>
-    <p:sldId id="272" r:id="rId11"/>
-    <p:sldId id="262" r:id="rId12"/>
-    <p:sldId id="273" r:id="rId13"/>
-    <p:sldId id="263" r:id="rId14"/>
-    <p:sldId id="269" r:id="rId15"/>
-    <p:sldId id="264" r:id="rId16"/>
-    <p:sldId id="265" r:id="rId17"/>
-    <p:sldId id="267" r:id="rId18"/>
-    <p:sldId id="266" r:id="rId19"/>
+    <p:sldId id="274" r:id="rId11"/>
+    <p:sldId id="272" r:id="rId12"/>
+    <p:sldId id="262" r:id="rId13"/>
+    <p:sldId id="273" r:id="rId14"/>
+    <p:sldId id="263" r:id="rId15"/>
+    <p:sldId id="269" r:id="rId16"/>
+    <p:sldId id="264" r:id="rId17"/>
+    <p:sldId id="265" r:id="rId18"/>
+    <p:sldId id="267" r:id="rId19"/>
+    <p:sldId id="266" r:id="rId20"/>
   </p:sldIdLst>
   <p:sldSz cx="12192000" cy="6858000"/>
   <p:notesSz cx="6858000" cy="9144000"/>
@@ -123,7 +124,18 @@
   </p:defaultTextStyle>
   <p:extLst>
     <p:ext uri="{EFAFB233-063F-42B5-8137-9DF3F51BA10A}">
-      <p15:sldGuideLst xmlns:p15="http://schemas.microsoft.com/office/powerpoint/2012/main"/>
+      <p15:sldGuideLst xmlns:p15="http://schemas.microsoft.com/office/powerpoint/2012/main">
+        <p15:guide id="1" orient="horz" pos="2160" userDrawn="1">
+          <p15:clr>
+            <a:srgbClr val="A4A3A4"/>
+          </p15:clr>
+        </p15:guide>
+        <p15:guide id="2" pos="2736" userDrawn="1">
+          <p15:clr>
+            <a:srgbClr val="A4A3A4"/>
+          </p15:clr>
+        </p15:guide>
+      </p15:sldGuideLst>
     </p:ext>
   </p:extLst>
 </p:presentation>
@@ -2674,15 +2686,46 @@
             <p:ph type="subTitle" idx="1"/>
           </p:nvPr>
         </p:nvSpPr>
-        <p:spPr/>
+        <p:spPr>
+          <a:xfrm>
+            <a:off x="3715966" y="3602037"/>
+            <a:ext cx="6952034" cy="2104699"/>
+          </a:xfrm>
+        </p:spPr>
         <p:txBody>
           <a:bodyPr/>
           <a:lstStyle/>
           <a:p>
             <a:r>
               <a:rPr lang="en-US" noProof="0" dirty="0" smtClean="0"/>
-              <a:t>Anatomy of a single-person open-source project</a:t>
-            </a:r>
+              <a:t>Anatomy of a single-person open-source </a:t>
+            </a:r>
+            <a:r>
+              <a:rPr lang="en-US" noProof="0" dirty="0" smtClean="0"/>
+              <a:t>project</a:t>
+            </a:r>
+          </a:p>
+          <a:p>
+            <a:endParaRPr lang="fr-FR" dirty="0" smtClean="0"/>
+          </a:p>
+          <a:p>
+            <a:endParaRPr lang="fr-FR" dirty="0"/>
+          </a:p>
+          <a:p>
+            <a:r>
+              <a:rPr lang="en-US" sz="1600" dirty="0"/>
+              <a:t>Version </a:t>
+            </a:r>
+            <a:r>
+              <a:rPr lang="en-US" sz="1600" dirty="0" smtClean="0"/>
+              <a:t>3.27</a:t>
+            </a:r>
+            <a:endParaRPr lang="en-US" sz="1600" dirty="0"/>
+          </a:p>
+          <a:p>
+            <a:endParaRPr lang="fr-FR" noProof="0" dirty="0" smtClean="0"/>
+          </a:p>
+          <a:p>
             <a:endParaRPr lang="en-US" noProof="0" dirty="0"/>
           </a:p>
         </p:txBody>
@@ -2740,10 +2783,10 @@
           <a:lstStyle/>
           <a:p>
             <a:r>
-              <a:rPr lang="en-US" noProof="0" dirty="0" smtClean="0"/>
-              <a:t>Maintenance</a:t>
-            </a:r>
-            <a:endParaRPr lang="en-US" noProof="0" dirty="0"/>
+              <a:rPr lang="en-US" dirty="0" smtClean="0"/>
+              <a:t>Code volume</a:t>
+            </a:r>
+            <a:endParaRPr lang="en-US" dirty="0"/>
           </a:p>
         </p:txBody>
       </p:sp>
@@ -2757,128 +2800,145 @@
             <p:ph idx="1"/>
           </p:nvPr>
         </p:nvSpPr>
-        <p:spPr>
-          <a:xfrm>
-            <a:off x="682556" y="1459149"/>
-            <a:ext cx="10358338" cy="5107021"/>
-          </a:xfrm>
-        </p:spPr>
-        <p:txBody>
-          <a:bodyPr>
-            <a:normAutofit/>
-          </a:bodyPr>
-          <a:lstStyle/>
-          <a:p>
-            <a:r>
-              <a:rPr lang="en-US" dirty="0" smtClean="0"/>
-              <a:t>Maintain stability</a:t>
-            </a:r>
-          </a:p>
-          <a:p>
-            <a:pPr lvl="1"/>
-            <a:r>
-              <a:rPr lang="en-US" dirty="0" smtClean="0"/>
-              <a:t>automated full non-regression tests after each commit</a:t>
-            </a:r>
-          </a:p>
-          <a:p>
-            <a:pPr lvl="1"/>
-            <a:r>
-              <a:rPr lang="en-US" dirty="0" smtClean="0"/>
-              <a:t>each build is as stable as a release</a:t>
-            </a:r>
-          </a:p>
-          <a:p>
-            <a:r>
-              <a:rPr lang="en-US" dirty="0" smtClean="0"/>
-              <a:t>Releases</a:t>
-            </a:r>
-          </a:p>
-          <a:p>
-            <a:pPr lvl="1"/>
-            <a:r>
-              <a:rPr lang="en-US" dirty="0" smtClean="0"/>
-              <a:t>the concept of « official release » is purely editorial</a:t>
-            </a:r>
-          </a:p>
-          <a:p>
-            <a:pPr marL="914400" lvl="2" indent="0">
-              <a:buNone/>
-            </a:pPr>
-            <a:r>
-              <a:rPr lang="en-US" dirty="0" smtClean="0"/>
-              <a:t>same automated QA as any build</a:t>
-            </a:r>
-          </a:p>
-          <a:p>
-            <a:pPr marL="914400" lvl="2" indent="0">
-              <a:buNone/>
-            </a:pPr>
-            <a:r>
-              <a:rPr lang="en-US" dirty="0" smtClean="0"/>
-              <a:t>=&gt; you may safely use </a:t>
-            </a:r>
-            <a:r>
-              <a:rPr lang="en-US" dirty="0" err="1" smtClean="0"/>
-              <a:t>nighlty</a:t>
-            </a:r>
-            <a:r>
-              <a:rPr lang="en-US" dirty="0" smtClean="0"/>
-              <a:t> builds</a:t>
-            </a:r>
-          </a:p>
-          <a:p>
-            <a:pPr lvl="1"/>
-            <a:r>
-              <a:rPr lang="en-US" dirty="0" smtClean="0"/>
-              <a:t>build of a “release” is fully automated from a macOS host</a:t>
-            </a:r>
-          </a:p>
-          <a:p>
-            <a:pPr marL="914400" lvl="2" indent="0">
-              <a:buNone/>
-            </a:pPr>
-            <a:r>
-              <a:rPr lang="en-US" dirty="0" smtClean="0"/>
-              <a:t>boot, build and shutdown Linux and Windows virtual machines</a:t>
-            </a:r>
-          </a:p>
-          <a:p>
-            <a:pPr marL="914400" lvl="2" indent="0">
-              <a:buNone/>
-            </a:pPr>
-            <a:r>
-              <a:rPr lang="en-US" dirty="0" smtClean="0"/>
-              <a:t>remote build on Raspberry PI</a:t>
-            </a:r>
-          </a:p>
-          <a:p>
-            <a:pPr lvl="1"/>
-            <a:r>
-              <a:rPr lang="en-US" dirty="0" smtClean="0"/>
-              <a:t>releases are tagged in git, published on GitHub</a:t>
-            </a:r>
-            <a:endParaRPr lang="en-US" dirty="0"/>
+        <p:spPr/>
+        <p:txBody>
+          <a:bodyPr/>
+          <a:lstStyle/>
+          <a:p>
+            <a:pPr>
+              <a:tabLst>
+                <a:tab pos="3943350" algn="r"/>
+              </a:tabLst>
+            </a:pPr>
+            <a:r>
+              <a:rPr lang="en-US" dirty="0" smtClean="0"/>
+              <a:t>Source files :	1,800</a:t>
+            </a:r>
+          </a:p>
+          <a:p>
+            <a:r>
+              <a:rPr lang="en-US" dirty="0" smtClean="0"/>
+              <a:t>Lines</a:t>
+            </a:r>
+          </a:p>
+          <a:p>
+            <a:pPr lvl="1">
+              <a:tabLst>
+                <a:tab pos="3943350" algn="r"/>
+                <a:tab pos="5033963" algn="r"/>
+              </a:tabLst>
+            </a:pPr>
+            <a:r>
+              <a:rPr lang="en-US" dirty="0" smtClean="0"/>
+              <a:t>total :	390,000</a:t>
+            </a:r>
+          </a:p>
+          <a:p>
+            <a:pPr lvl="1">
+              <a:tabLst>
+                <a:tab pos="3943350" algn="r"/>
+                <a:tab pos="5033963" algn="r"/>
+              </a:tabLst>
+            </a:pPr>
+            <a:r>
+              <a:rPr lang="en-US" dirty="0" smtClean="0"/>
+              <a:t>comments :	134,000	</a:t>
+            </a:r>
+            <a:r>
+              <a:rPr lang="en-US" sz="2000" dirty="0" smtClean="0"/>
+              <a:t>(34%)</a:t>
+            </a:r>
+            <a:endParaRPr lang="en-US" dirty="0" smtClean="0"/>
+          </a:p>
+          <a:p>
+            <a:pPr lvl="1">
+              <a:tabLst>
+                <a:tab pos="3943350" algn="r"/>
+                <a:tab pos="5033963" algn="r"/>
+              </a:tabLst>
+            </a:pPr>
+            <a:r>
+              <a:rPr lang="en-US" dirty="0" smtClean="0"/>
+              <a:t>actual code :	206,000	</a:t>
+            </a:r>
+            <a:r>
+              <a:rPr lang="en-US" sz="2000" dirty="0" smtClean="0"/>
+              <a:t>(53%)</a:t>
+            </a:r>
+            <a:endParaRPr lang="en-US" dirty="0" smtClean="0"/>
+          </a:p>
+          <a:p>
+            <a:pPr lvl="2">
+              <a:tabLst>
+                <a:tab pos="3943350" algn="r"/>
+                <a:tab pos="5033963" algn="r"/>
+              </a:tabLst>
+            </a:pPr>
+            <a:r>
+              <a:rPr lang="en-US" dirty="0" smtClean="0"/>
+              <a:t>C++ :	198,000</a:t>
+            </a:r>
+          </a:p>
+          <a:p>
+            <a:pPr lvl="2">
+              <a:tabLst>
+                <a:tab pos="3943350" algn="r"/>
+                <a:tab pos="5033963" algn="r"/>
+              </a:tabLst>
+            </a:pPr>
+            <a:r>
+              <a:rPr lang="en-US" dirty="0" smtClean="0"/>
+              <a:t>python :	700</a:t>
+            </a:r>
+          </a:p>
+          <a:p>
+            <a:pPr lvl="2">
+              <a:tabLst>
+                <a:tab pos="3943350" algn="r"/>
+                <a:tab pos="5033963" algn="r"/>
+              </a:tabLst>
+            </a:pPr>
+            <a:r>
+              <a:rPr lang="en-US" dirty="0" smtClean="0"/>
+              <a:t>java :	375</a:t>
+            </a:r>
+          </a:p>
+          <a:p>
+            <a:pPr lvl="2">
+              <a:tabLst>
+                <a:tab pos="3943350" algn="r"/>
+                <a:tab pos="5033963" algn="r"/>
+              </a:tabLst>
+            </a:pPr>
+            <a:r>
+              <a:rPr lang="en-US" dirty="0" smtClean="0"/>
+              <a:t>scripts / make :	2,400</a:t>
+            </a:r>
+          </a:p>
+          <a:p>
+            <a:pPr>
+              <a:tabLst>
+                <a:tab pos="3943350" algn="r"/>
+                <a:tab pos="5033963" algn="r"/>
+              </a:tabLst>
+            </a:pPr>
+            <a:r>
+              <a:rPr lang="en-US" dirty="0" smtClean="0"/>
+              <a:t>As of version 3.27</a:t>
+            </a:r>
           </a:p>
         </p:txBody>
       </p:sp>
     </p:spTree>
     <p:extLst>
       <p:ext uri="{BB962C8B-B14F-4D97-AF65-F5344CB8AC3E}">
-        <p14:creationId xmlns:p14="http://schemas.microsoft.com/office/powerpoint/2010/main" val="1733679948"/>
+        <p14:creationId xmlns:p14="http://schemas.microsoft.com/office/powerpoint/2010/main" val="921067509"/>
       </p:ext>
     </p:extLst>
   </p:cSld>
   <p:clrMapOvr>
     <a:masterClrMapping/>
   </p:clrMapOvr>
-  <p:timing>
-    <p:tnLst>
-      <p:par>
-        <p:cTn id="1" dur="indefinite" restart="never" nodeType="tmRoot"/>
-      </p:par>
-    </p:tnLst>
-  </p:timing>
 </p:sld>
 </file>
 
@@ -2916,7 +2976,7 @@
           <a:p>
             <a:r>
               <a:rPr lang="en-US" noProof="0" dirty="0" smtClean="0"/>
-              <a:t>Tests</a:t>
+              <a:t>Maintenance</a:t>
             </a:r>
             <a:endParaRPr lang="en-US" noProof="0" dirty="0"/>
           </a:p>
@@ -2934,151 +2994,113 @@
         </p:nvSpPr>
         <p:spPr>
           <a:xfrm>
-            <a:off x="682556" y="1488332"/>
-            <a:ext cx="10358338" cy="5243208"/>
+            <a:off x="682556" y="1459149"/>
+            <a:ext cx="10358338" cy="5107021"/>
           </a:xfrm>
         </p:spPr>
         <p:txBody>
           <a:bodyPr>
-            <a:normAutofit fontScale="92500"/>
+            <a:normAutofit/>
           </a:bodyPr>
           <a:lstStyle/>
           <a:p>
-            <a:pPr>
-              <a:lnSpc>
-                <a:spcPct val="110000"/>
-              </a:lnSpc>
-            </a:pPr>
-            <a:r>
-              <a:rPr lang="en-US" dirty="0" smtClean="0"/>
-              <a:t>Time resource constraints</a:t>
-            </a:r>
-          </a:p>
-          <a:p>
-            <a:pPr lvl="1">
-              <a:lnSpc>
-                <a:spcPct val="110000"/>
-              </a:lnSpc>
-            </a:pPr>
-            <a:r>
-              <a:rPr lang="en-US" dirty="0" smtClean="0"/>
-              <a:t>no time to debug or come back on earlier developments</a:t>
+            <a:r>
+              <a:rPr lang="en-US" dirty="0" smtClean="0"/>
+              <a:t>Maintain stability</a:t>
+            </a:r>
+          </a:p>
+          <a:p>
+            <a:pPr lvl="1"/>
+            <a:r>
+              <a:rPr lang="en-US" dirty="0" smtClean="0"/>
+              <a:t>automated full non-regression tests after each commit</a:t>
+            </a:r>
+          </a:p>
+          <a:p>
+            <a:pPr lvl="1"/>
+            <a:r>
+              <a:rPr lang="en-US" dirty="0" smtClean="0"/>
+              <a:t>each build is as stable as a release</a:t>
+            </a:r>
+          </a:p>
+          <a:p>
+            <a:r>
+              <a:rPr lang="en-US" dirty="0" smtClean="0"/>
+              <a:t>Releases</a:t>
+            </a:r>
+          </a:p>
+          <a:p>
+            <a:pPr lvl="1"/>
+            <a:r>
+              <a:rPr lang="en-US" dirty="0" smtClean="0"/>
+              <a:t>the concept of « official release » is purely editorial</a:t>
             </a:r>
           </a:p>
           <a:p>
             <a:pPr marL="914400" lvl="2" indent="0">
-              <a:lnSpc>
-                <a:spcPct val="110000"/>
-              </a:lnSpc>
               <a:buNone/>
             </a:pPr>
             <a:r>
               <a:rPr lang="en-US" dirty="0" smtClean="0"/>
-              <a:t>=&gt; avoid regressions</a:t>
-            </a:r>
-          </a:p>
-          <a:p>
-            <a:pPr lvl="1">
-              <a:lnSpc>
-                <a:spcPct val="110000"/>
-              </a:lnSpc>
-            </a:pPr>
-            <a:r>
-              <a:rPr lang="en-US" dirty="0" smtClean="0"/>
-              <a:t>test-driven development</a:t>
-            </a:r>
-          </a:p>
-          <a:p>
-            <a:pPr>
-              <a:lnSpc>
-                <a:spcPct val="110000"/>
-              </a:lnSpc>
-            </a:pPr>
-            <a:r>
-              <a:rPr lang="en-US" dirty="0" smtClean="0"/>
-              <a:t>Low-level unitary tests</a:t>
-            </a:r>
-          </a:p>
-          <a:p>
-            <a:pPr lvl="1">
-              <a:lnSpc>
-                <a:spcPct val="110000"/>
-              </a:lnSpc>
-            </a:pPr>
-            <a:r>
-              <a:rPr lang="en-US" dirty="0" smtClean="0"/>
-              <a:t>JUnit-like dedicated framework (« </a:t>
+              <a:t>same automated QA as any build</a:t>
+            </a:r>
+          </a:p>
+          <a:p>
+            <a:pPr marL="914400" lvl="2" indent="0">
+              <a:buNone/>
+            </a:pPr>
+            <a:r>
+              <a:rPr lang="en-US" dirty="0" smtClean="0"/>
+              <a:t>=&gt; you may safely use </a:t>
             </a:r>
             <a:r>
               <a:rPr lang="en-US" dirty="0" err="1" smtClean="0"/>
-              <a:t>TSUnit</a:t>
-            </a:r>
-            <a:r>
-              <a:rPr lang="en-US" dirty="0" smtClean="0"/>
-              <a:t> »)</a:t>
-            </a:r>
-          </a:p>
-          <a:p>
-            <a:pPr lvl="1">
-              <a:lnSpc>
-                <a:spcPct val="110000"/>
-              </a:lnSpc>
-            </a:pPr>
-            <a:r>
-              <a:rPr lang="en-US" dirty="0" smtClean="0"/>
-              <a:t>when developing low-level feature, use it as test &amp; debug environment</a:t>
-            </a:r>
-          </a:p>
-          <a:p>
-            <a:pPr lvl="1">
-              <a:lnSpc>
-                <a:spcPct val="110000"/>
-              </a:lnSpc>
-            </a:pPr>
-            <a:r>
-              <a:rPr lang="en-US" dirty="0" smtClean="0"/>
-              <a:t>560+ tests, 28000+ assertions</a:t>
-            </a:r>
-          </a:p>
-          <a:p>
-            <a:pPr>
-              <a:lnSpc>
-                <a:spcPct val="110000"/>
-              </a:lnSpc>
-            </a:pPr>
-            <a:r>
-              <a:rPr lang="en-US" dirty="0" smtClean="0"/>
-              <a:t>High-level test suite</a:t>
-            </a:r>
-          </a:p>
-          <a:p>
-            <a:pPr lvl="1">
-              <a:lnSpc>
-                <a:spcPct val="110000"/>
-              </a:lnSpc>
-            </a:pPr>
-            <a:r>
-              <a:rPr lang="en-US" dirty="0" smtClean="0"/>
-              <a:t>commands and plugins scenarios in a dedicated git repository</a:t>
-            </a:r>
-          </a:p>
-          <a:p>
-            <a:pPr lvl="1">
-              <a:lnSpc>
-                <a:spcPct val="110000"/>
-              </a:lnSpc>
-            </a:pPr>
-            <a:r>
-              <a:rPr lang="en-US" dirty="0" smtClean="0"/>
-              <a:t>90+ test suites, 1300+ tests</a:t>
-            </a:r>
+              <a:t>nighlty</a:t>
+            </a:r>
+            <a:r>
+              <a:rPr lang="en-US" dirty="0" smtClean="0"/>
+              <a:t> builds</a:t>
+            </a:r>
+          </a:p>
+          <a:p>
+            <a:pPr lvl="1"/>
+            <a:r>
+              <a:rPr lang="en-US" dirty="0" smtClean="0"/>
+              <a:t>build of a “release” is fully automated from a macOS host</a:t>
+            </a:r>
+          </a:p>
+          <a:p>
+            <a:pPr marL="914400" lvl="2" indent="0">
+              <a:buNone/>
+            </a:pPr>
+            <a:r>
+              <a:rPr lang="en-US" dirty="0" smtClean="0"/>
+              <a:t>boot, build and shutdown Linux and Windows virtual machines</a:t>
+            </a:r>
+          </a:p>
+          <a:p>
+            <a:pPr marL="914400" lvl="2" indent="0">
+              <a:buNone/>
+            </a:pPr>
+            <a:r>
+              <a:rPr lang="en-US" dirty="0" smtClean="0"/>
+              <a:t>remote build on Raspberry PI</a:t>
+            </a:r>
+          </a:p>
+          <a:p>
+            <a:pPr lvl="1"/>
+            <a:r>
+              <a:rPr lang="en-US" dirty="0" smtClean="0"/>
+              <a:t>releases are tagged in git, published on GitHub</a:t>
+            </a:r>
+            <a:endParaRPr lang="en-US" dirty="0"/>
           </a:p>
         </p:txBody>
       </p:sp>
     </p:spTree>
     <p:extLst>
       <p:ext uri="{BB962C8B-B14F-4D97-AF65-F5344CB8AC3E}">
-        <p14:creationId xmlns:p14="http://schemas.microsoft.com/office/powerpoint/2010/main" val="2820477717"/>
+        <p14:creationId xmlns:p14="http://schemas.microsoft.com/office/powerpoint/2010/main" val="1733679948"/>
       </p:ext>
     </p:extLst>
   </p:cSld>
@@ -3129,7 +3151,7 @@
           <a:p>
             <a:r>
               <a:rPr lang="en-US" noProof="0" dirty="0" smtClean="0"/>
-              <a:t>Tests automation</a:t>
+              <a:t>Tests</a:t>
             </a:r>
             <a:endParaRPr lang="en-US" noProof="0" dirty="0"/>
           </a:p>
@@ -3153,90 +3175,145 @@
         </p:spPr>
         <p:txBody>
           <a:bodyPr>
-            <a:normAutofit/>
+            <a:normAutofit fontScale="92500"/>
           </a:bodyPr>
           <a:lstStyle/>
           <a:p>
-            <a:r>
-              <a:rPr lang="en-US" dirty="0" smtClean="0"/>
-              <a:t>Automation</a:t>
-            </a:r>
-          </a:p>
-          <a:p>
-            <a:pPr lvl="1"/>
-            <a:r>
-              <a:rPr lang="en-US" dirty="0" smtClean="0"/>
-              <a:t>using « GitHub Actions » continuous integration</a:t>
-            </a:r>
-          </a:p>
-          <a:p>
-            <a:pPr lvl="1"/>
-            <a:r>
-              <a:rPr lang="en-US" dirty="0" smtClean="0"/>
-              <a:t>all tests are run on all push and pull requests</a:t>
-            </a:r>
-          </a:p>
-          <a:p>
-            <a:pPr lvl="1"/>
-            <a:r>
-              <a:rPr lang="en-US" dirty="0" smtClean="0"/>
-              <a:t>on Linux, Windows and macOS</a:t>
-            </a:r>
-          </a:p>
-          <a:p>
-            <a:r>
-              <a:rPr lang="en-US" dirty="0" smtClean="0"/>
-              <a:t>Limitations</a:t>
-            </a:r>
-          </a:p>
-          <a:p>
-            <a:pPr lvl="1"/>
-            <a:r>
-              <a:rPr lang="en-US" dirty="0" smtClean="0"/>
-              <a:t>limited to fully automatable tests</a:t>
-            </a:r>
-          </a:p>
-          <a:p>
-            <a:pPr lvl="1"/>
-            <a:r>
-              <a:rPr lang="en-US" dirty="0" smtClean="0"/>
-              <a:t>no QA team =&gt; no manual tests</a:t>
+            <a:pPr>
+              <a:lnSpc>
+                <a:spcPct val="110000"/>
+              </a:lnSpc>
+            </a:pPr>
+            <a:r>
+              <a:rPr lang="en-US" dirty="0" smtClean="0"/>
+              <a:t>Time resource constraints</a:t>
+            </a:r>
+          </a:p>
+          <a:p>
+            <a:pPr lvl="1">
+              <a:lnSpc>
+                <a:spcPct val="110000"/>
+              </a:lnSpc>
+            </a:pPr>
+            <a:r>
+              <a:rPr lang="en-US" dirty="0" smtClean="0"/>
+              <a:t>no time to debug or come back on earlier developments</a:t>
             </a:r>
           </a:p>
           <a:p>
             <a:pPr marL="914400" lvl="2" indent="0">
+              <a:lnSpc>
+                <a:spcPct val="110000"/>
+              </a:lnSpc>
               <a:buNone/>
             </a:pPr>
             <a:r>
               <a:rPr lang="en-US" dirty="0" smtClean="0"/>
-              <a:t>especially on hardware features (tuners, </a:t>
+              <a:t>=&gt; avoid regressions</a:t>
+            </a:r>
+          </a:p>
+          <a:p>
+            <a:pPr lvl="1">
+              <a:lnSpc>
+                <a:spcPct val="110000"/>
+              </a:lnSpc>
+            </a:pPr>
+            <a:r>
+              <a:rPr lang="en-US" dirty="0" smtClean="0"/>
+              <a:t>test-driven development</a:t>
+            </a:r>
+          </a:p>
+          <a:p>
+            <a:pPr>
+              <a:lnSpc>
+                <a:spcPct val="110000"/>
+              </a:lnSpc>
+            </a:pPr>
+            <a:r>
+              <a:rPr lang="en-US" dirty="0" smtClean="0"/>
+              <a:t>Low-level unitary tests</a:t>
+            </a:r>
+          </a:p>
+          <a:p>
+            <a:pPr lvl="1">
+              <a:lnSpc>
+                <a:spcPct val="110000"/>
+              </a:lnSpc>
+            </a:pPr>
+            <a:r>
+              <a:rPr lang="en-US" dirty="0" smtClean="0"/>
+              <a:t>JUnit-like dedicated framework (« </a:t>
             </a:r>
             <a:r>
               <a:rPr lang="en-US" dirty="0" err="1" smtClean="0"/>
-              <a:t>Dektec</a:t>
-            </a:r>
-            <a:r>
-              <a:rPr lang="en-US" dirty="0"/>
-              <a:t> </a:t>
-            </a:r>
-            <a:r>
-              <a:rPr lang="en-US" dirty="0" smtClean="0"/>
-              <a:t>and </a:t>
-            </a:r>
-            <a:r>
-              <a:rPr lang="en-US" dirty="0" err="1" smtClean="0"/>
-              <a:t>HiDes</a:t>
-            </a:r>
-            <a:r>
-              <a:rPr lang="en-US" dirty="0" smtClean="0"/>
-              <a:t> devices)</a:t>
-            </a:r>
-          </a:p>
-          <a:p>
-            <a:pPr lvl="1"/>
-            <a:r>
-              <a:rPr lang="en-US" dirty="0" smtClean="0"/>
-              <a:t>best testing effort within the resource limits of the project</a:t>
+              <a:t>TSUnit</a:t>
+            </a:r>
+            <a:r>
+              <a:rPr lang="en-US" dirty="0" smtClean="0"/>
+              <a:t> »)</a:t>
+            </a:r>
+          </a:p>
+          <a:p>
+            <a:pPr lvl="1">
+              <a:lnSpc>
+                <a:spcPct val="110000"/>
+              </a:lnSpc>
+            </a:pPr>
+            <a:r>
+              <a:rPr lang="en-US" dirty="0" smtClean="0"/>
+              <a:t>when developing low-level feature, use it as test &amp; debug environment</a:t>
+            </a:r>
+          </a:p>
+          <a:p>
+            <a:pPr lvl="1">
+              <a:lnSpc>
+                <a:spcPct val="110000"/>
+              </a:lnSpc>
+            </a:pPr>
+            <a:r>
+              <a:rPr lang="en-US" dirty="0" smtClean="0"/>
+              <a:t>560+ tests, 28000+ assertions</a:t>
+            </a:r>
+          </a:p>
+          <a:p>
+            <a:pPr>
+              <a:lnSpc>
+                <a:spcPct val="110000"/>
+              </a:lnSpc>
+            </a:pPr>
+            <a:r>
+              <a:rPr lang="en-US" dirty="0" smtClean="0"/>
+              <a:t>High-level test suite</a:t>
+            </a:r>
+          </a:p>
+          <a:p>
+            <a:pPr lvl="1">
+              <a:lnSpc>
+                <a:spcPct val="110000"/>
+              </a:lnSpc>
+            </a:pPr>
+            <a:r>
+              <a:rPr lang="en-US" dirty="0" smtClean="0"/>
+              <a:t>commands and plugins scenarios in a dedicated git repository</a:t>
+            </a:r>
+          </a:p>
+          <a:p>
+            <a:pPr lvl="1">
+              <a:lnSpc>
+                <a:spcPct val="110000"/>
+              </a:lnSpc>
+            </a:pPr>
+            <a:r>
+              <a:rPr lang="en-US" dirty="0" smtClean="0"/>
+              <a:t>90+ test suites, </a:t>
+            </a:r>
+            <a:r>
+              <a:rPr lang="en-US" dirty="0" smtClean="0"/>
+              <a:t>1400</a:t>
+            </a:r>
+            <a:r>
+              <a:rPr lang="en-US" dirty="0" smtClean="0"/>
+              <a:t>+ tests</a:t>
             </a:r>
           </a:p>
         </p:txBody>
@@ -3244,7 +3321,7 @@
     </p:spTree>
     <p:extLst>
       <p:ext uri="{BB962C8B-B14F-4D97-AF65-F5344CB8AC3E}">
-        <p14:creationId xmlns:p14="http://schemas.microsoft.com/office/powerpoint/2010/main" val="1667944839"/>
+        <p14:creationId xmlns:p14="http://schemas.microsoft.com/office/powerpoint/2010/main" val="2820477717"/>
       </p:ext>
     </p:extLst>
   </p:cSld>
@@ -3295,7 +3372,7 @@
           <a:p>
             <a:r>
               <a:rPr lang="en-US" noProof="0" dirty="0" smtClean="0"/>
-              <a:t>Documentation</a:t>
+              <a:t>Tests automation</a:t>
             </a:r>
             <a:endParaRPr lang="en-US" noProof="0" dirty="0"/>
           </a:p>
@@ -3311,142 +3388,106 @@
             <p:ph idx="1"/>
           </p:nvPr>
         </p:nvSpPr>
-        <p:spPr/>
+        <p:spPr>
+          <a:xfrm>
+            <a:off x="682556" y="1488332"/>
+            <a:ext cx="10358338" cy="5243208"/>
+          </a:xfrm>
+        </p:spPr>
         <p:txBody>
           <a:bodyPr>
-            <a:normAutofit fontScale="92500" lnSpcReduction="10000"/>
+            <a:normAutofit/>
           </a:bodyPr>
           <a:lstStyle/>
           <a:p>
-            <a:pPr>
-              <a:lnSpc>
-                <a:spcPct val="110000"/>
-              </a:lnSpc>
-            </a:pPr>
-            <a:r>
-              <a:rPr lang="en-US" noProof="0" dirty="0" smtClean="0"/>
-              <a:t>Continuous documentation</a:t>
-            </a:r>
-          </a:p>
-          <a:p>
-            <a:pPr lvl="1">
-              <a:lnSpc>
-                <a:spcPct val="110000"/>
-              </a:lnSpc>
-            </a:pPr>
-            <a:r>
-              <a:rPr lang="en-US" noProof="0" dirty="0" smtClean="0"/>
-              <a:t>code-test-document in each iteration</a:t>
-            </a:r>
-          </a:p>
-          <a:p>
-            <a:pPr lvl="1">
-              <a:lnSpc>
-                <a:spcPct val="110000"/>
-              </a:lnSpc>
-            </a:pPr>
-            <a:r>
-              <a:rPr lang="en-US" dirty="0" smtClean="0"/>
-              <a:t>require self-discipline</a:t>
-            </a:r>
-            <a:endParaRPr lang="en-US" noProof="0" dirty="0" smtClean="0"/>
-          </a:p>
-          <a:p>
-            <a:pPr>
-              <a:lnSpc>
-                <a:spcPct val="110000"/>
-              </a:lnSpc>
-            </a:pPr>
-            <a:r>
-              <a:rPr lang="en-US" noProof="0" dirty="0" smtClean="0"/>
-              <a:t>User’s guide</a:t>
-            </a:r>
-          </a:p>
-          <a:p>
-            <a:pPr lvl="1">
-              <a:lnSpc>
-                <a:spcPct val="110000"/>
-              </a:lnSpc>
-            </a:pPr>
-            <a:r>
-              <a:rPr lang="en-US" noProof="0" dirty="0" smtClean="0"/>
-              <a:t>Microsoft Word</a:t>
-            </a:r>
-          </a:p>
-          <a:p>
-            <a:pPr lvl="1">
-              <a:lnSpc>
-                <a:spcPct val="110000"/>
-              </a:lnSpc>
-            </a:pPr>
-            <a:r>
-              <a:rPr lang="en-US" noProof="0" dirty="0" smtClean="0"/>
-              <a:t>PDF and details are automatically updated using a PowerShell script</a:t>
-            </a:r>
-          </a:p>
-          <a:p>
-            <a:pPr lvl="1">
-              <a:lnSpc>
-                <a:spcPct val="110000"/>
-              </a:lnSpc>
-            </a:pPr>
-            <a:r>
-              <a:rPr lang="en-US" dirty="0" smtClean="0"/>
-              <a:t>~500 pages</a:t>
-            </a:r>
-            <a:endParaRPr lang="en-US" noProof="0" dirty="0" smtClean="0"/>
-          </a:p>
-          <a:p>
-            <a:pPr>
-              <a:lnSpc>
-                <a:spcPct val="110000"/>
-              </a:lnSpc>
-            </a:pPr>
-            <a:r>
-              <a:rPr lang="en-US" noProof="0" dirty="0" smtClean="0"/>
-              <a:t>Programmer’s guide</a:t>
-            </a:r>
-          </a:p>
-          <a:p>
-            <a:pPr lvl="1">
-              <a:lnSpc>
-                <a:spcPct val="110000"/>
-              </a:lnSpc>
-            </a:pPr>
-            <a:r>
-              <a:rPr lang="en-US" noProof="0" dirty="0" smtClean="0"/>
-              <a:t>doxygen from code</a:t>
-            </a:r>
-          </a:p>
-          <a:p>
-            <a:pPr lvl="1">
-              <a:lnSpc>
-                <a:spcPct val="110000"/>
-              </a:lnSpc>
-            </a:pPr>
-            <a:r>
-              <a:rPr lang="en-US" noProof="0" dirty="0" smtClean="0"/>
-              <a:t>automatically generated and published every night on tsduck.io</a:t>
-            </a:r>
-          </a:p>
-          <a:p>
-            <a:pPr lvl="1">
-              <a:lnSpc>
-                <a:spcPct val="110000"/>
-              </a:lnSpc>
-            </a:pPr>
-            <a:r>
-              <a:rPr lang="en-US" dirty="0" smtClean="0"/>
-              <a:t>~3000 HTML files</a:t>
-            </a:r>
-            <a:endParaRPr lang="en-US" noProof="0" dirty="0"/>
+            <a:r>
+              <a:rPr lang="en-US" dirty="0" smtClean="0"/>
+              <a:t>Automation</a:t>
+            </a:r>
+          </a:p>
+          <a:p>
+            <a:pPr lvl="1"/>
+            <a:r>
+              <a:rPr lang="en-US" dirty="0" smtClean="0"/>
+              <a:t>using « GitHub Actions » continuous integration</a:t>
+            </a:r>
+          </a:p>
+          <a:p>
+            <a:pPr lvl="1"/>
+            <a:r>
+              <a:rPr lang="en-US" dirty="0" smtClean="0"/>
+              <a:t>all tests are run on all push and pull requests</a:t>
+            </a:r>
+          </a:p>
+          <a:p>
+            <a:pPr lvl="1"/>
+            <a:r>
+              <a:rPr lang="en-US" dirty="0" smtClean="0"/>
+              <a:t>on Linux, Windows and macOS</a:t>
+            </a:r>
+          </a:p>
+          <a:p>
+            <a:r>
+              <a:rPr lang="en-US" dirty="0" smtClean="0"/>
+              <a:t>Limitations</a:t>
+            </a:r>
+          </a:p>
+          <a:p>
+            <a:pPr lvl="1"/>
+            <a:r>
+              <a:rPr lang="en-US" dirty="0" smtClean="0"/>
+              <a:t>limited to fully automatable tests</a:t>
+            </a:r>
+          </a:p>
+          <a:p>
+            <a:pPr lvl="1"/>
+            <a:r>
+              <a:rPr lang="en-US" dirty="0" smtClean="0"/>
+              <a:t>no QA team =&gt; no manual tests</a:t>
+            </a:r>
+          </a:p>
+          <a:p>
+            <a:pPr marL="914400" lvl="2" indent="0">
+              <a:buNone/>
+            </a:pPr>
+            <a:r>
+              <a:rPr lang="en-US" dirty="0" smtClean="0"/>
+              <a:t>especially on hardware features (tuners, </a:t>
+            </a:r>
+            <a:r>
+              <a:rPr lang="en-US" dirty="0" err="1" smtClean="0"/>
+              <a:t>Dektec</a:t>
+            </a:r>
+            <a:r>
+              <a:rPr lang="en-US" dirty="0"/>
+              <a:t> </a:t>
+            </a:r>
+            <a:r>
+              <a:rPr lang="en-US" dirty="0" smtClean="0"/>
+              <a:t>and </a:t>
+            </a:r>
+            <a:r>
+              <a:rPr lang="en-US" dirty="0" err="1" smtClean="0"/>
+              <a:t>HiDes</a:t>
+            </a:r>
+            <a:r>
+              <a:rPr lang="en-US" dirty="0" smtClean="0"/>
+              <a:t> devices)</a:t>
+            </a:r>
+          </a:p>
+          <a:p>
+            <a:pPr lvl="1"/>
+            <a:r>
+              <a:rPr lang="en-US" dirty="0" smtClean="0"/>
+              <a:t>best testing effort within the resource limits of the project</a:t>
+            </a:r>
           </a:p>
         </p:txBody>
       </p:sp>
     </p:spTree>
     <p:extLst>
       <p:ext uri="{BB962C8B-B14F-4D97-AF65-F5344CB8AC3E}">
-        <p14:creationId xmlns:p14="http://schemas.microsoft.com/office/powerpoint/2010/main" val="1895947489"/>
+        <p14:creationId xmlns:p14="http://schemas.microsoft.com/office/powerpoint/2010/main" val="1667944839"/>
       </p:ext>
     </p:extLst>
   </p:cSld>
@@ -3497,7 +3538,7 @@
           <a:p>
             <a:r>
               <a:rPr lang="en-US" noProof="0" dirty="0" smtClean="0"/>
-              <a:t>Binary deliveries</a:t>
+              <a:t>Documentation</a:t>
             </a:r>
             <a:endParaRPr lang="en-US" noProof="0" dirty="0"/>
           </a:p>
@@ -3516,177 +3557,153 @@
         <p:spPr/>
         <p:txBody>
           <a:bodyPr>
-            <a:normAutofit fontScale="77500" lnSpcReduction="20000"/>
+            <a:normAutofit fontScale="92500" lnSpcReduction="10000"/>
           </a:bodyPr>
           <a:lstStyle/>
           <a:p>
             <a:pPr>
               <a:lnSpc>
-                <a:spcPct val="120000"/>
-              </a:lnSpc>
-            </a:pPr>
-            <a:r>
-              <a:rPr lang="en-US" dirty="0" smtClean="0"/>
-              <a:t>Proper b</a:t>
-            </a:r>
-            <a:r>
-              <a:rPr lang="en-US" noProof="0" dirty="0" err="1" smtClean="0"/>
-              <a:t>inary</a:t>
-            </a:r>
-            <a:r>
-              <a:rPr lang="en-US" noProof="0" dirty="0" smtClean="0"/>
-              <a:t> packaging is essential for user experience</a:t>
-            </a:r>
+                <a:spcPct val="110000"/>
+              </a:lnSpc>
+            </a:pPr>
+            <a:r>
+              <a:rPr lang="en-US" noProof="0" dirty="0" smtClean="0"/>
+              <a:t>Continuous documentation</a:t>
+            </a:r>
+          </a:p>
+          <a:p>
+            <a:pPr lvl="1">
+              <a:lnSpc>
+                <a:spcPct val="110000"/>
+              </a:lnSpc>
+            </a:pPr>
+            <a:r>
+              <a:rPr lang="en-US" noProof="0" dirty="0" smtClean="0"/>
+              <a:t>code-test-document in each iteration</a:t>
+            </a:r>
+          </a:p>
+          <a:p>
+            <a:pPr lvl="1">
+              <a:lnSpc>
+                <a:spcPct val="110000"/>
+              </a:lnSpc>
+            </a:pPr>
+            <a:r>
+              <a:rPr lang="en-US" dirty="0" smtClean="0"/>
+              <a:t>require self-discipline</a:t>
+            </a:r>
+            <a:endParaRPr lang="en-US" noProof="0" dirty="0" smtClean="0"/>
           </a:p>
           <a:p>
             <a:pPr>
               <a:lnSpc>
-                <a:spcPct val="120000"/>
-              </a:lnSpc>
-            </a:pPr>
-            <a:r>
-              <a:rPr lang="en-US" noProof="0" dirty="0" smtClean="0"/>
-              <a:t>System-specific delivery</a:t>
+                <a:spcPct val="110000"/>
+              </a:lnSpc>
+            </a:pPr>
+            <a:r>
+              <a:rPr lang="en-US" noProof="0" dirty="0" smtClean="0"/>
+              <a:t>User’s guide</a:t>
             </a:r>
           </a:p>
           <a:p>
             <a:pPr lvl="1">
               <a:lnSpc>
-                <a:spcPct val="120000"/>
-              </a:lnSpc>
-            </a:pPr>
-            <a:r>
-              <a:rPr lang="en-US" noProof="0" dirty="0" smtClean="0"/>
-              <a:t>Windows: executable installer (NSIS)</a:t>
-            </a:r>
+                <a:spcPct val="110000"/>
+              </a:lnSpc>
+            </a:pPr>
+            <a:r>
+              <a:rPr lang="en-US" dirty="0" smtClean="0"/>
+              <a:t>maintained using </a:t>
+            </a:r>
+            <a:r>
+              <a:rPr lang="en-US" noProof="0" dirty="0" smtClean="0"/>
+              <a:t>Microsoft Word</a:t>
+            </a:r>
+            <a:endParaRPr lang="en-US" noProof="0" dirty="0" smtClean="0"/>
           </a:p>
           <a:p>
             <a:pPr lvl="1">
               <a:lnSpc>
-                <a:spcPct val="120000"/>
-              </a:lnSpc>
-            </a:pPr>
-            <a:r>
-              <a:rPr lang="en-US" dirty="0"/>
-              <a:t>Linux: rpm and deb packages</a:t>
-            </a:r>
-          </a:p>
-          <a:p>
-            <a:pPr marL="914400" lvl="2" indent="0">
-              <a:lnSpc>
-                <a:spcPct val="120000"/>
-              </a:lnSpc>
-              <a:buNone/>
-            </a:pPr>
-            <a:r>
-              <a:rPr lang="en-US" dirty="0"/>
-              <a:t>User’s contribution: AUR on Arch</a:t>
-            </a:r>
+                <a:spcPct val="110000"/>
+              </a:lnSpc>
+            </a:pPr>
+            <a:r>
+              <a:rPr lang="en-US" noProof="0" dirty="0" smtClean="0"/>
+              <a:t>automatically </a:t>
+            </a:r>
+            <a:r>
+              <a:rPr lang="en-US" noProof="0" dirty="0" smtClean="0"/>
+              <a:t>updated using a PowerShell </a:t>
+            </a:r>
+            <a:r>
+              <a:rPr lang="en-US" noProof="0" dirty="0" smtClean="0"/>
+              <a:t>script (versioning, PDF)</a:t>
+            </a:r>
+            <a:endParaRPr lang="en-US" noProof="0" dirty="0" smtClean="0"/>
           </a:p>
           <a:p>
             <a:pPr lvl="1">
               <a:lnSpc>
-                <a:spcPct val="120000"/>
-              </a:lnSpc>
-            </a:pPr>
-            <a:r>
-              <a:rPr lang="en-US" noProof="0" dirty="0" smtClean="0"/>
-              <a:t>macOS: Homebrew</a:t>
-            </a:r>
-          </a:p>
-          <a:p>
-            <a:pPr marL="914400" lvl="2" indent="0">
-              <a:lnSpc>
-                <a:spcPct val="120000"/>
-              </a:lnSpc>
-              <a:buNone/>
-            </a:pPr>
-            <a:r>
-              <a:rPr lang="en-US" dirty="0"/>
-              <a:t>User’s contribution</a:t>
-            </a:r>
-            <a:r>
-              <a:rPr lang="en-US" dirty="0" smtClean="0"/>
-              <a:t>: </a:t>
-            </a:r>
-            <a:r>
-              <a:rPr lang="en-US" dirty="0" err="1" smtClean="0"/>
-              <a:t>MacPorts</a:t>
+                <a:spcPct val="110000"/>
+              </a:lnSpc>
+            </a:pPr>
+            <a:r>
+              <a:rPr lang="en-US" dirty="0" smtClean="0"/>
+              <a:t>~500 pages</a:t>
             </a:r>
             <a:endParaRPr lang="en-US" noProof="0" dirty="0" smtClean="0"/>
           </a:p>
           <a:p>
             <a:pPr>
               <a:lnSpc>
-                <a:spcPct val="120000"/>
-              </a:lnSpc>
-            </a:pPr>
-            <a:r>
-              <a:rPr lang="en-US" noProof="0" dirty="0" smtClean="0"/>
-              <a:t>User-friendly build</a:t>
+                <a:spcPct val="110000"/>
+              </a:lnSpc>
+            </a:pPr>
+            <a:r>
+              <a:rPr lang="en-US" noProof="0" dirty="0" smtClean="0"/>
+              <a:t>Programmer’s guide</a:t>
             </a:r>
           </a:p>
           <a:p>
             <a:pPr lvl="1">
               <a:lnSpc>
-                <a:spcPct val="120000"/>
-              </a:lnSpc>
-            </a:pPr>
-            <a:r>
-              <a:rPr lang="en-US" noProof="0" dirty="0" smtClean="0"/>
-              <a:t>one-liner (« make ») or one-click (« build-installer.ps1 »)</a:t>
-            </a:r>
-          </a:p>
-          <a:p>
-            <a:pPr>
-              <a:lnSpc>
-                <a:spcPct val="120000"/>
-              </a:lnSpc>
-            </a:pPr>
-            <a:r>
-              <a:rPr lang="en-US" noProof="0" dirty="0" smtClean="0"/>
-              <a:t>Full automation</a:t>
+                <a:spcPct val="110000"/>
+              </a:lnSpc>
+            </a:pPr>
+            <a:r>
+              <a:rPr lang="en-US" noProof="0" dirty="0" smtClean="0"/>
+              <a:t>doxygen from code</a:t>
             </a:r>
           </a:p>
           <a:p>
             <a:pPr lvl="1">
               <a:lnSpc>
-                <a:spcPct val="120000"/>
-              </a:lnSpc>
-            </a:pPr>
-            <a:r>
-              <a:rPr lang="en-US" noProof="0" dirty="0" smtClean="0"/>
-              <a:t>scripts</a:t>
+                <a:spcPct val="110000"/>
+              </a:lnSpc>
+            </a:pPr>
+            <a:r>
+              <a:rPr lang="en-US" noProof="0" dirty="0" smtClean="0"/>
+              <a:t>automatically generated and published every night on tsduck.io</a:t>
             </a:r>
           </a:p>
           <a:p>
             <a:pPr lvl="1">
               <a:lnSpc>
-                <a:spcPct val="120000"/>
-              </a:lnSpc>
-            </a:pPr>
-            <a:r>
-              <a:rPr lang="en-US" noProof="0" dirty="0" smtClean="0"/>
-              <a:t>continuous integration using GitHub Actions</a:t>
-            </a:r>
-          </a:p>
-          <a:p>
-            <a:pPr lvl="1">
-              <a:lnSpc>
-                <a:spcPct val="120000"/>
-              </a:lnSpc>
-            </a:pPr>
-            <a:r>
-              <a:rPr lang="en-US" noProof="0" dirty="0" smtClean="0"/>
-              <a:t>automated production and publication of nightly builds on tsduck.io</a:t>
-            </a:r>
+                <a:spcPct val="110000"/>
+              </a:lnSpc>
+            </a:pPr>
+            <a:r>
+              <a:rPr lang="en-US" dirty="0" smtClean="0"/>
+              <a:t>~3000 HTML files</a:t>
+            </a:r>
+            <a:endParaRPr lang="en-US" noProof="0" dirty="0"/>
           </a:p>
         </p:txBody>
       </p:sp>
     </p:spTree>
     <p:extLst>
       <p:ext uri="{BB962C8B-B14F-4D97-AF65-F5344CB8AC3E}">
-        <p14:creationId xmlns:p14="http://schemas.microsoft.com/office/powerpoint/2010/main" val="62032723"/>
+        <p14:creationId xmlns:p14="http://schemas.microsoft.com/office/powerpoint/2010/main" val="1895947489"/>
       </p:ext>
     </p:extLst>
   </p:cSld>
@@ -3737,7 +3754,7 @@
           <a:p>
             <a:r>
               <a:rPr lang="en-US" noProof="0" dirty="0" smtClean="0"/>
-              <a:t>Support</a:t>
+              <a:t>Binary deliveries</a:t>
             </a:r>
             <a:endParaRPr lang="en-US" noProof="0" dirty="0"/>
           </a:p>
@@ -3766,8 +3783,16 @@
               </a:lnSpc>
             </a:pPr>
             <a:r>
-              <a:rPr lang="en-US" noProof="0" dirty="0" smtClean="0"/>
-              <a:t>Building a community means providing support</a:t>
+              <a:rPr lang="en-US" dirty="0" smtClean="0"/>
+              <a:t>Proper </a:t>
+            </a:r>
+            <a:r>
+              <a:rPr lang="en-US" noProof="0" dirty="0" smtClean="0"/>
+              <a:t>binary </a:t>
+            </a:r>
+            <a:r>
+              <a:rPr lang="en-US" noProof="0" dirty="0" smtClean="0"/>
+              <a:t>packaging is essential for user experience</a:t>
             </a:r>
           </a:p>
           <a:p>
@@ -3778,7 +3803,7 @@
             </a:pPr>
             <a:r>
               <a:rPr lang="en-US" noProof="0" dirty="0" smtClean="0"/>
-              <a:t>GitHub issue tracker</a:t>
+              <a:t>System-specific delivery</a:t>
             </a:r>
           </a:p>
           <a:p>
@@ -3789,8 +3814,63 @@
             </a:pPr>
             <a:r>
               <a:rPr lang="en-US" noProof="0" dirty="0" smtClean="0"/>
-              <a:t>mostly used as a discussion forum</a:t>
-            </a:r>
+              <a:t>Windows: executable installer (NSIS)</a:t>
+            </a:r>
+          </a:p>
+          <a:p>
+            <a:pPr lvl="1">
+              <a:lnSpc>
+                <a:spcPct val="120000"/>
+              </a:lnSpc>
+            </a:pPr>
+            <a:r>
+              <a:rPr lang="en-US" dirty="0"/>
+              <a:t>Linux: rpm and deb packages</a:t>
+            </a:r>
+          </a:p>
+          <a:p>
+            <a:pPr marL="914400" lvl="2" indent="0">
+              <a:lnSpc>
+                <a:spcPct val="120000"/>
+              </a:lnSpc>
+              <a:buNone/>
+            </a:pPr>
+            <a:r>
+              <a:rPr lang="en-US" dirty="0"/>
+              <a:t>User’s contribution: AUR on Arch</a:t>
+            </a:r>
+          </a:p>
+          <a:p>
+            <a:pPr lvl="1">
+              <a:lnSpc>
+                <a:spcPct val="120000"/>
+              </a:lnSpc>
+            </a:pPr>
+            <a:r>
+              <a:rPr lang="en-US" noProof="0" dirty="0" smtClean="0"/>
+              <a:t>macOS: Homebrew</a:t>
+            </a:r>
+          </a:p>
+          <a:p>
+            <a:pPr marL="914400" lvl="2" indent="0">
+              <a:lnSpc>
+                <a:spcPct val="120000"/>
+              </a:lnSpc>
+              <a:buNone/>
+            </a:pPr>
+            <a:r>
+              <a:rPr lang="en-US" dirty="0"/>
+              <a:t>User’s contribution</a:t>
+            </a:r>
+            <a:r>
+              <a:rPr lang="en-US" dirty="0" smtClean="0"/>
+              <a:t>: </a:t>
+            </a:r>
+            <a:r>
+              <a:rPr lang="en-US" dirty="0" err="1" smtClean="0"/>
+              <a:t>MacPorts</a:t>
+            </a:r>
+            <a:endParaRPr lang="en-US" noProof="0" dirty="0" smtClean="0"/>
           </a:p>
           <a:p>
             <a:pPr>
@@ -3800,7 +3880,7 @@
             </a:pPr>
             <a:r>
               <a:rPr lang="en-US" noProof="0" dirty="0" smtClean="0"/>
-              <a:t>Spend time for users</a:t>
+              <a:t>User-friendly build</a:t>
             </a:r>
           </a:p>
           <a:p>
@@ -3811,7 +3891,18 @@
             </a:pPr>
             <a:r>
               <a:rPr lang="en-US" noProof="0" dirty="0" smtClean="0"/>
-              <a:t>… but not too much time</a:t>
+              <a:t>one-liner (« make ») or one-click (« build-installer.ps1 »)</a:t>
+            </a:r>
+          </a:p>
+          <a:p>
+            <a:pPr>
+              <a:lnSpc>
+                <a:spcPct val="120000"/>
+              </a:lnSpc>
+            </a:pPr>
+            <a:r>
+              <a:rPr lang="en-US" noProof="0" dirty="0" smtClean="0"/>
+              <a:t>Full automation</a:t>
             </a:r>
           </a:p>
           <a:p>
@@ -3822,95 +3913,37 @@
             </a:pPr>
             <a:r>
               <a:rPr lang="en-US" noProof="0" dirty="0" smtClean="0"/>
-              <a:t>explain, explain, explain</a:t>
-            </a:r>
-          </a:p>
-          <a:p>
-            <a:pPr marL="914400" lvl="2" indent="0">
+              <a:t>scripts</a:t>
+            </a:r>
+          </a:p>
+          <a:p>
+            <a:pPr lvl="1">
               <a:lnSpc>
                 <a:spcPct val="120000"/>
               </a:lnSpc>
-              <a:buNone/>
-            </a:pPr>
-            <a:r>
-              <a:rPr lang="en-US" noProof="0" dirty="0" smtClean="0"/>
-              <a:t>give investigation clues or suggestions, don’t give solutions</a:t>
-            </a:r>
-          </a:p>
-          <a:p>
-            <a:pPr marL="914400" lvl="2" indent="0">
+            </a:pPr>
+            <a:r>
+              <a:rPr lang="en-US" noProof="0" dirty="0" smtClean="0"/>
+              <a:t>continuous integration using GitHub Actions</a:t>
+            </a:r>
+          </a:p>
+          <a:p>
+            <a:pPr lvl="1">
               <a:lnSpc>
                 <a:spcPct val="120000"/>
               </a:lnSpc>
-              <a:buNone/>
-            </a:pPr>
-            <a:r>
-              <a:rPr lang="en-US" noProof="0" dirty="0" smtClean="0"/>
-              <a:t>the default answer always remains « RTFM ! »</a:t>
-            </a:r>
-          </a:p>
-          <a:p>
-            <a:pPr>
-              <a:lnSpc>
-                <a:spcPct val="120000"/>
-              </a:lnSpc>
-            </a:pPr>
-            <a:r>
-              <a:rPr lang="en-US" noProof="0" dirty="0" smtClean="0"/>
-              <a:t>Fix bugs quickly</a:t>
-            </a:r>
-          </a:p>
-          <a:p>
-            <a:pPr lvl="1">
-              <a:lnSpc>
-                <a:spcPct val="120000"/>
-              </a:lnSpc>
-            </a:pPr>
-            <a:r>
-              <a:rPr lang="en-US" noProof="0" dirty="0" smtClean="0"/>
-              <a:t>bugs are annoying for everyone, they ruin the reputation of a project</a:t>
-            </a:r>
-          </a:p>
-          <a:p>
-            <a:pPr>
-              <a:lnSpc>
-                <a:spcPct val="120000"/>
-              </a:lnSpc>
-            </a:pPr>
-            <a:r>
-              <a:rPr lang="en-US" noProof="0" dirty="0" smtClean="0"/>
-              <a:t>Implement suggested new features</a:t>
-            </a:r>
-          </a:p>
-          <a:p>
-            <a:pPr lvl="1">
-              <a:lnSpc>
-                <a:spcPct val="120000"/>
-              </a:lnSpc>
-            </a:pPr>
-            <a:r>
-              <a:rPr lang="en-US" noProof="0" dirty="0" smtClean="0"/>
-              <a:t>transform user’s requests in generic new features for everyone</a:t>
-            </a:r>
-          </a:p>
-          <a:p>
-            <a:pPr lvl="1">
-              <a:lnSpc>
-                <a:spcPct val="120000"/>
-              </a:lnSpc>
-            </a:pPr>
-            <a:r>
-              <a:rPr lang="en-US" noProof="0" dirty="0" smtClean="0"/>
-              <a:t>protect the architecture and principles of the project</a:t>
-            </a:r>
-            <a:endParaRPr lang="en-US" noProof="0" dirty="0"/>
+            </a:pPr>
+            <a:r>
+              <a:rPr lang="en-US" noProof="0" dirty="0" smtClean="0"/>
+              <a:t>automated production and publication of nightly builds on tsduck.io</a:t>
+            </a:r>
           </a:p>
         </p:txBody>
       </p:sp>
     </p:spTree>
     <p:extLst>
       <p:ext uri="{BB962C8B-B14F-4D97-AF65-F5344CB8AC3E}">
-        <p14:creationId xmlns:p14="http://schemas.microsoft.com/office/powerpoint/2010/main" val="1582633702"/>
+        <p14:creationId xmlns:p14="http://schemas.microsoft.com/office/powerpoint/2010/main" val="62032723"/>
       </p:ext>
     </p:extLst>
   </p:cSld>
@@ -3946,62 +3979,6 @@
       </p:grpSpPr>
       <p:sp>
         <p:nvSpPr>
-          <p:cNvPr id="45" name="Rounded Rectangle 44"/>
-          <p:cNvSpPr/>
-          <p:nvPr/>
-        </p:nvSpPr>
-        <p:spPr>
-          <a:xfrm>
-            <a:off x="8599253" y="1604231"/>
-            <a:ext cx="2889114" cy="2838281"/>
-          </a:xfrm>
-          <a:prstGeom prst="roundRect">
-            <a:avLst>
-              <a:gd name="adj" fmla="val 6454"/>
-            </a:avLst>
-          </a:prstGeom>
-          <a:solidFill>
-            <a:schemeClr val="accent3"/>
-          </a:solidFill>
-        </p:spPr>
-        <p:style>
-          <a:lnRef idx="2">
-            <a:schemeClr val="accent6">
-              <a:shade val="50000"/>
-            </a:schemeClr>
-          </a:lnRef>
-          <a:fillRef idx="1">
-            <a:schemeClr val="accent6"/>
-          </a:fillRef>
-          <a:effectRef idx="0">
-            <a:schemeClr val="accent6"/>
-          </a:effectRef>
-          <a:fontRef idx="minor">
-            <a:schemeClr val="lt1"/>
-          </a:fontRef>
-        </p:style>
-        <p:txBody>
-          <a:bodyPr rtlCol="0" anchor="t"/>
-          <a:lstStyle/>
-          <a:p>
-            <a:r>
-              <a:rPr lang="en-US" dirty="0" smtClean="0">
-                <a:solidFill>
-                  <a:schemeClr val="tx1"/>
-                </a:solidFill>
-              </a:rPr>
-              <a:t>GitHub Actions (CI/CD)</a:t>
-            </a:r>
-            <a:endParaRPr lang="en-US" dirty="0">
-              <a:solidFill>
-                <a:schemeClr val="tx1"/>
-              </a:solidFill>
-            </a:endParaRPr>
-          </a:p>
-        </p:txBody>
-      </p:sp>
-      <p:sp>
-        <p:nvSpPr>
           <p:cNvPr id="2" name="Title 1"/>
           <p:cNvSpPr>
             <a:spLocks noGrp="1"/>
@@ -4017,7 +3994,7 @@
           <a:p>
             <a:r>
               <a:rPr lang="en-US" noProof="0" dirty="0" smtClean="0"/>
-              <a:t>Infrastructure</a:t>
+              <a:t>Support</a:t>
             </a:r>
             <a:endParaRPr lang="en-US" noProof="0" dirty="0"/>
           </a:p>
@@ -4025,3076 +4002,172 @@
       </p:sp>
       <p:sp>
         <p:nvSpPr>
-          <p:cNvPr id="5" name="Rounded Rectangle 4"/>
-          <p:cNvSpPr/>
-          <p:nvPr/>
-        </p:nvSpPr>
-        <p:spPr>
-          <a:xfrm>
-            <a:off x="682557" y="1605064"/>
-            <a:ext cx="3946440" cy="4922197"/>
-          </a:xfrm>
-          <a:prstGeom prst="roundRect">
-            <a:avLst>
-              <a:gd name="adj" fmla="val 6454"/>
-            </a:avLst>
-          </a:prstGeom>
-          <a:solidFill>
-            <a:schemeClr val="accent3"/>
-          </a:solidFill>
-        </p:spPr>
-        <p:style>
-          <a:lnRef idx="2">
-            <a:schemeClr val="accent6">
-              <a:shade val="50000"/>
-            </a:schemeClr>
-          </a:lnRef>
-          <a:fillRef idx="1">
-            <a:schemeClr val="accent6"/>
-          </a:fillRef>
-          <a:effectRef idx="0">
-            <a:schemeClr val="accent6"/>
-          </a:effectRef>
-          <a:fontRef idx="minor">
-            <a:schemeClr val="lt1"/>
-          </a:fontRef>
-        </p:style>
-        <p:txBody>
-          <a:bodyPr rtlCol="0" anchor="t"/>
-          <a:lstStyle/>
-          <a:p>
-            <a:r>
-              <a:rPr lang="en-US" dirty="0" smtClean="0">
-                <a:solidFill>
-                  <a:schemeClr val="tx1"/>
-                </a:solidFill>
-              </a:rPr>
-              <a:t>Home (development)</a:t>
-            </a:r>
-            <a:endParaRPr lang="en-US" dirty="0">
-              <a:solidFill>
-                <a:schemeClr val="tx1"/>
-              </a:solidFill>
-            </a:endParaRPr>
-          </a:p>
-        </p:txBody>
-      </p:sp>
-      <p:sp>
-        <p:nvSpPr>
-          <p:cNvPr id="4" name="Rectangle 3"/>
-          <p:cNvSpPr/>
-          <p:nvPr/>
-        </p:nvSpPr>
-        <p:spPr>
-          <a:xfrm>
-            <a:off x="2227628" y="2198451"/>
-            <a:ext cx="2149813" cy="3268494"/>
-          </a:xfrm>
-          <a:prstGeom prst="rect">
-            <a:avLst/>
-          </a:prstGeom>
-        </p:spPr>
-        <p:style>
-          <a:lnRef idx="2">
-            <a:schemeClr val="accent6">
-              <a:shade val="50000"/>
-            </a:schemeClr>
-          </a:lnRef>
-          <a:fillRef idx="1">
-            <a:schemeClr val="accent6"/>
-          </a:fillRef>
-          <a:effectRef idx="0">
-            <a:schemeClr val="accent6"/>
-          </a:effectRef>
-          <a:fontRef idx="minor">
-            <a:schemeClr val="lt1"/>
-          </a:fontRef>
-        </p:style>
-        <p:txBody>
-          <a:bodyPr rtlCol="0" anchor="t"/>
-          <a:lstStyle/>
-          <a:p>
-            <a:r>
-              <a:rPr lang="en-US" dirty="0" smtClean="0"/>
-              <a:t>macOS</a:t>
-            </a:r>
-          </a:p>
-        </p:txBody>
-      </p:sp>
-      <p:sp>
-        <p:nvSpPr>
-          <p:cNvPr id="6" name="Rectangle 5"/>
-          <p:cNvSpPr/>
-          <p:nvPr/>
-        </p:nvSpPr>
-        <p:spPr>
-          <a:xfrm>
-            <a:off x="895449" y="3184908"/>
-            <a:ext cx="956552" cy="1771673"/>
-          </a:xfrm>
-          <a:prstGeom prst="rect">
-            <a:avLst/>
-          </a:prstGeom>
-        </p:spPr>
-        <p:style>
-          <a:lnRef idx="2">
-            <a:schemeClr val="accent6">
-              <a:shade val="50000"/>
-            </a:schemeClr>
-          </a:lnRef>
-          <a:fillRef idx="1">
-            <a:schemeClr val="accent6"/>
-          </a:fillRef>
-          <a:effectRef idx="0">
-            <a:schemeClr val="accent6"/>
-          </a:effectRef>
-          <a:fontRef idx="minor">
-            <a:schemeClr val="lt1"/>
-          </a:fontRef>
-        </p:style>
-        <p:txBody>
-          <a:bodyPr rtlCol="0" anchor="t"/>
-          <a:lstStyle/>
-          <a:p>
-            <a:r>
-              <a:rPr lang="en-US" dirty="0" smtClean="0"/>
-              <a:t>NAS</a:t>
-            </a:r>
-          </a:p>
-        </p:txBody>
-      </p:sp>
-      <p:sp>
-        <p:nvSpPr>
-          <p:cNvPr id="7" name="Flowchart: Magnetic Disk 6"/>
-          <p:cNvSpPr/>
-          <p:nvPr/>
-        </p:nvSpPr>
-        <p:spPr>
-          <a:xfrm>
-            <a:off x="1060781" y="3668830"/>
-            <a:ext cx="632298" cy="426087"/>
-          </a:xfrm>
-          <a:prstGeom prst="flowChartMagneticDisk">
-            <a:avLst/>
-          </a:prstGeom>
-          <a:solidFill>
-            <a:schemeClr val="accent5"/>
-          </a:solidFill>
-        </p:spPr>
-        <p:style>
-          <a:lnRef idx="2">
-            <a:schemeClr val="accent1">
-              <a:shade val="50000"/>
-            </a:schemeClr>
-          </a:lnRef>
-          <a:fillRef idx="1">
-            <a:schemeClr val="accent1"/>
-          </a:fillRef>
-          <a:effectRef idx="0">
-            <a:schemeClr val="accent1"/>
-          </a:effectRef>
-          <a:fontRef idx="minor">
-            <a:schemeClr val="lt1"/>
-          </a:fontRef>
-        </p:style>
-        <p:txBody>
-          <a:bodyPr rtlCol="0" anchor="ctr"/>
-          <a:lstStyle/>
-          <a:p>
-            <a:pPr algn="ctr"/>
-            <a:r>
-              <a:rPr lang="en-US" dirty="0" smtClean="0">
-                <a:solidFill>
-                  <a:schemeClr val="tx1"/>
-                </a:solidFill>
-              </a:rPr>
-              <a:t>git</a:t>
-            </a:r>
-            <a:endParaRPr lang="en-US" dirty="0">
-              <a:solidFill>
-                <a:schemeClr val="tx1"/>
-              </a:solidFill>
-            </a:endParaRPr>
-          </a:p>
-        </p:txBody>
-      </p:sp>
-      <p:sp>
-        <p:nvSpPr>
-          <p:cNvPr id="8" name="Rectangle 7"/>
-          <p:cNvSpPr/>
-          <p:nvPr/>
-        </p:nvSpPr>
-        <p:spPr>
-          <a:xfrm>
-            <a:off x="2735208" y="2978806"/>
-            <a:ext cx="686610" cy="492056"/>
-          </a:xfrm>
-          <a:prstGeom prst="rect">
-            <a:avLst/>
-          </a:prstGeom>
-          <a:solidFill>
-            <a:schemeClr val="accent1"/>
-          </a:solidFill>
-        </p:spPr>
-        <p:style>
-          <a:lnRef idx="2">
-            <a:schemeClr val="accent6">
-              <a:shade val="50000"/>
-            </a:schemeClr>
-          </a:lnRef>
-          <a:fillRef idx="1">
-            <a:schemeClr val="accent6"/>
-          </a:fillRef>
-          <a:effectRef idx="0">
-            <a:schemeClr val="accent6"/>
-          </a:effectRef>
-          <a:fontRef idx="minor">
-            <a:schemeClr val="lt1"/>
-          </a:fontRef>
-        </p:style>
-        <p:txBody>
-          <a:bodyPr lIns="0" rIns="0" rtlCol="0" anchor="t"/>
-          <a:lstStyle/>
-          <a:p>
-            <a:pPr algn="ctr"/>
-            <a:r>
-              <a:rPr lang="en-US" sz="1050" dirty="0" smtClean="0"/>
-              <a:t>Ubuntu</a:t>
-            </a:r>
-          </a:p>
-        </p:txBody>
-      </p:sp>
-      <p:sp>
-        <p:nvSpPr>
-          <p:cNvPr id="10" name="Flowchart: Magnetic Disk 9"/>
-          <p:cNvSpPr/>
-          <p:nvPr/>
-        </p:nvSpPr>
-        <p:spPr>
-          <a:xfrm>
-            <a:off x="3724271" y="2643461"/>
-            <a:ext cx="304524" cy="214669"/>
-          </a:xfrm>
-          <a:prstGeom prst="flowChartMagneticDisk">
-            <a:avLst/>
-          </a:prstGeom>
-          <a:solidFill>
-            <a:schemeClr val="accent5"/>
-          </a:solidFill>
-        </p:spPr>
-        <p:style>
-          <a:lnRef idx="2">
-            <a:schemeClr val="accent1">
-              <a:shade val="50000"/>
-            </a:schemeClr>
-          </a:lnRef>
-          <a:fillRef idx="1">
-            <a:schemeClr val="accent1"/>
-          </a:fillRef>
-          <a:effectRef idx="0">
-            <a:schemeClr val="accent1"/>
-          </a:effectRef>
-          <a:fontRef idx="minor">
-            <a:schemeClr val="lt1"/>
-          </a:fontRef>
-        </p:style>
-        <p:txBody>
-          <a:bodyPr lIns="0" tIns="0" rIns="0" bIns="0" rtlCol="0" anchor="ctr"/>
-          <a:lstStyle/>
-          <a:p>
-            <a:pPr algn="ctr"/>
-            <a:r>
-              <a:rPr lang="en-US" sz="1200" dirty="0" smtClean="0">
-                <a:solidFill>
-                  <a:schemeClr val="tx1"/>
-                </a:solidFill>
-              </a:rPr>
-              <a:t>git</a:t>
-            </a:r>
-            <a:endParaRPr lang="en-US" sz="1200" dirty="0">
-              <a:solidFill>
-                <a:schemeClr val="tx1"/>
-              </a:solidFill>
-            </a:endParaRPr>
-          </a:p>
-        </p:txBody>
-      </p:sp>
-      <p:sp>
-        <p:nvSpPr>
-          <p:cNvPr id="11" name="TextBox 10"/>
-          <p:cNvSpPr txBox="1"/>
-          <p:nvPr/>
-        </p:nvSpPr>
-        <p:spPr>
-          <a:xfrm>
-            <a:off x="3137427" y="2612296"/>
-            <a:ext cx="656621" cy="276999"/>
-          </a:xfrm>
-          <a:prstGeom prst="rect">
-            <a:avLst/>
-          </a:prstGeom>
-          <a:noFill/>
-        </p:spPr>
-        <p:txBody>
-          <a:bodyPr wrap="square" rtlCol="0">
-            <a:spAutoFit/>
+          <p:cNvPr id="3" name="Content Placeholder 2"/>
+          <p:cNvSpPr>
+            <a:spLocks noGrp="1"/>
+          </p:cNvSpPr>
+          <p:nvPr>
+            <p:ph idx="1"/>
+          </p:nvPr>
+        </p:nvSpPr>
+        <p:spPr/>
+        <p:txBody>
+          <a:bodyPr>
+            <a:normAutofit fontScale="77500" lnSpcReduction="20000"/>
           </a:bodyPr>
           <a:lstStyle/>
           <a:p>
-            <a:r>
-              <a:rPr lang="en-US" sz="1200" dirty="0" smtClean="0">
-                <a:solidFill>
-                  <a:schemeClr val="bg1"/>
-                </a:solidFill>
-              </a:rPr>
-              <a:t>native:</a:t>
-            </a:r>
-            <a:endParaRPr lang="en-US" sz="1200" dirty="0">
-              <a:solidFill>
-                <a:schemeClr val="bg1"/>
-              </a:solidFill>
-            </a:endParaRPr>
-          </a:p>
-        </p:txBody>
-      </p:sp>
-      <p:sp>
-        <p:nvSpPr>
-          <p:cNvPr id="13" name="Rectangle 12"/>
-          <p:cNvSpPr/>
-          <p:nvPr/>
-        </p:nvSpPr>
-        <p:spPr>
-          <a:xfrm>
-            <a:off x="2735208" y="3587138"/>
-            <a:ext cx="686610" cy="492056"/>
-          </a:xfrm>
-          <a:prstGeom prst="rect">
-            <a:avLst/>
-          </a:prstGeom>
-          <a:solidFill>
-            <a:schemeClr val="accent1"/>
-          </a:solidFill>
-        </p:spPr>
-        <p:style>
-          <a:lnRef idx="2">
-            <a:schemeClr val="accent6">
-              <a:shade val="50000"/>
-            </a:schemeClr>
-          </a:lnRef>
-          <a:fillRef idx="1">
-            <a:schemeClr val="accent6"/>
-          </a:fillRef>
-          <a:effectRef idx="0">
-            <a:schemeClr val="accent6"/>
-          </a:effectRef>
-          <a:fontRef idx="minor">
-            <a:schemeClr val="lt1"/>
-          </a:fontRef>
-        </p:style>
-        <p:txBody>
-          <a:bodyPr lIns="0" rIns="0" rtlCol="0" anchor="t"/>
-          <a:lstStyle/>
-          <a:p>
-            <a:pPr algn="ctr"/>
-            <a:r>
-              <a:rPr lang="en-US" sz="1050" dirty="0" smtClean="0"/>
-              <a:t>Fedora</a:t>
-            </a:r>
-          </a:p>
-        </p:txBody>
-      </p:sp>
-      <p:sp>
-        <p:nvSpPr>
-          <p:cNvPr id="15" name="Rectangle 14"/>
-          <p:cNvSpPr/>
-          <p:nvPr/>
-        </p:nvSpPr>
-        <p:spPr>
-          <a:xfrm>
-            <a:off x="2735208" y="4188223"/>
-            <a:ext cx="686610" cy="492056"/>
-          </a:xfrm>
-          <a:prstGeom prst="rect">
-            <a:avLst/>
-          </a:prstGeom>
-          <a:solidFill>
-            <a:schemeClr val="accent1"/>
-          </a:solidFill>
-        </p:spPr>
-        <p:style>
-          <a:lnRef idx="2">
-            <a:schemeClr val="accent6">
-              <a:shade val="50000"/>
-            </a:schemeClr>
-          </a:lnRef>
-          <a:fillRef idx="1">
-            <a:schemeClr val="accent6"/>
-          </a:fillRef>
-          <a:effectRef idx="0">
-            <a:schemeClr val="accent6"/>
-          </a:effectRef>
-          <a:fontRef idx="minor">
-            <a:schemeClr val="lt1"/>
-          </a:fontRef>
-        </p:style>
-        <p:txBody>
-          <a:bodyPr lIns="0" rIns="0" rtlCol="0" anchor="t"/>
-          <a:lstStyle/>
-          <a:p>
-            <a:pPr algn="ctr"/>
-            <a:r>
-              <a:rPr lang="en-US" sz="1050" dirty="0" smtClean="0"/>
-              <a:t>Alpine</a:t>
-            </a:r>
-          </a:p>
-        </p:txBody>
-      </p:sp>
-      <p:sp>
-        <p:nvSpPr>
-          <p:cNvPr id="17" name="Rectangle 16"/>
-          <p:cNvSpPr/>
-          <p:nvPr/>
-        </p:nvSpPr>
-        <p:spPr>
-          <a:xfrm>
-            <a:off x="2735208" y="4796555"/>
-            <a:ext cx="686610" cy="492056"/>
-          </a:xfrm>
-          <a:prstGeom prst="rect">
-            <a:avLst/>
-          </a:prstGeom>
-          <a:solidFill>
-            <a:schemeClr val="accent1"/>
-          </a:solidFill>
-        </p:spPr>
-        <p:style>
-          <a:lnRef idx="2">
-            <a:schemeClr val="accent6">
-              <a:shade val="50000"/>
-            </a:schemeClr>
-          </a:lnRef>
-          <a:fillRef idx="1">
-            <a:schemeClr val="accent6"/>
-          </a:fillRef>
-          <a:effectRef idx="0">
-            <a:schemeClr val="accent6"/>
-          </a:effectRef>
-          <a:fontRef idx="minor">
-            <a:schemeClr val="lt1"/>
-          </a:fontRef>
-        </p:style>
-        <p:txBody>
-          <a:bodyPr lIns="0" rIns="0" rtlCol="0" anchor="t"/>
-          <a:lstStyle/>
-          <a:p>
-            <a:pPr algn="ctr"/>
-            <a:r>
-              <a:rPr lang="en-US" sz="1050" dirty="0" smtClean="0"/>
-              <a:t>Windows</a:t>
-            </a:r>
-          </a:p>
-        </p:txBody>
-      </p:sp>
-      <p:sp>
-        <p:nvSpPr>
-          <p:cNvPr id="19" name="TextBox 18"/>
-          <p:cNvSpPr txBox="1"/>
-          <p:nvPr/>
-        </p:nvSpPr>
-        <p:spPr>
-          <a:xfrm>
-            <a:off x="2220583" y="3988835"/>
-            <a:ext cx="656621" cy="276999"/>
-          </a:xfrm>
-          <a:prstGeom prst="rect">
-            <a:avLst/>
-          </a:prstGeom>
-          <a:noFill/>
-        </p:spPr>
-        <p:txBody>
-          <a:bodyPr wrap="square" rtlCol="0">
-            <a:spAutoFit/>
-          </a:bodyPr>
-          <a:lstStyle/>
-          <a:p>
-            <a:r>
-              <a:rPr lang="en-US" sz="1200" dirty="0" smtClean="0">
-                <a:solidFill>
-                  <a:schemeClr val="bg1"/>
-                </a:solidFill>
-              </a:rPr>
-              <a:t>VM:</a:t>
-            </a:r>
-            <a:endParaRPr lang="en-US" sz="1200" dirty="0">
-              <a:solidFill>
-                <a:schemeClr val="bg1"/>
-              </a:solidFill>
-            </a:endParaRPr>
-          </a:p>
-        </p:txBody>
-      </p:sp>
-      <p:sp>
-        <p:nvSpPr>
-          <p:cNvPr id="20" name="Flowchart: Magnetic Disk 19"/>
-          <p:cNvSpPr/>
-          <p:nvPr/>
-        </p:nvSpPr>
-        <p:spPr>
-          <a:xfrm>
-            <a:off x="2926251" y="3226726"/>
-            <a:ext cx="304524" cy="195154"/>
-          </a:xfrm>
-          <a:prstGeom prst="flowChartMagneticDisk">
-            <a:avLst/>
-          </a:prstGeom>
-          <a:solidFill>
-            <a:schemeClr val="accent5"/>
-          </a:solidFill>
-        </p:spPr>
-        <p:style>
-          <a:lnRef idx="2">
-            <a:schemeClr val="accent1">
-              <a:shade val="50000"/>
-            </a:schemeClr>
-          </a:lnRef>
-          <a:fillRef idx="1">
-            <a:schemeClr val="accent1"/>
-          </a:fillRef>
-          <a:effectRef idx="0">
-            <a:schemeClr val="accent1"/>
-          </a:effectRef>
-          <a:fontRef idx="minor">
-            <a:schemeClr val="lt1"/>
-          </a:fontRef>
-        </p:style>
-        <p:txBody>
-          <a:bodyPr lIns="0" tIns="0" rIns="0" bIns="0" rtlCol="0" anchor="ctr"/>
-          <a:lstStyle/>
-          <a:p>
-            <a:pPr algn="ctr"/>
-            <a:r>
-              <a:rPr lang="en-US" sz="1200" dirty="0" smtClean="0">
-                <a:solidFill>
-                  <a:schemeClr val="tx1"/>
-                </a:solidFill>
-              </a:rPr>
-              <a:t>git</a:t>
-            </a:r>
-            <a:endParaRPr lang="en-US" sz="1200" dirty="0">
-              <a:solidFill>
-                <a:schemeClr val="tx1"/>
-              </a:solidFill>
-            </a:endParaRPr>
-          </a:p>
-        </p:txBody>
-      </p:sp>
-      <p:sp>
-        <p:nvSpPr>
-          <p:cNvPr id="21" name="Flowchart: Magnetic Disk 20"/>
-          <p:cNvSpPr/>
-          <p:nvPr/>
-        </p:nvSpPr>
-        <p:spPr>
-          <a:xfrm>
-            <a:off x="2926251" y="3804716"/>
-            <a:ext cx="304524" cy="230354"/>
-          </a:xfrm>
-          <a:prstGeom prst="flowChartMagneticDisk">
-            <a:avLst/>
-          </a:prstGeom>
-          <a:solidFill>
-            <a:schemeClr val="accent5"/>
-          </a:solidFill>
-        </p:spPr>
-        <p:style>
-          <a:lnRef idx="2">
-            <a:schemeClr val="accent1">
-              <a:shade val="50000"/>
-            </a:schemeClr>
-          </a:lnRef>
-          <a:fillRef idx="1">
-            <a:schemeClr val="accent1"/>
-          </a:fillRef>
-          <a:effectRef idx="0">
-            <a:schemeClr val="accent1"/>
-          </a:effectRef>
-          <a:fontRef idx="minor">
-            <a:schemeClr val="lt1"/>
-          </a:fontRef>
-        </p:style>
-        <p:txBody>
-          <a:bodyPr lIns="0" tIns="0" rIns="0" bIns="0" rtlCol="0" anchor="ctr"/>
-          <a:lstStyle/>
-          <a:p>
-            <a:pPr algn="ctr"/>
-            <a:r>
-              <a:rPr lang="en-US" sz="1200" dirty="0" smtClean="0">
-                <a:solidFill>
-                  <a:schemeClr val="tx1"/>
-                </a:solidFill>
-              </a:rPr>
-              <a:t>git</a:t>
-            </a:r>
-            <a:endParaRPr lang="en-US" sz="1200" dirty="0">
-              <a:solidFill>
-                <a:schemeClr val="tx1"/>
-              </a:solidFill>
-            </a:endParaRPr>
-          </a:p>
-        </p:txBody>
-      </p:sp>
-      <p:sp>
-        <p:nvSpPr>
-          <p:cNvPr id="22" name="Flowchart: Magnetic Disk 21"/>
-          <p:cNvSpPr/>
-          <p:nvPr/>
-        </p:nvSpPr>
-        <p:spPr>
-          <a:xfrm>
-            <a:off x="2926251" y="4401189"/>
-            <a:ext cx="304524" cy="230354"/>
-          </a:xfrm>
-          <a:prstGeom prst="flowChartMagneticDisk">
-            <a:avLst/>
-          </a:prstGeom>
-          <a:solidFill>
-            <a:schemeClr val="accent5"/>
-          </a:solidFill>
-        </p:spPr>
-        <p:style>
-          <a:lnRef idx="2">
-            <a:schemeClr val="accent1">
-              <a:shade val="50000"/>
-            </a:schemeClr>
-          </a:lnRef>
-          <a:fillRef idx="1">
-            <a:schemeClr val="accent1"/>
-          </a:fillRef>
-          <a:effectRef idx="0">
-            <a:schemeClr val="accent1"/>
-          </a:effectRef>
-          <a:fontRef idx="minor">
-            <a:schemeClr val="lt1"/>
-          </a:fontRef>
-        </p:style>
-        <p:txBody>
-          <a:bodyPr lIns="0" tIns="0" rIns="0" bIns="0" rtlCol="0" anchor="ctr"/>
-          <a:lstStyle/>
-          <a:p>
-            <a:pPr algn="ctr"/>
-            <a:r>
-              <a:rPr lang="en-US" sz="1200" dirty="0" smtClean="0">
-                <a:solidFill>
-                  <a:schemeClr val="tx1"/>
-                </a:solidFill>
-              </a:rPr>
-              <a:t>git</a:t>
-            </a:r>
-            <a:endParaRPr lang="en-US" sz="1200" dirty="0">
-              <a:solidFill>
-                <a:schemeClr val="tx1"/>
-              </a:solidFill>
-            </a:endParaRPr>
-          </a:p>
-        </p:txBody>
-      </p:sp>
-      <p:sp>
-        <p:nvSpPr>
-          <p:cNvPr id="23" name="Flowchart: Magnetic Disk 22"/>
-          <p:cNvSpPr/>
-          <p:nvPr/>
-        </p:nvSpPr>
-        <p:spPr>
-          <a:xfrm>
-            <a:off x="2926251" y="4997662"/>
-            <a:ext cx="304524" cy="230354"/>
-          </a:xfrm>
-          <a:prstGeom prst="flowChartMagneticDisk">
-            <a:avLst/>
-          </a:prstGeom>
-          <a:solidFill>
-            <a:schemeClr val="accent5"/>
-          </a:solidFill>
-        </p:spPr>
-        <p:style>
-          <a:lnRef idx="2">
-            <a:schemeClr val="accent1">
-              <a:shade val="50000"/>
-            </a:schemeClr>
-          </a:lnRef>
-          <a:fillRef idx="1">
-            <a:schemeClr val="accent1"/>
-          </a:fillRef>
-          <a:effectRef idx="0">
-            <a:schemeClr val="accent1"/>
-          </a:effectRef>
-          <a:fontRef idx="minor">
-            <a:schemeClr val="lt1"/>
-          </a:fontRef>
-        </p:style>
-        <p:txBody>
-          <a:bodyPr lIns="0" tIns="0" rIns="0" bIns="0" rtlCol="0" anchor="ctr"/>
-          <a:lstStyle/>
-          <a:p>
-            <a:pPr algn="ctr"/>
-            <a:r>
-              <a:rPr lang="en-US" sz="1200" dirty="0" smtClean="0">
-                <a:solidFill>
-                  <a:schemeClr val="tx1"/>
-                </a:solidFill>
-              </a:rPr>
-              <a:t>git</a:t>
-            </a:r>
-            <a:endParaRPr lang="en-US" sz="1200" dirty="0">
-              <a:solidFill>
-                <a:schemeClr val="tx1"/>
-              </a:solidFill>
-            </a:endParaRPr>
-          </a:p>
-        </p:txBody>
-      </p:sp>
-      <p:sp>
-        <p:nvSpPr>
-          <p:cNvPr id="28" name="Rectangle 27"/>
-          <p:cNvSpPr/>
-          <p:nvPr/>
-        </p:nvSpPr>
-        <p:spPr>
-          <a:xfrm>
-            <a:off x="2227628" y="5550938"/>
-            <a:ext cx="2149813" cy="777674"/>
-          </a:xfrm>
-          <a:prstGeom prst="rect">
-            <a:avLst/>
-          </a:prstGeom>
-        </p:spPr>
-        <p:style>
-          <a:lnRef idx="2">
-            <a:schemeClr val="accent6">
-              <a:shade val="50000"/>
-            </a:schemeClr>
-          </a:lnRef>
-          <a:fillRef idx="1">
-            <a:schemeClr val="accent6"/>
-          </a:fillRef>
-          <a:effectRef idx="0">
-            <a:schemeClr val="accent6"/>
-          </a:effectRef>
-          <a:fontRef idx="minor">
-            <a:schemeClr val="lt1"/>
-          </a:fontRef>
-        </p:style>
-        <p:txBody>
-          <a:bodyPr rtlCol="0" anchor="t"/>
-          <a:lstStyle/>
-          <a:p>
-            <a:r>
-              <a:rPr lang="en-US" dirty="0" smtClean="0"/>
-              <a:t>Raspberry Pi</a:t>
-            </a:r>
-          </a:p>
-        </p:txBody>
-      </p:sp>
-      <p:sp>
-        <p:nvSpPr>
-          <p:cNvPr id="30" name="Flowchart: Magnetic Disk 29"/>
-          <p:cNvSpPr/>
-          <p:nvPr/>
-        </p:nvSpPr>
-        <p:spPr>
-          <a:xfrm>
-            <a:off x="3748341" y="5996217"/>
-            <a:ext cx="304524" cy="214669"/>
-          </a:xfrm>
-          <a:prstGeom prst="flowChartMagneticDisk">
-            <a:avLst/>
-          </a:prstGeom>
-          <a:solidFill>
-            <a:schemeClr val="accent5"/>
-          </a:solidFill>
-        </p:spPr>
-        <p:style>
-          <a:lnRef idx="2">
-            <a:schemeClr val="accent1">
-              <a:shade val="50000"/>
-            </a:schemeClr>
-          </a:lnRef>
-          <a:fillRef idx="1">
-            <a:schemeClr val="accent1"/>
-          </a:fillRef>
-          <a:effectRef idx="0">
-            <a:schemeClr val="accent1"/>
-          </a:effectRef>
-          <a:fontRef idx="minor">
-            <a:schemeClr val="lt1"/>
-          </a:fontRef>
-        </p:style>
-        <p:txBody>
-          <a:bodyPr lIns="0" tIns="0" rIns="0" bIns="0" rtlCol="0" anchor="ctr"/>
-          <a:lstStyle/>
-          <a:p>
-            <a:pPr algn="ctr"/>
-            <a:r>
-              <a:rPr lang="en-US" sz="1200" dirty="0" smtClean="0">
-                <a:solidFill>
-                  <a:schemeClr val="tx1"/>
-                </a:solidFill>
-              </a:rPr>
-              <a:t>git</a:t>
-            </a:r>
-            <a:endParaRPr lang="en-US" sz="1200" dirty="0">
-              <a:solidFill>
-                <a:schemeClr val="tx1"/>
-              </a:solidFill>
-            </a:endParaRPr>
-          </a:p>
-        </p:txBody>
-      </p:sp>
-      <p:sp>
-        <p:nvSpPr>
-          <p:cNvPr id="31" name="TextBox 30"/>
-          <p:cNvSpPr txBox="1"/>
-          <p:nvPr/>
-        </p:nvSpPr>
-        <p:spPr>
-          <a:xfrm>
-            <a:off x="3161497" y="5965052"/>
-            <a:ext cx="656621" cy="276999"/>
-          </a:xfrm>
-          <a:prstGeom prst="rect">
-            <a:avLst/>
-          </a:prstGeom>
-          <a:noFill/>
-        </p:spPr>
-        <p:txBody>
-          <a:bodyPr wrap="square" rtlCol="0">
-            <a:spAutoFit/>
-          </a:bodyPr>
-          <a:lstStyle/>
-          <a:p>
-            <a:r>
-              <a:rPr lang="en-US" sz="1200" dirty="0" smtClean="0">
-                <a:solidFill>
-                  <a:schemeClr val="bg1"/>
-                </a:solidFill>
-              </a:rPr>
-              <a:t>native:</a:t>
-            </a:r>
-            <a:endParaRPr lang="en-US" sz="1200" dirty="0">
-              <a:solidFill>
-                <a:schemeClr val="bg1"/>
-              </a:solidFill>
-            </a:endParaRPr>
-          </a:p>
-        </p:txBody>
-      </p:sp>
-      <p:sp>
-        <p:nvSpPr>
-          <p:cNvPr id="32" name="Rounded Rectangle 31"/>
-          <p:cNvSpPr/>
-          <p:nvPr/>
-        </p:nvSpPr>
-        <p:spPr>
-          <a:xfrm>
-            <a:off x="5764813" y="1604232"/>
-            <a:ext cx="2056226" cy="2838280"/>
-          </a:xfrm>
-          <a:prstGeom prst="roundRect">
-            <a:avLst>
-              <a:gd name="adj" fmla="val 6454"/>
-            </a:avLst>
-          </a:prstGeom>
-          <a:solidFill>
-            <a:schemeClr val="accent3"/>
-          </a:solidFill>
-        </p:spPr>
-        <p:style>
-          <a:lnRef idx="2">
-            <a:schemeClr val="accent6">
-              <a:shade val="50000"/>
-            </a:schemeClr>
-          </a:lnRef>
-          <a:fillRef idx="1">
-            <a:schemeClr val="accent6"/>
-          </a:fillRef>
-          <a:effectRef idx="0">
-            <a:schemeClr val="accent6"/>
-          </a:effectRef>
-          <a:fontRef idx="minor">
-            <a:schemeClr val="lt1"/>
-          </a:fontRef>
-        </p:style>
-        <p:txBody>
-          <a:bodyPr rtlCol="0" anchor="t"/>
-          <a:lstStyle/>
-          <a:p>
-            <a:r>
-              <a:rPr lang="en-US" dirty="0" smtClean="0">
-                <a:solidFill>
-                  <a:schemeClr val="tx1"/>
-                </a:solidFill>
-              </a:rPr>
-              <a:t>GitHub</a:t>
-            </a:r>
-            <a:endParaRPr lang="en-US" dirty="0">
-              <a:solidFill>
-                <a:schemeClr val="tx1"/>
-              </a:solidFill>
-            </a:endParaRPr>
-          </a:p>
-        </p:txBody>
-      </p:sp>
-      <p:sp>
-        <p:nvSpPr>
-          <p:cNvPr id="33" name="Rounded Rectangle 32"/>
-          <p:cNvSpPr/>
-          <p:nvPr/>
-        </p:nvSpPr>
-        <p:spPr>
-          <a:xfrm>
-            <a:off x="5764813" y="4796555"/>
-            <a:ext cx="3145257" cy="1730706"/>
-          </a:xfrm>
-          <a:prstGeom prst="roundRect">
-            <a:avLst>
-              <a:gd name="adj" fmla="val 6454"/>
-            </a:avLst>
-          </a:prstGeom>
-          <a:solidFill>
-            <a:schemeClr val="accent3"/>
-          </a:solidFill>
-        </p:spPr>
-        <p:style>
-          <a:lnRef idx="2">
-            <a:schemeClr val="accent6">
-              <a:shade val="50000"/>
-            </a:schemeClr>
-          </a:lnRef>
-          <a:fillRef idx="1">
-            <a:schemeClr val="accent6"/>
-          </a:fillRef>
-          <a:effectRef idx="0">
-            <a:schemeClr val="accent6"/>
-          </a:effectRef>
-          <a:fontRef idx="minor">
-            <a:schemeClr val="lt1"/>
-          </a:fontRef>
-        </p:style>
-        <p:txBody>
-          <a:bodyPr rtlCol="0" anchor="t"/>
-          <a:lstStyle/>
-          <a:p>
-            <a:r>
-              <a:rPr lang="en-US" dirty="0" smtClean="0">
-                <a:solidFill>
-                  <a:schemeClr val="tx1"/>
-                </a:solidFill>
-              </a:rPr>
-              <a:t>tsduck.io (web hosting)</a:t>
-            </a:r>
-            <a:endParaRPr lang="en-US" dirty="0">
-              <a:solidFill>
-                <a:schemeClr val="tx1"/>
-              </a:solidFill>
-            </a:endParaRPr>
-          </a:p>
-        </p:txBody>
-      </p:sp>
-      <p:sp>
-        <p:nvSpPr>
-          <p:cNvPr id="34" name="Rectangle 33"/>
-          <p:cNvSpPr/>
-          <p:nvPr/>
-        </p:nvSpPr>
-        <p:spPr>
-          <a:xfrm>
-            <a:off x="6029769" y="5298173"/>
-            <a:ext cx="2587558" cy="1030439"/>
-          </a:xfrm>
-          <a:prstGeom prst="rect">
-            <a:avLst/>
-          </a:prstGeom>
-        </p:spPr>
-        <p:style>
-          <a:lnRef idx="2">
-            <a:schemeClr val="accent6">
-              <a:shade val="50000"/>
-            </a:schemeClr>
-          </a:lnRef>
-          <a:fillRef idx="1">
-            <a:schemeClr val="accent6"/>
-          </a:fillRef>
-          <a:effectRef idx="0">
-            <a:schemeClr val="accent6"/>
-          </a:effectRef>
-          <a:fontRef idx="minor">
-            <a:schemeClr val="lt1"/>
-          </a:fontRef>
-        </p:style>
-        <p:txBody>
-          <a:bodyPr rtlCol="0" anchor="t"/>
-          <a:lstStyle/>
-          <a:p>
-            <a:endParaRPr lang="en-US" dirty="0" smtClean="0"/>
-          </a:p>
-        </p:txBody>
-      </p:sp>
-      <p:sp>
-        <p:nvSpPr>
-          <p:cNvPr id="35" name="Flowchart: Magnetic Disk 34"/>
-          <p:cNvSpPr/>
-          <p:nvPr/>
-        </p:nvSpPr>
-        <p:spPr>
-          <a:xfrm>
-            <a:off x="6196164" y="5439881"/>
-            <a:ext cx="957299" cy="320244"/>
-          </a:xfrm>
-          <a:prstGeom prst="flowChartMagneticDisk">
-            <a:avLst/>
-          </a:prstGeom>
-          <a:solidFill>
-            <a:schemeClr val="accent5"/>
-          </a:solidFill>
-        </p:spPr>
-        <p:style>
-          <a:lnRef idx="2">
-            <a:schemeClr val="accent1">
-              <a:shade val="50000"/>
-            </a:schemeClr>
-          </a:lnRef>
-          <a:fillRef idx="1">
-            <a:schemeClr val="accent1"/>
-          </a:fillRef>
-          <a:effectRef idx="0">
-            <a:schemeClr val="accent1"/>
-          </a:effectRef>
-          <a:fontRef idx="minor">
-            <a:schemeClr val="lt1"/>
-          </a:fontRef>
-        </p:style>
-        <p:txBody>
-          <a:bodyPr lIns="0" tIns="0" rIns="0" bIns="0" rtlCol="0" anchor="ctr"/>
-          <a:lstStyle/>
-          <a:p>
-            <a:pPr algn="ctr"/>
-            <a:r>
-              <a:rPr lang="en-US" sz="1200" dirty="0" smtClean="0">
-                <a:solidFill>
-                  <a:schemeClr val="tx1"/>
-                </a:solidFill>
-              </a:rPr>
-              <a:t>PHP / HTML</a:t>
-            </a:r>
-            <a:endParaRPr lang="en-US" sz="1200" dirty="0">
-              <a:solidFill>
-                <a:schemeClr val="tx1"/>
-              </a:solidFill>
-            </a:endParaRPr>
-          </a:p>
-        </p:txBody>
-      </p:sp>
-      <p:sp>
-        <p:nvSpPr>
-          <p:cNvPr id="36" name="Flowchart: Magnetic Disk 35"/>
-          <p:cNvSpPr/>
-          <p:nvPr/>
-        </p:nvSpPr>
-        <p:spPr>
-          <a:xfrm>
-            <a:off x="6196164" y="5920506"/>
-            <a:ext cx="957299" cy="320244"/>
-          </a:xfrm>
-          <a:prstGeom prst="flowChartMagneticDisk">
-            <a:avLst/>
-          </a:prstGeom>
-          <a:solidFill>
-            <a:schemeClr val="accent5"/>
-          </a:solidFill>
-        </p:spPr>
-        <p:style>
-          <a:lnRef idx="2">
-            <a:schemeClr val="accent1">
-              <a:shade val="50000"/>
-            </a:schemeClr>
-          </a:lnRef>
-          <a:fillRef idx="1">
-            <a:schemeClr val="accent1"/>
-          </a:fillRef>
-          <a:effectRef idx="0">
-            <a:schemeClr val="accent1"/>
-          </a:effectRef>
-          <a:fontRef idx="minor">
-            <a:schemeClr val="lt1"/>
-          </a:fontRef>
-        </p:style>
-        <p:txBody>
-          <a:bodyPr lIns="0" tIns="0" rIns="0" bIns="0" rtlCol="0" anchor="ctr"/>
-          <a:lstStyle/>
-          <a:p>
-            <a:pPr algn="ctr"/>
-            <a:r>
-              <a:rPr lang="en-US" sz="1200" dirty="0" smtClean="0">
-                <a:solidFill>
-                  <a:schemeClr val="tx1"/>
-                </a:solidFill>
-              </a:rPr>
-              <a:t>streams repo</a:t>
-            </a:r>
-            <a:endParaRPr lang="en-US" sz="1200" dirty="0">
-              <a:solidFill>
-                <a:schemeClr val="tx1"/>
-              </a:solidFill>
-            </a:endParaRPr>
-          </a:p>
-        </p:txBody>
-      </p:sp>
-      <p:sp>
-        <p:nvSpPr>
-          <p:cNvPr id="37" name="Flowchart: Magnetic Disk 36"/>
-          <p:cNvSpPr/>
-          <p:nvPr/>
-        </p:nvSpPr>
-        <p:spPr>
-          <a:xfrm>
-            <a:off x="7467073" y="5443995"/>
-            <a:ext cx="957299" cy="320244"/>
-          </a:xfrm>
-          <a:prstGeom prst="flowChartMagneticDisk">
-            <a:avLst/>
-          </a:prstGeom>
-          <a:solidFill>
-            <a:schemeClr val="accent5"/>
-          </a:solidFill>
-        </p:spPr>
-        <p:style>
-          <a:lnRef idx="2">
-            <a:schemeClr val="accent1">
-              <a:shade val="50000"/>
-            </a:schemeClr>
-          </a:lnRef>
-          <a:fillRef idx="1">
-            <a:schemeClr val="accent1"/>
-          </a:fillRef>
-          <a:effectRef idx="0">
-            <a:schemeClr val="accent1"/>
-          </a:effectRef>
-          <a:fontRef idx="minor">
-            <a:schemeClr val="lt1"/>
-          </a:fontRef>
-        </p:style>
-        <p:txBody>
-          <a:bodyPr lIns="0" tIns="0" rIns="0" bIns="0" rtlCol="0" anchor="ctr"/>
-          <a:lstStyle/>
-          <a:p>
-            <a:pPr algn="ctr"/>
-            <a:r>
-              <a:rPr lang="en-US" sz="1200" dirty="0" smtClean="0">
-                <a:solidFill>
-                  <a:schemeClr val="tx1"/>
-                </a:solidFill>
-              </a:rPr>
-              <a:t>nightly bins</a:t>
-            </a:r>
-            <a:endParaRPr lang="en-US" sz="1200" dirty="0">
-              <a:solidFill>
-                <a:schemeClr val="tx1"/>
-              </a:solidFill>
-            </a:endParaRPr>
-          </a:p>
-        </p:txBody>
-      </p:sp>
-      <p:sp>
-        <p:nvSpPr>
-          <p:cNvPr id="38" name="Flowchart: Magnetic Disk 37"/>
-          <p:cNvSpPr/>
-          <p:nvPr/>
-        </p:nvSpPr>
-        <p:spPr>
-          <a:xfrm>
-            <a:off x="7467072" y="5916365"/>
-            <a:ext cx="957299" cy="320244"/>
-          </a:xfrm>
-          <a:prstGeom prst="flowChartMagneticDisk">
-            <a:avLst/>
-          </a:prstGeom>
-          <a:solidFill>
-            <a:schemeClr val="accent5"/>
-          </a:solidFill>
-        </p:spPr>
-        <p:style>
-          <a:lnRef idx="2">
-            <a:schemeClr val="accent1">
-              <a:shade val="50000"/>
-            </a:schemeClr>
-          </a:lnRef>
-          <a:fillRef idx="1">
-            <a:schemeClr val="accent1"/>
-          </a:fillRef>
-          <a:effectRef idx="0">
-            <a:schemeClr val="accent1"/>
-          </a:effectRef>
-          <a:fontRef idx="minor">
-            <a:schemeClr val="lt1"/>
-          </a:fontRef>
-        </p:style>
-        <p:txBody>
-          <a:bodyPr lIns="0" tIns="0" rIns="0" bIns="0" rtlCol="0" anchor="ctr"/>
-          <a:lstStyle/>
-          <a:p>
-            <a:pPr algn="ctr"/>
-            <a:r>
-              <a:rPr lang="en-US" sz="1200" dirty="0" smtClean="0">
-                <a:solidFill>
-                  <a:schemeClr val="tx1"/>
-                </a:solidFill>
-              </a:rPr>
-              <a:t>docs</a:t>
-            </a:r>
-            <a:endParaRPr lang="en-US" sz="1200" dirty="0">
-              <a:solidFill>
-                <a:schemeClr val="tx1"/>
-              </a:solidFill>
-            </a:endParaRPr>
-          </a:p>
-        </p:txBody>
-      </p:sp>
-      <p:sp>
-        <p:nvSpPr>
-          <p:cNvPr id="39" name="Rectangle 38"/>
-          <p:cNvSpPr/>
-          <p:nvPr/>
-        </p:nvSpPr>
-        <p:spPr>
-          <a:xfrm>
-            <a:off x="5998229" y="2179903"/>
-            <a:ext cx="1607395" cy="1998841"/>
-          </a:xfrm>
-          <a:prstGeom prst="rect">
-            <a:avLst/>
-          </a:prstGeom>
-        </p:spPr>
-        <p:style>
-          <a:lnRef idx="2">
-            <a:schemeClr val="accent6">
-              <a:shade val="50000"/>
-            </a:schemeClr>
-          </a:lnRef>
-          <a:fillRef idx="1">
-            <a:schemeClr val="accent6"/>
-          </a:fillRef>
-          <a:effectRef idx="0">
-            <a:schemeClr val="accent6"/>
-          </a:effectRef>
-          <a:fontRef idx="minor">
-            <a:schemeClr val="lt1"/>
-          </a:fontRef>
-        </p:style>
-        <p:txBody>
-          <a:bodyPr rtlCol="0" anchor="t"/>
-          <a:lstStyle/>
-          <a:p>
-            <a:endParaRPr lang="en-US" dirty="0" smtClean="0"/>
-          </a:p>
-        </p:txBody>
-      </p:sp>
-      <p:sp>
-        <p:nvSpPr>
-          <p:cNvPr id="40" name="Flowchart: Magnetic Disk 39"/>
-          <p:cNvSpPr/>
-          <p:nvPr/>
-        </p:nvSpPr>
-        <p:spPr>
-          <a:xfrm>
-            <a:off x="6202078" y="2298047"/>
-            <a:ext cx="1199697" cy="515566"/>
-          </a:xfrm>
-          <a:prstGeom prst="flowChartMagneticDisk">
-            <a:avLst/>
-          </a:prstGeom>
-          <a:solidFill>
-            <a:schemeClr val="accent5"/>
-          </a:solidFill>
-        </p:spPr>
-        <p:style>
-          <a:lnRef idx="2">
-            <a:schemeClr val="accent1">
-              <a:shade val="50000"/>
-            </a:schemeClr>
-          </a:lnRef>
-          <a:fillRef idx="1">
-            <a:schemeClr val="accent1"/>
-          </a:fillRef>
-          <a:effectRef idx="0">
-            <a:schemeClr val="accent1"/>
-          </a:effectRef>
-          <a:fontRef idx="minor">
-            <a:schemeClr val="lt1"/>
-          </a:fontRef>
-        </p:style>
-        <p:txBody>
-          <a:bodyPr rtlCol="0" anchor="ctr"/>
-          <a:lstStyle/>
-          <a:p>
-            <a:pPr algn="ctr"/>
-            <a:r>
-              <a:rPr lang="en-US" dirty="0" smtClean="0">
-                <a:solidFill>
-                  <a:schemeClr val="tx1"/>
-                </a:solidFill>
-              </a:rPr>
-              <a:t>git</a:t>
-            </a:r>
-            <a:endParaRPr lang="en-US" dirty="0">
-              <a:solidFill>
-                <a:schemeClr val="tx1"/>
-              </a:solidFill>
-            </a:endParaRPr>
-          </a:p>
-        </p:txBody>
-      </p:sp>
-      <p:sp>
-        <p:nvSpPr>
-          <p:cNvPr id="41" name="Flowchart: Magnetic Disk 40"/>
-          <p:cNvSpPr/>
-          <p:nvPr/>
-        </p:nvSpPr>
-        <p:spPr>
-          <a:xfrm>
-            <a:off x="6202078" y="2924243"/>
-            <a:ext cx="1199697" cy="515566"/>
-          </a:xfrm>
-          <a:prstGeom prst="flowChartMagneticDisk">
-            <a:avLst/>
-          </a:prstGeom>
-          <a:solidFill>
-            <a:schemeClr val="accent5"/>
-          </a:solidFill>
-        </p:spPr>
-        <p:style>
-          <a:lnRef idx="2">
-            <a:schemeClr val="accent1">
-              <a:shade val="50000"/>
-            </a:schemeClr>
-          </a:lnRef>
-          <a:fillRef idx="1">
-            <a:schemeClr val="accent1"/>
-          </a:fillRef>
-          <a:effectRef idx="0">
-            <a:schemeClr val="accent1"/>
-          </a:effectRef>
-          <a:fontRef idx="minor">
-            <a:schemeClr val="lt1"/>
-          </a:fontRef>
-        </p:style>
-        <p:txBody>
-          <a:bodyPr rtlCol="0" anchor="ctr"/>
-          <a:lstStyle/>
-          <a:p>
-            <a:pPr algn="ctr"/>
-            <a:r>
-              <a:rPr lang="en-US" dirty="0" smtClean="0">
-                <a:solidFill>
-                  <a:schemeClr val="tx1"/>
-                </a:solidFill>
-              </a:rPr>
-              <a:t>releases</a:t>
-            </a:r>
-            <a:endParaRPr lang="en-US" dirty="0">
-              <a:solidFill>
-                <a:schemeClr val="tx1"/>
-              </a:solidFill>
-            </a:endParaRPr>
-          </a:p>
-        </p:txBody>
-      </p:sp>
-      <p:sp>
-        <p:nvSpPr>
-          <p:cNvPr id="42" name="Rectangle 41"/>
-          <p:cNvSpPr/>
-          <p:nvPr/>
-        </p:nvSpPr>
-        <p:spPr>
-          <a:xfrm>
-            <a:off x="8822762" y="2094655"/>
-            <a:ext cx="2461322" cy="1058015"/>
-          </a:xfrm>
-          <a:prstGeom prst="rect">
-            <a:avLst/>
-          </a:prstGeom>
-        </p:spPr>
-        <p:style>
-          <a:lnRef idx="2">
-            <a:schemeClr val="accent6">
-              <a:shade val="50000"/>
-            </a:schemeClr>
-          </a:lnRef>
-          <a:fillRef idx="1">
-            <a:schemeClr val="accent6"/>
-          </a:fillRef>
-          <a:effectRef idx="0">
-            <a:schemeClr val="accent6"/>
-          </a:effectRef>
-          <a:fontRef idx="minor">
-            <a:schemeClr val="lt1"/>
-          </a:fontRef>
-        </p:style>
-        <p:txBody>
-          <a:bodyPr rIns="0" rtlCol="0" anchor="t"/>
-          <a:lstStyle/>
-          <a:p>
-            <a:r>
-              <a:rPr lang="en-US" dirty="0" smtClean="0"/>
-              <a:t>continuous integration</a:t>
-            </a:r>
-          </a:p>
-        </p:txBody>
-      </p:sp>
-      <p:sp>
-        <p:nvSpPr>
-          <p:cNvPr id="47" name="Rectangle 46"/>
-          <p:cNvSpPr/>
-          <p:nvPr/>
-        </p:nvSpPr>
-        <p:spPr>
-          <a:xfrm>
-            <a:off x="8910070" y="2553407"/>
-            <a:ext cx="686610" cy="492056"/>
-          </a:xfrm>
-          <a:prstGeom prst="rect">
-            <a:avLst/>
-          </a:prstGeom>
-          <a:solidFill>
-            <a:schemeClr val="accent1"/>
-          </a:solidFill>
-        </p:spPr>
-        <p:style>
-          <a:lnRef idx="2">
-            <a:schemeClr val="accent6">
-              <a:shade val="50000"/>
-            </a:schemeClr>
-          </a:lnRef>
-          <a:fillRef idx="1">
-            <a:schemeClr val="accent6"/>
-          </a:fillRef>
-          <a:effectRef idx="0">
-            <a:schemeClr val="accent6"/>
-          </a:effectRef>
-          <a:fontRef idx="minor">
-            <a:schemeClr val="lt1"/>
-          </a:fontRef>
-        </p:style>
-        <p:txBody>
-          <a:bodyPr lIns="0" rIns="0" rtlCol="0" anchor="t"/>
-          <a:lstStyle/>
-          <a:p>
-            <a:pPr algn="ctr"/>
-            <a:r>
-              <a:rPr lang="en-US" sz="1050" dirty="0" smtClean="0"/>
-              <a:t>Ubuntu</a:t>
-            </a:r>
-          </a:p>
-        </p:txBody>
-      </p:sp>
-      <p:sp>
-        <p:nvSpPr>
-          <p:cNvPr id="48" name="Rectangle 47"/>
-          <p:cNvSpPr/>
-          <p:nvPr/>
-        </p:nvSpPr>
-        <p:spPr>
-          <a:xfrm>
-            <a:off x="9699292" y="2547508"/>
-            <a:ext cx="686610" cy="492056"/>
-          </a:xfrm>
-          <a:prstGeom prst="rect">
-            <a:avLst/>
-          </a:prstGeom>
-          <a:solidFill>
-            <a:schemeClr val="accent1"/>
-          </a:solidFill>
-        </p:spPr>
-        <p:style>
-          <a:lnRef idx="2">
-            <a:schemeClr val="accent6">
-              <a:shade val="50000"/>
-            </a:schemeClr>
-          </a:lnRef>
-          <a:fillRef idx="1">
-            <a:schemeClr val="accent6"/>
-          </a:fillRef>
-          <a:effectRef idx="0">
-            <a:schemeClr val="accent6"/>
-          </a:effectRef>
-          <a:fontRef idx="minor">
-            <a:schemeClr val="lt1"/>
-          </a:fontRef>
-        </p:style>
-        <p:txBody>
-          <a:bodyPr lIns="0" rIns="0" rtlCol="0" anchor="t"/>
-          <a:lstStyle/>
-          <a:p>
-            <a:pPr algn="ctr"/>
-            <a:r>
-              <a:rPr lang="en-US" sz="1050" dirty="0" smtClean="0"/>
-              <a:t>macOS</a:t>
-            </a:r>
-          </a:p>
-        </p:txBody>
-      </p:sp>
-      <p:sp>
-        <p:nvSpPr>
-          <p:cNvPr id="49" name="Rectangle 48"/>
-          <p:cNvSpPr/>
-          <p:nvPr/>
-        </p:nvSpPr>
-        <p:spPr>
-          <a:xfrm>
-            <a:off x="10488514" y="2541609"/>
-            <a:ext cx="686610" cy="492056"/>
-          </a:xfrm>
-          <a:prstGeom prst="rect">
-            <a:avLst/>
-          </a:prstGeom>
-          <a:solidFill>
-            <a:schemeClr val="accent1"/>
-          </a:solidFill>
-        </p:spPr>
-        <p:style>
-          <a:lnRef idx="2">
-            <a:schemeClr val="accent6">
-              <a:shade val="50000"/>
-            </a:schemeClr>
-          </a:lnRef>
-          <a:fillRef idx="1">
-            <a:schemeClr val="accent6"/>
-          </a:fillRef>
-          <a:effectRef idx="0">
-            <a:schemeClr val="accent6"/>
-          </a:effectRef>
-          <a:fontRef idx="minor">
-            <a:schemeClr val="lt1"/>
-          </a:fontRef>
-        </p:style>
-        <p:txBody>
-          <a:bodyPr lIns="0" rIns="0" rtlCol="0" anchor="t"/>
-          <a:lstStyle/>
-          <a:p>
-            <a:pPr algn="ctr"/>
-            <a:r>
-              <a:rPr lang="en-US" sz="1050" dirty="0" smtClean="0"/>
-              <a:t>Windows</a:t>
-            </a:r>
-          </a:p>
-        </p:txBody>
-      </p:sp>
-      <p:sp>
-        <p:nvSpPr>
-          <p:cNvPr id="50" name="Rectangle 49"/>
-          <p:cNvSpPr/>
-          <p:nvPr/>
-        </p:nvSpPr>
-        <p:spPr>
-          <a:xfrm>
-            <a:off x="8822762" y="3239433"/>
-            <a:ext cx="2461322" cy="1058015"/>
-          </a:xfrm>
-          <a:prstGeom prst="rect">
-            <a:avLst/>
-          </a:prstGeom>
-        </p:spPr>
-        <p:style>
-          <a:lnRef idx="2">
-            <a:schemeClr val="accent6">
-              <a:shade val="50000"/>
-            </a:schemeClr>
-          </a:lnRef>
-          <a:fillRef idx="1">
-            <a:schemeClr val="accent6"/>
-          </a:fillRef>
-          <a:effectRef idx="0">
-            <a:schemeClr val="accent6"/>
-          </a:effectRef>
-          <a:fontRef idx="minor">
-            <a:schemeClr val="lt1"/>
-          </a:fontRef>
-        </p:style>
-        <p:txBody>
-          <a:bodyPr rtlCol="0" anchor="t"/>
-          <a:lstStyle/>
-          <a:p>
-            <a:r>
-              <a:rPr lang="en-US" dirty="0" smtClean="0"/>
-              <a:t>nightly builds</a:t>
-            </a:r>
-          </a:p>
-        </p:txBody>
-      </p:sp>
-      <p:sp>
-        <p:nvSpPr>
-          <p:cNvPr id="51" name="Rectangle 50"/>
-          <p:cNvSpPr/>
-          <p:nvPr/>
-        </p:nvSpPr>
-        <p:spPr>
-          <a:xfrm>
-            <a:off x="8910070" y="3698185"/>
-            <a:ext cx="686610" cy="492056"/>
-          </a:xfrm>
-          <a:prstGeom prst="rect">
-            <a:avLst/>
-          </a:prstGeom>
-          <a:solidFill>
-            <a:schemeClr val="accent1"/>
-          </a:solidFill>
-        </p:spPr>
-        <p:style>
-          <a:lnRef idx="2">
-            <a:schemeClr val="accent6">
-              <a:shade val="50000"/>
-            </a:schemeClr>
-          </a:lnRef>
-          <a:fillRef idx="1">
-            <a:schemeClr val="accent6"/>
-          </a:fillRef>
-          <a:effectRef idx="0">
-            <a:schemeClr val="accent6"/>
-          </a:effectRef>
-          <a:fontRef idx="minor">
-            <a:schemeClr val="lt1"/>
-          </a:fontRef>
-        </p:style>
-        <p:txBody>
-          <a:bodyPr lIns="0" rIns="0" rtlCol="0" anchor="t"/>
-          <a:lstStyle/>
-          <a:p>
-            <a:pPr algn="ctr"/>
-            <a:r>
-              <a:rPr lang="en-US" sz="1050" dirty="0" smtClean="0"/>
-              <a:t>Ubuntu</a:t>
-            </a:r>
-          </a:p>
-        </p:txBody>
-      </p:sp>
-      <p:sp>
-        <p:nvSpPr>
-          <p:cNvPr id="52" name="Rectangle 51"/>
-          <p:cNvSpPr/>
-          <p:nvPr/>
-        </p:nvSpPr>
-        <p:spPr>
-          <a:xfrm>
-            <a:off x="9699292" y="3692286"/>
-            <a:ext cx="686610" cy="492056"/>
-          </a:xfrm>
-          <a:prstGeom prst="rect">
-            <a:avLst/>
-          </a:prstGeom>
-          <a:solidFill>
-            <a:schemeClr val="accent1"/>
-          </a:solidFill>
-        </p:spPr>
-        <p:style>
-          <a:lnRef idx="2">
-            <a:schemeClr val="accent6">
-              <a:shade val="50000"/>
-            </a:schemeClr>
-          </a:lnRef>
-          <a:fillRef idx="1">
-            <a:schemeClr val="accent6"/>
-          </a:fillRef>
-          <a:effectRef idx="0">
-            <a:schemeClr val="accent6"/>
-          </a:effectRef>
-          <a:fontRef idx="minor">
-            <a:schemeClr val="lt1"/>
-          </a:fontRef>
-        </p:style>
-        <p:txBody>
-          <a:bodyPr lIns="0" rIns="0" rtlCol="0" anchor="t"/>
-          <a:lstStyle/>
-          <a:p>
-            <a:pPr algn="ctr"/>
-            <a:r>
-              <a:rPr lang="en-US" sz="1050" dirty="0" smtClean="0"/>
-              <a:t>Windows</a:t>
-            </a:r>
-          </a:p>
-        </p:txBody>
-      </p:sp>
-      <p:sp>
-        <p:nvSpPr>
-          <p:cNvPr id="53" name="Rectangle 52"/>
-          <p:cNvSpPr/>
-          <p:nvPr/>
-        </p:nvSpPr>
-        <p:spPr>
-          <a:xfrm>
-            <a:off x="10488514" y="3686387"/>
-            <a:ext cx="686610" cy="492056"/>
-          </a:xfrm>
-          <a:prstGeom prst="rect">
-            <a:avLst/>
-          </a:prstGeom>
-          <a:solidFill>
-            <a:schemeClr val="accent1"/>
-          </a:solidFill>
-        </p:spPr>
-        <p:style>
-          <a:lnRef idx="2">
-            <a:schemeClr val="accent6">
-              <a:shade val="50000"/>
-            </a:schemeClr>
-          </a:lnRef>
-          <a:fillRef idx="1">
-            <a:schemeClr val="accent6"/>
-          </a:fillRef>
-          <a:effectRef idx="0">
-            <a:schemeClr val="accent6"/>
-          </a:effectRef>
-          <a:fontRef idx="minor">
-            <a:schemeClr val="lt1"/>
-          </a:fontRef>
-        </p:style>
-        <p:txBody>
-          <a:bodyPr lIns="0" rIns="0" rtlCol="0" anchor="t"/>
-          <a:lstStyle/>
-          <a:p>
-            <a:pPr algn="ctr"/>
-            <a:r>
-              <a:rPr lang="en-US" sz="1050" dirty="0" smtClean="0"/>
-              <a:t>Doc</a:t>
-            </a:r>
-          </a:p>
-        </p:txBody>
-      </p:sp>
-      <p:sp>
-        <p:nvSpPr>
-          <p:cNvPr id="54" name="Flowchart: Magnetic Disk 53"/>
-          <p:cNvSpPr/>
-          <p:nvPr/>
-        </p:nvSpPr>
-        <p:spPr>
-          <a:xfrm>
-            <a:off x="6202078" y="3523086"/>
-            <a:ext cx="1199697" cy="515566"/>
-          </a:xfrm>
-          <a:prstGeom prst="flowChartMagneticDisk">
-            <a:avLst/>
-          </a:prstGeom>
-          <a:solidFill>
-            <a:schemeClr val="accent5"/>
-          </a:solidFill>
-        </p:spPr>
-        <p:style>
-          <a:lnRef idx="2">
-            <a:schemeClr val="accent1">
-              <a:shade val="50000"/>
-            </a:schemeClr>
-          </a:lnRef>
-          <a:fillRef idx="1">
-            <a:schemeClr val="accent1"/>
-          </a:fillRef>
-          <a:effectRef idx="0">
-            <a:schemeClr val="accent1"/>
-          </a:effectRef>
-          <a:fontRef idx="minor">
-            <a:schemeClr val="lt1"/>
-          </a:fontRef>
-        </p:style>
-        <p:txBody>
-          <a:bodyPr rtlCol="0" anchor="ctr"/>
-          <a:lstStyle/>
-          <a:p>
-            <a:pPr algn="ctr"/>
-            <a:r>
-              <a:rPr lang="en-US" dirty="0" smtClean="0">
-                <a:solidFill>
-                  <a:schemeClr val="tx1"/>
-                </a:solidFill>
-              </a:rPr>
-              <a:t>issues</a:t>
-            </a:r>
-            <a:endParaRPr lang="en-US" dirty="0">
-              <a:solidFill>
-                <a:schemeClr val="tx1"/>
-              </a:solidFill>
-            </a:endParaRPr>
-          </a:p>
-        </p:txBody>
-      </p:sp>
-      <p:sp>
-        <p:nvSpPr>
-          <p:cNvPr id="67" name="TextBox 66"/>
-          <p:cNvSpPr txBox="1"/>
-          <p:nvPr/>
-        </p:nvSpPr>
-        <p:spPr>
-          <a:xfrm>
-            <a:off x="7880013" y="2444205"/>
-            <a:ext cx="794511" cy="276999"/>
-          </a:xfrm>
-          <a:prstGeom prst="rect">
-            <a:avLst/>
-          </a:prstGeom>
-          <a:noFill/>
-        </p:spPr>
-        <p:txBody>
-          <a:bodyPr wrap="square" rtlCol="0">
-            <a:spAutoFit/>
-          </a:bodyPr>
-          <a:lstStyle/>
-          <a:p>
-            <a:r>
-              <a:rPr lang="en-US" sz="1200" dirty="0" smtClean="0"/>
-              <a:t>on push</a:t>
-            </a:r>
-            <a:endParaRPr lang="en-US" sz="1200" dirty="0"/>
-          </a:p>
-        </p:txBody>
-      </p:sp>
-      <p:sp>
-        <p:nvSpPr>
-          <p:cNvPr id="77" name="Arc 76"/>
-          <p:cNvSpPr/>
-          <p:nvPr/>
-        </p:nvSpPr>
-        <p:spPr>
-          <a:xfrm>
-            <a:off x="6058577" y="2231557"/>
-            <a:ext cx="4749765" cy="3851206"/>
-          </a:xfrm>
-          <a:prstGeom prst="arc">
-            <a:avLst>
-              <a:gd name="adj1" fmla="val 58781"/>
-              <a:gd name="adj2" fmla="val 5419151"/>
-            </a:avLst>
-          </a:prstGeom>
-          <a:ln w="12700">
-            <a:solidFill>
-              <a:srgbClr val="9A0B00"/>
-            </a:solidFill>
-            <a:prstDash val="dash"/>
-            <a:tailEnd type="triangle"/>
-          </a:ln>
-        </p:spPr>
-        <p:style>
-          <a:lnRef idx="1">
-            <a:schemeClr val="accent1"/>
-          </a:lnRef>
-          <a:fillRef idx="0">
-            <a:schemeClr val="accent1"/>
-          </a:fillRef>
-          <a:effectRef idx="0">
-            <a:schemeClr val="accent1"/>
-          </a:effectRef>
-          <a:fontRef idx="minor">
-            <a:schemeClr val="tx1"/>
-          </a:fontRef>
-        </p:style>
-        <p:txBody>
-          <a:bodyPr rtlCol="0" anchor="ctr"/>
-          <a:lstStyle/>
-          <a:p>
-            <a:pPr algn="ctr"/>
-            <a:endParaRPr lang="en-US" dirty="0"/>
-          </a:p>
-        </p:txBody>
-      </p:sp>
-      <p:sp>
-        <p:nvSpPr>
-          <p:cNvPr id="78" name="Arc 77"/>
-          <p:cNvSpPr/>
-          <p:nvPr/>
-        </p:nvSpPr>
-        <p:spPr>
-          <a:xfrm>
-            <a:off x="6798418" y="2643112"/>
-            <a:ext cx="3244153" cy="3041065"/>
-          </a:xfrm>
-          <a:prstGeom prst="arc">
-            <a:avLst>
-              <a:gd name="adj1" fmla="val 58781"/>
-              <a:gd name="adj2" fmla="val 5419151"/>
-            </a:avLst>
-          </a:prstGeom>
-          <a:ln w="12700">
-            <a:solidFill>
-              <a:srgbClr val="9A0B00"/>
-            </a:solidFill>
-            <a:prstDash val="dash"/>
-            <a:tailEnd type="triangle"/>
-          </a:ln>
-        </p:spPr>
-        <p:style>
-          <a:lnRef idx="1">
-            <a:schemeClr val="accent1"/>
-          </a:lnRef>
-          <a:fillRef idx="0">
-            <a:schemeClr val="accent1"/>
-          </a:fillRef>
-          <a:effectRef idx="0">
-            <a:schemeClr val="accent1"/>
-          </a:effectRef>
-          <a:fontRef idx="minor">
-            <a:schemeClr val="tx1"/>
-          </a:fontRef>
-        </p:style>
-        <p:txBody>
-          <a:bodyPr rtlCol="0" anchor="ctr"/>
-          <a:lstStyle/>
-          <a:p>
-            <a:pPr algn="ctr"/>
-            <a:endParaRPr lang="en-US" dirty="0"/>
-          </a:p>
-        </p:txBody>
-      </p:sp>
-      <p:sp>
-        <p:nvSpPr>
-          <p:cNvPr id="79" name="Arc 78"/>
-          <p:cNvSpPr/>
-          <p:nvPr/>
-        </p:nvSpPr>
-        <p:spPr>
-          <a:xfrm>
-            <a:off x="7591988" y="2750093"/>
-            <a:ext cx="1664764" cy="2824587"/>
-          </a:xfrm>
-          <a:prstGeom prst="arc">
-            <a:avLst>
-              <a:gd name="adj1" fmla="val 58781"/>
-              <a:gd name="adj2" fmla="val 5419151"/>
-            </a:avLst>
-          </a:prstGeom>
-          <a:ln w="12700">
-            <a:solidFill>
-              <a:srgbClr val="9A0B00"/>
-            </a:solidFill>
-            <a:prstDash val="dash"/>
-            <a:tailEnd type="triangle"/>
-          </a:ln>
-        </p:spPr>
-        <p:style>
-          <a:lnRef idx="1">
-            <a:schemeClr val="accent1"/>
-          </a:lnRef>
-          <a:fillRef idx="0">
-            <a:schemeClr val="accent1"/>
-          </a:fillRef>
-          <a:effectRef idx="0">
-            <a:schemeClr val="accent1"/>
-          </a:effectRef>
-          <a:fontRef idx="minor">
-            <a:schemeClr val="tx1"/>
-          </a:fontRef>
-        </p:style>
-        <p:txBody>
-          <a:bodyPr rtlCol="0" anchor="ctr"/>
-          <a:lstStyle/>
-          <a:p>
-            <a:pPr algn="ctr"/>
-            <a:endParaRPr lang="en-US" dirty="0"/>
-          </a:p>
-        </p:txBody>
-      </p:sp>
-      <p:cxnSp>
-        <p:nvCxnSpPr>
-          <p:cNvPr id="81" name="Straight Arrow Connector 80"/>
-          <p:cNvCxnSpPr>
-            <a:stCxn id="10" idx="4"/>
-            <a:endCxn id="40" idx="2"/>
-          </p:cNvCxnSpPr>
-          <p:nvPr/>
-        </p:nvCxnSpPr>
-        <p:spPr>
-          <a:xfrm flipV="1">
-            <a:off x="4028795" y="2555830"/>
-            <a:ext cx="2173283" cy="194966"/>
-          </a:xfrm>
-          <a:prstGeom prst="straightConnector1">
-            <a:avLst/>
-          </a:prstGeom>
-          <a:ln w="12700">
-            <a:solidFill>
-              <a:srgbClr val="9A0B00"/>
-            </a:solidFill>
-            <a:prstDash val="dash"/>
-            <a:tailEnd type="triangle"/>
-          </a:ln>
-        </p:spPr>
-        <p:style>
-          <a:lnRef idx="1">
-            <a:schemeClr val="accent1"/>
-          </a:lnRef>
-          <a:fillRef idx="0">
-            <a:schemeClr val="accent1"/>
-          </a:fillRef>
-          <a:effectRef idx="0">
-            <a:schemeClr val="accent1"/>
-          </a:effectRef>
-          <a:fontRef idx="minor">
-            <a:schemeClr val="tx1"/>
-          </a:fontRef>
-        </p:style>
-      </p:cxnSp>
-      <p:cxnSp>
-        <p:nvCxnSpPr>
-          <p:cNvPr id="85" name="Straight Arrow Connector 84"/>
-          <p:cNvCxnSpPr>
-            <a:stCxn id="30" idx="4"/>
-            <a:endCxn id="40" idx="2"/>
-          </p:cNvCxnSpPr>
-          <p:nvPr/>
-        </p:nvCxnSpPr>
-        <p:spPr>
-          <a:xfrm flipV="1">
-            <a:off x="4052865" y="2555830"/>
-            <a:ext cx="2149213" cy="3547722"/>
-          </a:xfrm>
-          <a:prstGeom prst="straightConnector1">
-            <a:avLst/>
-          </a:prstGeom>
-          <a:ln w="12700">
-            <a:solidFill>
-              <a:srgbClr val="9A0B00"/>
-            </a:solidFill>
-            <a:prstDash val="dash"/>
-            <a:tailEnd type="triangle"/>
-          </a:ln>
-        </p:spPr>
-        <p:style>
-          <a:lnRef idx="1">
-            <a:schemeClr val="accent1"/>
-          </a:lnRef>
-          <a:fillRef idx="0">
-            <a:schemeClr val="accent1"/>
-          </a:fillRef>
-          <a:effectRef idx="0">
-            <a:schemeClr val="accent1"/>
-          </a:effectRef>
-          <a:fontRef idx="minor">
-            <a:schemeClr val="tx1"/>
-          </a:fontRef>
-        </p:style>
-      </p:cxnSp>
-      <p:sp>
-        <p:nvSpPr>
-          <p:cNvPr id="98" name="TextBox 97"/>
-          <p:cNvSpPr txBox="1"/>
-          <p:nvPr/>
-        </p:nvSpPr>
-        <p:spPr>
-          <a:xfrm>
-            <a:off x="4998197" y="2335297"/>
-            <a:ext cx="794511" cy="276999"/>
-          </a:xfrm>
-          <a:prstGeom prst="rect">
-            <a:avLst/>
-          </a:prstGeom>
-          <a:noFill/>
-        </p:spPr>
-        <p:txBody>
-          <a:bodyPr wrap="square" rtlCol="0">
-            <a:spAutoFit/>
-          </a:bodyPr>
-          <a:lstStyle/>
-          <a:p>
-            <a:r>
-              <a:rPr lang="en-US" sz="1200" dirty="0" smtClean="0"/>
-              <a:t>push</a:t>
-            </a:r>
-            <a:endParaRPr lang="en-US" sz="1200" dirty="0"/>
-          </a:p>
-        </p:txBody>
-      </p:sp>
-      <p:cxnSp>
-        <p:nvCxnSpPr>
-          <p:cNvPr id="99" name="Straight Arrow Connector 98"/>
-          <p:cNvCxnSpPr>
-            <a:stCxn id="23" idx="4"/>
-            <a:endCxn id="40" idx="2"/>
-          </p:cNvCxnSpPr>
-          <p:nvPr/>
-        </p:nvCxnSpPr>
-        <p:spPr>
-          <a:xfrm flipV="1">
-            <a:off x="3230775" y="2555830"/>
-            <a:ext cx="2971303" cy="2557009"/>
-          </a:xfrm>
-          <a:prstGeom prst="straightConnector1">
-            <a:avLst/>
-          </a:prstGeom>
-          <a:ln w="12700">
-            <a:solidFill>
-              <a:srgbClr val="9A0B00"/>
-            </a:solidFill>
-            <a:prstDash val="dash"/>
-            <a:tailEnd type="triangle"/>
-          </a:ln>
-        </p:spPr>
-        <p:style>
-          <a:lnRef idx="1">
-            <a:schemeClr val="accent1"/>
-          </a:lnRef>
-          <a:fillRef idx="0">
-            <a:schemeClr val="accent1"/>
-          </a:fillRef>
-          <a:effectRef idx="0">
-            <a:schemeClr val="accent1"/>
-          </a:effectRef>
-          <a:fontRef idx="minor">
-            <a:schemeClr val="tx1"/>
-          </a:fontRef>
-        </p:style>
-      </p:cxnSp>
-      <p:cxnSp>
-        <p:nvCxnSpPr>
-          <p:cNvPr id="102" name="Straight Arrow Connector 101"/>
-          <p:cNvCxnSpPr>
-            <a:stCxn id="22" idx="4"/>
-            <a:endCxn id="40" idx="2"/>
-          </p:cNvCxnSpPr>
-          <p:nvPr/>
-        </p:nvCxnSpPr>
-        <p:spPr>
-          <a:xfrm flipV="1">
-            <a:off x="3230775" y="2555830"/>
-            <a:ext cx="2971303" cy="1960536"/>
-          </a:xfrm>
-          <a:prstGeom prst="straightConnector1">
-            <a:avLst/>
-          </a:prstGeom>
-          <a:ln w="12700">
-            <a:solidFill>
-              <a:srgbClr val="9A0B00"/>
-            </a:solidFill>
-            <a:prstDash val="dash"/>
-            <a:tailEnd type="triangle"/>
-          </a:ln>
-        </p:spPr>
-        <p:style>
-          <a:lnRef idx="1">
-            <a:schemeClr val="accent1"/>
-          </a:lnRef>
-          <a:fillRef idx="0">
-            <a:schemeClr val="accent1"/>
-          </a:fillRef>
-          <a:effectRef idx="0">
-            <a:schemeClr val="accent1"/>
-          </a:effectRef>
-          <a:fontRef idx="minor">
-            <a:schemeClr val="tx1"/>
-          </a:fontRef>
-        </p:style>
-      </p:cxnSp>
-      <p:cxnSp>
-        <p:nvCxnSpPr>
-          <p:cNvPr id="105" name="Straight Arrow Connector 104"/>
-          <p:cNvCxnSpPr>
-            <a:stCxn id="21" idx="4"/>
-            <a:endCxn id="40" idx="2"/>
-          </p:cNvCxnSpPr>
-          <p:nvPr/>
-        </p:nvCxnSpPr>
-        <p:spPr>
-          <a:xfrm flipV="1">
-            <a:off x="3230775" y="2555830"/>
-            <a:ext cx="2971303" cy="1364063"/>
-          </a:xfrm>
-          <a:prstGeom prst="straightConnector1">
-            <a:avLst/>
-          </a:prstGeom>
-          <a:ln w="12700">
-            <a:solidFill>
-              <a:srgbClr val="9A0B00"/>
-            </a:solidFill>
-            <a:prstDash val="dash"/>
-            <a:tailEnd type="triangle"/>
-          </a:ln>
-        </p:spPr>
-        <p:style>
-          <a:lnRef idx="1">
-            <a:schemeClr val="accent1"/>
-          </a:lnRef>
-          <a:fillRef idx="0">
-            <a:schemeClr val="accent1"/>
-          </a:fillRef>
-          <a:effectRef idx="0">
-            <a:schemeClr val="accent1"/>
-          </a:effectRef>
-          <a:fontRef idx="minor">
-            <a:schemeClr val="tx1"/>
-          </a:fontRef>
-        </p:style>
-      </p:cxnSp>
-      <p:cxnSp>
-        <p:nvCxnSpPr>
-          <p:cNvPr id="108" name="Straight Arrow Connector 107"/>
-          <p:cNvCxnSpPr>
-            <a:stCxn id="20" idx="4"/>
-            <a:endCxn id="40" idx="2"/>
-          </p:cNvCxnSpPr>
-          <p:nvPr/>
-        </p:nvCxnSpPr>
-        <p:spPr>
-          <a:xfrm flipV="1">
-            <a:off x="3230775" y="2555830"/>
-            <a:ext cx="2971303" cy="768473"/>
-          </a:xfrm>
-          <a:prstGeom prst="straightConnector1">
-            <a:avLst/>
-          </a:prstGeom>
-          <a:ln w="12700">
-            <a:solidFill>
-              <a:srgbClr val="9A0B00"/>
-            </a:solidFill>
-            <a:prstDash val="dash"/>
-            <a:tailEnd type="triangle"/>
-          </a:ln>
-        </p:spPr>
-        <p:style>
-          <a:lnRef idx="1">
-            <a:schemeClr val="accent1"/>
-          </a:lnRef>
-          <a:fillRef idx="0">
-            <a:schemeClr val="accent1"/>
-          </a:fillRef>
-          <a:effectRef idx="0">
-            <a:schemeClr val="accent1"/>
-          </a:effectRef>
-          <a:fontRef idx="minor">
-            <a:schemeClr val="tx1"/>
-          </a:fontRef>
-        </p:style>
-      </p:cxnSp>
-      <p:sp>
-        <p:nvSpPr>
-          <p:cNvPr id="12" name="Rectangle 11"/>
-          <p:cNvSpPr/>
-          <p:nvPr/>
-        </p:nvSpPr>
-        <p:spPr>
-          <a:xfrm>
-            <a:off x="3533068" y="2978806"/>
-            <a:ext cx="686610" cy="492056"/>
-          </a:xfrm>
-          <a:prstGeom prst="rect">
-            <a:avLst/>
-          </a:prstGeom>
-          <a:solidFill>
-            <a:schemeClr val="accent1"/>
-          </a:solidFill>
-        </p:spPr>
-        <p:style>
-          <a:lnRef idx="2">
-            <a:schemeClr val="accent6">
-              <a:shade val="50000"/>
-            </a:schemeClr>
-          </a:lnRef>
-          <a:fillRef idx="1">
-            <a:schemeClr val="accent6"/>
-          </a:fillRef>
-          <a:effectRef idx="0">
-            <a:schemeClr val="accent6"/>
-          </a:effectRef>
-          <a:fontRef idx="minor">
-            <a:schemeClr val="lt1"/>
-          </a:fontRef>
-        </p:style>
-        <p:txBody>
-          <a:bodyPr lIns="0" rIns="0" rtlCol="0" anchor="t"/>
-          <a:lstStyle/>
-          <a:p>
-            <a:pPr algn="ctr"/>
-            <a:r>
-              <a:rPr lang="en-US" sz="1050" dirty="0" err="1" smtClean="0"/>
-              <a:t>Debian</a:t>
-            </a:r>
-            <a:endParaRPr lang="en-US" sz="1050" dirty="0" smtClean="0"/>
-          </a:p>
-        </p:txBody>
-      </p:sp>
-      <p:sp>
-        <p:nvSpPr>
-          <p:cNvPr id="14" name="Rectangle 13"/>
-          <p:cNvSpPr/>
-          <p:nvPr/>
-        </p:nvSpPr>
-        <p:spPr>
-          <a:xfrm>
-            <a:off x="3533068" y="3587138"/>
-            <a:ext cx="686610" cy="492056"/>
-          </a:xfrm>
-          <a:prstGeom prst="rect">
-            <a:avLst/>
-          </a:prstGeom>
-          <a:solidFill>
-            <a:schemeClr val="accent1"/>
-          </a:solidFill>
-        </p:spPr>
-        <p:style>
-          <a:lnRef idx="2">
-            <a:schemeClr val="accent6">
-              <a:shade val="50000"/>
-            </a:schemeClr>
-          </a:lnRef>
-          <a:fillRef idx="1">
-            <a:schemeClr val="accent6"/>
-          </a:fillRef>
-          <a:effectRef idx="0">
-            <a:schemeClr val="accent6"/>
-          </a:effectRef>
-          <a:fontRef idx="minor">
-            <a:schemeClr val="lt1"/>
-          </a:fontRef>
-        </p:style>
-        <p:txBody>
-          <a:bodyPr lIns="0" rIns="0" rtlCol="0" anchor="t"/>
-          <a:lstStyle/>
-          <a:p>
-            <a:pPr algn="ctr"/>
-            <a:r>
-              <a:rPr lang="en-US" sz="1050" dirty="0" smtClean="0"/>
-              <a:t>CentOS</a:t>
-            </a:r>
-          </a:p>
-        </p:txBody>
-      </p:sp>
-      <p:sp>
-        <p:nvSpPr>
-          <p:cNvPr id="16" name="Rectangle 15"/>
-          <p:cNvSpPr/>
-          <p:nvPr/>
-        </p:nvSpPr>
-        <p:spPr>
-          <a:xfrm>
-            <a:off x="3533068" y="4188223"/>
-            <a:ext cx="686610" cy="492056"/>
-          </a:xfrm>
-          <a:prstGeom prst="rect">
-            <a:avLst/>
-          </a:prstGeom>
-          <a:solidFill>
-            <a:schemeClr val="accent1"/>
-          </a:solidFill>
-        </p:spPr>
-        <p:style>
-          <a:lnRef idx="2">
-            <a:schemeClr val="accent6">
-              <a:shade val="50000"/>
-            </a:schemeClr>
-          </a:lnRef>
-          <a:fillRef idx="1">
-            <a:schemeClr val="accent6"/>
-          </a:fillRef>
-          <a:effectRef idx="0">
-            <a:schemeClr val="accent6"/>
-          </a:effectRef>
-          <a:fontRef idx="minor">
-            <a:schemeClr val="lt1"/>
-          </a:fontRef>
-        </p:style>
-        <p:txBody>
-          <a:bodyPr lIns="0" rIns="0" rtlCol="0" anchor="t"/>
-          <a:lstStyle/>
-          <a:p>
-            <a:pPr algn="ctr"/>
-            <a:r>
-              <a:rPr lang="en-US" sz="1050" dirty="0" smtClean="0"/>
-              <a:t>Arch</a:t>
-            </a:r>
-          </a:p>
-        </p:txBody>
-      </p:sp>
-      <p:sp>
-        <p:nvSpPr>
-          <p:cNvPr id="18" name="Rectangle 17"/>
-          <p:cNvSpPr/>
-          <p:nvPr/>
-        </p:nvSpPr>
-        <p:spPr>
-          <a:xfrm>
-            <a:off x="3533068" y="4796555"/>
-            <a:ext cx="686610" cy="492056"/>
-          </a:xfrm>
-          <a:prstGeom prst="rect">
-            <a:avLst/>
-          </a:prstGeom>
-          <a:solidFill>
-            <a:schemeClr val="accent1"/>
-          </a:solidFill>
-        </p:spPr>
-        <p:style>
-          <a:lnRef idx="2">
-            <a:schemeClr val="accent6">
-              <a:shade val="50000"/>
-            </a:schemeClr>
-          </a:lnRef>
-          <a:fillRef idx="1">
-            <a:schemeClr val="accent6"/>
-          </a:fillRef>
-          <a:effectRef idx="0">
-            <a:schemeClr val="accent6"/>
-          </a:effectRef>
-          <a:fontRef idx="minor">
-            <a:schemeClr val="lt1"/>
-          </a:fontRef>
-        </p:style>
-        <p:txBody>
-          <a:bodyPr lIns="0" rIns="0" rtlCol="0" anchor="t"/>
-          <a:lstStyle/>
-          <a:p>
-            <a:pPr algn="ctr"/>
-            <a:r>
-              <a:rPr lang="en-US" sz="1050" dirty="0" smtClean="0"/>
-              <a:t>Gentoo</a:t>
-            </a:r>
-          </a:p>
-        </p:txBody>
-      </p:sp>
-      <p:sp>
-        <p:nvSpPr>
-          <p:cNvPr id="24" name="Flowchart: Magnetic Disk 23"/>
-          <p:cNvSpPr/>
-          <p:nvPr/>
-        </p:nvSpPr>
-        <p:spPr>
-          <a:xfrm>
-            <a:off x="3724111" y="3222713"/>
-            <a:ext cx="304524" cy="195154"/>
-          </a:xfrm>
-          <a:prstGeom prst="flowChartMagneticDisk">
-            <a:avLst/>
-          </a:prstGeom>
-          <a:solidFill>
-            <a:schemeClr val="accent5"/>
-          </a:solidFill>
-        </p:spPr>
-        <p:style>
-          <a:lnRef idx="2">
-            <a:schemeClr val="accent1">
-              <a:shade val="50000"/>
-            </a:schemeClr>
-          </a:lnRef>
-          <a:fillRef idx="1">
-            <a:schemeClr val="accent1"/>
-          </a:fillRef>
-          <a:effectRef idx="0">
-            <a:schemeClr val="accent1"/>
-          </a:effectRef>
-          <a:fontRef idx="minor">
-            <a:schemeClr val="lt1"/>
-          </a:fontRef>
-        </p:style>
-        <p:txBody>
-          <a:bodyPr lIns="0" tIns="0" rIns="0" bIns="0" rtlCol="0" anchor="ctr"/>
-          <a:lstStyle/>
-          <a:p>
-            <a:pPr algn="ctr"/>
-            <a:r>
-              <a:rPr lang="en-US" sz="1200" dirty="0" smtClean="0">
-                <a:solidFill>
-                  <a:schemeClr val="tx1"/>
-                </a:solidFill>
-              </a:rPr>
-              <a:t>git</a:t>
-            </a:r>
-            <a:endParaRPr lang="en-US" sz="1200" dirty="0">
-              <a:solidFill>
-                <a:schemeClr val="tx1"/>
-              </a:solidFill>
-            </a:endParaRPr>
-          </a:p>
-        </p:txBody>
-      </p:sp>
-      <p:sp>
-        <p:nvSpPr>
-          <p:cNvPr id="25" name="Flowchart: Magnetic Disk 24"/>
-          <p:cNvSpPr/>
-          <p:nvPr/>
-        </p:nvSpPr>
-        <p:spPr>
-          <a:xfrm>
-            <a:off x="3724111" y="3800703"/>
-            <a:ext cx="304524" cy="230354"/>
-          </a:xfrm>
-          <a:prstGeom prst="flowChartMagneticDisk">
-            <a:avLst/>
-          </a:prstGeom>
-          <a:solidFill>
-            <a:schemeClr val="accent5"/>
-          </a:solidFill>
-        </p:spPr>
-        <p:style>
-          <a:lnRef idx="2">
-            <a:schemeClr val="accent1">
-              <a:shade val="50000"/>
-            </a:schemeClr>
-          </a:lnRef>
-          <a:fillRef idx="1">
-            <a:schemeClr val="accent1"/>
-          </a:fillRef>
-          <a:effectRef idx="0">
-            <a:schemeClr val="accent1"/>
-          </a:effectRef>
-          <a:fontRef idx="minor">
-            <a:schemeClr val="lt1"/>
-          </a:fontRef>
-        </p:style>
-        <p:txBody>
-          <a:bodyPr lIns="0" tIns="0" rIns="0" bIns="0" rtlCol="0" anchor="ctr"/>
-          <a:lstStyle/>
-          <a:p>
-            <a:pPr algn="ctr"/>
-            <a:r>
-              <a:rPr lang="en-US" sz="1200" dirty="0" smtClean="0">
-                <a:solidFill>
-                  <a:schemeClr val="tx1"/>
-                </a:solidFill>
-              </a:rPr>
-              <a:t>git</a:t>
-            </a:r>
-            <a:endParaRPr lang="en-US" sz="1200" dirty="0">
-              <a:solidFill>
-                <a:schemeClr val="tx1"/>
-              </a:solidFill>
-            </a:endParaRPr>
-          </a:p>
-        </p:txBody>
-      </p:sp>
-      <p:sp>
-        <p:nvSpPr>
-          <p:cNvPr id="26" name="Flowchart: Magnetic Disk 25"/>
-          <p:cNvSpPr/>
-          <p:nvPr/>
-        </p:nvSpPr>
-        <p:spPr>
-          <a:xfrm>
-            <a:off x="3724111" y="4397176"/>
-            <a:ext cx="304524" cy="230354"/>
-          </a:xfrm>
-          <a:prstGeom prst="flowChartMagneticDisk">
-            <a:avLst/>
-          </a:prstGeom>
-          <a:solidFill>
-            <a:schemeClr val="accent5"/>
-          </a:solidFill>
-        </p:spPr>
-        <p:style>
-          <a:lnRef idx="2">
-            <a:schemeClr val="accent1">
-              <a:shade val="50000"/>
-            </a:schemeClr>
-          </a:lnRef>
-          <a:fillRef idx="1">
-            <a:schemeClr val="accent1"/>
-          </a:fillRef>
-          <a:effectRef idx="0">
-            <a:schemeClr val="accent1"/>
-          </a:effectRef>
-          <a:fontRef idx="minor">
-            <a:schemeClr val="lt1"/>
-          </a:fontRef>
-        </p:style>
-        <p:txBody>
-          <a:bodyPr lIns="0" tIns="0" rIns="0" bIns="0" rtlCol="0" anchor="ctr"/>
-          <a:lstStyle/>
-          <a:p>
-            <a:pPr algn="ctr"/>
-            <a:r>
-              <a:rPr lang="en-US" sz="1200" dirty="0" smtClean="0">
-                <a:solidFill>
-                  <a:schemeClr val="tx1"/>
-                </a:solidFill>
-              </a:rPr>
-              <a:t>git</a:t>
-            </a:r>
-            <a:endParaRPr lang="en-US" sz="1200" dirty="0">
-              <a:solidFill>
-                <a:schemeClr val="tx1"/>
-              </a:solidFill>
-            </a:endParaRPr>
-          </a:p>
-        </p:txBody>
-      </p:sp>
-      <p:sp>
-        <p:nvSpPr>
-          <p:cNvPr id="27" name="Flowchart: Magnetic Disk 26"/>
-          <p:cNvSpPr/>
-          <p:nvPr/>
-        </p:nvSpPr>
-        <p:spPr>
-          <a:xfrm>
-            <a:off x="3724111" y="4993649"/>
-            <a:ext cx="304524" cy="230354"/>
-          </a:xfrm>
-          <a:prstGeom prst="flowChartMagneticDisk">
-            <a:avLst/>
-          </a:prstGeom>
-          <a:solidFill>
-            <a:schemeClr val="accent5"/>
-          </a:solidFill>
-        </p:spPr>
-        <p:style>
-          <a:lnRef idx="2">
-            <a:schemeClr val="accent1">
-              <a:shade val="50000"/>
-            </a:schemeClr>
-          </a:lnRef>
-          <a:fillRef idx="1">
-            <a:schemeClr val="accent1"/>
-          </a:fillRef>
-          <a:effectRef idx="0">
-            <a:schemeClr val="accent1"/>
-          </a:effectRef>
-          <a:fontRef idx="minor">
-            <a:schemeClr val="lt1"/>
-          </a:fontRef>
-        </p:style>
-        <p:txBody>
-          <a:bodyPr lIns="0" tIns="0" rIns="0" bIns="0" rtlCol="0" anchor="ctr"/>
-          <a:lstStyle/>
-          <a:p>
-            <a:pPr algn="ctr"/>
-            <a:r>
-              <a:rPr lang="en-US" sz="1200" dirty="0" smtClean="0">
-                <a:solidFill>
-                  <a:schemeClr val="tx1"/>
-                </a:solidFill>
-              </a:rPr>
-              <a:t>git</a:t>
-            </a:r>
-            <a:endParaRPr lang="en-US" sz="1200" dirty="0">
-              <a:solidFill>
-                <a:schemeClr val="tx1"/>
-              </a:solidFill>
-            </a:endParaRPr>
-          </a:p>
-        </p:txBody>
-      </p:sp>
-      <p:cxnSp>
-        <p:nvCxnSpPr>
-          <p:cNvPr id="83" name="Straight Arrow Connector 82"/>
-          <p:cNvCxnSpPr>
-            <a:stCxn id="24" idx="4"/>
-            <a:endCxn id="40" idx="2"/>
-          </p:cNvCxnSpPr>
-          <p:nvPr/>
-        </p:nvCxnSpPr>
-        <p:spPr>
-          <a:xfrm flipV="1">
-            <a:off x="4028635" y="2555830"/>
-            <a:ext cx="2173443" cy="764460"/>
-          </a:xfrm>
-          <a:prstGeom prst="straightConnector1">
-            <a:avLst/>
-          </a:prstGeom>
-          <a:ln w="12700">
-            <a:solidFill>
-              <a:srgbClr val="9A0B00"/>
-            </a:solidFill>
-            <a:prstDash val="dash"/>
-            <a:tailEnd type="triangle"/>
-          </a:ln>
-        </p:spPr>
-        <p:style>
-          <a:lnRef idx="1">
-            <a:schemeClr val="accent1"/>
-          </a:lnRef>
-          <a:fillRef idx="0">
-            <a:schemeClr val="accent1"/>
-          </a:fillRef>
-          <a:effectRef idx="0">
-            <a:schemeClr val="accent1"/>
-          </a:effectRef>
-          <a:fontRef idx="minor">
-            <a:schemeClr val="tx1"/>
-          </a:fontRef>
-        </p:style>
-      </p:cxnSp>
-      <p:cxnSp>
-        <p:nvCxnSpPr>
-          <p:cNvPr id="95" name="Straight Arrow Connector 94"/>
-          <p:cNvCxnSpPr>
-            <a:stCxn id="27" idx="4"/>
-            <a:endCxn id="40" idx="2"/>
-          </p:cNvCxnSpPr>
-          <p:nvPr/>
-        </p:nvCxnSpPr>
-        <p:spPr>
-          <a:xfrm flipV="1">
-            <a:off x="4028635" y="2555830"/>
-            <a:ext cx="2173443" cy="2552996"/>
-          </a:xfrm>
-          <a:prstGeom prst="straightConnector1">
-            <a:avLst/>
-          </a:prstGeom>
-          <a:ln w="12700">
-            <a:solidFill>
-              <a:srgbClr val="9A0B00"/>
-            </a:solidFill>
-            <a:prstDash val="dash"/>
-            <a:tailEnd type="triangle"/>
-          </a:ln>
-        </p:spPr>
-        <p:style>
-          <a:lnRef idx="1">
-            <a:schemeClr val="accent1"/>
-          </a:lnRef>
-          <a:fillRef idx="0">
-            <a:schemeClr val="accent1"/>
-          </a:fillRef>
-          <a:effectRef idx="0">
-            <a:schemeClr val="accent1"/>
-          </a:effectRef>
-          <a:fontRef idx="minor">
-            <a:schemeClr val="tx1"/>
-          </a:fontRef>
-        </p:style>
-      </p:cxnSp>
-      <p:cxnSp>
-        <p:nvCxnSpPr>
-          <p:cNvPr id="89" name="Straight Arrow Connector 88"/>
-          <p:cNvCxnSpPr>
-            <a:stCxn id="25" idx="4"/>
-            <a:endCxn id="40" idx="2"/>
-          </p:cNvCxnSpPr>
-          <p:nvPr/>
-        </p:nvCxnSpPr>
-        <p:spPr>
-          <a:xfrm flipV="1">
-            <a:off x="4028635" y="2555830"/>
-            <a:ext cx="2173443" cy="1360050"/>
-          </a:xfrm>
-          <a:prstGeom prst="straightConnector1">
-            <a:avLst/>
-          </a:prstGeom>
-          <a:ln w="12700">
-            <a:solidFill>
-              <a:srgbClr val="9A0B00"/>
-            </a:solidFill>
-            <a:prstDash val="dash"/>
-            <a:tailEnd type="triangle"/>
-          </a:ln>
-        </p:spPr>
-        <p:style>
-          <a:lnRef idx="1">
-            <a:schemeClr val="accent1"/>
-          </a:lnRef>
-          <a:fillRef idx="0">
-            <a:schemeClr val="accent1"/>
-          </a:fillRef>
-          <a:effectRef idx="0">
-            <a:schemeClr val="accent1"/>
-          </a:effectRef>
-          <a:fontRef idx="minor">
-            <a:schemeClr val="tx1"/>
-          </a:fontRef>
-        </p:style>
-      </p:cxnSp>
-      <p:cxnSp>
-        <p:nvCxnSpPr>
-          <p:cNvPr id="92" name="Straight Arrow Connector 91"/>
-          <p:cNvCxnSpPr>
-            <a:stCxn id="26" idx="4"/>
-            <a:endCxn id="40" idx="2"/>
-          </p:cNvCxnSpPr>
-          <p:nvPr/>
-        </p:nvCxnSpPr>
-        <p:spPr>
-          <a:xfrm flipV="1">
-            <a:off x="4028635" y="2555830"/>
-            <a:ext cx="2173443" cy="1956523"/>
-          </a:xfrm>
-          <a:prstGeom prst="straightConnector1">
-            <a:avLst/>
-          </a:prstGeom>
-          <a:ln w="12700">
-            <a:solidFill>
-              <a:srgbClr val="9A0B00"/>
-            </a:solidFill>
-            <a:prstDash val="dash"/>
-            <a:tailEnd type="triangle"/>
-          </a:ln>
-        </p:spPr>
-        <p:style>
-          <a:lnRef idx="1">
-            <a:schemeClr val="accent1"/>
-          </a:lnRef>
-          <a:fillRef idx="0">
-            <a:schemeClr val="accent1"/>
-          </a:fillRef>
-          <a:effectRef idx="0">
-            <a:schemeClr val="accent1"/>
-          </a:effectRef>
-          <a:fontRef idx="minor">
-            <a:schemeClr val="tx1"/>
-          </a:fontRef>
-        </p:style>
-      </p:cxnSp>
-      <p:sp>
-        <p:nvSpPr>
-          <p:cNvPr id="111" name="TextBox 110"/>
-          <p:cNvSpPr txBox="1"/>
-          <p:nvPr/>
-        </p:nvSpPr>
-        <p:spPr>
-          <a:xfrm>
-            <a:off x="9823196" y="4743827"/>
-            <a:ext cx="850404" cy="646331"/>
-          </a:xfrm>
-          <a:prstGeom prst="rect">
-            <a:avLst/>
-          </a:prstGeom>
-          <a:noFill/>
-        </p:spPr>
-        <p:txBody>
-          <a:bodyPr wrap="square" rtlCol="0">
-            <a:spAutoFit/>
-          </a:bodyPr>
-          <a:lstStyle/>
-          <a:p>
-            <a:r>
-              <a:rPr lang="en-US" sz="1200" dirty="0" smtClean="0"/>
-              <a:t>uploaded every night</a:t>
-            </a:r>
-            <a:endParaRPr lang="en-US" sz="1200" dirty="0"/>
-          </a:p>
-        </p:txBody>
-      </p:sp>
-      <p:sp>
-        <p:nvSpPr>
-          <p:cNvPr id="112" name="Arc 111"/>
-          <p:cNvSpPr/>
-          <p:nvPr/>
-        </p:nvSpPr>
-        <p:spPr>
-          <a:xfrm flipV="1">
-            <a:off x="7377658" y="2087899"/>
-            <a:ext cx="4331999" cy="887764"/>
-          </a:xfrm>
-          <a:prstGeom prst="arc">
-            <a:avLst>
-              <a:gd name="adj1" fmla="val 10920045"/>
-              <a:gd name="adj2" fmla="val 20240284"/>
-            </a:avLst>
-          </a:prstGeom>
-          <a:ln w="12700">
-            <a:solidFill>
-              <a:srgbClr val="9A0B00"/>
-            </a:solidFill>
-            <a:prstDash val="dash"/>
-            <a:tailEnd type="triangle"/>
-          </a:ln>
-        </p:spPr>
-        <p:style>
-          <a:lnRef idx="1">
-            <a:schemeClr val="accent1"/>
-          </a:lnRef>
-          <a:fillRef idx="0">
-            <a:schemeClr val="accent1"/>
-          </a:fillRef>
-          <a:effectRef idx="0">
-            <a:schemeClr val="accent1"/>
-          </a:effectRef>
-          <a:fontRef idx="minor">
-            <a:schemeClr val="tx1"/>
-          </a:fontRef>
-        </p:style>
-        <p:txBody>
-          <a:bodyPr rtlCol="0" anchor="ctr"/>
-          <a:lstStyle/>
-          <a:p>
-            <a:pPr algn="ctr"/>
-            <a:endParaRPr lang="en-US" dirty="0"/>
-          </a:p>
-        </p:txBody>
-      </p:sp>
-      <p:sp>
-        <p:nvSpPr>
-          <p:cNvPr id="114" name="Arc 113"/>
-          <p:cNvSpPr/>
-          <p:nvPr/>
-        </p:nvSpPr>
-        <p:spPr>
-          <a:xfrm flipV="1">
-            <a:off x="7386161" y="2050606"/>
-            <a:ext cx="4533040" cy="863266"/>
-          </a:xfrm>
-          <a:prstGeom prst="arc">
-            <a:avLst>
-              <a:gd name="adj1" fmla="val 10875170"/>
-              <a:gd name="adj2" fmla="val 16584212"/>
-            </a:avLst>
-          </a:prstGeom>
-          <a:ln w="12700">
-            <a:solidFill>
-              <a:srgbClr val="9A0B00"/>
-            </a:solidFill>
-            <a:prstDash val="dash"/>
-            <a:tailEnd type="triangle"/>
-          </a:ln>
-        </p:spPr>
-        <p:style>
-          <a:lnRef idx="1">
-            <a:schemeClr val="accent1"/>
-          </a:lnRef>
-          <a:fillRef idx="0">
-            <a:schemeClr val="accent1"/>
-          </a:fillRef>
-          <a:effectRef idx="0">
-            <a:schemeClr val="accent1"/>
-          </a:effectRef>
-          <a:fontRef idx="minor">
-            <a:schemeClr val="tx1"/>
-          </a:fontRef>
-        </p:style>
-        <p:txBody>
-          <a:bodyPr rtlCol="0" anchor="ctr"/>
-          <a:lstStyle/>
-          <a:p>
-            <a:pPr algn="ctr"/>
-            <a:endParaRPr lang="en-US" dirty="0"/>
-          </a:p>
-        </p:txBody>
-      </p:sp>
-      <p:sp>
-        <p:nvSpPr>
-          <p:cNvPr id="115" name="Arc 114"/>
-          <p:cNvSpPr/>
-          <p:nvPr/>
-        </p:nvSpPr>
-        <p:spPr>
-          <a:xfrm flipV="1">
-            <a:off x="7394665" y="2007269"/>
-            <a:ext cx="2984890" cy="806344"/>
-          </a:xfrm>
-          <a:prstGeom prst="arc">
-            <a:avLst>
-              <a:gd name="adj1" fmla="val 10929737"/>
-              <a:gd name="adj2" fmla="val 16503769"/>
-            </a:avLst>
-          </a:prstGeom>
-          <a:ln w="12700">
-            <a:solidFill>
-              <a:srgbClr val="9A0B00"/>
-            </a:solidFill>
-            <a:prstDash val="dash"/>
-            <a:tailEnd type="triangle"/>
-          </a:ln>
-        </p:spPr>
-        <p:style>
-          <a:lnRef idx="1">
-            <a:schemeClr val="accent1"/>
-          </a:lnRef>
-          <a:fillRef idx="0">
-            <a:schemeClr val="accent1"/>
-          </a:fillRef>
-          <a:effectRef idx="0">
-            <a:schemeClr val="accent1"/>
-          </a:effectRef>
-          <a:fontRef idx="minor">
-            <a:schemeClr val="tx1"/>
-          </a:fontRef>
-        </p:style>
-        <p:txBody>
-          <a:bodyPr rtlCol="0" anchor="ctr"/>
-          <a:lstStyle/>
-          <a:p>
-            <a:pPr algn="ctr"/>
-            <a:endParaRPr lang="en-US" dirty="0"/>
-          </a:p>
-        </p:txBody>
-      </p:sp>
-      <p:sp>
-        <p:nvSpPr>
-          <p:cNvPr id="116" name="TextBox 115"/>
-          <p:cNvSpPr txBox="1"/>
-          <p:nvPr/>
-        </p:nvSpPr>
-        <p:spPr>
-          <a:xfrm>
-            <a:off x="7906024" y="2927449"/>
-            <a:ext cx="794511" cy="461665"/>
-          </a:xfrm>
-          <a:prstGeom prst="rect">
-            <a:avLst/>
-          </a:prstGeom>
-          <a:noFill/>
-        </p:spPr>
-        <p:txBody>
-          <a:bodyPr wrap="square" rtlCol="0">
-            <a:spAutoFit/>
-          </a:bodyPr>
-          <a:lstStyle/>
-          <a:p>
-            <a:r>
-              <a:rPr lang="en-US" sz="1200" dirty="0" smtClean="0"/>
-              <a:t>on pull request</a:t>
-            </a:r>
-            <a:endParaRPr lang="en-US" sz="1200" dirty="0"/>
-          </a:p>
-        </p:txBody>
-      </p:sp>
-      <p:sp>
-        <p:nvSpPr>
-          <p:cNvPr id="69" name="Flowchart: Magnetic Disk 68"/>
-          <p:cNvSpPr/>
-          <p:nvPr/>
-        </p:nvSpPr>
-        <p:spPr>
-          <a:xfrm>
-            <a:off x="1052048" y="4254662"/>
-            <a:ext cx="632298" cy="426087"/>
-          </a:xfrm>
-          <a:prstGeom prst="flowChartMagneticDisk">
-            <a:avLst/>
-          </a:prstGeom>
-          <a:solidFill>
-            <a:schemeClr val="accent5"/>
-          </a:solidFill>
-        </p:spPr>
-        <p:style>
-          <a:lnRef idx="2">
-            <a:schemeClr val="accent1">
-              <a:shade val="50000"/>
-            </a:schemeClr>
-          </a:lnRef>
-          <a:fillRef idx="1">
-            <a:schemeClr val="accent1"/>
-          </a:fillRef>
-          <a:effectRef idx="0">
-            <a:schemeClr val="accent1"/>
-          </a:effectRef>
-          <a:fontRef idx="minor">
-            <a:schemeClr val="lt1"/>
-          </a:fontRef>
-        </p:style>
-        <p:txBody>
-          <a:bodyPr lIns="0" rIns="0" rtlCol="0" anchor="ctr"/>
-          <a:lstStyle/>
-          <a:p>
-            <a:pPr algn="ctr"/>
-            <a:r>
-              <a:rPr lang="en-US" sz="1200" dirty="0" smtClean="0">
-                <a:solidFill>
-                  <a:schemeClr val="tx1"/>
-                </a:solidFill>
-              </a:rPr>
-              <a:t>backups</a:t>
-            </a:r>
-            <a:endParaRPr lang="en-US" sz="1200" dirty="0">
-              <a:solidFill>
-                <a:schemeClr val="tx1"/>
-              </a:solidFill>
-            </a:endParaRPr>
+            <a:pPr>
+              <a:lnSpc>
+                <a:spcPct val="120000"/>
+              </a:lnSpc>
+            </a:pPr>
+            <a:r>
+              <a:rPr lang="en-US" noProof="0" dirty="0" smtClean="0"/>
+              <a:t>Building a community means providing support</a:t>
+            </a:r>
+          </a:p>
+          <a:p>
+            <a:pPr>
+              <a:lnSpc>
+                <a:spcPct val="120000"/>
+              </a:lnSpc>
+            </a:pPr>
+            <a:r>
+              <a:rPr lang="en-US" noProof="0" dirty="0" smtClean="0"/>
+              <a:t>GitHub issue tracker</a:t>
+            </a:r>
+          </a:p>
+          <a:p>
+            <a:pPr lvl="1">
+              <a:lnSpc>
+                <a:spcPct val="120000"/>
+              </a:lnSpc>
+            </a:pPr>
+            <a:r>
+              <a:rPr lang="en-US" noProof="0" dirty="0" smtClean="0"/>
+              <a:t>mostly used as a discussion forum</a:t>
+            </a:r>
+          </a:p>
+          <a:p>
+            <a:pPr>
+              <a:lnSpc>
+                <a:spcPct val="120000"/>
+              </a:lnSpc>
+            </a:pPr>
+            <a:r>
+              <a:rPr lang="en-US" noProof="0" dirty="0" smtClean="0"/>
+              <a:t>Spend time for users</a:t>
+            </a:r>
+          </a:p>
+          <a:p>
+            <a:pPr lvl="1">
+              <a:lnSpc>
+                <a:spcPct val="120000"/>
+              </a:lnSpc>
+            </a:pPr>
+            <a:r>
+              <a:rPr lang="en-US" noProof="0" dirty="0" smtClean="0"/>
+              <a:t>… but not too much time</a:t>
+            </a:r>
+          </a:p>
+          <a:p>
+            <a:pPr lvl="1">
+              <a:lnSpc>
+                <a:spcPct val="120000"/>
+              </a:lnSpc>
+            </a:pPr>
+            <a:r>
+              <a:rPr lang="en-US" noProof="0" dirty="0" smtClean="0"/>
+              <a:t>explain, explain, explain</a:t>
+            </a:r>
+          </a:p>
+          <a:p>
+            <a:pPr marL="914400" lvl="2" indent="0">
+              <a:lnSpc>
+                <a:spcPct val="120000"/>
+              </a:lnSpc>
+              <a:buNone/>
+            </a:pPr>
+            <a:r>
+              <a:rPr lang="en-US" noProof="0" dirty="0" smtClean="0"/>
+              <a:t>give investigation clues or suggestions, don’t give solutions</a:t>
+            </a:r>
+          </a:p>
+          <a:p>
+            <a:pPr marL="914400" lvl="2" indent="0">
+              <a:lnSpc>
+                <a:spcPct val="120000"/>
+              </a:lnSpc>
+              <a:buNone/>
+            </a:pPr>
+            <a:r>
+              <a:rPr lang="en-US" noProof="0" dirty="0" smtClean="0"/>
+              <a:t>the default answer always remains « RTFM ! »</a:t>
+            </a:r>
+          </a:p>
+          <a:p>
+            <a:pPr>
+              <a:lnSpc>
+                <a:spcPct val="120000"/>
+              </a:lnSpc>
+            </a:pPr>
+            <a:r>
+              <a:rPr lang="en-US" noProof="0" dirty="0" smtClean="0"/>
+              <a:t>Fix bugs quickly</a:t>
+            </a:r>
+          </a:p>
+          <a:p>
+            <a:pPr lvl="1">
+              <a:lnSpc>
+                <a:spcPct val="120000"/>
+              </a:lnSpc>
+            </a:pPr>
+            <a:r>
+              <a:rPr lang="en-US" noProof="0" dirty="0" smtClean="0"/>
+              <a:t>bugs are annoying for everyone, they ruin the reputation of a project</a:t>
+            </a:r>
+          </a:p>
+          <a:p>
+            <a:pPr>
+              <a:lnSpc>
+                <a:spcPct val="120000"/>
+              </a:lnSpc>
+            </a:pPr>
+            <a:r>
+              <a:rPr lang="en-US" noProof="0" dirty="0" smtClean="0"/>
+              <a:t>Implement suggested new features</a:t>
+            </a:r>
+          </a:p>
+          <a:p>
+            <a:pPr lvl="1">
+              <a:lnSpc>
+                <a:spcPct val="120000"/>
+              </a:lnSpc>
+            </a:pPr>
+            <a:r>
+              <a:rPr lang="en-US" noProof="0" dirty="0" smtClean="0"/>
+              <a:t>transform user’s requests in generic new features for everyone</a:t>
+            </a:r>
+          </a:p>
+          <a:p>
+            <a:pPr lvl="1">
+              <a:lnSpc>
+                <a:spcPct val="120000"/>
+              </a:lnSpc>
+            </a:pPr>
+            <a:r>
+              <a:rPr lang="en-US" noProof="0" dirty="0" smtClean="0"/>
+              <a:t>protect the architecture and principles of the project</a:t>
+            </a:r>
+            <a:endParaRPr lang="en-US" noProof="0" dirty="0"/>
           </a:p>
         </p:txBody>
       </p:sp>
     </p:spTree>
     <p:extLst>
       <p:ext uri="{BB962C8B-B14F-4D97-AF65-F5344CB8AC3E}">
-        <p14:creationId xmlns:p14="http://schemas.microsoft.com/office/powerpoint/2010/main" val="440095896"/>
+        <p14:creationId xmlns:p14="http://schemas.microsoft.com/office/powerpoint/2010/main" val="1582633702"/>
       </p:ext>
     </p:extLst>
   </p:cSld>
@@ -7130,6 +4203,3149 @@
       </p:grpSpPr>
       <p:sp>
         <p:nvSpPr>
+          <p:cNvPr id="45" name="Rounded Rectangle 44"/>
+          <p:cNvSpPr/>
+          <p:nvPr/>
+        </p:nvSpPr>
+        <p:spPr>
+          <a:xfrm>
+            <a:off x="8599253" y="1604231"/>
+            <a:ext cx="2889114" cy="2838281"/>
+          </a:xfrm>
+          <a:prstGeom prst="roundRect">
+            <a:avLst>
+              <a:gd name="adj" fmla="val 6454"/>
+            </a:avLst>
+          </a:prstGeom>
+          <a:solidFill>
+            <a:schemeClr val="accent3"/>
+          </a:solidFill>
+        </p:spPr>
+        <p:style>
+          <a:lnRef idx="2">
+            <a:schemeClr val="accent6">
+              <a:shade val="50000"/>
+            </a:schemeClr>
+          </a:lnRef>
+          <a:fillRef idx="1">
+            <a:schemeClr val="accent6"/>
+          </a:fillRef>
+          <a:effectRef idx="0">
+            <a:schemeClr val="accent6"/>
+          </a:effectRef>
+          <a:fontRef idx="minor">
+            <a:schemeClr val="lt1"/>
+          </a:fontRef>
+        </p:style>
+        <p:txBody>
+          <a:bodyPr rtlCol="0" anchor="t"/>
+          <a:lstStyle/>
+          <a:p>
+            <a:r>
+              <a:rPr lang="en-US" dirty="0" smtClean="0">
+                <a:solidFill>
+                  <a:schemeClr val="tx1"/>
+                </a:solidFill>
+              </a:rPr>
+              <a:t>GitHub Actions (CI/CD)</a:t>
+            </a:r>
+            <a:endParaRPr lang="en-US" dirty="0">
+              <a:solidFill>
+                <a:schemeClr val="tx1"/>
+              </a:solidFill>
+            </a:endParaRPr>
+          </a:p>
+        </p:txBody>
+      </p:sp>
+      <p:sp>
+        <p:nvSpPr>
+          <p:cNvPr id="2" name="Title 1"/>
+          <p:cNvSpPr>
+            <a:spLocks noGrp="1"/>
+          </p:cNvSpPr>
+          <p:nvPr>
+            <p:ph type="title"/>
+          </p:nvPr>
+        </p:nvSpPr>
+        <p:spPr/>
+        <p:txBody>
+          <a:bodyPr/>
+          <a:lstStyle/>
+          <a:p>
+            <a:r>
+              <a:rPr lang="en-US" noProof="0" dirty="0" smtClean="0"/>
+              <a:t>Infrastructure</a:t>
+            </a:r>
+            <a:endParaRPr lang="en-US" noProof="0" dirty="0"/>
+          </a:p>
+        </p:txBody>
+      </p:sp>
+      <p:sp>
+        <p:nvSpPr>
+          <p:cNvPr id="5" name="Rounded Rectangle 4"/>
+          <p:cNvSpPr/>
+          <p:nvPr/>
+        </p:nvSpPr>
+        <p:spPr>
+          <a:xfrm>
+            <a:off x="682556" y="1605064"/>
+            <a:ext cx="4230655" cy="4922197"/>
+          </a:xfrm>
+          <a:prstGeom prst="roundRect">
+            <a:avLst>
+              <a:gd name="adj" fmla="val 6454"/>
+            </a:avLst>
+          </a:prstGeom>
+          <a:solidFill>
+            <a:schemeClr val="accent3"/>
+          </a:solidFill>
+        </p:spPr>
+        <p:style>
+          <a:lnRef idx="2">
+            <a:schemeClr val="accent6">
+              <a:shade val="50000"/>
+            </a:schemeClr>
+          </a:lnRef>
+          <a:fillRef idx="1">
+            <a:schemeClr val="accent6"/>
+          </a:fillRef>
+          <a:effectRef idx="0">
+            <a:schemeClr val="accent6"/>
+          </a:effectRef>
+          <a:fontRef idx="minor">
+            <a:schemeClr val="lt1"/>
+          </a:fontRef>
+        </p:style>
+        <p:txBody>
+          <a:bodyPr rtlCol="0" anchor="t"/>
+          <a:lstStyle/>
+          <a:p>
+            <a:r>
+              <a:rPr lang="en-US" dirty="0" smtClean="0">
+                <a:solidFill>
+                  <a:schemeClr val="tx1"/>
+                </a:solidFill>
+              </a:rPr>
+              <a:t>Home (development)</a:t>
+            </a:r>
+            <a:endParaRPr lang="en-US" dirty="0">
+              <a:solidFill>
+                <a:schemeClr val="tx1"/>
+              </a:solidFill>
+            </a:endParaRPr>
+          </a:p>
+        </p:txBody>
+      </p:sp>
+      <p:sp>
+        <p:nvSpPr>
+          <p:cNvPr id="4" name="Rectangle 3"/>
+          <p:cNvSpPr/>
+          <p:nvPr/>
+        </p:nvSpPr>
+        <p:spPr>
+          <a:xfrm>
+            <a:off x="2062279" y="2198451"/>
+            <a:ext cx="2622307" cy="3268494"/>
+          </a:xfrm>
+          <a:prstGeom prst="rect">
+            <a:avLst/>
+          </a:prstGeom>
+        </p:spPr>
+        <p:style>
+          <a:lnRef idx="2">
+            <a:schemeClr val="accent6">
+              <a:shade val="50000"/>
+            </a:schemeClr>
+          </a:lnRef>
+          <a:fillRef idx="1">
+            <a:schemeClr val="accent6"/>
+          </a:fillRef>
+          <a:effectRef idx="0">
+            <a:schemeClr val="accent6"/>
+          </a:effectRef>
+          <a:fontRef idx="minor">
+            <a:schemeClr val="lt1"/>
+          </a:fontRef>
+        </p:style>
+        <p:txBody>
+          <a:bodyPr rtlCol="0" anchor="t"/>
+          <a:lstStyle/>
+          <a:p>
+            <a:r>
+              <a:rPr lang="en-US" dirty="0" smtClean="0"/>
+              <a:t>macOS</a:t>
+            </a:r>
+          </a:p>
+        </p:txBody>
+      </p:sp>
+      <p:sp>
+        <p:nvSpPr>
+          <p:cNvPr id="6" name="Rectangle 5"/>
+          <p:cNvSpPr/>
+          <p:nvPr/>
+        </p:nvSpPr>
+        <p:spPr>
+          <a:xfrm>
+            <a:off x="895449" y="3184908"/>
+            <a:ext cx="956552" cy="1771673"/>
+          </a:xfrm>
+          <a:prstGeom prst="rect">
+            <a:avLst/>
+          </a:prstGeom>
+        </p:spPr>
+        <p:style>
+          <a:lnRef idx="2">
+            <a:schemeClr val="accent6">
+              <a:shade val="50000"/>
+            </a:schemeClr>
+          </a:lnRef>
+          <a:fillRef idx="1">
+            <a:schemeClr val="accent6"/>
+          </a:fillRef>
+          <a:effectRef idx="0">
+            <a:schemeClr val="accent6"/>
+          </a:effectRef>
+          <a:fontRef idx="minor">
+            <a:schemeClr val="lt1"/>
+          </a:fontRef>
+        </p:style>
+        <p:txBody>
+          <a:bodyPr rtlCol="0" anchor="t"/>
+          <a:lstStyle/>
+          <a:p>
+            <a:r>
+              <a:rPr lang="en-US" dirty="0" smtClean="0"/>
+              <a:t>NAS</a:t>
+            </a:r>
+          </a:p>
+        </p:txBody>
+      </p:sp>
+      <p:sp>
+        <p:nvSpPr>
+          <p:cNvPr id="7" name="Flowchart: Magnetic Disk 6"/>
+          <p:cNvSpPr/>
+          <p:nvPr/>
+        </p:nvSpPr>
+        <p:spPr>
+          <a:xfrm>
+            <a:off x="1060781" y="3668830"/>
+            <a:ext cx="632298" cy="426087"/>
+          </a:xfrm>
+          <a:prstGeom prst="flowChartMagneticDisk">
+            <a:avLst/>
+          </a:prstGeom>
+          <a:solidFill>
+            <a:schemeClr val="accent5"/>
+          </a:solidFill>
+        </p:spPr>
+        <p:style>
+          <a:lnRef idx="2">
+            <a:schemeClr val="accent1">
+              <a:shade val="50000"/>
+            </a:schemeClr>
+          </a:lnRef>
+          <a:fillRef idx="1">
+            <a:schemeClr val="accent1"/>
+          </a:fillRef>
+          <a:effectRef idx="0">
+            <a:schemeClr val="accent1"/>
+          </a:effectRef>
+          <a:fontRef idx="minor">
+            <a:schemeClr val="lt1"/>
+          </a:fontRef>
+        </p:style>
+        <p:txBody>
+          <a:bodyPr rtlCol="0" anchor="ctr"/>
+          <a:lstStyle/>
+          <a:p>
+            <a:pPr algn="ctr"/>
+            <a:r>
+              <a:rPr lang="en-US" dirty="0" smtClean="0">
+                <a:solidFill>
+                  <a:schemeClr val="tx1"/>
+                </a:solidFill>
+              </a:rPr>
+              <a:t>git</a:t>
+            </a:r>
+            <a:endParaRPr lang="en-US" dirty="0">
+              <a:solidFill>
+                <a:schemeClr val="tx1"/>
+              </a:solidFill>
+            </a:endParaRPr>
+          </a:p>
+        </p:txBody>
+      </p:sp>
+      <p:sp>
+        <p:nvSpPr>
+          <p:cNvPr id="10" name="Flowchart: Magnetic Disk 9"/>
+          <p:cNvSpPr/>
+          <p:nvPr/>
+        </p:nvSpPr>
+        <p:spPr>
+          <a:xfrm>
+            <a:off x="4021992" y="2643461"/>
+            <a:ext cx="304524" cy="214669"/>
+          </a:xfrm>
+          <a:prstGeom prst="flowChartMagneticDisk">
+            <a:avLst/>
+          </a:prstGeom>
+          <a:solidFill>
+            <a:schemeClr val="accent5"/>
+          </a:solidFill>
+        </p:spPr>
+        <p:style>
+          <a:lnRef idx="2">
+            <a:schemeClr val="accent1">
+              <a:shade val="50000"/>
+            </a:schemeClr>
+          </a:lnRef>
+          <a:fillRef idx="1">
+            <a:schemeClr val="accent1"/>
+          </a:fillRef>
+          <a:effectRef idx="0">
+            <a:schemeClr val="accent1"/>
+          </a:effectRef>
+          <a:fontRef idx="minor">
+            <a:schemeClr val="lt1"/>
+          </a:fontRef>
+        </p:style>
+        <p:txBody>
+          <a:bodyPr lIns="0" tIns="0" rIns="0" bIns="0" rtlCol="0" anchor="ctr"/>
+          <a:lstStyle/>
+          <a:p>
+            <a:pPr algn="ctr"/>
+            <a:r>
+              <a:rPr lang="en-US" sz="1200" dirty="0" smtClean="0">
+                <a:solidFill>
+                  <a:schemeClr val="tx1"/>
+                </a:solidFill>
+              </a:rPr>
+              <a:t>git</a:t>
+            </a:r>
+            <a:endParaRPr lang="en-US" sz="1200" dirty="0">
+              <a:solidFill>
+                <a:schemeClr val="tx1"/>
+              </a:solidFill>
+            </a:endParaRPr>
+          </a:p>
+        </p:txBody>
+      </p:sp>
+      <p:sp>
+        <p:nvSpPr>
+          <p:cNvPr id="11" name="TextBox 10"/>
+          <p:cNvSpPr txBox="1"/>
+          <p:nvPr/>
+        </p:nvSpPr>
+        <p:spPr>
+          <a:xfrm>
+            <a:off x="3435148" y="2612296"/>
+            <a:ext cx="656621" cy="276999"/>
+          </a:xfrm>
+          <a:prstGeom prst="rect">
+            <a:avLst/>
+          </a:prstGeom>
+          <a:noFill/>
+        </p:spPr>
+        <p:txBody>
+          <a:bodyPr wrap="square" rtlCol="0">
+            <a:spAutoFit/>
+          </a:bodyPr>
+          <a:lstStyle/>
+          <a:p>
+            <a:r>
+              <a:rPr lang="en-US" sz="1200" dirty="0" smtClean="0">
+                <a:solidFill>
+                  <a:schemeClr val="bg1"/>
+                </a:solidFill>
+              </a:rPr>
+              <a:t>native:</a:t>
+            </a:r>
+            <a:endParaRPr lang="en-US" sz="1200" dirty="0">
+              <a:solidFill>
+                <a:schemeClr val="bg1"/>
+              </a:solidFill>
+            </a:endParaRPr>
+          </a:p>
+        </p:txBody>
+      </p:sp>
+      <p:sp>
+        <p:nvSpPr>
+          <p:cNvPr id="13" name="Rectangle 12"/>
+          <p:cNvSpPr/>
+          <p:nvPr/>
+        </p:nvSpPr>
+        <p:spPr>
+          <a:xfrm>
+            <a:off x="3032929" y="3587138"/>
+            <a:ext cx="686610" cy="492056"/>
+          </a:xfrm>
+          <a:prstGeom prst="rect">
+            <a:avLst/>
+          </a:prstGeom>
+          <a:solidFill>
+            <a:schemeClr val="accent1"/>
+          </a:solidFill>
+        </p:spPr>
+        <p:style>
+          <a:lnRef idx="2">
+            <a:schemeClr val="accent6">
+              <a:shade val="50000"/>
+            </a:schemeClr>
+          </a:lnRef>
+          <a:fillRef idx="1">
+            <a:schemeClr val="accent6"/>
+          </a:fillRef>
+          <a:effectRef idx="0">
+            <a:schemeClr val="accent6"/>
+          </a:effectRef>
+          <a:fontRef idx="minor">
+            <a:schemeClr val="lt1"/>
+          </a:fontRef>
+        </p:style>
+        <p:txBody>
+          <a:bodyPr lIns="0" rIns="0" rtlCol="0" anchor="t"/>
+          <a:lstStyle/>
+          <a:p>
+            <a:pPr algn="ctr"/>
+            <a:r>
+              <a:rPr lang="en-US" sz="1050" dirty="0" smtClean="0"/>
+              <a:t>Fedora</a:t>
+            </a:r>
+          </a:p>
+        </p:txBody>
+      </p:sp>
+      <p:sp>
+        <p:nvSpPr>
+          <p:cNvPr id="19" name="TextBox 18"/>
+          <p:cNvSpPr txBox="1"/>
+          <p:nvPr/>
+        </p:nvSpPr>
+        <p:spPr>
+          <a:xfrm>
+            <a:off x="2146022" y="3633252"/>
+            <a:ext cx="778289" cy="400110"/>
+          </a:xfrm>
+          <a:prstGeom prst="rect">
+            <a:avLst/>
+          </a:prstGeom>
+          <a:noFill/>
+        </p:spPr>
+        <p:txBody>
+          <a:bodyPr wrap="square" lIns="0" tIns="0" rIns="0" bIns="0" rtlCol="0">
+            <a:spAutoFit/>
+          </a:bodyPr>
+          <a:lstStyle/>
+          <a:p>
+            <a:pPr algn="r"/>
+            <a:r>
+              <a:rPr lang="en-US" sz="1300" b="1" dirty="0" smtClean="0">
+                <a:solidFill>
+                  <a:schemeClr val="accent1"/>
+                </a:solidFill>
+              </a:rPr>
+              <a:t>Virtual</a:t>
+            </a:r>
+            <a:br>
+              <a:rPr lang="en-US" sz="1300" b="1" dirty="0" smtClean="0">
+                <a:solidFill>
+                  <a:schemeClr val="accent1"/>
+                </a:solidFill>
+              </a:rPr>
+            </a:br>
+            <a:r>
+              <a:rPr lang="en-US" sz="1300" b="1" dirty="0" smtClean="0">
+                <a:solidFill>
+                  <a:schemeClr val="accent1"/>
+                </a:solidFill>
+              </a:rPr>
+              <a:t>Machines</a:t>
+            </a:r>
+            <a:endParaRPr lang="en-US" sz="1300" b="1" dirty="0">
+              <a:solidFill>
+                <a:schemeClr val="accent1"/>
+              </a:solidFill>
+            </a:endParaRPr>
+          </a:p>
+        </p:txBody>
+      </p:sp>
+      <p:sp>
+        <p:nvSpPr>
+          <p:cNvPr id="21" name="Flowchart: Magnetic Disk 20"/>
+          <p:cNvSpPr/>
+          <p:nvPr/>
+        </p:nvSpPr>
+        <p:spPr>
+          <a:xfrm>
+            <a:off x="3223972" y="3804716"/>
+            <a:ext cx="304524" cy="230354"/>
+          </a:xfrm>
+          <a:prstGeom prst="flowChartMagneticDisk">
+            <a:avLst/>
+          </a:prstGeom>
+          <a:solidFill>
+            <a:schemeClr val="accent5"/>
+          </a:solidFill>
+        </p:spPr>
+        <p:style>
+          <a:lnRef idx="2">
+            <a:schemeClr val="accent1">
+              <a:shade val="50000"/>
+            </a:schemeClr>
+          </a:lnRef>
+          <a:fillRef idx="1">
+            <a:schemeClr val="accent1"/>
+          </a:fillRef>
+          <a:effectRef idx="0">
+            <a:schemeClr val="accent1"/>
+          </a:effectRef>
+          <a:fontRef idx="minor">
+            <a:schemeClr val="lt1"/>
+          </a:fontRef>
+        </p:style>
+        <p:txBody>
+          <a:bodyPr lIns="0" tIns="0" rIns="0" bIns="0" rtlCol="0" anchor="ctr"/>
+          <a:lstStyle/>
+          <a:p>
+            <a:pPr algn="ctr"/>
+            <a:r>
+              <a:rPr lang="en-US" sz="1200" dirty="0" smtClean="0">
+                <a:solidFill>
+                  <a:schemeClr val="tx1"/>
+                </a:solidFill>
+              </a:rPr>
+              <a:t>git</a:t>
+            </a:r>
+            <a:endParaRPr lang="en-US" sz="1200" dirty="0">
+              <a:solidFill>
+                <a:schemeClr val="tx1"/>
+              </a:solidFill>
+            </a:endParaRPr>
+          </a:p>
+        </p:txBody>
+      </p:sp>
+      <p:sp>
+        <p:nvSpPr>
+          <p:cNvPr id="28" name="Rectangle 27"/>
+          <p:cNvSpPr/>
+          <p:nvPr/>
+        </p:nvSpPr>
+        <p:spPr>
+          <a:xfrm>
+            <a:off x="2062279" y="5550938"/>
+            <a:ext cx="2622307" cy="777674"/>
+          </a:xfrm>
+          <a:prstGeom prst="rect">
+            <a:avLst/>
+          </a:prstGeom>
+        </p:spPr>
+        <p:style>
+          <a:lnRef idx="2">
+            <a:schemeClr val="accent6">
+              <a:shade val="50000"/>
+            </a:schemeClr>
+          </a:lnRef>
+          <a:fillRef idx="1">
+            <a:schemeClr val="accent6"/>
+          </a:fillRef>
+          <a:effectRef idx="0">
+            <a:schemeClr val="accent6"/>
+          </a:effectRef>
+          <a:fontRef idx="minor">
+            <a:schemeClr val="lt1"/>
+          </a:fontRef>
+        </p:style>
+        <p:txBody>
+          <a:bodyPr rtlCol="0" anchor="t"/>
+          <a:lstStyle/>
+          <a:p>
+            <a:r>
+              <a:rPr lang="en-US" dirty="0" smtClean="0"/>
+              <a:t>Raspberry Pi</a:t>
+            </a:r>
+          </a:p>
+        </p:txBody>
+      </p:sp>
+      <p:sp>
+        <p:nvSpPr>
+          <p:cNvPr id="30" name="Flowchart: Magnetic Disk 29"/>
+          <p:cNvSpPr/>
+          <p:nvPr/>
+        </p:nvSpPr>
+        <p:spPr>
+          <a:xfrm>
+            <a:off x="4037674" y="5963924"/>
+            <a:ext cx="304524" cy="214669"/>
+          </a:xfrm>
+          <a:prstGeom prst="flowChartMagneticDisk">
+            <a:avLst/>
+          </a:prstGeom>
+          <a:solidFill>
+            <a:schemeClr val="accent5"/>
+          </a:solidFill>
+        </p:spPr>
+        <p:style>
+          <a:lnRef idx="2">
+            <a:schemeClr val="accent1">
+              <a:shade val="50000"/>
+            </a:schemeClr>
+          </a:lnRef>
+          <a:fillRef idx="1">
+            <a:schemeClr val="accent1"/>
+          </a:fillRef>
+          <a:effectRef idx="0">
+            <a:schemeClr val="accent1"/>
+          </a:effectRef>
+          <a:fontRef idx="minor">
+            <a:schemeClr val="lt1"/>
+          </a:fontRef>
+        </p:style>
+        <p:txBody>
+          <a:bodyPr lIns="0" tIns="0" rIns="0" bIns="0" rtlCol="0" anchor="ctr"/>
+          <a:lstStyle/>
+          <a:p>
+            <a:pPr algn="ctr"/>
+            <a:r>
+              <a:rPr lang="en-US" sz="1200" dirty="0" smtClean="0">
+                <a:solidFill>
+                  <a:schemeClr val="tx1"/>
+                </a:solidFill>
+              </a:rPr>
+              <a:t>git</a:t>
+            </a:r>
+            <a:endParaRPr lang="en-US" sz="1200" dirty="0">
+              <a:solidFill>
+                <a:schemeClr val="tx1"/>
+              </a:solidFill>
+            </a:endParaRPr>
+          </a:p>
+        </p:txBody>
+      </p:sp>
+      <p:sp>
+        <p:nvSpPr>
+          <p:cNvPr id="31" name="TextBox 30"/>
+          <p:cNvSpPr txBox="1"/>
+          <p:nvPr/>
+        </p:nvSpPr>
+        <p:spPr>
+          <a:xfrm>
+            <a:off x="3450830" y="5932759"/>
+            <a:ext cx="656621" cy="276999"/>
+          </a:xfrm>
+          <a:prstGeom prst="rect">
+            <a:avLst/>
+          </a:prstGeom>
+          <a:noFill/>
+        </p:spPr>
+        <p:txBody>
+          <a:bodyPr wrap="square" rtlCol="0">
+            <a:spAutoFit/>
+          </a:bodyPr>
+          <a:lstStyle/>
+          <a:p>
+            <a:r>
+              <a:rPr lang="en-US" sz="1200" dirty="0" smtClean="0">
+                <a:solidFill>
+                  <a:schemeClr val="bg1"/>
+                </a:solidFill>
+              </a:rPr>
+              <a:t>native:</a:t>
+            </a:r>
+            <a:endParaRPr lang="en-US" sz="1200" dirty="0">
+              <a:solidFill>
+                <a:schemeClr val="bg1"/>
+              </a:solidFill>
+            </a:endParaRPr>
+          </a:p>
+        </p:txBody>
+      </p:sp>
+      <p:sp>
+        <p:nvSpPr>
+          <p:cNvPr id="32" name="Rounded Rectangle 31"/>
+          <p:cNvSpPr/>
+          <p:nvPr/>
+        </p:nvSpPr>
+        <p:spPr>
+          <a:xfrm>
+            <a:off x="5764813" y="1604232"/>
+            <a:ext cx="2056226" cy="2838280"/>
+          </a:xfrm>
+          <a:prstGeom prst="roundRect">
+            <a:avLst>
+              <a:gd name="adj" fmla="val 6454"/>
+            </a:avLst>
+          </a:prstGeom>
+          <a:solidFill>
+            <a:schemeClr val="accent3"/>
+          </a:solidFill>
+        </p:spPr>
+        <p:style>
+          <a:lnRef idx="2">
+            <a:schemeClr val="accent6">
+              <a:shade val="50000"/>
+            </a:schemeClr>
+          </a:lnRef>
+          <a:fillRef idx="1">
+            <a:schemeClr val="accent6"/>
+          </a:fillRef>
+          <a:effectRef idx="0">
+            <a:schemeClr val="accent6"/>
+          </a:effectRef>
+          <a:fontRef idx="minor">
+            <a:schemeClr val="lt1"/>
+          </a:fontRef>
+        </p:style>
+        <p:txBody>
+          <a:bodyPr rtlCol="0" anchor="t"/>
+          <a:lstStyle/>
+          <a:p>
+            <a:r>
+              <a:rPr lang="en-US" dirty="0" smtClean="0">
+                <a:solidFill>
+                  <a:schemeClr val="tx1"/>
+                </a:solidFill>
+              </a:rPr>
+              <a:t>GitHub</a:t>
+            </a:r>
+            <a:endParaRPr lang="en-US" dirty="0">
+              <a:solidFill>
+                <a:schemeClr val="tx1"/>
+              </a:solidFill>
+            </a:endParaRPr>
+          </a:p>
+        </p:txBody>
+      </p:sp>
+      <p:sp>
+        <p:nvSpPr>
+          <p:cNvPr id="33" name="Rounded Rectangle 32"/>
+          <p:cNvSpPr/>
+          <p:nvPr/>
+        </p:nvSpPr>
+        <p:spPr>
+          <a:xfrm>
+            <a:off x="5764813" y="4796555"/>
+            <a:ext cx="3145257" cy="1730706"/>
+          </a:xfrm>
+          <a:prstGeom prst="roundRect">
+            <a:avLst>
+              <a:gd name="adj" fmla="val 6454"/>
+            </a:avLst>
+          </a:prstGeom>
+          <a:solidFill>
+            <a:schemeClr val="accent3"/>
+          </a:solidFill>
+        </p:spPr>
+        <p:style>
+          <a:lnRef idx="2">
+            <a:schemeClr val="accent6">
+              <a:shade val="50000"/>
+            </a:schemeClr>
+          </a:lnRef>
+          <a:fillRef idx="1">
+            <a:schemeClr val="accent6"/>
+          </a:fillRef>
+          <a:effectRef idx="0">
+            <a:schemeClr val="accent6"/>
+          </a:effectRef>
+          <a:fontRef idx="minor">
+            <a:schemeClr val="lt1"/>
+          </a:fontRef>
+        </p:style>
+        <p:txBody>
+          <a:bodyPr rtlCol="0" anchor="t"/>
+          <a:lstStyle/>
+          <a:p>
+            <a:r>
+              <a:rPr lang="en-US" dirty="0" smtClean="0">
+                <a:solidFill>
+                  <a:schemeClr val="tx1"/>
+                </a:solidFill>
+              </a:rPr>
+              <a:t>tsduck.io (web hosting)</a:t>
+            </a:r>
+            <a:endParaRPr lang="en-US" dirty="0">
+              <a:solidFill>
+                <a:schemeClr val="tx1"/>
+              </a:solidFill>
+            </a:endParaRPr>
+          </a:p>
+        </p:txBody>
+      </p:sp>
+      <p:sp>
+        <p:nvSpPr>
+          <p:cNvPr id="34" name="Rectangle 33"/>
+          <p:cNvSpPr/>
+          <p:nvPr/>
+        </p:nvSpPr>
+        <p:spPr>
+          <a:xfrm>
+            <a:off x="6029769" y="5298173"/>
+            <a:ext cx="2587558" cy="1030439"/>
+          </a:xfrm>
+          <a:prstGeom prst="rect">
+            <a:avLst/>
+          </a:prstGeom>
+        </p:spPr>
+        <p:style>
+          <a:lnRef idx="2">
+            <a:schemeClr val="accent6">
+              <a:shade val="50000"/>
+            </a:schemeClr>
+          </a:lnRef>
+          <a:fillRef idx="1">
+            <a:schemeClr val="accent6"/>
+          </a:fillRef>
+          <a:effectRef idx="0">
+            <a:schemeClr val="accent6"/>
+          </a:effectRef>
+          <a:fontRef idx="minor">
+            <a:schemeClr val="lt1"/>
+          </a:fontRef>
+        </p:style>
+        <p:txBody>
+          <a:bodyPr rtlCol="0" anchor="t"/>
+          <a:lstStyle/>
+          <a:p>
+            <a:endParaRPr lang="en-US" dirty="0" smtClean="0"/>
+          </a:p>
+        </p:txBody>
+      </p:sp>
+      <p:sp>
+        <p:nvSpPr>
+          <p:cNvPr id="35" name="Flowchart: Magnetic Disk 34"/>
+          <p:cNvSpPr/>
+          <p:nvPr/>
+        </p:nvSpPr>
+        <p:spPr>
+          <a:xfrm>
+            <a:off x="6196164" y="5439881"/>
+            <a:ext cx="957299" cy="320244"/>
+          </a:xfrm>
+          <a:prstGeom prst="flowChartMagneticDisk">
+            <a:avLst/>
+          </a:prstGeom>
+          <a:solidFill>
+            <a:schemeClr val="accent5"/>
+          </a:solidFill>
+        </p:spPr>
+        <p:style>
+          <a:lnRef idx="2">
+            <a:schemeClr val="accent1">
+              <a:shade val="50000"/>
+            </a:schemeClr>
+          </a:lnRef>
+          <a:fillRef idx="1">
+            <a:schemeClr val="accent1"/>
+          </a:fillRef>
+          <a:effectRef idx="0">
+            <a:schemeClr val="accent1"/>
+          </a:effectRef>
+          <a:fontRef idx="minor">
+            <a:schemeClr val="lt1"/>
+          </a:fontRef>
+        </p:style>
+        <p:txBody>
+          <a:bodyPr lIns="0" tIns="0" rIns="0" bIns="0" rtlCol="0" anchor="ctr"/>
+          <a:lstStyle/>
+          <a:p>
+            <a:pPr algn="ctr"/>
+            <a:r>
+              <a:rPr lang="en-US" sz="1200" dirty="0" smtClean="0">
+                <a:solidFill>
+                  <a:schemeClr val="tx1"/>
+                </a:solidFill>
+              </a:rPr>
+              <a:t>PHP / HTML</a:t>
+            </a:r>
+            <a:endParaRPr lang="en-US" sz="1200" dirty="0">
+              <a:solidFill>
+                <a:schemeClr val="tx1"/>
+              </a:solidFill>
+            </a:endParaRPr>
+          </a:p>
+        </p:txBody>
+      </p:sp>
+      <p:sp>
+        <p:nvSpPr>
+          <p:cNvPr id="36" name="Flowchart: Magnetic Disk 35"/>
+          <p:cNvSpPr/>
+          <p:nvPr/>
+        </p:nvSpPr>
+        <p:spPr>
+          <a:xfrm>
+            <a:off x="6196164" y="5920506"/>
+            <a:ext cx="957299" cy="320244"/>
+          </a:xfrm>
+          <a:prstGeom prst="flowChartMagneticDisk">
+            <a:avLst/>
+          </a:prstGeom>
+          <a:solidFill>
+            <a:schemeClr val="accent5"/>
+          </a:solidFill>
+        </p:spPr>
+        <p:style>
+          <a:lnRef idx="2">
+            <a:schemeClr val="accent1">
+              <a:shade val="50000"/>
+            </a:schemeClr>
+          </a:lnRef>
+          <a:fillRef idx="1">
+            <a:schemeClr val="accent1"/>
+          </a:fillRef>
+          <a:effectRef idx="0">
+            <a:schemeClr val="accent1"/>
+          </a:effectRef>
+          <a:fontRef idx="minor">
+            <a:schemeClr val="lt1"/>
+          </a:fontRef>
+        </p:style>
+        <p:txBody>
+          <a:bodyPr lIns="0" tIns="0" rIns="0" bIns="0" rtlCol="0" anchor="ctr"/>
+          <a:lstStyle/>
+          <a:p>
+            <a:pPr algn="ctr"/>
+            <a:r>
+              <a:rPr lang="en-US" sz="1200" dirty="0" smtClean="0">
+                <a:solidFill>
+                  <a:schemeClr val="tx1"/>
+                </a:solidFill>
+              </a:rPr>
+              <a:t>streams repo</a:t>
+            </a:r>
+            <a:endParaRPr lang="en-US" sz="1200" dirty="0">
+              <a:solidFill>
+                <a:schemeClr val="tx1"/>
+              </a:solidFill>
+            </a:endParaRPr>
+          </a:p>
+        </p:txBody>
+      </p:sp>
+      <p:sp>
+        <p:nvSpPr>
+          <p:cNvPr id="37" name="Flowchart: Magnetic Disk 36"/>
+          <p:cNvSpPr/>
+          <p:nvPr/>
+        </p:nvSpPr>
+        <p:spPr>
+          <a:xfrm>
+            <a:off x="7467073" y="5443995"/>
+            <a:ext cx="957299" cy="320244"/>
+          </a:xfrm>
+          <a:prstGeom prst="flowChartMagneticDisk">
+            <a:avLst/>
+          </a:prstGeom>
+          <a:solidFill>
+            <a:schemeClr val="accent5"/>
+          </a:solidFill>
+        </p:spPr>
+        <p:style>
+          <a:lnRef idx="2">
+            <a:schemeClr val="accent1">
+              <a:shade val="50000"/>
+            </a:schemeClr>
+          </a:lnRef>
+          <a:fillRef idx="1">
+            <a:schemeClr val="accent1"/>
+          </a:fillRef>
+          <a:effectRef idx="0">
+            <a:schemeClr val="accent1"/>
+          </a:effectRef>
+          <a:fontRef idx="minor">
+            <a:schemeClr val="lt1"/>
+          </a:fontRef>
+        </p:style>
+        <p:txBody>
+          <a:bodyPr lIns="0" tIns="0" rIns="0" bIns="0" rtlCol="0" anchor="ctr"/>
+          <a:lstStyle/>
+          <a:p>
+            <a:pPr algn="ctr"/>
+            <a:r>
+              <a:rPr lang="en-US" sz="1200" dirty="0" smtClean="0">
+                <a:solidFill>
+                  <a:schemeClr val="tx1"/>
+                </a:solidFill>
+              </a:rPr>
+              <a:t>nightly bins</a:t>
+            </a:r>
+            <a:endParaRPr lang="en-US" sz="1200" dirty="0">
+              <a:solidFill>
+                <a:schemeClr val="tx1"/>
+              </a:solidFill>
+            </a:endParaRPr>
+          </a:p>
+        </p:txBody>
+      </p:sp>
+      <p:sp>
+        <p:nvSpPr>
+          <p:cNvPr id="38" name="Flowchart: Magnetic Disk 37"/>
+          <p:cNvSpPr/>
+          <p:nvPr/>
+        </p:nvSpPr>
+        <p:spPr>
+          <a:xfrm>
+            <a:off x="7467072" y="5916365"/>
+            <a:ext cx="957299" cy="320244"/>
+          </a:xfrm>
+          <a:prstGeom prst="flowChartMagneticDisk">
+            <a:avLst/>
+          </a:prstGeom>
+          <a:solidFill>
+            <a:schemeClr val="accent5"/>
+          </a:solidFill>
+        </p:spPr>
+        <p:style>
+          <a:lnRef idx="2">
+            <a:schemeClr val="accent1">
+              <a:shade val="50000"/>
+            </a:schemeClr>
+          </a:lnRef>
+          <a:fillRef idx="1">
+            <a:schemeClr val="accent1"/>
+          </a:fillRef>
+          <a:effectRef idx="0">
+            <a:schemeClr val="accent1"/>
+          </a:effectRef>
+          <a:fontRef idx="minor">
+            <a:schemeClr val="lt1"/>
+          </a:fontRef>
+        </p:style>
+        <p:txBody>
+          <a:bodyPr lIns="0" tIns="0" rIns="0" bIns="0" rtlCol="0" anchor="ctr"/>
+          <a:lstStyle/>
+          <a:p>
+            <a:pPr algn="ctr"/>
+            <a:r>
+              <a:rPr lang="en-US" sz="1200" dirty="0" smtClean="0">
+                <a:solidFill>
+                  <a:schemeClr val="tx1"/>
+                </a:solidFill>
+              </a:rPr>
+              <a:t>docs</a:t>
+            </a:r>
+            <a:endParaRPr lang="en-US" sz="1200" dirty="0">
+              <a:solidFill>
+                <a:schemeClr val="tx1"/>
+              </a:solidFill>
+            </a:endParaRPr>
+          </a:p>
+        </p:txBody>
+      </p:sp>
+      <p:sp>
+        <p:nvSpPr>
+          <p:cNvPr id="39" name="Rectangle 38"/>
+          <p:cNvSpPr/>
+          <p:nvPr/>
+        </p:nvSpPr>
+        <p:spPr>
+          <a:xfrm>
+            <a:off x="5998229" y="2179903"/>
+            <a:ext cx="1607395" cy="1998841"/>
+          </a:xfrm>
+          <a:prstGeom prst="rect">
+            <a:avLst/>
+          </a:prstGeom>
+        </p:spPr>
+        <p:style>
+          <a:lnRef idx="2">
+            <a:schemeClr val="accent6">
+              <a:shade val="50000"/>
+            </a:schemeClr>
+          </a:lnRef>
+          <a:fillRef idx="1">
+            <a:schemeClr val="accent6"/>
+          </a:fillRef>
+          <a:effectRef idx="0">
+            <a:schemeClr val="accent6"/>
+          </a:effectRef>
+          <a:fontRef idx="minor">
+            <a:schemeClr val="lt1"/>
+          </a:fontRef>
+        </p:style>
+        <p:txBody>
+          <a:bodyPr rtlCol="0" anchor="t"/>
+          <a:lstStyle/>
+          <a:p>
+            <a:endParaRPr lang="en-US" dirty="0" smtClean="0"/>
+          </a:p>
+        </p:txBody>
+      </p:sp>
+      <p:sp>
+        <p:nvSpPr>
+          <p:cNvPr id="40" name="Flowchart: Magnetic Disk 39"/>
+          <p:cNvSpPr/>
+          <p:nvPr/>
+        </p:nvSpPr>
+        <p:spPr>
+          <a:xfrm>
+            <a:off x="6202078" y="2298047"/>
+            <a:ext cx="1199697" cy="515566"/>
+          </a:xfrm>
+          <a:prstGeom prst="flowChartMagneticDisk">
+            <a:avLst/>
+          </a:prstGeom>
+          <a:solidFill>
+            <a:schemeClr val="accent5"/>
+          </a:solidFill>
+        </p:spPr>
+        <p:style>
+          <a:lnRef idx="2">
+            <a:schemeClr val="accent1">
+              <a:shade val="50000"/>
+            </a:schemeClr>
+          </a:lnRef>
+          <a:fillRef idx="1">
+            <a:schemeClr val="accent1"/>
+          </a:fillRef>
+          <a:effectRef idx="0">
+            <a:schemeClr val="accent1"/>
+          </a:effectRef>
+          <a:fontRef idx="minor">
+            <a:schemeClr val="lt1"/>
+          </a:fontRef>
+        </p:style>
+        <p:txBody>
+          <a:bodyPr rtlCol="0" anchor="ctr"/>
+          <a:lstStyle/>
+          <a:p>
+            <a:pPr algn="ctr"/>
+            <a:r>
+              <a:rPr lang="en-US" dirty="0" smtClean="0">
+                <a:solidFill>
+                  <a:schemeClr val="tx1"/>
+                </a:solidFill>
+              </a:rPr>
+              <a:t>git</a:t>
+            </a:r>
+            <a:endParaRPr lang="en-US" dirty="0">
+              <a:solidFill>
+                <a:schemeClr val="tx1"/>
+              </a:solidFill>
+            </a:endParaRPr>
+          </a:p>
+        </p:txBody>
+      </p:sp>
+      <p:sp>
+        <p:nvSpPr>
+          <p:cNvPr id="41" name="Flowchart: Magnetic Disk 40"/>
+          <p:cNvSpPr/>
+          <p:nvPr/>
+        </p:nvSpPr>
+        <p:spPr>
+          <a:xfrm>
+            <a:off x="6202078" y="2924243"/>
+            <a:ext cx="1199697" cy="515566"/>
+          </a:xfrm>
+          <a:prstGeom prst="flowChartMagneticDisk">
+            <a:avLst/>
+          </a:prstGeom>
+          <a:solidFill>
+            <a:schemeClr val="accent5"/>
+          </a:solidFill>
+        </p:spPr>
+        <p:style>
+          <a:lnRef idx="2">
+            <a:schemeClr val="accent1">
+              <a:shade val="50000"/>
+            </a:schemeClr>
+          </a:lnRef>
+          <a:fillRef idx="1">
+            <a:schemeClr val="accent1"/>
+          </a:fillRef>
+          <a:effectRef idx="0">
+            <a:schemeClr val="accent1"/>
+          </a:effectRef>
+          <a:fontRef idx="minor">
+            <a:schemeClr val="lt1"/>
+          </a:fontRef>
+        </p:style>
+        <p:txBody>
+          <a:bodyPr rtlCol="0" anchor="ctr"/>
+          <a:lstStyle/>
+          <a:p>
+            <a:pPr algn="ctr"/>
+            <a:r>
+              <a:rPr lang="en-US" dirty="0" smtClean="0">
+                <a:solidFill>
+                  <a:schemeClr val="tx1"/>
+                </a:solidFill>
+              </a:rPr>
+              <a:t>releases</a:t>
+            </a:r>
+            <a:endParaRPr lang="en-US" dirty="0">
+              <a:solidFill>
+                <a:schemeClr val="tx1"/>
+              </a:solidFill>
+            </a:endParaRPr>
+          </a:p>
+        </p:txBody>
+      </p:sp>
+      <p:sp>
+        <p:nvSpPr>
+          <p:cNvPr id="42" name="Rectangle 41"/>
+          <p:cNvSpPr/>
+          <p:nvPr/>
+        </p:nvSpPr>
+        <p:spPr>
+          <a:xfrm>
+            <a:off x="8822762" y="2094655"/>
+            <a:ext cx="2461322" cy="1058015"/>
+          </a:xfrm>
+          <a:prstGeom prst="rect">
+            <a:avLst/>
+          </a:prstGeom>
+        </p:spPr>
+        <p:style>
+          <a:lnRef idx="2">
+            <a:schemeClr val="accent6">
+              <a:shade val="50000"/>
+            </a:schemeClr>
+          </a:lnRef>
+          <a:fillRef idx="1">
+            <a:schemeClr val="accent6"/>
+          </a:fillRef>
+          <a:effectRef idx="0">
+            <a:schemeClr val="accent6"/>
+          </a:effectRef>
+          <a:fontRef idx="minor">
+            <a:schemeClr val="lt1"/>
+          </a:fontRef>
+        </p:style>
+        <p:txBody>
+          <a:bodyPr rIns="0" rtlCol="0" anchor="t"/>
+          <a:lstStyle/>
+          <a:p>
+            <a:r>
+              <a:rPr lang="en-US" dirty="0" smtClean="0"/>
+              <a:t>continuous integration</a:t>
+            </a:r>
+          </a:p>
+        </p:txBody>
+      </p:sp>
+      <p:sp>
+        <p:nvSpPr>
+          <p:cNvPr id="47" name="Rectangle 46"/>
+          <p:cNvSpPr/>
+          <p:nvPr/>
+        </p:nvSpPr>
+        <p:spPr>
+          <a:xfrm>
+            <a:off x="8910070" y="2553407"/>
+            <a:ext cx="686610" cy="492056"/>
+          </a:xfrm>
+          <a:prstGeom prst="rect">
+            <a:avLst/>
+          </a:prstGeom>
+          <a:solidFill>
+            <a:schemeClr val="accent1"/>
+          </a:solidFill>
+        </p:spPr>
+        <p:style>
+          <a:lnRef idx="2">
+            <a:schemeClr val="accent6">
+              <a:shade val="50000"/>
+            </a:schemeClr>
+          </a:lnRef>
+          <a:fillRef idx="1">
+            <a:schemeClr val="accent6"/>
+          </a:fillRef>
+          <a:effectRef idx="0">
+            <a:schemeClr val="accent6"/>
+          </a:effectRef>
+          <a:fontRef idx="minor">
+            <a:schemeClr val="lt1"/>
+          </a:fontRef>
+        </p:style>
+        <p:txBody>
+          <a:bodyPr lIns="0" rIns="0" rtlCol="0" anchor="t"/>
+          <a:lstStyle/>
+          <a:p>
+            <a:pPr algn="ctr"/>
+            <a:r>
+              <a:rPr lang="en-US" sz="1050" dirty="0" smtClean="0"/>
+              <a:t>Ubuntu</a:t>
+            </a:r>
+          </a:p>
+        </p:txBody>
+      </p:sp>
+      <p:sp>
+        <p:nvSpPr>
+          <p:cNvPr id="48" name="Rectangle 47"/>
+          <p:cNvSpPr/>
+          <p:nvPr/>
+        </p:nvSpPr>
+        <p:spPr>
+          <a:xfrm>
+            <a:off x="9699292" y="2547508"/>
+            <a:ext cx="686610" cy="492056"/>
+          </a:xfrm>
+          <a:prstGeom prst="rect">
+            <a:avLst/>
+          </a:prstGeom>
+          <a:solidFill>
+            <a:schemeClr val="accent1"/>
+          </a:solidFill>
+        </p:spPr>
+        <p:style>
+          <a:lnRef idx="2">
+            <a:schemeClr val="accent6">
+              <a:shade val="50000"/>
+            </a:schemeClr>
+          </a:lnRef>
+          <a:fillRef idx="1">
+            <a:schemeClr val="accent6"/>
+          </a:fillRef>
+          <a:effectRef idx="0">
+            <a:schemeClr val="accent6"/>
+          </a:effectRef>
+          <a:fontRef idx="minor">
+            <a:schemeClr val="lt1"/>
+          </a:fontRef>
+        </p:style>
+        <p:txBody>
+          <a:bodyPr lIns="0" rIns="0" rtlCol="0" anchor="t"/>
+          <a:lstStyle/>
+          <a:p>
+            <a:pPr algn="ctr"/>
+            <a:r>
+              <a:rPr lang="en-US" sz="1050" dirty="0" smtClean="0"/>
+              <a:t>macOS</a:t>
+            </a:r>
+          </a:p>
+        </p:txBody>
+      </p:sp>
+      <p:sp>
+        <p:nvSpPr>
+          <p:cNvPr id="49" name="Rectangle 48"/>
+          <p:cNvSpPr/>
+          <p:nvPr/>
+        </p:nvSpPr>
+        <p:spPr>
+          <a:xfrm>
+            <a:off x="10488514" y="2541609"/>
+            <a:ext cx="686610" cy="492056"/>
+          </a:xfrm>
+          <a:prstGeom prst="rect">
+            <a:avLst/>
+          </a:prstGeom>
+          <a:solidFill>
+            <a:schemeClr val="accent1"/>
+          </a:solidFill>
+        </p:spPr>
+        <p:style>
+          <a:lnRef idx="2">
+            <a:schemeClr val="accent6">
+              <a:shade val="50000"/>
+            </a:schemeClr>
+          </a:lnRef>
+          <a:fillRef idx="1">
+            <a:schemeClr val="accent6"/>
+          </a:fillRef>
+          <a:effectRef idx="0">
+            <a:schemeClr val="accent6"/>
+          </a:effectRef>
+          <a:fontRef idx="minor">
+            <a:schemeClr val="lt1"/>
+          </a:fontRef>
+        </p:style>
+        <p:txBody>
+          <a:bodyPr lIns="0" rIns="0" rtlCol="0" anchor="t"/>
+          <a:lstStyle/>
+          <a:p>
+            <a:pPr algn="ctr"/>
+            <a:r>
+              <a:rPr lang="en-US" sz="1050" dirty="0" smtClean="0"/>
+              <a:t>Windows</a:t>
+            </a:r>
+          </a:p>
+        </p:txBody>
+      </p:sp>
+      <p:sp>
+        <p:nvSpPr>
+          <p:cNvPr id="50" name="Rectangle 49"/>
+          <p:cNvSpPr/>
+          <p:nvPr/>
+        </p:nvSpPr>
+        <p:spPr>
+          <a:xfrm>
+            <a:off x="8822762" y="3239433"/>
+            <a:ext cx="2461322" cy="1058015"/>
+          </a:xfrm>
+          <a:prstGeom prst="rect">
+            <a:avLst/>
+          </a:prstGeom>
+        </p:spPr>
+        <p:style>
+          <a:lnRef idx="2">
+            <a:schemeClr val="accent6">
+              <a:shade val="50000"/>
+            </a:schemeClr>
+          </a:lnRef>
+          <a:fillRef idx="1">
+            <a:schemeClr val="accent6"/>
+          </a:fillRef>
+          <a:effectRef idx="0">
+            <a:schemeClr val="accent6"/>
+          </a:effectRef>
+          <a:fontRef idx="minor">
+            <a:schemeClr val="lt1"/>
+          </a:fontRef>
+        </p:style>
+        <p:txBody>
+          <a:bodyPr rtlCol="0" anchor="t"/>
+          <a:lstStyle/>
+          <a:p>
+            <a:r>
+              <a:rPr lang="en-US" dirty="0" smtClean="0"/>
+              <a:t>nightly builds</a:t>
+            </a:r>
+          </a:p>
+        </p:txBody>
+      </p:sp>
+      <p:sp>
+        <p:nvSpPr>
+          <p:cNvPr id="51" name="Rectangle 50"/>
+          <p:cNvSpPr/>
+          <p:nvPr/>
+        </p:nvSpPr>
+        <p:spPr>
+          <a:xfrm>
+            <a:off x="8910070" y="3698185"/>
+            <a:ext cx="686610" cy="492056"/>
+          </a:xfrm>
+          <a:prstGeom prst="rect">
+            <a:avLst/>
+          </a:prstGeom>
+          <a:solidFill>
+            <a:schemeClr val="accent1"/>
+          </a:solidFill>
+        </p:spPr>
+        <p:style>
+          <a:lnRef idx="2">
+            <a:schemeClr val="accent6">
+              <a:shade val="50000"/>
+            </a:schemeClr>
+          </a:lnRef>
+          <a:fillRef idx="1">
+            <a:schemeClr val="accent6"/>
+          </a:fillRef>
+          <a:effectRef idx="0">
+            <a:schemeClr val="accent6"/>
+          </a:effectRef>
+          <a:fontRef idx="minor">
+            <a:schemeClr val="lt1"/>
+          </a:fontRef>
+        </p:style>
+        <p:txBody>
+          <a:bodyPr lIns="0" rIns="0" rtlCol="0" anchor="t"/>
+          <a:lstStyle/>
+          <a:p>
+            <a:pPr algn="ctr"/>
+            <a:r>
+              <a:rPr lang="en-US" sz="1050" dirty="0" smtClean="0"/>
+              <a:t>Ubuntu</a:t>
+            </a:r>
+          </a:p>
+        </p:txBody>
+      </p:sp>
+      <p:sp>
+        <p:nvSpPr>
+          <p:cNvPr id="52" name="Rectangle 51"/>
+          <p:cNvSpPr/>
+          <p:nvPr/>
+        </p:nvSpPr>
+        <p:spPr>
+          <a:xfrm>
+            <a:off x="9699292" y="3692286"/>
+            <a:ext cx="686610" cy="492056"/>
+          </a:xfrm>
+          <a:prstGeom prst="rect">
+            <a:avLst/>
+          </a:prstGeom>
+          <a:solidFill>
+            <a:schemeClr val="accent1"/>
+          </a:solidFill>
+        </p:spPr>
+        <p:style>
+          <a:lnRef idx="2">
+            <a:schemeClr val="accent6">
+              <a:shade val="50000"/>
+            </a:schemeClr>
+          </a:lnRef>
+          <a:fillRef idx="1">
+            <a:schemeClr val="accent6"/>
+          </a:fillRef>
+          <a:effectRef idx="0">
+            <a:schemeClr val="accent6"/>
+          </a:effectRef>
+          <a:fontRef idx="minor">
+            <a:schemeClr val="lt1"/>
+          </a:fontRef>
+        </p:style>
+        <p:txBody>
+          <a:bodyPr lIns="0" rIns="0" rtlCol="0" anchor="t"/>
+          <a:lstStyle/>
+          <a:p>
+            <a:pPr algn="ctr"/>
+            <a:r>
+              <a:rPr lang="en-US" sz="1050" dirty="0" smtClean="0"/>
+              <a:t>Windows</a:t>
+            </a:r>
+          </a:p>
+        </p:txBody>
+      </p:sp>
+      <p:sp>
+        <p:nvSpPr>
+          <p:cNvPr id="53" name="Rectangle 52"/>
+          <p:cNvSpPr/>
+          <p:nvPr/>
+        </p:nvSpPr>
+        <p:spPr>
+          <a:xfrm>
+            <a:off x="10488514" y="3686387"/>
+            <a:ext cx="686610" cy="492056"/>
+          </a:xfrm>
+          <a:prstGeom prst="rect">
+            <a:avLst/>
+          </a:prstGeom>
+          <a:solidFill>
+            <a:schemeClr val="accent1"/>
+          </a:solidFill>
+        </p:spPr>
+        <p:style>
+          <a:lnRef idx="2">
+            <a:schemeClr val="accent6">
+              <a:shade val="50000"/>
+            </a:schemeClr>
+          </a:lnRef>
+          <a:fillRef idx="1">
+            <a:schemeClr val="accent6"/>
+          </a:fillRef>
+          <a:effectRef idx="0">
+            <a:schemeClr val="accent6"/>
+          </a:effectRef>
+          <a:fontRef idx="minor">
+            <a:schemeClr val="lt1"/>
+          </a:fontRef>
+        </p:style>
+        <p:txBody>
+          <a:bodyPr lIns="0" rIns="0" rtlCol="0" anchor="t"/>
+          <a:lstStyle/>
+          <a:p>
+            <a:pPr algn="ctr"/>
+            <a:r>
+              <a:rPr lang="en-US" sz="1050" dirty="0" smtClean="0"/>
+              <a:t>Doc</a:t>
+            </a:r>
+          </a:p>
+        </p:txBody>
+      </p:sp>
+      <p:sp>
+        <p:nvSpPr>
+          <p:cNvPr id="54" name="Flowchart: Magnetic Disk 53"/>
+          <p:cNvSpPr/>
+          <p:nvPr/>
+        </p:nvSpPr>
+        <p:spPr>
+          <a:xfrm>
+            <a:off x="6202078" y="3523086"/>
+            <a:ext cx="1199697" cy="515566"/>
+          </a:xfrm>
+          <a:prstGeom prst="flowChartMagneticDisk">
+            <a:avLst/>
+          </a:prstGeom>
+          <a:solidFill>
+            <a:schemeClr val="accent5"/>
+          </a:solidFill>
+        </p:spPr>
+        <p:style>
+          <a:lnRef idx="2">
+            <a:schemeClr val="accent1">
+              <a:shade val="50000"/>
+            </a:schemeClr>
+          </a:lnRef>
+          <a:fillRef idx="1">
+            <a:schemeClr val="accent1"/>
+          </a:fillRef>
+          <a:effectRef idx="0">
+            <a:schemeClr val="accent1"/>
+          </a:effectRef>
+          <a:fontRef idx="minor">
+            <a:schemeClr val="lt1"/>
+          </a:fontRef>
+        </p:style>
+        <p:txBody>
+          <a:bodyPr rtlCol="0" anchor="ctr"/>
+          <a:lstStyle/>
+          <a:p>
+            <a:pPr algn="ctr"/>
+            <a:r>
+              <a:rPr lang="en-US" dirty="0" smtClean="0">
+                <a:solidFill>
+                  <a:schemeClr val="tx1"/>
+                </a:solidFill>
+              </a:rPr>
+              <a:t>issues</a:t>
+            </a:r>
+            <a:endParaRPr lang="en-US" dirty="0">
+              <a:solidFill>
+                <a:schemeClr val="tx1"/>
+              </a:solidFill>
+            </a:endParaRPr>
+          </a:p>
+        </p:txBody>
+      </p:sp>
+      <p:sp>
+        <p:nvSpPr>
+          <p:cNvPr id="67" name="TextBox 66"/>
+          <p:cNvSpPr txBox="1"/>
+          <p:nvPr/>
+        </p:nvSpPr>
+        <p:spPr>
+          <a:xfrm>
+            <a:off x="7880013" y="2444205"/>
+            <a:ext cx="794511" cy="276999"/>
+          </a:xfrm>
+          <a:prstGeom prst="rect">
+            <a:avLst/>
+          </a:prstGeom>
+          <a:noFill/>
+        </p:spPr>
+        <p:txBody>
+          <a:bodyPr wrap="square" rtlCol="0">
+            <a:spAutoFit/>
+          </a:bodyPr>
+          <a:lstStyle/>
+          <a:p>
+            <a:r>
+              <a:rPr lang="en-US" sz="1200" dirty="0" smtClean="0"/>
+              <a:t>on push</a:t>
+            </a:r>
+            <a:endParaRPr lang="en-US" sz="1200" dirty="0"/>
+          </a:p>
+        </p:txBody>
+      </p:sp>
+      <p:sp>
+        <p:nvSpPr>
+          <p:cNvPr id="77" name="Arc 76"/>
+          <p:cNvSpPr/>
+          <p:nvPr/>
+        </p:nvSpPr>
+        <p:spPr>
+          <a:xfrm>
+            <a:off x="6058577" y="2231557"/>
+            <a:ext cx="4749765" cy="3851206"/>
+          </a:xfrm>
+          <a:prstGeom prst="arc">
+            <a:avLst>
+              <a:gd name="adj1" fmla="val 58781"/>
+              <a:gd name="adj2" fmla="val 5419151"/>
+            </a:avLst>
+          </a:prstGeom>
+          <a:ln w="12700">
+            <a:solidFill>
+              <a:srgbClr val="9A0B00"/>
+            </a:solidFill>
+            <a:prstDash val="dash"/>
+            <a:tailEnd type="triangle"/>
+          </a:ln>
+        </p:spPr>
+        <p:style>
+          <a:lnRef idx="1">
+            <a:schemeClr val="accent1"/>
+          </a:lnRef>
+          <a:fillRef idx="0">
+            <a:schemeClr val="accent1"/>
+          </a:fillRef>
+          <a:effectRef idx="0">
+            <a:schemeClr val="accent1"/>
+          </a:effectRef>
+          <a:fontRef idx="minor">
+            <a:schemeClr val="tx1"/>
+          </a:fontRef>
+        </p:style>
+        <p:txBody>
+          <a:bodyPr rtlCol="0" anchor="ctr"/>
+          <a:lstStyle/>
+          <a:p>
+            <a:pPr algn="ctr"/>
+            <a:endParaRPr lang="en-US" dirty="0"/>
+          </a:p>
+        </p:txBody>
+      </p:sp>
+      <p:sp>
+        <p:nvSpPr>
+          <p:cNvPr id="78" name="Arc 77"/>
+          <p:cNvSpPr/>
+          <p:nvPr/>
+        </p:nvSpPr>
+        <p:spPr>
+          <a:xfrm>
+            <a:off x="6798418" y="2643112"/>
+            <a:ext cx="3244153" cy="3041065"/>
+          </a:xfrm>
+          <a:prstGeom prst="arc">
+            <a:avLst>
+              <a:gd name="adj1" fmla="val 58781"/>
+              <a:gd name="adj2" fmla="val 5419151"/>
+            </a:avLst>
+          </a:prstGeom>
+          <a:ln w="12700">
+            <a:solidFill>
+              <a:srgbClr val="9A0B00"/>
+            </a:solidFill>
+            <a:prstDash val="dash"/>
+            <a:tailEnd type="triangle"/>
+          </a:ln>
+        </p:spPr>
+        <p:style>
+          <a:lnRef idx="1">
+            <a:schemeClr val="accent1"/>
+          </a:lnRef>
+          <a:fillRef idx="0">
+            <a:schemeClr val="accent1"/>
+          </a:fillRef>
+          <a:effectRef idx="0">
+            <a:schemeClr val="accent1"/>
+          </a:effectRef>
+          <a:fontRef idx="minor">
+            <a:schemeClr val="tx1"/>
+          </a:fontRef>
+        </p:style>
+        <p:txBody>
+          <a:bodyPr rtlCol="0" anchor="ctr"/>
+          <a:lstStyle/>
+          <a:p>
+            <a:pPr algn="ctr"/>
+            <a:endParaRPr lang="en-US" dirty="0"/>
+          </a:p>
+        </p:txBody>
+      </p:sp>
+      <p:sp>
+        <p:nvSpPr>
+          <p:cNvPr id="79" name="Arc 78"/>
+          <p:cNvSpPr/>
+          <p:nvPr/>
+        </p:nvSpPr>
+        <p:spPr>
+          <a:xfrm>
+            <a:off x="7591988" y="2750093"/>
+            <a:ext cx="1664764" cy="2824587"/>
+          </a:xfrm>
+          <a:prstGeom prst="arc">
+            <a:avLst>
+              <a:gd name="adj1" fmla="val 58781"/>
+              <a:gd name="adj2" fmla="val 5419151"/>
+            </a:avLst>
+          </a:prstGeom>
+          <a:ln w="12700">
+            <a:solidFill>
+              <a:srgbClr val="9A0B00"/>
+            </a:solidFill>
+            <a:prstDash val="dash"/>
+            <a:tailEnd type="triangle"/>
+          </a:ln>
+        </p:spPr>
+        <p:style>
+          <a:lnRef idx="1">
+            <a:schemeClr val="accent1"/>
+          </a:lnRef>
+          <a:fillRef idx="0">
+            <a:schemeClr val="accent1"/>
+          </a:fillRef>
+          <a:effectRef idx="0">
+            <a:schemeClr val="accent1"/>
+          </a:effectRef>
+          <a:fontRef idx="minor">
+            <a:schemeClr val="tx1"/>
+          </a:fontRef>
+        </p:style>
+        <p:txBody>
+          <a:bodyPr rtlCol="0" anchor="ctr"/>
+          <a:lstStyle/>
+          <a:p>
+            <a:pPr algn="ctr"/>
+            <a:endParaRPr lang="en-US" dirty="0"/>
+          </a:p>
+        </p:txBody>
+      </p:sp>
+      <p:cxnSp>
+        <p:nvCxnSpPr>
+          <p:cNvPr id="81" name="Straight Arrow Connector 80"/>
+          <p:cNvCxnSpPr>
+            <a:stCxn id="10" idx="4"/>
+            <a:endCxn id="40" idx="2"/>
+          </p:cNvCxnSpPr>
+          <p:nvPr/>
+        </p:nvCxnSpPr>
+        <p:spPr>
+          <a:xfrm flipV="1">
+            <a:off x="4326516" y="2555830"/>
+            <a:ext cx="1875562" cy="194966"/>
+          </a:xfrm>
+          <a:prstGeom prst="straightConnector1">
+            <a:avLst/>
+          </a:prstGeom>
+          <a:ln w="12700">
+            <a:solidFill>
+              <a:srgbClr val="9A0B00"/>
+            </a:solidFill>
+            <a:prstDash val="dash"/>
+            <a:tailEnd type="triangle"/>
+          </a:ln>
+        </p:spPr>
+        <p:style>
+          <a:lnRef idx="1">
+            <a:schemeClr val="accent1"/>
+          </a:lnRef>
+          <a:fillRef idx="0">
+            <a:schemeClr val="accent1"/>
+          </a:fillRef>
+          <a:effectRef idx="0">
+            <a:schemeClr val="accent1"/>
+          </a:effectRef>
+          <a:fontRef idx="minor">
+            <a:schemeClr val="tx1"/>
+          </a:fontRef>
+        </p:style>
+      </p:cxnSp>
+      <p:cxnSp>
+        <p:nvCxnSpPr>
+          <p:cNvPr id="85" name="Straight Arrow Connector 84"/>
+          <p:cNvCxnSpPr>
+            <a:stCxn id="30" idx="4"/>
+            <a:endCxn id="40" idx="2"/>
+          </p:cNvCxnSpPr>
+          <p:nvPr/>
+        </p:nvCxnSpPr>
+        <p:spPr>
+          <a:xfrm flipV="1">
+            <a:off x="4342198" y="2555830"/>
+            <a:ext cx="1859880" cy="3515429"/>
+          </a:xfrm>
+          <a:prstGeom prst="straightConnector1">
+            <a:avLst/>
+          </a:prstGeom>
+          <a:ln w="12700">
+            <a:solidFill>
+              <a:srgbClr val="9A0B00"/>
+            </a:solidFill>
+            <a:prstDash val="dash"/>
+            <a:tailEnd type="triangle"/>
+          </a:ln>
+        </p:spPr>
+        <p:style>
+          <a:lnRef idx="1">
+            <a:schemeClr val="accent1"/>
+          </a:lnRef>
+          <a:fillRef idx="0">
+            <a:schemeClr val="accent1"/>
+          </a:fillRef>
+          <a:effectRef idx="0">
+            <a:schemeClr val="accent1"/>
+          </a:effectRef>
+          <a:fontRef idx="minor">
+            <a:schemeClr val="tx1"/>
+          </a:fontRef>
+        </p:style>
+      </p:cxnSp>
+      <p:sp>
+        <p:nvSpPr>
+          <p:cNvPr id="98" name="TextBox 97"/>
+          <p:cNvSpPr txBox="1"/>
+          <p:nvPr/>
+        </p:nvSpPr>
+        <p:spPr>
+          <a:xfrm>
+            <a:off x="5078159" y="2335297"/>
+            <a:ext cx="656621" cy="276999"/>
+          </a:xfrm>
+          <a:prstGeom prst="rect">
+            <a:avLst/>
+          </a:prstGeom>
+          <a:noFill/>
+        </p:spPr>
+        <p:txBody>
+          <a:bodyPr wrap="square" rtlCol="0">
+            <a:spAutoFit/>
+          </a:bodyPr>
+          <a:lstStyle/>
+          <a:p>
+            <a:r>
+              <a:rPr lang="en-US" sz="1200" dirty="0" smtClean="0"/>
+              <a:t>push</a:t>
+            </a:r>
+            <a:endParaRPr lang="en-US" sz="1200" dirty="0"/>
+          </a:p>
+        </p:txBody>
+      </p:sp>
+      <p:sp>
+        <p:nvSpPr>
+          <p:cNvPr id="111" name="TextBox 110"/>
+          <p:cNvSpPr txBox="1"/>
+          <p:nvPr/>
+        </p:nvSpPr>
+        <p:spPr>
+          <a:xfrm>
+            <a:off x="9823196" y="4743827"/>
+            <a:ext cx="850404" cy="646331"/>
+          </a:xfrm>
+          <a:prstGeom prst="rect">
+            <a:avLst/>
+          </a:prstGeom>
+          <a:noFill/>
+        </p:spPr>
+        <p:txBody>
+          <a:bodyPr wrap="square" rtlCol="0">
+            <a:spAutoFit/>
+          </a:bodyPr>
+          <a:lstStyle/>
+          <a:p>
+            <a:r>
+              <a:rPr lang="en-US" sz="1200" dirty="0" smtClean="0"/>
+              <a:t>uploaded every night</a:t>
+            </a:r>
+            <a:endParaRPr lang="en-US" sz="1200" dirty="0"/>
+          </a:p>
+        </p:txBody>
+      </p:sp>
+      <p:sp>
+        <p:nvSpPr>
+          <p:cNvPr id="112" name="Arc 111"/>
+          <p:cNvSpPr/>
+          <p:nvPr/>
+        </p:nvSpPr>
+        <p:spPr>
+          <a:xfrm flipV="1">
+            <a:off x="7377658" y="2087899"/>
+            <a:ext cx="4331999" cy="887764"/>
+          </a:xfrm>
+          <a:prstGeom prst="arc">
+            <a:avLst>
+              <a:gd name="adj1" fmla="val 10920045"/>
+              <a:gd name="adj2" fmla="val 20240284"/>
+            </a:avLst>
+          </a:prstGeom>
+          <a:ln w="12700">
+            <a:solidFill>
+              <a:srgbClr val="9A0B00"/>
+            </a:solidFill>
+            <a:prstDash val="dash"/>
+            <a:tailEnd type="triangle"/>
+          </a:ln>
+        </p:spPr>
+        <p:style>
+          <a:lnRef idx="1">
+            <a:schemeClr val="accent1"/>
+          </a:lnRef>
+          <a:fillRef idx="0">
+            <a:schemeClr val="accent1"/>
+          </a:fillRef>
+          <a:effectRef idx="0">
+            <a:schemeClr val="accent1"/>
+          </a:effectRef>
+          <a:fontRef idx="minor">
+            <a:schemeClr val="tx1"/>
+          </a:fontRef>
+        </p:style>
+        <p:txBody>
+          <a:bodyPr rtlCol="0" anchor="ctr"/>
+          <a:lstStyle/>
+          <a:p>
+            <a:pPr algn="ctr"/>
+            <a:endParaRPr lang="en-US" dirty="0"/>
+          </a:p>
+        </p:txBody>
+      </p:sp>
+      <p:sp>
+        <p:nvSpPr>
+          <p:cNvPr id="114" name="Arc 113"/>
+          <p:cNvSpPr/>
+          <p:nvPr/>
+        </p:nvSpPr>
+        <p:spPr>
+          <a:xfrm flipV="1">
+            <a:off x="7386161" y="2050606"/>
+            <a:ext cx="4533040" cy="863266"/>
+          </a:xfrm>
+          <a:prstGeom prst="arc">
+            <a:avLst>
+              <a:gd name="adj1" fmla="val 10875170"/>
+              <a:gd name="adj2" fmla="val 16584212"/>
+            </a:avLst>
+          </a:prstGeom>
+          <a:ln w="12700">
+            <a:solidFill>
+              <a:srgbClr val="9A0B00"/>
+            </a:solidFill>
+            <a:prstDash val="dash"/>
+            <a:tailEnd type="triangle"/>
+          </a:ln>
+        </p:spPr>
+        <p:style>
+          <a:lnRef idx="1">
+            <a:schemeClr val="accent1"/>
+          </a:lnRef>
+          <a:fillRef idx="0">
+            <a:schemeClr val="accent1"/>
+          </a:fillRef>
+          <a:effectRef idx="0">
+            <a:schemeClr val="accent1"/>
+          </a:effectRef>
+          <a:fontRef idx="minor">
+            <a:schemeClr val="tx1"/>
+          </a:fontRef>
+        </p:style>
+        <p:txBody>
+          <a:bodyPr rtlCol="0" anchor="ctr"/>
+          <a:lstStyle/>
+          <a:p>
+            <a:pPr algn="ctr"/>
+            <a:endParaRPr lang="en-US" dirty="0"/>
+          </a:p>
+        </p:txBody>
+      </p:sp>
+      <p:sp>
+        <p:nvSpPr>
+          <p:cNvPr id="115" name="Arc 114"/>
+          <p:cNvSpPr/>
+          <p:nvPr/>
+        </p:nvSpPr>
+        <p:spPr>
+          <a:xfrm flipV="1">
+            <a:off x="7394665" y="2007269"/>
+            <a:ext cx="2984890" cy="806344"/>
+          </a:xfrm>
+          <a:prstGeom prst="arc">
+            <a:avLst>
+              <a:gd name="adj1" fmla="val 10929737"/>
+              <a:gd name="adj2" fmla="val 16503769"/>
+            </a:avLst>
+          </a:prstGeom>
+          <a:ln w="12700">
+            <a:solidFill>
+              <a:srgbClr val="9A0B00"/>
+            </a:solidFill>
+            <a:prstDash val="dash"/>
+            <a:tailEnd type="triangle"/>
+          </a:ln>
+        </p:spPr>
+        <p:style>
+          <a:lnRef idx="1">
+            <a:schemeClr val="accent1"/>
+          </a:lnRef>
+          <a:fillRef idx="0">
+            <a:schemeClr val="accent1"/>
+          </a:fillRef>
+          <a:effectRef idx="0">
+            <a:schemeClr val="accent1"/>
+          </a:effectRef>
+          <a:fontRef idx="minor">
+            <a:schemeClr val="tx1"/>
+          </a:fontRef>
+        </p:style>
+        <p:txBody>
+          <a:bodyPr rtlCol="0" anchor="ctr"/>
+          <a:lstStyle/>
+          <a:p>
+            <a:pPr algn="ctr"/>
+            <a:endParaRPr lang="en-US" dirty="0"/>
+          </a:p>
+        </p:txBody>
+      </p:sp>
+      <p:sp>
+        <p:nvSpPr>
+          <p:cNvPr id="116" name="TextBox 115"/>
+          <p:cNvSpPr txBox="1"/>
+          <p:nvPr/>
+        </p:nvSpPr>
+        <p:spPr>
+          <a:xfrm>
+            <a:off x="7906024" y="2927449"/>
+            <a:ext cx="794511" cy="461665"/>
+          </a:xfrm>
+          <a:prstGeom prst="rect">
+            <a:avLst/>
+          </a:prstGeom>
+          <a:noFill/>
+        </p:spPr>
+        <p:txBody>
+          <a:bodyPr wrap="square" rtlCol="0">
+            <a:spAutoFit/>
+          </a:bodyPr>
+          <a:lstStyle/>
+          <a:p>
+            <a:r>
+              <a:rPr lang="en-US" sz="1200" dirty="0" smtClean="0"/>
+              <a:t>on pull request</a:t>
+            </a:r>
+            <a:endParaRPr lang="en-US" sz="1200" dirty="0"/>
+          </a:p>
+        </p:txBody>
+      </p:sp>
+      <p:sp>
+        <p:nvSpPr>
+          <p:cNvPr id="69" name="Flowchart: Magnetic Disk 68"/>
+          <p:cNvSpPr/>
+          <p:nvPr/>
+        </p:nvSpPr>
+        <p:spPr>
+          <a:xfrm>
+            <a:off x="1052048" y="4254662"/>
+            <a:ext cx="632298" cy="426087"/>
+          </a:xfrm>
+          <a:prstGeom prst="flowChartMagneticDisk">
+            <a:avLst/>
+          </a:prstGeom>
+          <a:solidFill>
+            <a:schemeClr val="accent5"/>
+          </a:solidFill>
+        </p:spPr>
+        <p:style>
+          <a:lnRef idx="2">
+            <a:schemeClr val="accent1">
+              <a:shade val="50000"/>
+            </a:schemeClr>
+          </a:lnRef>
+          <a:fillRef idx="1">
+            <a:schemeClr val="accent1"/>
+          </a:fillRef>
+          <a:effectRef idx="0">
+            <a:schemeClr val="accent1"/>
+          </a:effectRef>
+          <a:fontRef idx="minor">
+            <a:schemeClr val="lt1"/>
+          </a:fontRef>
+        </p:style>
+        <p:txBody>
+          <a:bodyPr lIns="0" rIns="0" rtlCol="0" anchor="ctr"/>
+          <a:lstStyle/>
+          <a:p>
+            <a:pPr algn="ctr"/>
+            <a:r>
+              <a:rPr lang="en-US" sz="1200" dirty="0" smtClean="0">
+                <a:solidFill>
+                  <a:schemeClr val="tx1"/>
+                </a:solidFill>
+              </a:rPr>
+              <a:t>backups</a:t>
+            </a:r>
+            <a:endParaRPr lang="en-US" sz="1200" dirty="0">
+              <a:solidFill>
+                <a:schemeClr val="tx1"/>
+              </a:solidFill>
+            </a:endParaRPr>
+          </a:p>
+        </p:txBody>
+      </p:sp>
+      <p:sp>
+        <p:nvSpPr>
+          <p:cNvPr id="70" name="Rectangle 69"/>
+          <p:cNvSpPr/>
+          <p:nvPr/>
+        </p:nvSpPr>
+        <p:spPr>
+          <a:xfrm>
+            <a:off x="2239154" y="2979881"/>
+            <a:ext cx="686610" cy="492056"/>
+          </a:xfrm>
+          <a:prstGeom prst="rect">
+            <a:avLst/>
+          </a:prstGeom>
+          <a:solidFill>
+            <a:schemeClr val="accent1"/>
+          </a:solidFill>
+        </p:spPr>
+        <p:style>
+          <a:lnRef idx="2">
+            <a:schemeClr val="accent6">
+              <a:shade val="50000"/>
+            </a:schemeClr>
+          </a:lnRef>
+          <a:fillRef idx="1">
+            <a:schemeClr val="accent6"/>
+          </a:fillRef>
+          <a:effectRef idx="0">
+            <a:schemeClr val="accent6"/>
+          </a:effectRef>
+          <a:fontRef idx="minor">
+            <a:schemeClr val="lt1"/>
+          </a:fontRef>
+        </p:style>
+        <p:txBody>
+          <a:bodyPr lIns="0" rIns="0" rtlCol="0" anchor="t"/>
+          <a:lstStyle/>
+          <a:p>
+            <a:pPr algn="ctr"/>
+            <a:r>
+              <a:rPr lang="en-US" sz="1050" dirty="0" smtClean="0"/>
+              <a:t>Windows</a:t>
+            </a:r>
+            <a:endParaRPr lang="en-US" sz="1050" dirty="0" smtClean="0"/>
+          </a:p>
+        </p:txBody>
+      </p:sp>
+      <p:sp>
+        <p:nvSpPr>
+          <p:cNvPr id="71" name="Flowchart: Magnetic Disk 70"/>
+          <p:cNvSpPr/>
+          <p:nvPr/>
+        </p:nvSpPr>
+        <p:spPr>
+          <a:xfrm>
+            <a:off x="2430197" y="3187992"/>
+            <a:ext cx="304524" cy="230354"/>
+          </a:xfrm>
+          <a:prstGeom prst="flowChartMagneticDisk">
+            <a:avLst/>
+          </a:prstGeom>
+          <a:solidFill>
+            <a:schemeClr val="accent5"/>
+          </a:solidFill>
+        </p:spPr>
+        <p:style>
+          <a:lnRef idx="2">
+            <a:schemeClr val="accent1">
+              <a:shade val="50000"/>
+            </a:schemeClr>
+          </a:lnRef>
+          <a:fillRef idx="1">
+            <a:schemeClr val="accent1"/>
+          </a:fillRef>
+          <a:effectRef idx="0">
+            <a:schemeClr val="accent1"/>
+          </a:effectRef>
+          <a:fontRef idx="minor">
+            <a:schemeClr val="lt1"/>
+          </a:fontRef>
+        </p:style>
+        <p:txBody>
+          <a:bodyPr lIns="0" tIns="0" rIns="0" bIns="0" rtlCol="0" anchor="ctr"/>
+          <a:lstStyle/>
+          <a:p>
+            <a:pPr algn="ctr"/>
+            <a:r>
+              <a:rPr lang="en-US" sz="1200" dirty="0" smtClean="0">
+                <a:solidFill>
+                  <a:schemeClr val="tx1"/>
+                </a:solidFill>
+              </a:rPr>
+              <a:t>git</a:t>
+            </a:r>
+            <a:endParaRPr lang="en-US" sz="1200" dirty="0">
+              <a:solidFill>
+                <a:schemeClr val="tx1"/>
+              </a:solidFill>
+            </a:endParaRPr>
+          </a:p>
+        </p:txBody>
+      </p:sp>
+      <p:sp>
+        <p:nvSpPr>
+          <p:cNvPr id="15" name="Rectangle 14"/>
+          <p:cNvSpPr/>
+          <p:nvPr/>
+        </p:nvSpPr>
+        <p:spPr>
+          <a:xfrm>
+            <a:off x="3032929" y="4188223"/>
+            <a:ext cx="686610" cy="492056"/>
+          </a:xfrm>
+          <a:prstGeom prst="rect">
+            <a:avLst/>
+          </a:prstGeom>
+          <a:solidFill>
+            <a:schemeClr val="accent1"/>
+          </a:solidFill>
+        </p:spPr>
+        <p:style>
+          <a:lnRef idx="2">
+            <a:schemeClr val="accent6">
+              <a:shade val="50000"/>
+            </a:schemeClr>
+          </a:lnRef>
+          <a:fillRef idx="1">
+            <a:schemeClr val="accent6"/>
+          </a:fillRef>
+          <a:effectRef idx="0">
+            <a:schemeClr val="accent6"/>
+          </a:effectRef>
+          <a:fontRef idx="minor">
+            <a:schemeClr val="lt1"/>
+          </a:fontRef>
+        </p:style>
+        <p:txBody>
+          <a:bodyPr lIns="0" rIns="0" rtlCol="0" anchor="t"/>
+          <a:lstStyle/>
+          <a:p>
+            <a:pPr algn="ctr"/>
+            <a:r>
+              <a:rPr lang="en-US" sz="1050" dirty="0" smtClean="0"/>
+              <a:t>Alpine</a:t>
+            </a:r>
+          </a:p>
+        </p:txBody>
+      </p:sp>
+      <p:sp>
+        <p:nvSpPr>
+          <p:cNvPr id="17" name="Rectangle 16"/>
+          <p:cNvSpPr/>
+          <p:nvPr/>
+        </p:nvSpPr>
+        <p:spPr>
+          <a:xfrm>
+            <a:off x="3032929" y="4796555"/>
+            <a:ext cx="686610" cy="492056"/>
+          </a:xfrm>
+          <a:prstGeom prst="rect">
+            <a:avLst/>
+          </a:prstGeom>
+          <a:solidFill>
+            <a:schemeClr val="accent1"/>
+          </a:solidFill>
+        </p:spPr>
+        <p:style>
+          <a:lnRef idx="2">
+            <a:schemeClr val="accent6">
+              <a:shade val="50000"/>
+            </a:schemeClr>
+          </a:lnRef>
+          <a:fillRef idx="1">
+            <a:schemeClr val="accent6"/>
+          </a:fillRef>
+          <a:effectRef idx="0">
+            <a:schemeClr val="accent6"/>
+          </a:effectRef>
+          <a:fontRef idx="minor">
+            <a:schemeClr val="lt1"/>
+          </a:fontRef>
+        </p:style>
+        <p:txBody>
+          <a:bodyPr lIns="0" rIns="0" rtlCol="0" anchor="t"/>
+          <a:lstStyle/>
+          <a:p>
+            <a:pPr algn="ctr"/>
+            <a:r>
+              <a:rPr lang="en-US" sz="1050" dirty="0" smtClean="0"/>
+              <a:t>Mint</a:t>
+            </a:r>
+            <a:endParaRPr lang="en-US" sz="1050" dirty="0" smtClean="0"/>
+          </a:p>
+        </p:txBody>
+      </p:sp>
+      <p:sp>
+        <p:nvSpPr>
+          <p:cNvPr id="22" name="Flowchart: Magnetic Disk 21"/>
+          <p:cNvSpPr/>
+          <p:nvPr/>
+        </p:nvSpPr>
+        <p:spPr>
+          <a:xfrm>
+            <a:off x="3223972" y="4401189"/>
+            <a:ext cx="304524" cy="230354"/>
+          </a:xfrm>
+          <a:prstGeom prst="flowChartMagneticDisk">
+            <a:avLst/>
+          </a:prstGeom>
+          <a:solidFill>
+            <a:schemeClr val="accent5"/>
+          </a:solidFill>
+        </p:spPr>
+        <p:style>
+          <a:lnRef idx="2">
+            <a:schemeClr val="accent1">
+              <a:shade val="50000"/>
+            </a:schemeClr>
+          </a:lnRef>
+          <a:fillRef idx="1">
+            <a:schemeClr val="accent1"/>
+          </a:fillRef>
+          <a:effectRef idx="0">
+            <a:schemeClr val="accent1"/>
+          </a:effectRef>
+          <a:fontRef idx="minor">
+            <a:schemeClr val="lt1"/>
+          </a:fontRef>
+        </p:style>
+        <p:txBody>
+          <a:bodyPr lIns="0" tIns="0" rIns="0" bIns="0" rtlCol="0" anchor="ctr"/>
+          <a:lstStyle/>
+          <a:p>
+            <a:pPr algn="ctr"/>
+            <a:r>
+              <a:rPr lang="en-US" sz="1200" dirty="0" smtClean="0">
+                <a:solidFill>
+                  <a:schemeClr val="tx1"/>
+                </a:solidFill>
+              </a:rPr>
+              <a:t>git</a:t>
+            </a:r>
+            <a:endParaRPr lang="en-US" sz="1200" dirty="0">
+              <a:solidFill>
+                <a:schemeClr val="tx1"/>
+              </a:solidFill>
+            </a:endParaRPr>
+          </a:p>
+        </p:txBody>
+      </p:sp>
+      <p:sp>
+        <p:nvSpPr>
+          <p:cNvPr id="23" name="Flowchart: Magnetic Disk 22"/>
+          <p:cNvSpPr/>
+          <p:nvPr/>
+        </p:nvSpPr>
+        <p:spPr>
+          <a:xfrm>
+            <a:off x="3223972" y="4997662"/>
+            <a:ext cx="304524" cy="230354"/>
+          </a:xfrm>
+          <a:prstGeom prst="flowChartMagneticDisk">
+            <a:avLst/>
+          </a:prstGeom>
+          <a:solidFill>
+            <a:schemeClr val="accent5"/>
+          </a:solidFill>
+        </p:spPr>
+        <p:style>
+          <a:lnRef idx="2">
+            <a:schemeClr val="accent1">
+              <a:shade val="50000"/>
+            </a:schemeClr>
+          </a:lnRef>
+          <a:fillRef idx="1">
+            <a:schemeClr val="accent1"/>
+          </a:fillRef>
+          <a:effectRef idx="0">
+            <a:schemeClr val="accent1"/>
+          </a:effectRef>
+          <a:fontRef idx="minor">
+            <a:schemeClr val="lt1"/>
+          </a:fontRef>
+        </p:style>
+        <p:txBody>
+          <a:bodyPr lIns="0" tIns="0" rIns="0" bIns="0" rtlCol="0" anchor="ctr"/>
+          <a:lstStyle/>
+          <a:p>
+            <a:pPr algn="ctr"/>
+            <a:r>
+              <a:rPr lang="en-US" sz="1200" dirty="0" smtClean="0">
+                <a:solidFill>
+                  <a:schemeClr val="tx1"/>
+                </a:solidFill>
+              </a:rPr>
+              <a:t>git</a:t>
+            </a:r>
+            <a:endParaRPr lang="en-US" sz="1200" dirty="0">
+              <a:solidFill>
+                <a:schemeClr val="tx1"/>
+              </a:solidFill>
+            </a:endParaRPr>
+          </a:p>
+        </p:txBody>
+      </p:sp>
+      <p:sp>
+        <p:nvSpPr>
+          <p:cNvPr id="18" name="Rectangle 17"/>
+          <p:cNvSpPr/>
+          <p:nvPr/>
+        </p:nvSpPr>
+        <p:spPr>
+          <a:xfrm>
+            <a:off x="3830789" y="4796555"/>
+            <a:ext cx="686610" cy="492056"/>
+          </a:xfrm>
+          <a:prstGeom prst="rect">
+            <a:avLst/>
+          </a:prstGeom>
+          <a:solidFill>
+            <a:schemeClr val="accent1"/>
+          </a:solidFill>
+        </p:spPr>
+        <p:style>
+          <a:lnRef idx="2">
+            <a:schemeClr val="accent6">
+              <a:shade val="50000"/>
+            </a:schemeClr>
+          </a:lnRef>
+          <a:fillRef idx="1">
+            <a:schemeClr val="accent6"/>
+          </a:fillRef>
+          <a:effectRef idx="0">
+            <a:schemeClr val="accent6"/>
+          </a:effectRef>
+          <a:fontRef idx="minor">
+            <a:schemeClr val="lt1"/>
+          </a:fontRef>
+        </p:style>
+        <p:txBody>
+          <a:bodyPr lIns="0" rIns="0" rtlCol="0" anchor="t"/>
+          <a:lstStyle/>
+          <a:p>
+            <a:pPr algn="ctr"/>
+            <a:r>
+              <a:rPr lang="en-US" sz="1050" dirty="0" smtClean="0"/>
+              <a:t>Gentoo</a:t>
+            </a:r>
+          </a:p>
+        </p:txBody>
+      </p:sp>
+      <p:sp>
+        <p:nvSpPr>
+          <p:cNvPr id="27" name="Flowchart: Magnetic Disk 26"/>
+          <p:cNvSpPr/>
+          <p:nvPr/>
+        </p:nvSpPr>
+        <p:spPr>
+          <a:xfrm>
+            <a:off x="4021832" y="4993649"/>
+            <a:ext cx="304524" cy="230354"/>
+          </a:xfrm>
+          <a:prstGeom prst="flowChartMagneticDisk">
+            <a:avLst/>
+          </a:prstGeom>
+          <a:solidFill>
+            <a:schemeClr val="accent5"/>
+          </a:solidFill>
+        </p:spPr>
+        <p:style>
+          <a:lnRef idx="2">
+            <a:schemeClr val="accent1">
+              <a:shade val="50000"/>
+            </a:schemeClr>
+          </a:lnRef>
+          <a:fillRef idx="1">
+            <a:schemeClr val="accent1"/>
+          </a:fillRef>
+          <a:effectRef idx="0">
+            <a:schemeClr val="accent1"/>
+          </a:effectRef>
+          <a:fontRef idx="minor">
+            <a:schemeClr val="lt1"/>
+          </a:fontRef>
+        </p:style>
+        <p:txBody>
+          <a:bodyPr lIns="0" tIns="0" rIns="0" bIns="0" rtlCol="0" anchor="ctr"/>
+          <a:lstStyle/>
+          <a:p>
+            <a:pPr algn="ctr"/>
+            <a:r>
+              <a:rPr lang="en-US" sz="1200" dirty="0" smtClean="0">
+                <a:solidFill>
+                  <a:schemeClr val="tx1"/>
+                </a:solidFill>
+              </a:rPr>
+              <a:t>git</a:t>
+            </a:r>
+            <a:endParaRPr lang="en-US" sz="1200" dirty="0">
+              <a:solidFill>
+                <a:schemeClr val="tx1"/>
+              </a:solidFill>
+            </a:endParaRPr>
+          </a:p>
+        </p:txBody>
+      </p:sp>
+      <p:cxnSp>
+        <p:nvCxnSpPr>
+          <p:cNvPr id="95" name="Straight Arrow Connector 94"/>
+          <p:cNvCxnSpPr>
+            <a:stCxn id="18" idx="3"/>
+            <a:endCxn id="40" idx="2"/>
+          </p:cNvCxnSpPr>
+          <p:nvPr/>
+        </p:nvCxnSpPr>
+        <p:spPr>
+          <a:xfrm flipV="1">
+            <a:off x="4517399" y="2555830"/>
+            <a:ext cx="1684679" cy="2486753"/>
+          </a:xfrm>
+          <a:prstGeom prst="straightConnector1">
+            <a:avLst/>
+          </a:prstGeom>
+          <a:ln w="12700">
+            <a:solidFill>
+              <a:srgbClr val="9A0B00"/>
+            </a:solidFill>
+            <a:prstDash val="dash"/>
+            <a:tailEnd type="triangle"/>
+          </a:ln>
+        </p:spPr>
+        <p:style>
+          <a:lnRef idx="1">
+            <a:schemeClr val="accent1"/>
+          </a:lnRef>
+          <a:fillRef idx="0">
+            <a:schemeClr val="accent1"/>
+          </a:fillRef>
+          <a:effectRef idx="0">
+            <a:schemeClr val="accent1"/>
+          </a:effectRef>
+          <a:fontRef idx="minor">
+            <a:schemeClr val="tx1"/>
+          </a:fontRef>
+        </p:style>
+      </p:cxnSp>
+      <p:sp>
+        <p:nvSpPr>
+          <p:cNvPr id="16" name="Rectangle 15"/>
+          <p:cNvSpPr/>
+          <p:nvPr/>
+        </p:nvSpPr>
+        <p:spPr>
+          <a:xfrm>
+            <a:off x="3830789" y="4188223"/>
+            <a:ext cx="686610" cy="492056"/>
+          </a:xfrm>
+          <a:prstGeom prst="rect">
+            <a:avLst/>
+          </a:prstGeom>
+          <a:solidFill>
+            <a:schemeClr val="accent1"/>
+          </a:solidFill>
+        </p:spPr>
+        <p:style>
+          <a:lnRef idx="2">
+            <a:schemeClr val="accent6">
+              <a:shade val="50000"/>
+            </a:schemeClr>
+          </a:lnRef>
+          <a:fillRef idx="1">
+            <a:schemeClr val="accent6"/>
+          </a:fillRef>
+          <a:effectRef idx="0">
+            <a:schemeClr val="accent6"/>
+          </a:effectRef>
+          <a:fontRef idx="minor">
+            <a:schemeClr val="lt1"/>
+          </a:fontRef>
+        </p:style>
+        <p:txBody>
+          <a:bodyPr lIns="0" rIns="0" rtlCol="0" anchor="t"/>
+          <a:lstStyle/>
+          <a:p>
+            <a:pPr algn="ctr"/>
+            <a:r>
+              <a:rPr lang="en-US" sz="1050" dirty="0" smtClean="0"/>
+              <a:t>Arch</a:t>
+            </a:r>
+          </a:p>
+        </p:txBody>
+      </p:sp>
+      <p:sp>
+        <p:nvSpPr>
+          <p:cNvPr id="26" name="Flowchart: Magnetic Disk 25"/>
+          <p:cNvSpPr/>
+          <p:nvPr/>
+        </p:nvSpPr>
+        <p:spPr>
+          <a:xfrm>
+            <a:off x="4021832" y="4397176"/>
+            <a:ext cx="304524" cy="230354"/>
+          </a:xfrm>
+          <a:prstGeom prst="flowChartMagneticDisk">
+            <a:avLst/>
+          </a:prstGeom>
+          <a:solidFill>
+            <a:schemeClr val="accent5"/>
+          </a:solidFill>
+        </p:spPr>
+        <p:style>
+          <a:lnRef idx="2">
+            <a:schemeClr val="accent1">
+              <a:shade val="50000"/>
+            </a:schemeClr>
+          </a:lnRef>
+          <a:fillRef idx="1">
+            <a:schemeClr val="accent1"/>
+          </a:fillRef>
+          <a:effectRef idx="0">
+            <a:schemeClr val="accent1"/>
+          </a:effectRef>
+          <a:fontRef idx="minor">
+            <a:schemeClr val="lt1"/>
+          </a:fontRef>
+        </p:style>
+        <p:txBody>
+          <a:bodyPr lIns="0" tIns="0" rIns="0" bIns="0" rtlCol="0" anchor="ctr"/>
+          <a:lstStyle/>
+          <a:p>
+            <a:pPr algn="ctr"/>
+            <a:r>
+              <a:rPr lang="en-US" sz="1200" dirty="0" smtClean="0">
+                <a:solidFill>
+                  <a:schemeClr val="tx1"/>
+                </a:solidFill>
+              </a:rPr>
+              <a:t>git</a:t>
+            </a:r>
+            <a:endParaRPr lang="en-US" sz="1200" dirty="0">
+              <a:solidFill>
+                <a:schemeClr val="tx1"/>
+              </a:solidFill>
+            </a:endParaRPr>
+          </a:p>
+        </p:txBody>
+      </p:sp>
+      <p:cxnSp>
+        <p:nvCxnSpPr>
+          <p:cNvPr id="92" name="Straight Arrow Connector 91"/>
+          <p:cNvCxnSpPr>
+            <a:stCxn id="16" idx="3"/>
+            <a:endCxn id="40" idx="2"/>
+          </p:cNvCxnSpPr>
+          <p:nvPr/>
+        </p:nvCxnSpPr>
+        <p:spPr>
+          <a:xfrm flipV="1">
+            <a:off x="4517399" y="2555830"/>
+            <a:ext cx="1684679" cy="1878421"/>
+          </a:xfrm>
+          <a:prstGeom prst="straightConnector1">
+            <a:avLst/>
+          </a:prstGeom>
+          <a:ln w="12700">
+            <a:solidFill>
+              <a:srgbClr val="9A0B00"/>
+            </a:solidFill>
+            <a:prstDash val="dash"/>
+            <a:tailEnd type="triangle"/>
+          </a:ln>
+        </p:spPr>
+        <p:style>
+          <a:lnRef idx="1">
+            <a:schemeClr val="accent1"/>
+          </a:lnRef>
+          <a:fillRef idx="0">
+            <a:schemeClr val="accent1"/>
+          </a:fillRef>
+          <a:effectRef idx="0">
+            <a:schemeClr val="accent1"/>
+          </a:effectRef>
+          <a:fontRef idx="minor">
+            <a:schemeClr val="tx1"/>
+          </a:fontRef>
+        </p:style>
+      </p:cxnSp>
+      <p:sp>
+        <p:nvSpPr>
+          <p:cNvPr id="14" name="Rectangle 13"/>
+          <p:cNvSpPr/>
+          <p:nvPr/>
+        </p:nvSpPr>
+        <p:spPr>
+          <a:xfrm>
+            <a:off x="3830789" y="3587138"/>
+            <a:ext cx="686610" cy="492056"/>
+          </a:xfrm>
+          <a:prstGeom prst="rect">
+            <a:avLst/>
+          </a:prstGeom>
+          <a:solidFill>
+            <a:schemeClr val="accent1"/>
+          </a:solidFill>
+        </p:spPr>
+        <p:style>
+          <a:lnRef idx="2">
+            <a:schemeClr val="accent6">
+              <a:shade val="50000"/>
+            </a:schemeClr>
+          </a:lnRef>
+          <a:fillRef idx="1">
+            <a:schemeClr val="accent6"/>
+          </a:fillRef>
+          <a:effectRef idx="0">
+            <a:schemeClr val="accent6"/>
+          </a:effectRef>
+          <a:fontRef idx="minor">
+            <a:schemeClr val="lt1"/>
+          </a:fontRef>
+        </p:style>
+        <p:txBody>
+          <a:bodyPr lIns="0" rIns="0" rtlCol="0" anchor="t"/>
+          <a:lstStyle/>
+          <a:p>
+            <a:pPr algn="ctr"/>
+            <a:r>
+              <a:rPr lang="en-US" sz="1050" dirty="0" smtClean="0"/>
+              <a:t>CentOS</a:t>
+            </a:r>
+          </a:p>
+        </p:txBody>
+      </p:sp>
+      <p:sp>
+        <p:nvSpPr>
+          <p:cNvPr id="25" name="Flowchart: Magnetic Disk 24"/>
+          <p:cNvSpPr/>
+          <p:nvPr/>
+        </p:nvSpPr>
+        <p:spPr>
+          <a:xfrm>
+            <a:off x="4021832" y="3800703"/>
+            <a:ext cx="304524" cy="230354"/>
+          </a:xfrm>
+          <a:prstGeom prst="flowChartMagneticDisk">
+            <a:avLst/>
+          </a:prstGeom>
+          <a:solidFill>
+            <a:schemeClr val="accent5"/>
+          </a:solidFill>
+        </p:spPr>
+        <p:style>
+          <a:lnRef idx="2">
+            <a:schemeClr val="accent1">
+              <a:shade val="50000"/>
+            </a:schemeClr>
+          </a:lnRef>
+          <a:fillRef idx="1">
+            <a:schemeClr val="accent1"/>
+          </a:fillRef>
+          <a:effectRef idx="0">
+            <a:schemeClr val="accent1"/>
+          </a:effectRef>
+          <a:fontRef idx="minor">
+            <a:schemeClr val="lt1"/>
+          </a:fontRef>
+        </p:style>
+        <p:txBody>
+          <a:bodyPr lIns="0" tIns="0" rIns="0" bIns="0" rtlCol="0" anchor="ctr"/>
+          <a:lstStyle/>
+          <a:p>
+            <a:pPr algn="ctr"/>
+            <a:r>
+              <a:rPr lang="en-US" sz="1200" dirty="0" smtClean="0">
+                <a:solidFill>
+                  <a:schemeClr val="tx1"/>
+                </a:solidFill>
+              </a:rPr>
+              <a:t>git</a:t>
+            </a:r>
+            <a:endParaRPr lang="en-US" sz="1200" dirty="0">
+              <a:solidFill>
+                <a:schemeClr val="tx1"/>
+              </a:solidFill>
+            </a:endParaRPr>
+          </a:p>
+        </p:txBody>
+      </p:sp>
+      <p:sp>
+        <p:nvSpPr>
+          <p:cNvPr id="8" name="Rectangle 7"/>
+          <p:cNvSpPr/>
+          <p:nvPr/>
+        </p:nvSpPr>
+        <p:spPr>
+          <a:xfrm>
+            <a:off x="3032929" y="2978806"/>
+            <a:ext cx="686610" cy="492056"/>
+          </a:xfrm>
+          <a:prstGeom prst="rect">
+            <a:avLst/>
+          </a:prstGeom>
+          <a:solidFill>
+            <a:schemeClr val="accent1"/>
+          </a:solidFill>
+        </p:spPr>
+        <p:style>
+          <a:lnRef idx="2">
+            <a:schemeClr val="accent6">
+              <a:shade val="50000"/>
+            </a:schemeClr>
+          </a:lnRef>
+          <a:fillRef idx="1">
+            <a:schemeClr val="accent6"/>
+          </a:fillRef>
+          <a:effectRef idx="0">
+            <a:schemeClr val="accent6"/>
+          </a:effectRef>
+          <a:fontRef idx="minor">
+            <a:schemeClr val="lt1"/>
+          </a:fontRef>
+        </p:style>
+        <p:txBody>
+          <a:bodyPr lIns="0" rIns="0" rtlCol="0" anchor="t"/>
+          <a:lstStyle/>
+          <a:p>
+            <a:pPr algn="ctr"/>
+            <a:r>
+              <a:rPr lang="en-US" sz="1050" dirty="0" smtClean="0"/>
+              <a:t>Ubuntu</a:t>
+            </a:r>
+          </a:p>
+        </p:txBody>
+      </p:sp>
+      <p:sp>
+        <p:nvSpPr>
+          <p:cNvPr id="20" name="Flowchart: Magnetic Disk 19"/>
+          <p:cNvSpPr/>
+          <p:nvPr/>
+        </p:nvSpPr>
+        <p:spPr>
+          <a:xfrm>
+            <a:off x="3223972" y="3212752"/>
+            <a:ext cx="304524" cy="201068"/>
+          </a:xfrm>
+          <a:prstGeom prst="flowChartMagneticDisk">
+            <a:avLst/>
+          </a:prstGeom>
+          <a:solidFill>
+            <a:schemeClr val="accent5"/>
+          </a:solidFill>
+        </p:spPr>
+        <p:style>
+          <a:lnRef idx="2">
+            <a:schemeClr val="accent1">
+              <a:shade val="50000"/>
+            </a:schemeClr>
+          </a:lnRef>
+          <a:fillRef idx="1">
+            <a:schemeClr val="accent1"/>
+          </a:fillRef>
+          <a:effectRef idx="0">
+            <a:schemeClr val="accent1"/>
+          </a:effectRef>
+          <a:fontRef idx="minor">
+            <a:schemeClr val="lt1"/>
+          </a:fontRef>
+        </p:style>
+        <p:txBody>
+          <a:bodyPr lIns="0" tIns="0" rIns="0" bIns="0" rtlCol="0" anchor="ctr"/>
+          <a:lstStyle/>
+          <a:p>
+            <a:pPr algn="ctr"/>
+            <a:r>
+              <a:rPr lang="en-US" sz="1200" dirty="0" smtClean="0">
+                <a:solidFill>
+                  <a:schemeClr val="tx1"/>
+                </a:solidFill>
+              </a:rPr>
+              <a:t>git</a:t>
+            </a:r>
+            <a:endParaRPr lang="en-US" sz="1200" dirty="0">
+              <a:solidFill>
+                <a:schemeClr val="tx1"/>
+              </a:solidFill>
+            </a:endParaRPr>
+          </a:p>
+        </p:txBody>
+      </p:sp>
+      <p:sp>
+        <p:nvSpPr>
+          <p:cNvPr id="12" name="Rectangle 11"/>
+          <p:cNvSpPr/>
+          <p:nvPr/>
+        </p:nvSpPr>
+        <p:spPr>
+          <a:xfrm>
+            <a:off x="3830789" y="2978806"/>
+            <a:ext cx="686610" cy="492056"/>
+          </a:xfrm>
+          <a:prstGeom prst="rect">
+            <a:avLst/>
+          </a:prstGeom>
+          <a:solidFill>
+            <a:schemeClr val="accent1"/>
+          </a:solidFill>
+        </p:spPr>
+        <p:style>
+          <a:lnRef idx="2">
+            <a:schemeClr val="accent6">
+              <a:shade val="50000"/>
+            </a:schemeClr>
+          </a:lnRef>
+          <a:fillRef idx="1">
+            <a:schemeClr val="accent6"/>
+          </a:fillRef>
+          <a:effectRef idx="0">
+            <a:schemeClr val="accent6"/>
+          </a:effectRef>
+          <a:fontRef idx="minor">
+            <a:schemeClr val="lt1"/>
+          </a:fontRef>
+        </p:style>
+        <p:txBody>
+          <a:bodyPr lIns="0" rIns="0" rtlCol="0" anchor="t"/>
+          <a:lstStyle/>
+          <a:p>
+            <a:pPr algn="ctr"/>
+            <a:r>
+              <a:rPr lang="en-US" sz="1050" dirty="0" err="1" smtClean="0"/>
+              <a:t>Debian</a:t>
+            </a:r>
+            <a:endParaRPr lang="en-US" sz="1050" dirty="0" smtClean="0"/>
+          </a:p>
+        </p:txBody>
+      </p:sp>
+      <p:sp>
+        <p:nvSpPr>
+          <p:cNvPr id="24" name="Flowchart: Magnetic Disk 23"/>
+          <p:cNvSpPr/>
+          <p:nvPr/>
+        </p:nvSpPr>
+        <p:spPr>
+          <a:xfrm>
+            <a:off x="4021832" y="3208739"/>
+            <a:ext cx="304524" cy="201068"/>
+          </a:xfrm>
+          <a:prstGeom prst="flowChartMagneticDisk">
+            <a:avLst/>
+          </a:prstGeom>
+          <a:solidFill>
+            <a:schemeClr val="accent5"/>
+          </a:solidFill>
+        </p:spPr>
+        <p:style>
+          <a:lnRef idx="2">
+            <a:schemeClr val="accent1">
+              <a:shade val="50000"/>
+            </a:schemeClr>
+          </a:lnRef>
+          <a:fillRef idx="1">
+            <a:schemeClr val="accent1"/>
+          </a:fillRef>
+          <a:effectRef idx="0">
+            <a:schemeClr val="accent1"/>
+          </a:effectRef>
+          <a:fontRef idx="minor">
+            <a:schemeClr val="lt1"/>
+          </a:fontRef>
+        </p:style>
+        <p:txBody>
+          <a:bodyPr lIns="0" tIns="0" rIns="0" bIns="0" rtlCol="0" anchor="ctr"/>
+          <a:lstStyle/>
+          <a:p>
+            <a:pPr algn="ctr"/>
+            <a:r>
+              <a:rPr lang="en-US" sz="1200" dirty="0" smtClean="0">
+                <a:solidFill>
+                  <a:schemeClr val="tx1"/>
+                </a:solidFill>
+              </a:rPr>
+              <a:t>git</a:t>
+            </a:r>
+            <a:endParaRPr lang="en-US" sz="1200" dirty="0">
+              <a:solidFill>
+                <a:schemeClr val="tx1"/>
+              </a:solidFill>
+            </a:endParaRPr>
+          </a:p>
+        </p:txBody>
+      </p:sp>
+      <p:cxnSp>
+        <p:nvCxnSpPr>
+          <p:cNvPr id="83" name="Straight Arrow Connector 82"/>
+          <p:cNvCxnSpPr>
+            <a:stCxn id="12" idx="3"/>
+            <a:endCxn id="40" idx="2"/>
+          </p:cNvCxnSpPr>
+          <p:nvPr/>
+        </p:nvCxnSpPr>
+        <p:spPr>
+          <a:xfrm flipV="1">
+            <a:off x="4517399" y="2555830"/>
+            <a:ext cx="1684679" cy="669004"/>
+          </a:xfrm>
+          <a:prstGeom prst="straightConnector1">
+            <a:avLst/>
+          </a:prstGeom>
+          <a:ln w="12700">
+            <a:solidFill>
+              <a:srgbClr val="9A0B00"/>
+            </a:solidFill>
+            <a:prstDash val="dash"/>
+            <a:tailEnd type="triangle"/>
+          </a:ln>
+        </p:spPr>
+        <p:style>
+          <a:lnRef idx="1">
+            <a:schemeClr val="accent1"/>
+          </a:lnRef>
+          <a:fillRef idx="0">
+            <a:schemeClr val="accent1"/>
+          </a:fillRef>
+          <a:effectRef idx="0">
+            <a:schemeClr val="accent1"/>
+          </a:effectRef>
+          <a:fontRef idx="minor">
+            <a:schemeClr val="tx1"/>
+          </a:fontRef>
+        </p:style>
+      </p:cxnSp>
+      <p:cxnSp>
+        <p:nvCxnSpPr>
+          <p:cNvPr id="89" name="Straight Arrow Connector 88"/>
+          <p:cNvCxnSpPr>
+            <a:stCxn id="14" idx="3"/>
+            <a:endCxn id="40" idx="2"/>
+          </p:cNvCxnSpPr>
+          <p:nvPr/>
+        </p:nvCxnSpPr>
+        <p:spPr>
+          <a:xfrm flipV="1">
+            <a:off x="4517399" y="2555830"/>
+            <a:ext cx="1684679" cy="1277336"/>
+          </a:xfrm>
+          <a:prstGeom prst="straightConnector1">
+            <a:avLst/>
+          </a:prstGeom>
+          <a:ln w="12700">
+            <a:solidFill>
+              <a:srgbClr val="9A0B00"/>
+            </a:solidFill>
+            <a:prstDash val="dash"/>
+            <a:tailEnd type="triangle"/>
+          </a:ln>
+        </p:spPr>
+        <p:style>
+          <a:lnRef idx="1">
+            <a:schemeClr val="accent1"/>
+          </a:lnRef>
+          <a:fillRef idx="0">
+            <a:schemeClr val="accent1"/>
+          </a:fillRef>
+          <a:effectRef idx="0">
+            <a:schemeClr val="accent1"/>
+          </a:effectRef>
+          <a:fontRef idx="minor">
+            <a:schemeClr val="tx1"/>
+          </a:fontRef>
+        </p:style>
+      </p:cxnSp>
+    </p:spTree>
+    <p:extLst>
+      <p:ext uri="{BB962C8B-B14F-4D97-AF65-F5344CB8AC3E}">
+        <p14:creationId xmlns:p14="http://schemas.microsoft.com/office/powerpoint/2010/main" val="440095896"/>
+      </p:ext>
+    </p:extLst>
+  </p:cSld>
+  <p:clrMapOvr>
+    <a:masterClrMapping/>
+  </p:clrMapOvr>
+  <p:timing>
+    <p:tnLst>
+      <p:par>
+        <p:cTn id="1" dur="indefinite" restart="never" nodeType="tmRoot"/>
+      </p:par>
+    </p:tnLst>
+  </p:timing>
+</p:sld>
+</file>
+
+<file path=ppt/slides/slide18.xml><?xml version="1.0" encoding="utf-8"?>
+<p:sld xmlns:a="http://schemas.openxmlformats.org/drawingml/2006/main" xmlns:r="http://schemas.openxmlformats.org/officeDocument/2006/relationships" xmlns:p="http://schemas.openxmlformats.org/presentationml/2006/main">
+  <p:cSld>
+    <p:spTree>
+      <p:nvGrpSpPr>
+        <p:cNvPr id="1" name=""/>
+        <p:cNvGrpSpPr/>
+        <p:nvPr/>
+      </p:nvGrpSpPr>
+      <p:grpSpPr>
+        <a:xfrm>
+          <a:off x="0" y="0"/>
+          <a:ext cx="0" cy="0"/>
+          <a:chOff x="0" y="0"/>
+          <a:chExt cx="0" cy="0"/>
+        </a:xfrm>
+      </p:grpSpPr>
+      <p:sp>
+        <p:nvSpPr>
           <p:cNvPr id="2" name="Title 1"/>
           <p:cNvSpPr>
             <a:spLocks noGrp="1"/>
@@ -7343,7 +7559,7 @@
 </p:sld>
 </file>
 
-<file path=ppt/slides/slide18.xml><?xml version="1.0" encoding="utf-8"?>
+<file path=ppt/slides/slide19.xml><?xml version="1.0" encoding="utf-8"?>
 <p:sld xmlns:a="http://schemas.openxmlformats.org/drawingml/2006/main" xmlns:r="http://schemas.openxmlformats.org/officeDocument/2006/relationships" xmlns:p="http://schemas.openxmlformats.org/presentationml/2006/main">
   <p:cSld>
     <p:spTree>
@@ -8039,7 +8255,6 @@
               <a:rPr lang="en-US" noProof="0" dirty="0" smtClean="0"/>
               <a:t>started a community of users</a:t>
             </a:r>
-            <a:endParaRPr lang="en-US" noProof="0" dirty="0" smtClean="0"/>
           </a:p>
         </p:txBody>
       </p:sp>
@@ -9103,7 +9318,6 @@
               <a:rPr lang="en-US" dirty="0" smtClean="0"/>
               <a:t>=&gt; if you don’t understand the latest commits, they will make sense later…</a:t>
             </a:r>
-            <a:endParaRPr lang="en-US" dirty="0" smtClean="0"/>
           </a:p>
         </p:txBody>
       </p:sp>

--- a/doc/tsduck-project.pptx
+++ b/doc/tsduck-project.pptx
@@ -187,10 +187,9 @@
           </a:lstStyle>
           <a:p>
             <a:r>
-              <a:rPr lang="en-US" dirty="0" smtClean="0"/>
+              <a:rPr lang="en-US" dirty="0"/>
               <a:t>Click to edit Master title style</a:t>
             </a:r>
-            <a:endParaRPr lang="en-US" dirty="0"/>
           </a:p>
         </p:txBody>
       </p:sp>
@@ -252,10 +251,9 @@
           </a:lstStyle>
           <a:p>
             <a:r>
-              <a:rPr lang="en-US" dirty="0" smtClean="0"/>
+              <a:rPr lang="en-US" dirty="0"/>
               <a:t>Click to edit Master subtitle style</a:t>
             </a:r>
-            <a:endParaRPr lang="en-US" dirty="0"/>
           </a:p>
         </p:txBody>
       </p:sp>
@@ -389,10 +387,9 @@
           </a:lstStyle>
           <a:p>
             <a:r>
-              <a:rPr lang="en-US" dirty="0" smtClean="0"/>
+              <a:rPr lang="en-US" dirty="0"/>
               <a:t>Click to edit Master title style</a:t>
             </a:r>
-            <a:endParaRPr lang="en-US" dirty="0"/>
           </a:p>
         </p:txBody>
       </p:sp>
@@ -449,38 +446,37 @@
           <a:p>
             <a:pPr lvl="0"/>
             <a:r>
-              <a:rPr lang="en-US" smtClean="0"/>
+              <a:rPr lang="en-US"/>
               <a:t>Edit Master text styles</a:t>
             </a:r>
           </a:p>
           <a:p>
             <a:pPr lvl="1"/>
             <a:r>
-              <a:rPr lang="en-US" smtClean="0"/>
+              <a:rPr lang="en-US"/>
               <a:t>Second level</a:t>
             </a:r>
           </a:p>
           <a:p>
             <a:pPr lvl="2"/>
             <a:r>
-              <a:rPr lang="en-US" smtClean="0"/>
+              <a:rPr lang="en-US"/>
               <a:t>Third level</a:t>
             </a:r>
           </a:p>
           <a:p>
             <a:pPr lvl="3"/>
             <a:r>
-              <a:rPr lang="en-US" smtClean="0"/>
+              <a:rPr lang="en-US"/>
               <a:t>Fourth level</a:t>
             </a:r>
           </a:p>
           <a:p>
             <a:pPr lvl="4"/>
             <a:r>
-              <a:rPr lang="en-US" smtClean="0"/>
+              <a:rPr lang="en-US"/>
               <a:t>Fifth level</a:t>
             </a:r>
-            <a:endParaRPr lang="en-US"/>
           </a:p>
         </p:txBody>
       </p:sp>
@@ -544,7 +540,7 @@
                 </a:solidFill>
               </a:rPr>
               <a:pPr algn="ctr"/>
-              <a:t>‹#›</a:t>
+              <a:t>‹N°›</a:t>
             </a:fld>
             <a:endParaRPr lang="en-US" sz="1400" dirty="0">
               <a:solidFill>
@@ -613,10 +609,9 @@
           </a:lstStyle>
           <a:p>
             <a:r>
-              <a:rPr lang="en-US" dirty="0" smtClean="0"/>
+              <a:rPr lang="en-US" dirty="0"/>
               <a:t>Click to edit Master title style</a:t>
             </a:r>
-            <a:endParaRPr lang="en-US" dirty="0"/>
           </a:p>
         </p:txBody>
       </p:sp>
@@ -733,7 +728,7 @@
           <a:p>
             <a:pPr lvl="0"/>
             <a:r>
-              <a:rPr lang="en-US" dirty="0" smtClean="0"/>
+              <a:rPr lang="en-US" dirty="0"/>
               <a:t>Edit Master text styles</a:t>
             </a:r>
           </a:p>
@@ -869,10 +864,9 @@
           </a:lstStyle>
           <a:p>
             <a:r>
-              <a:rPr lang="en-US" smtClean="0"/>
+              <a:rPr lang="en-US"/>
               <a:t>Click to edit Master title style</a:t>
             </a:r>
-            <a:endParaRPr lang="en-US"/>
           </a:p>
         </p:txBody>
       </p:sp>
@@ -898,38 +892,37 @@
           <a:p>
             <a:pPr lvl="0"/>
             <a:r>
-              <a:rPr lang="en-US" dirty="0" smtClean="0"/>
+              <a:rPr lang="en-US" dirty="0"/>
               <a:t>Edit Master text styles</a:t>
             </a:r>
           </a:p>
           <a:p>
             <a:pPr lvl="1"/>
             <a:r>
-              <a:rPr lang="en-US" dirty="0" smtClean="0"/>
+              <a:rPr lang="en-US" dirty="0"/>
               <a:t>Second level</a:t>
             </a:r>
           </a:p>
           <a:p>
             <a:pPr lvl="2"/>
             <a:r>
-              <a:rPr lang="en-US" dirty="0" smtClean="0"/>
+              <a:rPr lang="en-US" dirty="0"/>
               <a:t>Third level</a:t>
             </a:r>
           </a:p>
           <a:p>
             <a:pPr lvl="3"/>
             <a:r>
-              <a:rPr lang="en-US" dirty="0" smtClean="0"/>
+              <a:rPr lang="en-US" dirty="0"/>
               <a:t>Fourth level</a:t>
             </a:r>
           </a:p>
           <a:p>
             <a:pPr lvl="4"/>
             <a:r>
-              <a:rPr lang="en-US" dirty="0" smtClean="0"/>
+              <a:rPr lang="en-US" dirty="0"/>
               <a:t>Fifth level</a:t>
             </a:r>
-            <a:endParaRPr lang="en-US" dirty="0"/>
           </a:p>
         </p:txBody>
       </p:sp>
@@ -955,38 +948,37 @@
           <a:p>
             <a:pPr lvl="0"/>
             <a:r>
-              <a:rPr lang="en-US" dirty="0" smtClean="0"/>
+              <a:rPr lang="en-US" dirty="0"/>
               <a:t>Edit Master text styles</a:t>
             </a:r>
           </a:p>
           <a:p>
             <a:pPr lvl="1"/>
             <a:r>
-              <a:rPr lang="en-US" dirty="0" smtClean="0"/>
+              <a:rPr lang="en-US" dirty="0"/>
               <a:t>Second level</a:t>
             </a:r>
           </a:p>
           <a:p>
             <a:pPr lvl="2"/>
             <a:r>
-              <a:rPr lang="en-US" dirty="0" smtClean="0"/>
+              <a:rPr lang="en-US" dirty="0"/>
               <a:t>Third level</a:t>
             </a:r>
           </a:p>
           <a:p>
             <a:pPr lvl="3"/>
             <a:r>
-              <a:rPr lang="en-US" dirty="0" smtClean="0"/>
+              <a:rPr lang="en-US" dirty="0"/>
               <a:t>Fourth level</a:t>
             </a:r>
           </a:p>
           <a:p>
             <a:pPr lvl="4"/>
             <a:r>
-              <a:rPr lang="en-US" dirty="0" smtClean="0"/>
+              <a:rPr lang="en-US" dirty="0"/>
               <a:t>Fifth level</a:t>
             </a:r>
-            <a:endParaRPr lang="en-US" dirty="0"/>
           </a:p>
         </p:txBody>
       </p:sp>
@@ -1050,7 +1042,7 @@
                 </a:solidFill>
               </a:rPr>
               <a:pPr algn="ctr"/>
-              <a:t>‹#›</a:t>
+              <a:t>‹N°›</a:t>
             </a:fld>
             <a:endParaRPr lang="en-US" sz="1400" dirty="0">
               <a:solidFill>
@@ -1149,7 +1141,7 @@
           <a:p>
             <a:pPr lvl="0"/>
             <a:r>
-              <a:rPr lang="en-US" smtClean="0"/>
+              <a:rPr lang="en-US"/>
               <a:t>Edit Master text styles</a:t>
             </a:r>
           </a:p>
@@ -1177,38 +1169,37 @@
           <a:p>
             <a:pPr lvl="0"/>
             <a:r>
-              <a:rPr lang="en-US" smtClean="0"/>
+              <a:rPr lang="en-US"/>
               <a:t>Edit Master text styles</a:t>
             </a:r>
           </a:p>
           <a:p>
             <a:pPr lvl="1"/>
             <a:r>
-              <a:rPr lang="en-US" smtClean="0"/>
+              <a:rPr lang="en-US"/>
               <a:t>Second level</a:t>
             </a:r>
           </a:p>
           <a:p>
             <a:pPr lvl="2"/>
             <a:r>
-              <a:rPr lang="en-US" smtClean="0"/>
+              <a:rPr lang="en-US"/>
               <a:t>Third level</a:t>
             </a:r>
           </a:p>
           <a:p>
             <a:pPr lvl="3"/>
             <a:r>
-              <a:rPr lang="en-US" smtClean="0"/>
+              <a:rPr lang="en-US"/>
               <a:t>Fourth level</a:t>
             </a:r>
           </a:p>
           <a:p>
             <a:pPr lvl="4"/>
             <a:r>
-              <a:rPr lang="en-US" smtClean="0"/>
+              <a:rPr lang="en-US"/>
               <a:t>Fifth level</a:t>
             </a:r>
-            <a:endParaRPr lang="en-US"/>
           </a:p>
         </p:txBody>
       </p:sp>
@@ -1271,7 +1262,7 @@
           <a:p>
             <a:pPr lvl="0"/>
             <a:r>
-              <a:rPr lang="en-US" smtClean="0"/>
+              <a:rPr lang="en-US"/>
               <a:t>Edit Master text styles</a:t>
             </a:r>
           </a:p>
@@ -1299,38 +1290,37 @@
           <a:p>
             <a:pPr lvl="0"/>
             <a:r>
-              <a:rPr lang="en-US" smtClean="0"/>
+              <a:rPr lang="en-US"/>
               <a:t>Edit Master text styles</a:t>
             </a:r>
           </a:p>
           <a:p>
             <a:pPr lvl="1"/>
             <a:r>
-              <a:rPr lang="en-US" smtClean="0"/>
+              <a:rPr lang="en-US"/>
               <a:t>Second level</a:t>
             </a:r>
           </a:p>
           <a:p>
             <a:pPr lvl="2"/>
             <a:r>
-              <a:rPr lang="en-US" smtClean="0"/>
+              <a:rPr lang="en-US"/>
               <a:t>Third level</a:t>
             </a:r>
           </a:p>
           <a:p>
             <a:pPr lvl="3"/>
             <a:r>
-              <a:rPr lang="en-US" smtClean="0"/>
+              <a:rPr lang="en-US"/>
               <a:t>Fourth level</a:t>
             </a:r>
           </a:p>
           <a:p>
             <a:pPr lvl="4"/>
             <a:r>
-              <a:rPr lang="en-US" smtClean="0"/>
+              <a:rPr lang="en-US"/>
               <a:t>Fifth level</a:t>
             </a:r>
-            <a:endParaRPr lang="en-US"/>
           </a:p>
         </p:txBody>
       </p:sp>
@@ -1409,10 +1399,9 @@
           </a:lstStyle>
           <a:p>
             <a:r>
-              <a:rPr lang="en-US" smtClean="0"/>
+              <a:rPr lang="en-US"/>
               <a:t>Click to edit Master title style</a:t>
             </a:r>
-            <a:endParaRPr lang="en-US"/>
           </a:p>
         </p:txBody>
       </p:sp>
@@ -1476,7 +1465,7 @@
                 </a:solidFill>
               </a:rPr>
               <a:pPr algn="ctr"/>
-              <a:t>‹#›</a:t>
+              <a:t>‹N°›</a:t>
             </a:fld>
             <a:endParaRPr lang="en-US" sz="1400" dirty="0">
               <a:solidFill>
@@ -1586,10 +1575,9 @@
           </a:lstStyle>
           <a:p>
             <a:r>
-              <a:rPr lang="en-US" smtClean="0"/>
+              <a:rPr lang="en-US"/>
               <a:t>Click to edit Master title style</a:t>
             </a:r>
-            <a:endParaRPr lang="en-US"/>
           </a:p>
         </p:txBody>
       </p:sp>
@@ -1653,7 +1641,7 @@
                 </a:solidFill>
               </a:rPr>
               <a:pPr algn="ctr"/>
-              <a:t>‹#›</a:t>
+              <a:t>‹N°›</a:t>
             </a:fld>
             <a:endParaRPr lang="en-US" sz="1400" dirty="0">
               <a:solidFill>
@@ -1778,10 +1766,9 @@
           </a:lstStyle>
           <a:p>
             <a:r>
-              <a:rPr lang="en-US" dirty="0" smtClean="0"/>
+              <a:rPr lang="en-US" dirty="0"/>
               <a:t>Click to edit Master title style</a:t>
             </a:r>
-            <a:endParaRPr lang="en-US" dirty="0"/>
           </a:p>
         </p:txBody>
       </p:sp>
@@ -1835,38 +1822,37 @@
           <a:p>
             <a:pPr lvl="0"/>
             <a:r>
-              <a:rPr lang="en-US" smtClean="0"/>
+              <a:rPr lang="en-US"/>
               <a:t>Edit Master text styles</a:t>
             </a:r>
           </a:p>
           <a:p>
             <a:pPr lvl="1"/>
             <a:r>
-              <a:rPr lang="en-US" smtClean="0"/>
+              <a:rPr lang="en-US"/>
               <a:t>Second level</a:t>
             </a:r>
           </a:p>
           <a:p>
             <a:pPr lvl="2"/>
             <a:r>
-              <a:rPr lang="en-US" smtClean="0"/>
+              <a:rPr lang="en-US"/>
               <a:t>Third level</a:t>
             </a:r>
           </a:p>
           <a:p>
             <a:pPr lvl="3"/>
             <a:r>
-              <a:rPr lang="en-US" smtClean="0"/>
+              <a:rPr lang="en-US"/>
               <a:t>Fourth level</a:t>
             </a:r>
           </a:p>
           <a:p>
             <a:pPr lvl="4"/>
             <a:r>
-              <a:rPr lang="en-US" smtClean="0"/>
+              <a:rPr lang="en-US"/>
               <a:t>Fifth level</a:t>
             </a:r>
-            <a:endParaRPr lang="en-US"/>
           </a:p>
         </p:txBody>
       </p:sp>
@@ -1929,7 +1915,7 @@
           <a:p>
             <a:pPr lvl="0"/>
             <a:r>
-              <a:rPr lang="en-US" smtClean="0"/>
+              <a:rPr lang="en-US"/>
               <a:t>Edit Master text styles</a:t>
             </a:r>
           </a:p>
@@ -2020,10 +2006,9 @@
           </a:lstStyle>
           <a:p>
             <a:r>
-              <a:rPr lang="en-US" smtClean="0"/>
+              <a:rPr lang="en-US"/>
               <a:t>Click to edit Master title style</a:t>
             </a:r>
-            <a:endParaRPr lang="en-US"/>
           </a:p>
         </p:txBody>
       </p:sp>
@@ -2147,7 +2132,7 @@
           <a:p>
             <a:pPr lvl="0"/>
             <a:r>
-              <a:rPr lang="en-US" smtClean="0"/>
+              <a:rPr lang="en-US"/>
               <a:t>Edit Master text styles</a:t>
             </a:r>
           </a:p>
@@ -2244,10 +2229,9 @@
           <a:lstStyle/>
           <a:p>
             <a:r>
-              <a:rPr lang="en-US" dirty="0" smtClean="0"/>
+              <a:rPr lang="en-US" dirty="0"/>
               <a:t>Click to edit Master title style</a:t>
             </a:r>
-            <a:endParaRPr lang="en-US" dirty="0"/>
           </a:p>
         </p:txBody>
       </p:sp>
@@ -2278,38 +2262,37 @@
           <a:p>
             <a:pPr lvl="0"/>
             <a:r>
-              <a:rPr lang="en-US" smtClean="0"/>
+              <a:rPr lang="en-US"/>
               <a:t>Edit Master text styles</a:t>
             </a:r>
           </a:p>
           <a:p>
             <a:pPr lvl="1"/>
             <a:r>
-              <a:rPr lang="en-US" smtClean="0"/>
+              <a:rPr lang="en-US"/>
               <a:t>Second level</a:t>
             </a:r>
           </a:p>
           <a:p>
             <a:pPr lvl="2"/>
             <a:r>
-              <a:rPr lang="en-US" smtClean="0"/>
+              <a:rPr lang="en-US"/>
               <a:t>Third level</a:t>
             </a:r>
           </a:p>
           <a:p>
             <a:pPr lvl="3"/>
             <a:r>
-              <a:rPr lang="en-US" smtClean="0"/>
+              <a:rPr lang="en-US"/>
               <a:t>Fourth level</a:t>
             </a:r>
           </a:p>
           <a:p>
             <a:pPr lvl="4"/>
             <a:r>
-              <a:rPr lang="en-US" smtClean="0"/>
+              <a:rPr lang="en-US"/>
               <a:t>Fifth level</a:t>
             </a:r>
-            <a:endParaRPr lang="en-US"/>
           </a:p>
         </p:txBody>
       </p:sp>
@@ -2663,16 +2646,12 @@
           <a:lstStyle/>
           <a:p>
             <a:r>
-              <a:rPr lang="en-US" noProof="0" dirty="0" smtClean="0">
+              <a:rPr lang="en-US" noProof="0" dirty="0">
                 <a:latin typeface="Segoe UI" panose="020B0502040204020203" pitchFamily="34" charset="0"/>
                 <a:cs typeface="Segoe UI" panose="020B0502040204020203" pitchFamily="34" charset="0"/>
               </a:rPr>
               <a:t>TSDuck</a:t>
             </a:r>
-            <a:endParaRPr lang="en-US" noProof="0" dirty="0">
-              <a:latin typeface="Segoe UI" panose="020B0502040204020203" pitchFamily="34" charset="0"/>
-              <a:cs typeface="Segoe UI" panose="020B0502040204020203" pitchFamily="34" charset="0"/>
-            </a:endParaRPr>
           </a:p>
         </p:txBody>
       </p:sp>
@@ -2697,33 +2676,24 @@
           <a:lstStyle/>
           <a:p>
             <a:r>
-              <a:rPr lang="en-US" noProof="0" dirty="0" smtClean="0"/>
-              <a:t>Anatomy of a single-person open-source </a:t>
-            </a:r>
-            <a:r>
-              <a:rPr lang="en-US" noProof="0" dirty="0" smtClean="0"/>
-              <a:t>project</a:t>
-            </a:r>
-          </a:p>
-          <a:p>
-            <a:endParaRPr lang="fr-FR" dirty="0" smtClean="0"/>
+              <a:rPr lang="en-US" noProof="0" dirty="0"/>
+              <a:t>Anatomy of a single-person open-source project</a:t>
+            </a:r>
           </a:p>
           <a:p>
             <a:endParaRPr lang="fr-FR" dirty="0"/>
           </a:p>
           <a:p>
+            <a:endParaRPr lang="fr-FR" dirty="0"/>
+          </a:p>
+          <a:p>
             <a:r>
               <a:rPr lang="en-US" sz="1600" dirty="0"/>
-              <a:t>Version </a:t>
-            </a:r>
-            <a:r>
-              <a:rPr lang="en-US" sz="1600" dirty="0" smtClean="0"/>
-              <a:t>3.27</a:t>
-            </a:r>
-            <a:endParaRPr lang="en-US" sz="1600" dirty="0"/>
-          </a:p>
-          <a:p>
-            <a:endParaRPr lang="fr-FR" noProof="0" dirty="0" smtClean="0"/>
+              <a:t>Version 3.30</a:t>
+            </a:r>
+          </a:p>
+          <a:p>
+            <a:endParaRPr lang="fr-FR" noProof="0" dirty="0"/>
           </a:p>
           <a:p>
             <a:endParaRPr lang="en-US" noProof="0" dirty="0"/>
@@ -2740,13 +2710,6 @@
   <p:clrMapOvr>
     <a:masterClrMapping/>
   </p:clrMapOvr>
-  <p:timing>
-    <p:tnLst>
-      <p:par>
-        <p:cTn id="1" dur="indefinite" restart="never" nodeType="tmRoot"/>
-      </p:par>
-    </p:tnLst>
-  </p:timing>
 </p:sld>
 </file>
 
@@ -2783,10 +2746,9 @@
           <a:lstStyle/>
           <a:p>
             <a:r>
-              <a:rPr lang="en-US" dirty="0" smtClean="0"/>
+              <a:rPr lang="en-US" dirty="0"/>
               <a:t>Code volume</a:t>
             </a:r>
-            <a:endParaRPr lang="en-US" dirty="0"/>
           </a:p>
         </p:txBody>
       </p:sp>
@@ -2811,13 +2773,13 @@
               </a:tabLst>
             </a:pPr>
             <a:r>
-              <a:rPr lang="en-US" dirty="0" smtClean="0"/>
+              <a:rPr lang="en-US" dirty="0"/>
               <a:t>Source files :	1,800</a:t>
             </a:r>
           </a:p>
           <a:p>
             <a:r>
-              <a:rPr lang="en-US" dirty="0" smtClean="0"/>
+              <a:rPr lang="en-US" dirty="0"/>
               <a:t>Lines</a:t>
             </a:r>
           </a:p>
@@ -2829,8 +2791,8 @@
               </a:tabLst>
             </a:pPr>
             <a:r>
-              <a:rPr lang="en-US" dirty="0" smtClean="0"/>
-              <a:t>total :	390,000</a:t>
+              <a:rPr lang="en-US" dirty="0"/>
+              <a:t>total :	400,000</a:t>
             </a:r>
           </a:p>
           <a:p>
@@ -2841,14 +2803,14 @@
               </a:tabLst>
             </a:pPr>
             <a:r>
-              <a:rPr lang="en-US" dirty="0" smtClean="0"/>
-              <a:t>comments :	134,000	</a:t>
-            </a:r>
-            <a:r>
-              <a:rPr lang="en-US" sz="2000" dirty="0" smtClean="0"/>
-              <a:t>(34%)</a:t>
-            </a:r>
-            <a:endParaRPr lang="en-US" dirty="0" smtClean="0"/>
+              <a:rPr lang="en-US" dirty="0"/>
+              <a:t>comments :	140,000	</a:t>
+            </a:r>
+            <a:r>
+              <a:rPr lang="en-US" sz="2000" dirty="0"/>
+              <a:t>(35%)</a:t>
+            </a:r>
+            <a:endParaRPr lang="en-US" dirty="0"/>
           </a:p>
           <a:p>
             <a:pPr lvl="1">
@@ -2858,14 +2820,14 @@
               </a:tabLst>
             </a:pPr>
             <a:r>
-              <a:rPr lang="en-US" dirty="0" smtClean="0"/>
-              <a:t>actual code :	206,000	</a:t>
-            </a:r>
-            <a:r>
-              <a:rPr lang="en-US" sz="2000" dirty="0" smtClean="0"/>
+              <a:rPr lang="en-US" dirty="0"/>
+              <a:t>actual code :	211,000	</a:t>
+            </a:r>
+            <a:r>
+              <a:rPr lang="en-US" sz="2000" dirty="0"/>
               <a:t>(53%)</a:t>
             </a:r>
-            <a:endParaRPr lang="en-US" dirty="0" smtClean="0"/>
+            <a:endParaRPr lang="en-US" dirty="0"/>
           </a:p>
           <a:p>
             <a:pPr lvl="2">
@@ -2875,8 +2837,8 @@
               </a:tabLst>
             </a:pPr>
             <a:r>
-              <a:rPr lang="en-US" dirty="0" smtClean="0"/>
-              <a:t>C++ :	198,000</a:t>
+              <a:rPr lang="en-US" dirty="0"/>
+              <a:t>C++ :	200,000</a:t>
             </a:r>
           </a:p>
           <a:p>
@@ -2887,7 +2849,7 @@
               </a:tabLst>
             </a:pPr>
             <a:r>
-              <a:rPr lang="en-US" dirty="0" smtClean="0"/>
+              <a:rPr lang="en-US" dirty="0"/>
               <a:t>python :	700</a:t>
             </a:r>
           </a:p>
@@ -2899,7 +2861,7 @@
               </a:tabLst>
             </a:pPr>
             <a:r>
-              <a:rPr lang="en-US" dirty="0" smtClean="0"/>
+              <a:rPr lang="en-US" dirty="0"/>
               <a:t>java :	375</a:t>
             </a:r>
           </a:p>
@@ -2911,7 +2873,7 @@
               </a:tabLst>
             </a:pPr>
             <a:r>
-              <a:rPr lang="en-US" dirty="0" smtClean="0"/>
+              <a:rPr lang="en-US" dirty="0"/>
               <a:t>scripts / make :	2,400</a:t>
             </a:r>
           </a:p>
@@ -2923,8 +2885,8 @@
               </a:tabLst>
             </a:pPr>
             <a:r>
-              <a:rPr lang="en-US" dirty="0" smtClean="0"/>
-              <a:t>As of version 3.27</a:t>
+              <a:rPr lang="en-US" dirty="0"/>
+              <a:t>As of version 3.30</a:t>
             </a:r>
           </a:p>
         </p:txBody>
@@ -2975,10 +2937,9 @@
           <a:lstStyle/>
           <a:p>
             <a:r>
-              <a:rPr lang="en-US" noProof="0" dirty="0" smtClean="0"/>
+              <a:rPr lang="en-US" noProof="0" dirty="0"/>
               <a:t>Maintenance</a:t>
             </a:r>
-            <a:endParaRPr lang="en-US" noProof="0" dirty="0"/>
           </a:p>
         </p:txBody>
       </p:sp>
@@ -3005,34 +2966,34 @@
           <a:lstStyle/>
           <a:p>
             <a:r>
-              <a:rPr lang="en-US" dirty="0" smtClean="0"/>
+              <a:rPr lang="en-US" dirty="0"/>
               <a:t>Maintain stability</a:t>
             </a:r>
           </a:p>
           <a:p>
             <a:pPr lvl="1"/>
             <a:r>
-              <a:rPr lang="en-US" dirty="0" smtClean="0"/>
+              <a:rPr lang="en-US" dirty="0"/>
               <a:t>automated full non-regression tests after each commit</a:t>
             </a:r>
           </a:p>
           <a:p>
             <a:pPr lvl="1"/>
             <a:r>
-              <a:rPr lang="en-US" dirty="0" smtClean="0"/>
+              <a:rPr lang="en-US" dirty="0"/>
               <a:t>each build is as stable as a release</a:t>
             </a:r>
           </a:p>
           <a:p>
             <a:r>
-              <a:rPr lang="en-US" dirty="0" smtClean="0"/>
+              <a:rPr lang="en-US" dirty="0"/>
               <a:t>Releases</a:t>
             </a:r>
           </a:p>
           <a:p>
             <a:pPr lvl="1"/>
             <a:r>
-              <a:rPr lang="en-US" dirty="0" smtClean="0"/>
+              <a:rPr lang="en-US" dirty="0"/>
               <a:t>the concept of « official release » is purely editorial</a:t>
             </a:r>
           </a:p>
@@ -3041,7 +3002,7 @@
               <a:buNone/>
             </a:pPr>
             <a:r>
-              <a:rPr lang="en-US" dirty="0" smtClean="0"/>
+              <a:rPr lang="en-US" dirty="0"/>
               <a:t>same automated QA as any build</a:t>
             </a:r>
           </a:p>
@@ -3050,22 +3011,14 @@
               <a:buNone/>
             </a:pPr>
             <a:r>
-              <a:rPr lang="en-US" dirty="0" smtClean="0"/>
-              <a:t>=&gt; you may safely use </a:t>
-            </a:r>
-            <a:r>
-              <a:rPr lang="en-US" dirty="0" err="1" smtClean="0"/>
-              <a:t>nighlty</a:t>
-            </a:r>
-            <a:r>
-              <a:rPr lang="en-US" dirty="0" smtClean="0"/>
-              <a:t> builds</a:t>
+              <a:rPr lang="en-US" dirty="0"/>
+              <a:t>=&gt; you may safely use nightly builds</a:t>
             </a:r>
           </a:p>
           <a:p>
             <a:pPr lvl="1"/>
             <a:r>
-              <a:rPr lang="en-US" dirty="0" smtClean="0"/>
+              <a:rPr lang="en-US" dirty="0"/>
               <a:t>build of a “release” is fully automated from a macOS host</a:t>
             </a:r>
           </a:p>
@@ -3074,7 +3027,7 @@
               <a:buNone/>
             </a:pPr>
             <a:r>
-              <a:rPr lang="en-US" dirty="0" smtClean="0"/>
+              <a:rPr lang="en-US" dirty="0"/>
               <a:t>boot, build and shutdown Linux and Windows virtual machines</a:t>
             </a:r>
           </a:p>
@@ -3083,17 +3036,16 @@
               <a:buNone/>
             </a:pPr>
             <a:r>
-              <a:rPr lang="en-US" dirty="0" smtClean="0"/>
+              <a:rPr lang="en-US" dirty="0"/>
               <a:t>remote build on Raspberry PI</a:t>
             </a:r>
           </a:p>
           <a:p>
             <a:pPr lvl="1"/>
             <a:r>
-              <a:rPr lang="en-US" dirty="0" smtClean="0"/>
+              <a:rPr lang="en-US" dirty="0"/>
               <a:t>releases are tagged in git, published on GitHub</a:t>
             </a:r>
-            <a:endParaRPr lang="en-US" dirty="0"/>
           </a:p>
         </p:txBody>
       </p:sp>
@@ -3107,13 +3059,6 @@
   <p:clrMapOvr>
     <a:masterClrMapping/>
   </p:clrMapOvr>
-  <p:timing>
-    <p:tnLst>
-      <p:par>
-        <p:cTn id="1" dur="indefinite" restart="never" nodeType="tmRoot"/>
-      </p:par>
-    </p:tnLst>
-  </p:timing>
 </p:sld>
 </file>
 
@@ -3150,10 +3095,9 @@
           <a:lstStyle/>
           <a:p>
             <a:r>
-              <a:rPr lang="en-US" noProof="0" dirty="0" smtClean="0"/>
+              <a:rPr lang="en-US" noProof="0" dirty="0"/>
               <a:t>Tests</a:t>
             </a:r>
-            <a:endParaRPr lang="en-US" noProof="0" dirty="0"/>
           </a:p>
         </p:txBody>
       </p:sp>
@@ -3185,7 +3129,7 @@
               </a:lnSpc>
             </a:pPr>
             <a:r>
-              <a:rPr lang="en-US" dirty="0" smtClean="0"/>
+              <a:rPr lang="en-US" dirty="0"/>
               <a:t>Time resource constraints</a:t>
             </a:r>
           </a:p>
@@ -3196,7 +3140,7 @@
               </a:lnSpc>
             </a:pPr>
             <a:r>
-              <a:rPr lang="en-US" dirty="0" smtClean="0"/>
+              <a:rPr lang="en-US" dirty="0"/>
               <a:t>no time to debug or come back on earlier developments</a:t>
             </a:r>
           </a:p>
@@ -3208,7 +3152,7 @@
               <a:buNone/>
             </a:pPr>
             <a:r>
-              <a:rPr lang="en-US" dirty="0" smtClean="0"/>
+              <a:rPr lang="en-US" dirty="0"/>
               <a:t>=&gt; avoid regressions</a:t>
             </a:r>
           </a:p>
@@ -3219,7 +3163,7 @@
               </a:lnSpc>
             </a:pPr>
             <a:r>
-              <a:rPr lang="en-US" dirty="0" smtClean="0"/>
+              <a:rPr lang="en-US" dirty="0"/>
               <a:t>test-driven development</a:t>
             </a:r>
           </a:p>
@@ -3230,7 +3174,7 @@
               </a:lnSpc>
             </a:pPr>
             <a:r>
-              <a:rPr lang="en-US" dirty="0" smtClean="0"/>
+              <a:rPr lang="en-US" dirty="0"/>
               <a:t>Low-level unitary tests</a:t>
             </a:r>
           </a:p>
@@ -3241,15 +3185,15 @@
               </a:lnSpc>
             </a:pPr>
             <a:r>
-              <a:rPr lang="en-US" dirty="0" smtClean="0"/>
+              <a:rPr lang="en-US" dirty="0"/>
               <a:t>JUnit-like dedicated framework (« </a:t>
             </a:r>
             <a:r>
-              <a:rPr lang="en-US" dirty="0" err="1" smtClean="0"/>
+              <a:rPr lang="en-US" dirty="0" err="1"/>
               <a:t>TSUnit</a:t>
             </a:r>
             <a:r>
-              <a:rPr lang="en-US" dirty="0" smtClean="0"/>
+              <a:rPr lang="en-US" dirty="0"/>
               <a:t> »)</a:t>
             </a:r>
           </a:p>
@@ -3260,8 +3204,8 @@
               </a:lnSpc>
             </a:pPr>
             <a:r>
-              <a:rPr lang="en-US" dirty="0" smtClean="0"/>
-              <a:t>when developing low-level feature, use it as test &amp; debug environment</a:t>
+              <a:rPr lang="en-US" dirty="0"/>
+              <a:t>when developing low-level features, use it as test &amp; debug environment</a:t>
             </a:r>
           </a:p>
           <a:p>
@@ -3271,8 +3215,8 @@
               </a:lnSpc>
             </a:pPr>
             <a:r>
-              <a:rPr lang="en-US" dirty="0" smtClean="0"/>
-              <a:t>560+ tests, 28000+ assertions</a:t>
+              <a:rPr lang="en-US" dirty="0"/>
+              <a:t>610+ tests, 28700+ assertions</a:t>
             </a:r>
           </a:p>
           <a:p>
@@ -3282,7 +3226,7 @@
               </a:lnSpc>
             </a:pPr>
             <a:r>
-              <a:rPr lang="en-US" dirty="0" smtClean="0"/>
+              <a:rPr lang="en-US" dirty="0"/>
               <a:t>High-level test suite</a:t>
             </a:r>
           </a:p>
@@ -3293,7 +3237,7 @@
               </a:lnSpc>
             </a:pPr>
             <a:r>
-              <a:rPr lang="en-US" dirty="0" smtClean="0"/>
+              <a:rPr lang="en-US" dirty="0"/>
               <a:t>commands and plugins scenarios in a dedicated git repository</a:t>
             </a:r>
           </a:p>
@@ -3304,16 +3248,8 @@
               </a:lnSpc>
             </a:pPr>
             <a:r>
-              <a:rPr lang="en-US" dirty="0" smtClean="0"/>
-              <a:t>90+ test suites, </a:t>
-            </a:r>
-            <a:r>
-              <a:rPr lang="en-US" dirty="0" smtClean="0"/>
-              <a:t>1400</a:t>
-            </a:r>
-            <a:r>
-              <a:rPr lang="en-US" dirty="0" smtClean="0"/>
-              <a:t>+ tests</a:t>
+              <a:rPr lang="en-US" dirty="0"/>
+              <a:t>100+ test suites, 1600+ tests</a:t>
             </a:r>
           </a:p>
         </p:txBody>
@@ -3328,13 +3264,6 @@
   <p:clrMapOvr>
     <a:masterClrMapping/>
   </p:clrMapOvr>
-  <p:timing>
-    <p:tnLst>
-      <p:par>
-        <p:cTn id="1" dur="indefinite" restart="never" nodeType="tmRoot"/>
-      </p:par>
-    </p:tnLst>
-  </p:timing>
 </p:sld>
 </file>
 
@@ -3371,10 +3300,9 @@
           <a:lstStyle/>
           <a:p>
             <a:r>
-              <a:rPr lang="en-US" noProof="0" dirty="0" smtClean="0"/>
+              <a:rPr lang="en-US" noProof="0" dirty="0"/>
               <a:t>Tests automation</a:t>
             </a:r>
-            <a:endParaRPr lang="en-US" noProof="0" dirty="0"/>
           </a:p>
         </p:txBody>
       </p:sp>
@@ -3401,48 +3329,48 @@
           <a:lstStyle/>
           <a:p>
             <a:r>
-              <a:rPr lang="en-US" dirty="0" smtClean="0"/>
+              <a:rPr lang="en-US" dirty="0"/>
               <a:t>Automation</a:t>
             </a:r>
           </a:p>
           <a:p>
             <a:pPr lvl="1"/>
             <a:r>
-              <a:rPr lang="en-US" dirty="0" smtClean="0"/>
+              <a:rPr lang="en-US" dirty="0"/>
               <a:t>using « GitHub Actions » continuous integration</a:t>
             </a:r>
           </a:p>
           <a:p>
             <a:pPr lvl="1"/>
             <a:r>
-              <a:rPr lang="en-US" dirty="0" smtClean="0"/>
+              <a:rPr lang="en-US" dirty="0"/>
               <a:t>all tests are run on all push and pull requests</a:t>
             </a:r>
           </a:p>
           <a:p>
             <a:pPr lvl="1"/>
             <a:r>
-              <a:rPr lang="en-US" dirty="0" smtClean="0"/>
+              <a:rPr lang="en-US" dirty="0"/>
               <a:t>on Linux, Windows and macOS</a:t>
             </a:r>
           </a:p>
           <a:p>
             <a:r>
-              <a:rPr lang="en-US" dirty="0" smtClean="0"/>
+              <a:rPr lang="en-US" dirty="0"/>
               <a:t>Limitations</a:t>
             </a:r>
           </a:p>
           <a:p>
             <a:pPr lvl="1"/>
             <a:r>
-              <a:rPr lang="en-US" dirty="0" smtClean="0"/>
+              <a:rPr lang="en-US" dirty="0"/>
               <a:t>limited to fully automatable tests</a:t>
             </a:r>
           </a:p>
           <a:p>
             <a:pPr lvl="1"/>
             <a:r>
-              <a:rPr lang="en-US" dirty="0" smtClean="0"/>
+              <a:rPr lang="en-US" dirty="0"/>
               <a:t>no QA team =&gt; no manual tests</a:t>
             </a:r>
           </a:p>
@@ -3451,34 +3379,30 @@
               <a:buNone/>
             </a:pPr>
             <a:r>
-              <a:rPr lang="en-US" dirty="0" smtClean="0"/>
+              <a:rPr lang="en-US" dirty="0"/>
               <a:t>especially on hardware features (tuners, </a:t>
             </a:r>
             <a:r>
-              <a:rPr lang="en-US" dirty="0" err="1" smtClean="0"/>
+              <a:rPr lang="en-US" dirty="0" err="1"/>
               <a:t>Dektec</a:t>
             </a:r>
             <a:r>
               <a:rPr lang="en-US" dirty="0"/>
-              <a:t> </a:t>
-            </a:r>
-            <a:r>
-              <a:rPr lang="en-US" dirty="0" smtClean="0"/>
-              <a:t>and </a:t>
-            </a:r>
-            <a:r>
-              <a:rPr lang="en-US" dirty="0" err="1" smtClean="0"/>
+              <a:t> and </a:t>
+            </a:r>
+            <a:r>
+              <a:rPr lang="en-US" dirty="0" err="1"/>
               <a:t>HiDes</a:t>
             </a:r>
             <a:r>
-              <a:rPr lang="en-US" dirty="0" smtClean="0"/>
+              <a:rPr lang="en-US" dirty="0"/>
               <a:t> devices)</a:t>
             </a:r>
           </a:p>
           <a:p>
             <a:pPr lvl="1"/>
             <a:r>
-              <a:rPr lang="en-US" dirty="0" smtClean="0"/>
+              <a:rPr lang="en-US" dirty="0"/>
               <a:t>best testing effort within the resource limits of the project</a:t>
             </a:r>
           </a:p>
@@ -3494,13 +3418,6 @@
   <p:clrMapOvr>
     <a:masterClrMapping/>
   </p:clrMapOvr>
-  <p:timing>
-    <p:tnLst>
-      <p:par>
-        <p:cTn id="1" dur="indefinite" restart="never" nodeType="tmRoot"/>
-      </p:par>
-    </p:tnLst>
-  </p:timing>
 </p:sld>
 </file>
 
@@ -3537,10 +3454,9 @@
           <a:lstStyle/>
           <a:p>
             <a:r>
-              <a:rPr lang="en-US" noProof="0" dirty="0" smtClean="0"/>
+              <a:rPr lang="en-US" noProof="0" dirty="0"/>
               <a:t>Documentation</a:t>
             </a:r>
-            <a:endParaRPr lang="en-US" noProof="0" dirty="0"/>
           </a:p>
         </p:txBody>
       </p:sp>
@@ -3567,7 +3483,7 @@
               </a:lnSpc>
             </a:pPr>
             <a:r>
-              <a:rPr lang="en-US" noProof="0" dirty="0" smtClean="0"/>
+              <a:rPr lang="en-US" noProof="0" dirty="0"/>
               <a:t>Continuous documentation</a:t>
             </a:r>
           </a:p>
@@ -3578,7 +3494,7 @@
               </a:lnSpc>
             </a:pPr>
             <a:r>
-              <a:rPr lang="en-US" noProof="0" dirty="0" smtClean="0"/>
+              <a:rPr lang="en-US" noProof="0" dirty="0"/>
               <a:t>code-test-document in each iteration</a:t>
             </a:r>
           </a:p>
@@ -3589,10 +3505,10 @@
               </a:lnSpc>
             </a:pPr>
             <a:r>
-              <a:rPr lang="en-US" dirty="0" smtClean="0"/>
+              <a:rPr lang="en-US" dirty="0"/>
               <a:t>require self-discipline</a:t>
             </a:r>
-            <a:endParaRPr lang="en-US" noProof="0" dirty="0" smtClean="0"/>
+            <a:endParaRPr lang="en-US" noProof="0" dirty="0"/>
           </a:p>
           <a:p>
             <a:pPr>
@@ -3601,7 +3517,7 @@
               </a:lnSpc>
             </a:pPr>
             <a:r>
-              <a:rPr lang="en-US" noProof="0" dirty="0" smtClean="0"/>
+              <a:rPr lang="en-US" noProof="0" dirty="0"/>
               <a:t>User’s guide</a:t>
             </a:r>
           </a:p>
@@ -3612,14 +3528,13 @@
               </a:lnSpc>
             </a:pPr>
             <a:r>
-              <a:rPr lang="en-US" dirty="0" smtClean="0"/>
+              <a:rPr lang="en-US" dirty="0"/>
               <a:t>maintained using </a:t>
             </a:r>
             <a:r>
-              <a:rPr lang="en-US" noProof="0" dirty="0" smtClean="0"/>
+              <a:rPr lang="en-US" noProof="0" dirty="0"/>
               <a:t>Microsoft Word</a:t>
             </a:r>
-            <a:endParaRPr lang="en-US" noProof="0" dirty="0" smtClean="0"/>
           </a:p>
           <a:p>
             <a:pPr lvl="1">
@@ -3628,18 +3543,9 @@
               </a:lnSpc>
             </a:pPr>
             <a:r>
-              <a:rPr lang="en-US" noProof="0" dirty="0" smtClean="0"/>
-              <a:t>automatically </a:t>
-            </a:r>
-            <a:r>
-              <a:rPr lang="en-US" noProof="0" dirty="0" smtClean="0"/>
-              <a:t>updated using a PowerShell </a:t>
-            </a:r>
-            <a:r>
-              <a:rPr lang="en-US" noProof="0" dirty="0" smtClean="0"/>
-              <a:t>script (versioning, PDF)</a:t>
-            </a:r>
-            <a:endParaRPr lang="en-US" noProof="0" dirty="0" smtClean="0"/>
+              <a:rPr lang="en-US" noProof="0" dirty="0"/>
+              <a:t>automatically updated using a PowerShell script (versioning, PDF)</a:t>
+            </a:r>
           </a:p>
           <a:p>
             <a:pPr lvl="1">
@@ -3648,10 +3554,10 @@
               </a:lnSpc>
             </a:pPr>
             <a:r>
-              <a:rPr lang="en-US" dirty="0" smtClean="0"/>
-              <a:t>~500 pages</a:t>
-            </a:r>
-            <a:endParaRPr lang="en-US" noProof="0" dirty="0" smtClean="0"/>
+              <a:rPr lang="en-US" dirty="0"/>
+              <a:t>500+ pages</a:t>
+            </a:r>
+            <a:endParaRPr lang="en-US" noProof="0" dirty="0"/>
           </a:p>
           <a:p>
             <a:pPr>
@@ -3660,7 +3566,7 @@
               </a:lnSpc>
             </a:pPr>
             <a:r>
-              <a:rPr lang="en-US" noProof="0" dirty="0" smtClean="0"/>
+              <a:rPr lang="en-US" noProof="0" dirty="0"/>
               <a:t>Programmer’s guide</a:t>
             </a:r>
           </a:p>
@@ -3671,7 +3577,7 @@
               </a:lnSpc>
             </a:pPr>
             <a:r>
-              <a:rPr lang="en-US" noProof="0" dirty="0" smtClean="0"/>
+              <a:rPr lang="en-US" noProof="0" dirty="0"/>
               <a:t>doxygen from code</a:t>
             </a:r>
           </a:p>
@@ -3682,7 +3588,7 @@
               </a:lnSpc>
             </a:pPr>
             <a:r>
-              <a:rPr lang="en-US" noProof="0" dirty="0" smtClean="0"/>
+              <a:rPr lang="en-US" noProof="0" dirty="0"/>
               <a:t>automatically generated and published every night on tsduck.io</a:t>
             </a:r>
           </a:p>
@@ -3693,8 +3599,8 @@
               </a:lnSpc>
             </a:pPr>
             <a:r>
-              <a:rPr lang="en-US" dirty="0" smtClean="0"/>
-              <a:t>~3000 HTML files</a:t>
+              <a:rPr lang="en-US" dirty="0"/>
+              <a:t>3000+ HTML files</a:t>
             </a:r>
             <a:endParaRPr lang="en-US" noProof="0" dirty="0"/>
           </a:p>
@@ -3710,13 +3616,6 @@
   <p:clrMapOvr>
     <a:masterClrMapping/>
   </p:clrMapOvr>
-  <p:timing>
-    <p:tnLst>
-      <p:par>
-        <p:cTn id="1" dur="indefinite" restart="never" nodeType="tmRoot"/>
-      </p:par>
-    </p:tnLst>
-  </p:timing>
 </p:sld>
 </file>
 
@@ -3753,10 +3652,9 @@
           <a:lstStyle/>
           <a:p>
             <a:r>
-              <a:rPr lang="en-US" noProof="0" dirty="0" smtClean="0"/>
+              <a:rPr lang="en-US" noProof="0" dirty="0"/>
               <a:t>Binary deliveries</a:t>
             </a:r>
-            <a:endParaRPr lang="en-US" noProof="0" dirty="0"/>
           </a:p>
         </p:txBody>
       </p:sp>
@@ -3783,16 +3681,12 @@
               </a:lnSpc>
             </a:pPr>
             <a:r>
-              <a:rPr lang="en-US" dirty="0" smtClean="0"/>
+              <a:rPr lang="en-US" dirty="0"/>
               <a:t>Proper </a:t>
             </a:r>
             <a:r>
-              <a:rPr lang="en-US" noProof="0" dirty="0" smtClean="0"/>
-              <a:t>binary </a:t>
-            </a:r>
-            <a:r>
-              <a:rPr lang="en-US" noProof="0" dirty="0" smtClean="0"/>
-              <a:t>packaging is essential for user experience</a:t>
+              <a:rPr lang="en-US" noProof="0" dirty="0"/>
+              <a:t>binary packaging is essential for user experience</a:t>
             </a:r>
           </a:p>
           <a:p>
@@ -3802,7 +3696,7 @@
               </a:lnSpc>
             </a:pPr>
             <a:r>
-              <a:rPr lang="en-US" noProof="0" dirty="0" smtClean="0"/>
+              <a:rPr lang="en-US" noProof="0" dirty="0"/>
               <a:t>System-specific delivery</a:t>
             </a:r>
           </a:p>
@@ -3813,7 +3707,7 @@
               </a:lnSpc>
             </a:pPr>
             <a:r>
-              <a:rPr lang="en-US" noProof="0" dirty="0" smtClean="0"/>
+              <a:rPr lang="en-US" noProof="0" dirty="0"/>
               <a:t>Windows: executable installer (NSIS)</a:t>
             </a:r>
           </a:p>
@@ -3847,8 +3741,8 @@
               </a:lnSpc>
             </a:pPr>
             <a:r>
-              <a:rPr lang="en-US" noProof="0" dirty="0" smtClean="0"/>
-              <a:t>macOS: Homebrew</a:t>
+              <a:rPr lang="en-US" noProof="0" dirty="0"/>
+              <a:t>macOS: Homebrew (now available in official Homebrew core)</a:t>
             </a:r>
           </a:p>
           <a:p>
@@ -3860,17 +3754,13 @@
             </a:pPr>
             <a:r>
               <a:rPr lang="en-US" dirty="0"/>
-              <a:t>User’s contribution</a:t>
-            </a:r>
-            <a:r>
-              <a:rPr lang="en-US" dirty="0" smtClean="0"/>
-              <a:t>: </a:t>
-            </a:r>
-            <a:r>
-              <a:rPr lang="en-US" dirty="0" err="1" smtClean="0"/>
+              <a:t>User’s contribution: </a:t>
+            </a:r>
+            <a:r>
+              <a:rPr lang="en-US" dirty="0" err="1"/>
               <a:t>MacPorts</a:t>
             </a:r>
-            <a:endParaRPr lang="en-US" noProof="0" dirty="0" smtClean="0"/>
+            <a:endParaRPr lang="en-US" noProof="0" dirty="0"/>
           </a:p>
           <a:p>
             <a:pPr>
@@ -3879,7 +3769,7 @@
               </a:lnSpc>
             </a:pPr>
             <a:r>
-              <a:rPr lang="en-US" noProof="0" dirty="0" smtClean="0"/>
+              <a:rPr lang="en-US" noProof="0" dirty="0"/>
               <a:t>User-friendly build</a:t>
             </a:r>
           </a:p>
@@ -3890,7 +3780,7 @@
               </a:lnSpc>
             </a:pPr>
             <a:r>
-              <a:rPr lang="en-US" noProof="0" dirty="0" smtClean="0"/>
+              <a:rPr lang="en-US" noProof="0" dirty="0"/>
               <a:t>one-liner (« make ») or one-click (« build-installer.ps1 »)</a:t>
             </a:r>
           </a:p>
@@ -3901,7 +3791,7 @@
               </a:lnSpc>
             </a:pPr>
             <a:r>
-              <a:rPr lang="en-US" noProof="0" dirty="0" smtClean="0"/>
+              <a:rPr lang="en-US" noProof="0" dirty="0"/>
               <a:t>Full automation</a:t>
             </a:r>
           </a:p>
@@ -3912,7 +3802,7 @@
               </a:lnSpc>
             </a:pPr>
             <a:r>
-              <a:rPr lang="en-US" noProof="0" dirty="0" smtClean="0"/>
+              <a:rPr lang="en-US" noProof="0" dirty="0"/>
               <a:t>scripts</a:t>
             </a:r>
           </a:p>
@@ -3923,7 +3813,7 @@
               </a:lnSpc>
             </a:pPr>
             <a:r>
-              <a:rPr lang="en-US" noProof="0" dirty="0" smtClean="0"/>
+              <a:rPr lang="en-US" noProof="0" dirty="0"/>
               <a:t>continuous integration using GitHub Actions</a:t>
             </a:r>
           </a:p>
@@ -3934,7 +3824,7 @@
               </a:lnSpc>
             </a:pPr>
             <a:r>
-              <a:rPr lang="en-US" noProof="0" dirty="0" smtClean="0"/>
+              <a:rPr lang="en-US" noProof="0" dirty="0"/>
               <a:t>automated production and publication of nightly builds on tsduck.io</a:t>
             </a:r>
           </a:p>
@@ -3950,13 +3840,6 @@
   <p:clrMapOvr>
     <a:masterClrMapping/>
   </p:clrMapOvr>
-  <p:timing>
-    <p:tnLst>
-      <p:par>
-        <p:cTn id="1" dur="indefinite" restart="never" nodeType="tmRoot"/>
-      </p:par>
-    </p:tnLst>
-  </p:timing>
 </p:sld>
 </file>
 
@@ -3993,10 +3876,9 @@
           <a:lstStyle/>
           <a:p>
             <a:r>
-              <a:rPr lang="en-US" noProof="0" dirty="0" smtClean="0"/>
+              <a:rPr lang="en-US" noProof="0" dirty="0"/>
               <a:t>Support</a:t>
             </a:r>
-            <a:endParaRPr lang="en-US" noProof="0" dirty="0"/>
           </a:p>
         </p:txBody>
       </p:sp>
@@ -4023,7 +3905,7 @@
               </a:lnSpc>
             </a:pPr>
             <a:r>
-              <a:rPr lang="en-US" noProof="0" dirty="0" smtClean="0"/>
+              <a:rPr lang="en-US" noProof="0" dirty="0"/>
               <a:t>Building a community means providing support</a:t>
             </a:r>
           </a:p>
@@ -4034,7 +3916,7 @@
               </a:lnSpc>
             </a:pPr>
             <a:r>
-              <a:rPr lang="en-US" noProof="0" dirty="0" smtClean="0"/>
+              <a:rPr lang="en-US" noProof="0" dirty="0"/>
               <a:t>GitHub issue tracker</a:t>
             </a:r>
           </a:p>
@@ -4045,7 +3927,7 @@
               </a:lnSpc>
             </a:pPr>
             <a:r>
-              <a:rPr lang="en-US" noProof="0" dirty="0" smtClean="0"/>
+              <a:rPr lang="en-US" noProof="0" dirty="0"/>
               <a:t>mostly used as a discussion forum</a:t>
             </a:r>
           </a:p>
@@ -4056,7 +3938,7 @@
               </a:lnSpc>
             </a:pPr>
             <a:r>
-              <a:rPr lang="en-US" noProof="0" dirty="0" smtClean="0"/>
+              <a:rPr lang="en-US" noProof="0" dirty="0"/>
               <a:t>Spend time for users</a:t>
             </a:r>
           </a:p>
@@ -4067,7 +3949,7 @@
               </a:lnSpc>
             </a:pPr>
             <a:r>
-              <a:rPr lang="en-US" noProof="0" dirty="0" smtClean="0"/>
+              <a:rPr lang="en-US" noProof="0" dirty="0"/>
               <a:t>… but not too much time</a:t>
             </a:r>
           </a:p>
@@ -4078,7 +3960,7 @@
               </a:lnSpc>
             </a:pPr>
             <a:r>
-              <a:rPr lang="en-US" noProof="0" dirty="0" smtClean="0"/>
+              <a:rPr lang="en-US" noProof="0" dirty="0"/>
               <a:t>explain, explain, explain</a:t>
             </a:r>
           </a:p>
@@ -4090,7 +3972,7 @@
               <a:buNone/>
             </a:pPr>
             <a:r>
-              <a:rPr lang="en-US" noProof="0" dirty="0" smtClean="0"/>
+              <a:rPr lang="en-US" noProof="0" dirty="0"/>
               <a:t>give investigation clues or suggestions, don’t give solutions</a:t>
             </a:r>
           </a:p>
@@ -4102,7 +3984,7 @@
               <a:buNone/>
             </a:pPr>
             <a:r>
-              <a:rPr lang="en-US" noProof="0" dirty="0" smtClean="0"/>
+              <a:rPr lang="en-US" noProof="0" dirty="0"/>
               <a:t>the default answer always remains « RTFM ! »</a:t>
             </a:r>
           </a:p>
@@ -4113,7 +3995,7 @@
               </a:lnSpc>
             </a:pPr>
             <a:r>
-              <a:rPr lang="en-US" noProof="0" dirty="0" smtClean="0"/>
+              <a:rPr lang="en-US" noProof="0" dirty="0"/>
               <a:t>Fix bugs quickly</a:t>
             </a:r>
           </a:p>
@@ -4124,7 +4006,7 @@
               </a:lnSpc>
             </a:pPr>
             <a:r>
-              <a:rPr lang="en-US" noProof="0" dirty="0" smtClean="0"/>
+              <a:rPr lang="en-US" noProof="0" dirty="0"/>
               <a:t>bugs are annoying for everyone, they ruin the reputation of a project</a:t>
             </a:r>
           </a:p>
@@ -4135,7 +4017,7 @@
               </a:lnSpc>
             </a:pPr>
             <a:r>
-              <a:rPr lang="en-US" noProof="0" dirty="0" smtClean="0"/>
+              <a:rPr lang="en-US" noProof="0" dirty="0"/>
               <a:t>Implement suggested new features</a:t>
             </a:r>
           </a:p>
@@ -4146,7 +4028,7 @@
               </a:lnSpc>
             </a:pPr>
             <a:r>
-              <a:rPr lang="en-US" noProof="0" dirty="0" smtClean="0"/>
+              <a:rPr lang="en-US" noProof="0" dirty="0"/>
               <a:t>transform user’s requests in generic new features for everyone</a:t>
             </a:r>
           </a:p>
@@ -4157,10 +4039,9 @@
               </a:lnSpc>
             </a:pPr>
             <a:r>
-              <a:rPr lang="en-US" noProof="0" dirty="0" smtClean="0"/>
+              <a:rPr lang="en-US" noProof="0" dirty="0"/>
               <a:t>protect the architecture and principles of the project</a:t>
             </a:r>
-            <a:endParaRPr lang="en-US" noProof="0" dirty="0"/>
           </a:p>
         </p:txBody>
       </p:sp>
@@ -4174,13 +4055,6 @@
   <p:clrMapOvr>
     <a:masterClrMapping/>
   </p:clrMapOvr>
-  <p:timing>
-    <p:tnLst>
-      <p:par>
-        <p:cTn id="1" dur="indefinite" restart="never" nodeType="tmRoot"/>
-      </p:par>
-    </p:tnLst>
-  </p:timing>
 </p:sld>
 </file>
 
@@ -4242,18 +4116,13 @@
           <a:lstStyle/>
           <a:p>
             <a:r>
-              <a:rPr lang="en-US" dirty="0" smtClean="0">
+              <a:rPr lang="en-US" dirty="0">
                 <a:solidFill>
                   <a:schemeClr val="tx1"/>
                 </a:solidFill>
               </a:rPr>
               <a:t>GitHub Actions (CI/CD)</a:t>
             </a:r>
-            <a:endParaRPr lang="en-US" dirty="0">
-              <a:solidFill>
-                <a:schemeClr val="tx1"/>
-              </a:solidFill>
-            </a:endParaRPr>
           </a:p>
         </p:txBody>
       </p:sp>
@@ -4273,10 +4142,9 @@
           <a:lstStyle/>
           <a:p>
             <a:r>
-              <a:rPr lang="en-US" noProof="0" dirty="0" smtClean="0"/>
+              <a:rPr lang="en-US" noProof="0" dirty="0"/>
               <a:t>Infrastructure</a:t>
             </a:r>
-            <a:endParaRPr lang="en-US" noProof="0" dirty="0"/>
           </a:p>
         </p:txBody>
       </p:sp>
@@ -4321,18 +4189,13 @@
           <a:lstStyle/>
           <a:p>
             <a:r>
-              <a:rPr lang="en-US" dirty="0" smtClean="0">
+              <a:rPr lang="en-US" dirty="0">
                 <a:solidFill>
                   <a:schemeClr val="tx1"/>
                 </a:solidFill>
               </a:rPr>
               <a:t>Home (development)</a:t>
             </a:r>
-            <a:endParaRPr lang="en-US" dirty="0">
-              <a:solidFill>
-                <a:schemeClr val="tx1"/>
-              </a:solidFill>
-            </a:endParaRPr>
           </a:p>
         </p:txBody>
       </p:sp>
@@ -4372,7 +4235,7 @@
           <a:lstStyle/>
           <a:p>
             <a:r>
-              <a:rPr lang="en-US" dirty="0" smtClean="0"/>
+              <a:rPr lang="en-US" dirty="0"/>
               <a:t>macOS</a:t>
             </a:r>
           </a:p>
@@ -4414,7 +4277,7 @@
           <a:lstStyle/>
           <a:p>
             <a:r>
-              <a:rPr lang="en-US" dirty="0" smtClean="0"/>
+              <a:rPr lang="en-US" dirty="0"/>
               <a:t>NAS</a:t>
             </a:r>
           </a:p>
@@ -4460,18 +4323,13 @@
           <a:p>
             <a:pPr algn="ctr"/>
             <a:r>
-              <a:rPr lang="en-US" dirty="0" smtClean="0">
+              <a:rPr lang="en-US" dirty="0">
                 <a:solidFill>
                   <a:schemeClr val="tx1"/>
                 </a:solidFill>
               </a:rPr>
               <a:t>git</a:t>
             </a:r>
-            <a:endParaRPr lang="en-US" dirty="0">
-              <a:solidFill>
-                <a:schemeClr val="tx1"/>
-              </a:solidFill>
-            </a:endParaRPr>
           </a:p>
         </p:txBody>
       </p:sp>
@@ -4515,18 +4373,13 @@
           <a:p>
             <a:pPr algn="ctr"/>
             <a:r>
-              <a:rPr lang="en-US" sz="1200" dirty="0" smtClean="0">
+              <a:rPr lang="en-US" sz="1200" dirty="0">
                 <a:solidFill>
                   <a:schemeClr val="tx1"/>
                 </a:solidFill>
               </a:rPr>
               <a:t>git</a:t>
             </a:r>
-            <a:endParaRPr lang="en-US" sz="1200" dirty="0">
-              <a:solidFill>
-                <a:schemeClr val="tx1"/>
-              </a:solidFill>
-            </a:endParaRPr>
           </a:p>
         </p:txBody>
       </p:sp>
@@ -4553,18 +4406,13 @@
           <a:lstStyle/>
           <a:p>
             <a:r>
-              <a:rPr lang="en-US" sz="1200" dirty="0" smtClean="0">
+              <a:rPr lang="en-US" sz="1200" dirty="0">
                 <a:solidFill>
                   <a:schemeClr val="bg1"/>
                 </a:solidFill>
               </a:rPr>
               <a:t>native:</a:t>
             </a:r>
-            <a:endParaRPr lang="en-US" sz="1200" dirty="0">
-              <a:solidFill>
-                <a:schemeClr val="bg1"/>
-              </a:solidFill>
-            </a:endParaRPr>
           </a:p>
         </p:txBody>
       </p:sp>
@@ -4608,7 +4456,7 @@
           <a:p>
             <a:pPr algn="ctr"/>
             <a:r>
-              <a:rPr lang="en-US" sz="1050" dirty="0" smtClean="0"/>
+              <a:rPr lang="en-US" sz="1050" dirty="0"/>
               <a:t>Fedora</a:t>
             </a:r>
           </a:p>
@@ -4638,7 +4486,7 @@
           <a:p>
             <a:pPr algn="r"/>
             <a:r>
-              <a:rPr lang="en-US" sz="1300" b="1" dirty="0" smtClean="0">
+              <a:rPr lang="en-US" sz="1300" b="1" dirty="0">
                 <a:solidFill>
                   <a:schemeClr val="accent1"/>
                 </a:solidFill>
@@ -4646,25 +4494,20 @@
               <a:t>Virtual</a:t>
             </a:r>
             <a:br>
-              <a:rPr lang="en-US" sz="1300" b="1" dirty="0" smtClean="0">
+              <a:rPr lang="en-US" sz="1300" b="1" dirty="0">
                 <a:solidFill>
                   <a:schemeClr val="accent1"/>
                 </a:solidFill>
               </a:rPr>
             </a:br>
             <a:r>
-              <a:rPr lang="en-US" sz="1300" b="1" dirty="0" smtClean="0">
+              <a:rPr lang="en-US" sz="1300" b="1" dirty="0">
                 <a:solidFill>
                   <a:schemeClr val="accent1"/>
                 </a:solidFill>
               </a:rPr>
               <a:t>Machines</a:t>
             </a:r>
-            <a:endParaRPr lang="en-US" sz="1300" b="1" dirty="0">
-              <a:solidFill>
-                <a:schemeClr val="accent1"/>
-              </a:solidFill>
-            </a:endParaRPr>
           </a:p>
         </p:txBody>
       </p:sp>
@@ -4708,18 +4551,13 @@
           <a:p>
             <a:pPr algn="ctr"/>
             <a:r>
-              <a:rPr lang="en-US" sz="1200" dirty="0" smtClean="0">
+              <a:rPr lang="en-US" sz="1200" dirty="0">
                 <a:solidFill>
                   <a:schemeClr val="tx1"/>
                 </a:solidFill>
               </a:rPr>
               <a:t>git</a:t>
             </a:r>
-            <a:endParaRPr lang="en-US" sz="1200" dirty="0">
-              <a:solidFill>
-                <a:schemeClr val="tx1"/>
-              </a:solidFill>
-            </a:endParaRPr>
           </a:p>
         </p:txBody>
       </p:sp>
@@ -4759,7 +4597,7 @@
           <a:lstStyle/>
           <a:p>
             <a:r>
-              <a:rPr lang="en-US" dirty="0" smtClean="0"/>
+              <a:rPr lang="en-US" dirty="0"/>
               <a:t>Raspberry Pi</a:t>
             </a:r>
           </a:p>
@@ -4805,18 +4643,13 @@
           <a:p>
             <a:pPr algn="ctr"/>
             <a:r>
-              <a:rPr lang="en-US" sz="1200" dirty="0" smtClean="0">
+              <a:rPr lang="en-US" sz="1200" dirty="0">
                 <a:solidFill>
                   <a:schemeClr val="tx1"/>
                 </a:solidFill>
               </a:rPr>
               <a:t>git</a:t>
             </a:r>
-            <a:endParaRPr lang="en-US" sz="1200" dirty="0">
-              <a:solidFill>
-                <a:schemeClr val="tx1"/>
-              </a:solidFill>
-            </a:endParaRPr>
           </a:p>
         </p:txBody>
       </p:sp>
@@ -4843,18 +4676,13 @@
           <a:lstStyle/>
           <a:p>
             <a:r>
-              <a:rPr lang="en-US" sz="1200" dirty="0" smtClean="0">
+              <a:rPr lang="en-US" sz="1200" dirty="0">
                 <a:solidFill>
                   <a:schemeClr val="bg1"/>
                 </a:solidFill>
               </a:rPr>
               <a:t>native:</a:t>
             </a:r>
-            <a:endParaRPr lang="en-US" sz="1200" dirty="0">
-              <a:solidFill>
-                <a:schemeClr val="bg1"/>
-              </a:solidFill>
-            </a:endParaRPr>
           </a:p>
         </p:txBody>
       </p:sp>
@@ -4899,18 +4727,13 @@
           <a:lstStyle/>
           <a:p>
             <a:r>
-              <a:rPr lang="en-US" dirty="0" smtClean="0">
+              <a:rPr lang="en-US" dirty="0">
                 <a:solidFill>
                   <a:schemeClr val="tx1"/>
                 </a:solidFill>
               </a:rPr>
               <a:t>GitHub</a:t>
             </a:r>
-            <a:endParaRPr lang="en-US" dirty="0">
-              <a:solidFill>
-                <a:schemeClr val="tx1"/>
-              </a:solidFill>
-            </a:endParaRPr>
           </a:p>
         </p:txBody>
       </p:sp>
@@ -4955,18 +4778,13 @@
           <a:lstStyle/>
           <a:p>
             <a:r>
-              <a:rPr lang="en-US" dirty="0" smtClean="0">
+              <a:rPr lang="en-US" dirty="0">
                 <a:solidFill>
                   <a:schemeClr val="tx1"/>
                 </a:solidFill>
               </a:rPr>
               <a:t>tsduck.io (web hosting)</a:t>
             </a:r>
-            <a:endParaRPr lang="en-US" dirty="0">
-              <a:solidFill>
-                <a:schemeClr val="tx1"/>
-              </a:solidFill>
-            </a:endParaRPr>
           </a:p>
         </p:txBody>
       </p:sp>
@@ -5005,7 +4823,7 @@
           <a:bodyPr rtlCol="0" anchor="t"/>
           <a:lstStyle/>
           <a:p>
-            <a:endParaRPr lang="en-US" dirty="0" smtClean="0"/>
+            <a:endParaRPr lang="en-US" dirty="0"/>
           </a:p>
         </p:txBody>
       </p:sp>
@@ -5049,18 +4867,13 @@
           <a:p>
             <a:pPr algn="ctr"/>
             <a:r>
-              <a:rPr lang="en-US" sz="1200" dirty="0" smtClean="0">
+              <a:rPr lang="en-US" sz="1200" dirty="0">
                 <a:solidFill>
                   <a:schemeClr val="tx1"/>
                 </a:solidFill>
               </a:rPr>
               <a:t>PHP / HTML</a:t>
             </a:r>
-            <a:endParaRPr lang="en-US" sz="1200" dirty="0">
-              <a:solidFill>
-                <a:schemeClr val="tx1"/>
-              </a:solidFill>
-            </a:endParaRPr>
           </a:p>
         </p:txBody>
       </p:sp>
@@ -5104,18 +4917,13 @@
           <a:p>
             <a:pPr algn="ctr"/>
             <a:r>
-              <a:rPr lang="en-US" sz="1200" dirty="0" smtClean="0">
+              <a:rPr lang="en-US" sz="1200" dirty="0">
                 <a:solidFill>
                   <a:schemeClr val="tx1"/>
                 </a:solidFill>
               </a:rPr>
               <a:t>streams repo</a:t>
             </a:r>
-            <a:endParaRPr lang="en-US" sz="1200" dirty="0">
-              <a:solidFill>
-                <a:schemeClr val="tx1"/>
-              </a:solidFill>
-            </a:endParaRPr>
           </a:p>
         </p:txBody>
       </p:sp>
@@ -5159,18 +4967,13 @@
           <a:p>
             <a:pPr algn="ctr"/>
             <a:r>
-              <a:rPr lang="en-US" sz="1200" dirty="0" smtClean="0">
+              <a:rPr lang="en-US" sz="1200" dirty="0">
                 <a:solidFill>
                   <a:schemeClr val="tx1"/>
                 </a:solidFill>
               </a:rPr>
               <a:t>nightly bins</a:t>
             </a:r>
-            <a:endParaRPr lang="en-US" sz="1200" dirty="0">
-              <a:solidFill>
-                <a:schemeClr val="tx1"/>
-              </a:solidFill>
-            </a:endParaRPr>
           </a:p>
         </p:txBody>
       </p:sp>
@@ -5214,18 +5017,13 @@
           <a:p>
             <a:pPr algn="ctr"/>
             <a:r>
-              <a:rPr lang="en-US" sz="1200" dirty="0" smtClean="0">
+              <a:rPr lang="en-US" sz="1200" dirty="0">
                 <a:solidFill>
                   <a:schemeClr val="tx1"/>
                 </a:solidFill>
               </a:rPr>
               <a:t>docs</a:t>
             </a:r>
-            <a:endParaRPr lang="en-US" sz="1200" dirty="0">
-              <a:solidFill>
-                <a:schemeClr val="tx1"/>
-              </a:solidFill>
-            </a:endParaRPr>
           </a:p>
         </p:txBody>
       </p:sp>
@@ -5264,7 +5062,7 @@
           <a:bodyPr rtlCol="0" anchor="t"/>
           <a:lstStyle/>
           <a:p>
-            <a:endParaRPr lang="en-US" dirty="0" smtClean="0"/>
+            <a:endParaRPr lang="en-US" dirty="0"/>
           </a:p>
         </p:txBody>
       </p:sp>
@@ -5308,18 +5106,13 @@
           <a:p>
             <a:pPr algn="ctr"/>
             <a:r>
-              <a:rPr lang="en-US" dirty="0" smtClean="0">
+              <a:rPr lang="en-US" dirty="0">
                 <a:solidFill>
                   <a:schemeClr val="tx1"/>
                 </a:solidFill>
               </a:rPr>
               <a:t>git</a:t>
             </a:r>
-            <a:endParaRPr lang="en-US" dirty="0">
-              <a:solidFill>
-                <a:schemeClr val="tx1"/>
-              </a:solidFill>
-            </a:endParaRPr>
           </a:p>
         </p:txBody>
       </p:sp>
@@ -5363,18 +5156,13 @@
           <a:p>
             <a:pPr algn="ctr"/>
             <a:r>
-              <a:rPr lang="en-US" dirty="0" smtClean="0">
+              <a:rPr lang="en-US" dirty="0">
                 <a:solidFill>
                   <a:schemeClr val="tx1"/>
                 </a:solidFill>
               </a:rPr>
               <a:t>releases</a:t>
             </a:r>
-            <a:endParaRPr lang="en-US" dirty="0">
-              <a:solidFill>
-                <a:schemeClr val="tx1"/>
-              </a:solidFill>
-            </a:endParaRPr>
           </a:p>
         </p:txBody>
       </p:sp>
@@ -5414,7 +5202,7 @@
           <a:lstStyle/>
           <a:p>
             <a:r>
-              <a:rPr lang="en-US" dirty="0" smtClean="0"/>
+              <a:rPr lang="en-US" dirty="0"/>
               <a:t>continuous integration</a:t>
             </a:r>
           </a:p>
@@ -5460,7 +5248,7 @@
           <a:p>
             <a:pPr algn="ctr"/>
             <a:r>
-              <a:rPr lang="en-US" sz="1050" dirty="0" smtClean="0"/>
+              <a:rPr lang="en-US" sz="1050" dirty="0"/>
               <a:t>Ubuntu</a:t>
             </a:r>
           </a:p>
@@ -5506,7 +5294,7 @@
           <a:p>
             <a:pPr algn="ctr"/>
             <a:r>
-              <a:rPr lang="en-US" sz="1050" dirty="0" smtClean="0"/>
+              <a:rPr lang="en-US" sz="1050" dirty="0"/>
               <a:t>macOS</a:t>
             </a:r>
           </a:p>
@@ -5552,7 +5340,7 @@
           <a:p>
             <a:pPr algn="ctr"/>
             <a:r>
-              <a:rPr lang="en-US" sz="1050" dirty="0" smtClean="0"/>
+              <a:rPr lang="en-US" sz="1050" dirty="0"/>
               <a:t>Windows</a:t>
             </a:r>
           </a:p>
@@ -5594,7 +5382,7 @@
           <a:lstStyle/>
           <a:p>
             <a:r>
-              <a:rPr lang="en-US" dirty="0" smtClean="0"/>
+              <a:rPr lang="en-US" dirty="0"/>
               <a:t>nightly builds</a:t>
             </a:r>
           </a:p>
@@ -5640,7 +5428,7 @@
           <a:p>
             <a:pPr algn="ctr"/>
             <a:r>
-              <a:rPr lang="en-US" sz="1050" dirty="0" smtClean="0"/>
+              <a:rPr lang="en-US" sz="1050" dirty="0"/>
               <a:t>Ubuntu</a:t>
             </a:r>
           </a:p>
@@ -5686,7 +5474,7 @@
           <a:p>
             <a:pPr algn="ctr"/>
             <a:r>
-              <a:rPr lang="en-US" sz="1050" dirty="0" smtClean="0"/>
+              <a:rPr lang="en-US" sz="1050" dirty="0"/>
               <a:t>Windows</a:t>
             </a:r>
           </a:p>
@@ -5732,7 +5520,7 @@
           <a:p>
             <a:pPr algn="ctr"/>
             <a:r>
-              <a:rPr lang="en-US" sz="1050" dirty="0" smtClean="0"/>
+              <a:rPr lang="en-US" sz="1050" dirty="0"/>
               <a:t>Doc</a:t>
             </a:r>
           </a:p>
@@ -5778,18 +5566,13 @@
           <a:p>
             <a:pPr algn="ctr"/>
             <a:r>
-              <a:rPr lang="en-US" dirty="0" smtClean="0">
+              <a:rPr lang="en-US" dirty="0">
                 <a:solidFill>
                   <a:schemeClr val="tx1"/>
                 </a:solidFill>
               </a:rPr>
               <a:t>issues</a:t>
             </a:r>
-            <a:endParaRPr lang="en-US" dirty="0">
-              <a:solidFill>
-                <a:schemeClr val="tx1"/>
-              </a:solidFill>
-            </a:endParaRPr>
           </a:p>
         </p:txBody>
       </p:sp>
@@ -5816,10 +5599,9 @@
           <a:lstStyle/>
           <a:p>
             <a:r>
-              <a:rPr lang="en-US" sz="1200" dirty="0" smtClean="0"/>
+              <a:rPr lang="en-US" sz="1200" dirty="0"/>
               <a:t>on push</a:t>
             </a:r>
-            <a:endParaRPr lang="en-US" sz="1200" dirty="0"/>
           </a:p>
         </p:txBody>
       </p:sp>
@@ -6070,10 +5852,9 @@
           <a:lstStyle/>
           <a:p>
             <a:r>
-              <a:rPr lang="en-US" sz="1200" dirty="0" smtClean="0"/>
+              <a:rPr lang="en-US" sz="1200" dirty="0"/>
               <a:t>push</a:t>
             </a:r>
-            <a:endParaRPr lang="en-US" sz="1200" dirty="0"/>
           </a:p>
         </p:txBody>
       </p:sp>
@@ -6100,10 +5881,9 @@
           <a:lstStyle/>
           <a:p>
             <a:r>
-              <a:rPr lang="en-US" sz="1200" dirty="0" smtClean="0"/>
+              <a:rPr lang="en-US" sz="1200" dirty="0"/>
               <a:t>uploaded every night</a:t>
             </a:r>
-            <a:endParaRPr lang="en-US" sz="1200" dirty="0"/>
           </a:p>
         </p:txBody>
       </p:sp>
@@ -6274,10 +6054,9 @@
           <a:lstStyle/>
           <a:p>
             <a:r>
-              <a:rPr lang="en-US" sz="1200" dirty="0" smtClean="0"/>
+              <a:rPr lang="en-US" sz="1200" dirty="0"/>
               <a:t>on pull request</a:t>
             </a:r>
-            <a:endParaRPr lang="en-US" sz="1200" dirty="0"/>
           </a:p>
         </p:txBody>
       </p:sp>
@@ -6321,18 +6100,13 @@
           <a:p>
             <a:pPr algn="ctr"/>
             <a:r>
-              <a:rPr lang="en-US" sz="1200" dirty="0" smtClean="0">
+              <a:rPr lang="en-US" sz="1200" dirty="0">
                 <a:solidFill>
                   <a:schemeClr val="tx1"/>
                 </a:solidFill>
               </a:rPr>
               <a:t>backups</a:t>
             </a:r>
-            <a:endParaRPr lang="en-US" sz="1200" dirty="0">
-              <a:solidFill>
-                <a:schemeClr val="tx1"/>
-              </a:solidFill>
-            </a:endParaRPr>
           </a:p>
         </p:txBody>
       </p:sp>
@@ -6376,10 +6150,9 @@
           <a:p>
             <a:pPr algn="ctr"/>
             <a:r>
-              <a:rPr lang="en-US" sz="1050" dirty="0" smtClean="0"/>
+              <a:rPr lang="en-US" sz="1050" dirty="0"/>
               <a:t>Windows</a:t>
             </a:r>
-            <a:endParaRPr lang="en-US" sz="1050" dirty="0" smtClean="0"/>
           </a:p>
         </p:txBody>
       </p:sp>
@@ -6423,18 +6196,13 @@
           <a:p>
             <a:pPr algn="ctr"/>
             <a:r>
-              <a:rPr lang="en-US" sz="1200" dirty="0" smtClean="0">
+              <a:rPr lang="en-US" sz="1200" dirty="0">
                 <a:solidFill>
                   <a:schemeClr val="tx1"/>
                 </a:solidFill>
               </a:rPr>
               <a:t>git</a:t>
             </a:r>
-            <a:endParaRPr lang="en-US" sz="1200" dirty="0">
-              <a:solidFill>
-                <a:schemeClr val="tx1"/>
-              </a:solidFill>
-            </a:endParaRPr>
           </a:p>
         </p:txBody>
       </p:sp>
@@ -6478,7 +6246,7 @@
           <a:p>
             <a:pPr algn="ctr"/>
             <a:r>
-              <a:rPr lang="en-US" sz="1050" dirty="0" smtClean="0"/>
+              <a:rPr lang="en-US" sz="1050" dirty="0"/>
               <a:t>Alpine</a:t>
             </a:r>
           </a:p>
@@ -6524,10 +6292,9 @@
           <a:p>
             <a:pPr algn="ctr"/>
             <a:r>
-              <a:rPr lang="en-US" sz="1050" dirty="0" smtClean="0"/>
+              <a:rPr lang="en-US" sz="1050" dirty="0"/>
               <a:t>Mint</a:t>
             </a:r>
-            <a:endParaRPr lang="en-US" sz="1050" dirty="0" smtClean="0"/>
           </a:p>
         </p:txBody>
       </p:sp>
@@ -6571,18 +6338,13 @@
           <a:p>
             <a:pPr algn="ctr"/>
             <a:r>
-              <a:rPr lang="en-US" sz="1200" dirty="0" smtClean="0">
+              <a:rPr lang="en-US" sz="1200" dirty="0">
                 <a:solidFill>
                   <a:schemeClr val="tx1"/>
                 </a:solidFill>
               </a:rPr>
               <a:t>git</a:t>
             </a:r>
-            <a:endParaRPr lang="en-US" sz="1200" dirty="0">
-              <a:solidFill>
-                <a:schemeClr val="tx1"/>
-              </a:solidFill>
-            </a:endParaRPr>
           </a:p>
         </p:txBody>
       </p:sp>
@@ -6626,18 +6388,13 @@
           <a:p>
             <a:pPr algn="ctr"/>
             <a:r>
-              <a:rPr lang="en-US" sz="1200" dirty="0" smtClean="0">
+              <a:rPr lang="en-US" sz="1200" dirty="0">
                 <a:solidFill>
                   <a:schemeClr val="tx1"/>
                 </a:solidFill>
               </a:rPr>
               <a:t>git</a:t>
             </a:r>
-            <a:endParaRPr lang="en-US" sz="1200" dirty="0">
-              <a:solidFill>
-                <a:schemeClr val="tx1"/>
-              </a:solidFill>
-            </a:endParaRPr>
           </a:p>
         </p:txBody>
       </p:sp>
@@ -6681,7 +6438,7 @@
           <a:p>
             <a:pPr algn="ctr"/>
             <a:r>
-              <a:rPr lang="en-US" sz="1050" dirty="0" smtClean="0"/>
+              <a:rPr lang="en-US" sz="1050" dirty="0"/>
               <a:t>Gentoo</a:t>
             </a:r>
           </a:p>
@@ -6727,18 +6484,13 @@
           <a:p>
             <a:pPr algn="ctr"/>
             <a:r>
-              <a:rPr lang="en-US" sz="1200" dirty="0" smtClean="0">
+              <a:rPr lang="en-US" sz="1200" dirty="0">
                 <a:solidFill>
                   <a:schemeClr val="tx1"/>
                 </a:solidFill>
               </a:rPr>
               <a:t>git</a:t>
             </a:r>
-            <a:endParaRPr lang="en-US" sz="1200" dirty="0">
-              <a:solidFill>
-                <a:schemeClr val="tx1"/>
-              </a:solidFill>
-            </a:endParaRPr>
           </a:p>
         </p:txBody>
       </p:sp>
@@ -6822,7 +6574,7 @@
           <a:p>
             <a:pPr algn="ctr"/>
             <a:r>
-              <a:rPr lang="en-US" sz="1050" dirty="0" smtClean="0"/>
+              <a:rPr lang="en-US" sz="1050" dirty="0"/>
               <a:t>Arch</a:t>
             </a:r>
           </a:p>
@@ -6868,18 +6620,13 @@
           <a:p>
             <a:pPr algn="ctr"/>
             <a:r>
-              <a:rPr lang="en-US" sz="1200" dirty="0" smtClean="0">
+              <a:rPr lang="en-US" sz="1200" dirty="0">
                 <a:solidFill>
                   <a:schemeClr val="tx1"/>
                 </a:solidFill>
               </a:rPr>
               <a:t>git</a:t>
             </a:r>
-            <a:endParaRPr lang="en-US" sz="1200" dirty="0">
-              <a:solidFill>
-                <a:schemeClr val="tx1"/>
-              </a:solidFill>
-            </a:endParaRPr>
           </a:p>
         </p:txBody>
       </p:sp>
@@ -6963,7 +6710,7 @@
           <a:p>
             <a:pPr algn="ctr"/>
             <a:r>
-              <a:rPr lang="en-US" sz="1050" dirty="0" smtClean="0"/>
+              <a:rPr lang="en-US" sz="1050" dirty="0"/>
               <a:t>CentOS</a:t>
             </a:r>
           </a:p>
@@ -7009,18 +6756,13 @@
           <a:p>
             <a:pPr algn="ctr"/>
             <a:r>
-              <a:rPr lang="en-US" sz="1200" dirty="0" smtClean="0">
+              <a:rPr lang="en-US" sz="1200" dirty="0">
                 <a:solidFill>
                   <a:schemeClr val="tx1"/>
                 </a:solidFill>
               </a:rPr>
               <a:t>git</a:t>
             </a:r>
-            <a:endParaRPr lang="en-US" sz="1200" dirty="0">
-              <a:solidFill>
-                <a:schemeClr val="tx1"/>
-              </a:solidFill>
-            </a:endParaRPr>
           </a:p>
         </p:txBody>
       </p:sp>
@@ -7064,7 +6806,7 @@
           <a:p>
             <a:pPr algn="ctr"/>
             <a:r>
-              <a:rPr lang="en-US" sz="1050" dirty="0" smtClean="0"/>
+              <a:rPr lang="en-US" sz="1050" dirty="0"/>
               <a:t>Ubuntu</a:t>
             </a:r>
           </a:p>
@@ -7110,18 +6852,13 @@
           <a:p>
             <a:pPr algn="ctr"/>
             <a:r>
-              <a:rPr lang="en-US" sz="1200" dirty="0" smtClean="0">
+              <a:rPr lang="en-US" sz="1200" dirty="0">
                 <a:solidFill>
                   <a:schemeClr val="tx1"/>
                 </a:solidFill>
               </a:rPr>
               <a:t>git</a:t>
             </a:r>
-            <a:endParaRPr lang="en-US" sz="1200" dirty="0">
-              <a:solidFill>
-                <a:schemeClr val="tx1"/>
-              </a:solidFill>
-            </a:endParaRPr>
           </a:p>
         </p:txBody>
       </p:sp>
@@ -7165,10 +6902,10 @@
           <a:p>
             <a:pPr algn="ctr"/>
             <a:r>
-              <a:rPr lang="en-US" sz="1050" dirty="0" err="1" smtClean="0"/>
+              <a:rPr lang="en-US" sz="1050" dirty="0" err="1"/>
               <a:t>Debian</a:t>
             </a:r>
-            <a:endParaRPr lang="en-US" sz="1050" dirty="0" smtClean="0"/>
+            <a:endParaRPr lang="en-US" sz="1050" dirty="0"/>
           </a:p>
         </p:txBody>
       </p:sp>
@@ -7212,18 +6949,13 @@
           <a:p>
             <a:pPr algn="ctr"/>
             <a:r>
-              <a:rPr lang="en-US" sz="1200" dirty="0" smtClean="0">
+              <a:rPr lang="en-US" sz="1200" dirty="0">
                 <a:solidFill>
                   <a:schemeClr val="tx1"/>
                 </a:solidFill>
               </a:rPr>
               <a:t>git</a:t>
             </a:r>
-            <a:endParaRPr lang="en-US" sz="1200" dirty="0">
-              <a:solidFill>
-                <a:schemeClr val="tx1"/>
-              </a:solidFill>
-            </a:endParaRPr>
           </a:p>
         </p:txBody>
       </p:sp>
@@ -7317,13 +7049,6 @@
   <p:clrMapOvr>
     <a:masterClrMapping/>
   </p:clrMapOvr>
-  <p:timing>
-    <p:tnLst>
-      <p:par>
-        <p:cTn id="1" dur="indefinite" restart="never" nodeType="tmRoot"/>
-      </p:par>
-    </p:tnLst>
-  </p:timing>
 </p:sld>
 </file>
 
@@ -7360,10 +7085,9 @@
           <a:lstStyle/>
           <a:p>
             <a:r>
-              <a:rPr lang="en-US" noProof="0" dirty="0" smtClean="0"/>
+              <a:rPr lang="en-US" noProof="0" dirty="0"/>
               <a:t>Limited investment</a:t>
             </a:r>
-            <a:endParaRPr lang="en-US" noProof="0" dirty="0"/>
           </a:p>
         </p:txBody>
       </p:sp>
@@ -7395,7 +7119,7 @@
               </a:lnSpc>
             </a:pPr>
             <a:r>
-              <a:rPr lang="en-US" noProof="0" dirty="0" smtClean="0"/>
+              <a:rPr lang="en-US" noProof="0" dirty="0"/>
               <a:t>Limited personal development environment</a:t>
             </a:r>
           </a:p>
@@ -7406,7 +7130,7 @@
               </a:lnSpc>
             </a:pPr>
             <a:r>
-              <a:rPr lang="en-US" noProof="0" dirty="0" smtClean="0"/>
+              <a:rPr lang="en-US" noProof="0" dirty="0"/>
               <a:t>basically an iMac and a Synology NAS on the shelf above it</a:t>
             </a:r>
           </a:p>
@@ -7417,7 +7141,7 @@
               </a:lnSpc>
             </a:pPr>
             <a:r>
-              <a:rPr lang="en-US" noProof="0" dirty="0" smtClean="0"/>
+              <a:rPr lang="en-US" noProof="0" dirty="0"/>
               <a:t>Full usage of GitHub features</a:t>
             </a:r>
           </a:p>
@@ -7428,7 +7152,7 @@
               </a:lnSpc>
             </a:pPr>
             <a:r>
-              <a:rPr lang="en-US" noProof="0" dirty="0" smtClean="0"/>
+              <a:rPr lang="en-US" noProof="0" dirty="0"/>
               <a:t>git repositories</a:t>
             </a:r>
           </a:p>
@@ -7439,25 +7163,38 @@
               </a:lnSpc>
             </a:pPr>
             <a:r>
-              <a:rPr lang="en-US" noProof="0" dirty="0" smtClean="0"/>
+              <a:rPr lang="en-US" noProof="0" dirty="0"/>
               <a:t>tsduck, tsduck-test, </a:t>
             </a:r>
             <a:r>
-              <a:rPr lang="en-US" noProof="0" dirty="0" err="1" smtClean="0"/>
-              <a:t>dektec-dkms</a:t>
-            </a:r>
-            <a:r>
-              <a:rPr lang="en-US" noProof="0" dirty="0" smtClean="0"/>
-              <a:t>, hides-drives, </a:t>
-            </a:r>
-            <a:r>
-              <a:rPr lang="en-US" noProof="0" dirty="0" err="1" smtClean="0"/>
+              <a:rPr lang="en-US" noProof="0" dirty="0" err="1"/>
+              <a:t>dektec</a:t>
+            </a:r>
+            <a:r>
+              <a:rPr lang="en-US" noProof="0" dirty="0"/>
+              <a:t>-dkms, hides-drivers, </a:t>
+            </a:r>
+            <a:r>
+              <a:rPr lang="en-US" noProof="0" dirty="0" err="1"/>
               <a:t>srt</a:t>
             </a:r>
             <a:r>
-              <a:rPr lang="en-US" noProof="0" dirty="0" smtClean="0"/>
-              <a:t>-win-installers, homebrew-tsduck</a:t>
-            </a:r>
+              <a:rPr lang="en-US" noProof="0" dirty="0"/>
+              <a:t>-win-installer</a:t>
+            </a:r>
+            <a:r>
+              <a:rPr lang="en-US" dirty="0"/>
+              <a:t>, </a:t>
+            </a:r>
+            <a:r>
+              <a:rPr lang="en-US" dirty="0" err="1"/>
+              <a:t>rist</a:t>
+            </a:r>
+            <a:r>
+              <a:rPr lang="en-US" dirty="0"/>
+              <a:t>-installer</a:t>
+            </a:r>
+            <a:endParaRPr lang="en-US" noProof="0" dirty="0"/>
           </a:p>
           <a:p>
             <a:pPr lvl="1">
@@ -7466,7 +7203,7 @@
               </a:lnSpc>
             </a:pPr>
             <a:r>
-              <a:rPr lang="en-US" noProof="0" dirty="0" smtClean="0"/>
+              <a:rPr lang="en-US" noProof="0" dirty="0"/>
               <a:t>releases management and publishing</a:t>
             </a:r>
           </a:p>
@@ -7477,7 +7214,7 @@
               </a:lnSpc>
             </a:pPr>
             <a:r>
-              <a:rPr lang="en-US" noProof="0" dirty="0" smtClean="0"/>
+              <a:rPr lang="en-US" noProof="0" dirty="0"/>
               <a:t>issue tracker</a:t>
             </a:r>
           </a:p>
@@ -7488,7 +7225,7 @@
               </a:lnSpc>
             </a:pPr>
             <a:r>
-              <a:rPr lang="en-US" noProof="0" dirty="0" smtClean="0"/>
+              <a:rPr lang="en-US" noProof="0" dirty="0"/>
               <a:t>used as a discussion forum in practice</a:t>
             </a:r>
           </a:p>
@@ -7499,7 +7236,7 @@
               </a:lnSpc>
             </a:pPr>
             <a:r>
-              <a:rPr lang="en-US" noProof="0" dirty="0" smtClean="0"/>
+              <a:rPr lang="en-US" noProof="0" dirty="0"/>
               <a:t>GitHub Actions CI/CD environment</a:t>
             </a:r>
           </a:p>
@@ -7510,7 +7247,7 @@
               </a:lnSpc>
             </a:pPr>
             <a:r>
-              <a:rPr lang="en-US" noProof="0" dirty="0" smtClean="0"/>
+              <a:rPr lang="en-US" noProof="0" dirty="0"/>
               <a:t>Web hosting @OVH</a:t>
             </a:r>
           </a:p>
@@ -7521,8 +7258,8 @@
               </a:lnSpc>
             </a:pPr>
             <a:r>
-              <a:rPr lang="en-US" noProof="0" dirty="0" smtClean="0"/>
-              <a:t>basic presentation of the project</a:t>
+              <a:rPr lang="en-US" noProof="0" dirty="0"/>
+              <a:t>presentation of the project, references, links to standard bodies</a:t>
             </a:r>
           </a:p>
           <a:p>
@@ -7532,10 +7269,9 @@
               </a:lnSpc>
             </a:pPr>
             <a:r>
-              <a:rPr lang="en-US" noProof="0" dirty="0" smtClean="0"/>
+              <a:rPr lang="en-US" noProof="0" dirty="0"/>
               <a:t>transport streams repository</a:t>
             </a:r>
-            <a:endParaRPr lang="en-US" noProof="0" dirty="0"/>
           </a:p>
         </p:txBody>
       </p:sp>
@@ -7549,13 +7285,6 @@
   <p:clrMapOvr>
     <a:masterClrMapping/>
   </p:clrMapOvr>
-  <p:timing>
-    <p:tnLst>
-      <p:par>
-        <p:cTn id="1" dur="indefinite" restart="never" nodeType="tmRoot"/>
-      </p:par>
-    </p:tnLst>
-  </p:timing>
 </p:sld>
 </file>
 
@@ -7592,10 +7321,9 @@
           <a:lstStyle/>
           <a:p>
             <a:r>
-              <a:rPr lang="en-US" noProof="0" dirty="0" smtClean="0"/>
+              <a:rPr lang="en-US" noProof="0" dirty="0"/>
               <a:t>Thank you</a:t>
             </a:r>
-            <a:endParaRPr lang="en-US" noProof="0" dirty="0"/>
           </a:p>
         </p:txBody>
       </p:sp>
@@ -7615,10 +7343,9 @@
           <a:lstStyle/>
           <a:p>
             <a:r>
-              <a:rPr lang="en-US" noProof="0" dirty="0" smtClean="0"/>
+              <a:rPr lang="en-US" noProof="0" dirty="0"/>
               <a:t>Any question?</a:t>
             </a:r>
-            <a:endParaRPr lang="en-US" noProof="0" dirty="0"/>
           </a:p>
         </p:txBody>
       </p:sp>
@@ -7632,13 +7359,6 @@
   <p:clrMapOvr>
     <a:masterClrMapping/>
   </p:clrMapOvr>
-  <p:timing>
-    <p:tnLst>
-      <p:par>
-        <p:cTn id="1" dur="indefinite" restart="never" nodeType="tmRoot"/>
-      </p:par>
-    </p:tnLst>
-  </p:timing>
 </p:sld>
 </file>
 
@@ -7675,10 +7395,9 @@
           <a:lstStyle/>
           <a:p>
             <a:r>
-              <a:rPr lang="en-US" noProof="0" dirty="0" smtClean="0"/>
+              <a:rPr lang="en-US" noProof="0" dirty="0"/>
               <a:t>Topics</a:t>
             </a:r>
-            <a:endParaRPr lang="en-US" noProof="0" dirty="0"/>
           </a:p>
         </p:txBody>
       </p:sp>
@@ -7703,7 +7422,7 @@
               </a:buClr>
             </a:pPr>
             <a:r>
-              <a:rPr lang="en-US" noProof="0" dirty="0" smtClean="0"/>
+              <a:rPr lang="en-US" noProof="0" dirty="0"/>
               <a:t>Genesis of an open-source project</a:t>
             </a:r>
           </a:p>
@@ -7714,7 +7433,7 @@
               </a:buClr>
             </a:pPr>
             <a:r>
-              <a:rPr lang="en-US" noProof="0" dirty="0" smtClean="0"/>
+              <a:rPr lang="en-US" noProof="0" dirty="0"/>
               <a:t>Resource constraints</a:t>
             </a:r>
           </a:p>
@@ -7725,7 +7444,7 @@
               </a:buClr>
             </a:pPr>
             <a:r>
-              <a:rPr lang="en-US" noProof="0" dirty="0" smtClean="0"/>
+              <a:rPr lang="en-US" noProof="0" dirty="0"/>
               <a:t>Coding</a:t>
             </a:r>
           </a:p>
@@ -7736,7 +7455,7 @@
               </a:buClr>
             </a:pPr>
             <a:r>
-              <a:rPr lang="en-US" noProof="0" dirty="0" smtClean="0"/>
+              <a:rPr lang="en-US" noProof="0" dirty="0"/>
               <a:t>Maintenance</a:t>
             </a:r>
           </a:p>
@@ -7747,7 +7466,7 @@
               </a:buClr>
             </a:pPr>
             <a:r>
-              <a:rPr lang="en-US" noProof="0" dirty="0" smtClean="0"/>
+              <a:rPr lang="en-US" noProof="0" dirty="0"/>
               <a:t>Tests</a:t>
             </a:r>
           </a:p>
@@ -7758,7 +7477,7 @@
               </a:buClr>
             </a:pPr>
             <a:r>
-              <a:rPr lang="en-US" noProof="0" dirty="0" smtClean="0"/>
+              <a:rPr lang="en-US" noProof="0" dirty="0"/>
               <a:t>Documentation</a:t>
             </a:r>
           </a:p>
@@ -7769,10 +7488,10 @@
               </a:buClr>
             </a:pPr>
             <a:r>
-              <a:rPr lang="en-US" dirty="0" smtClean="0"/>
+              <a:rPr lang="en-US" dirty="0"/>
               <a:t>Delivery</a:t>
             </a:r>
-            <a:endParaRPr lang="en-US" noProof="0" dirty="0" smtClean="0"/>
+            <a:endParaRPr lang="en-US" noProof="0" dirty="0"/>
           </a:p>
           <a:p>
             <a:pPr>
@@ -7781,7 +7500,7 @@
               </a:buClr>
             </a:pPr>
             <a:r>
-              <a:rPr lang="en-US" noProof="0" dirty="0" smtClean="0"/>
+              <a:rPr lang="en-US" noProof="0" dirty="0"/>
               <a:t>Support</a:t>
             </a:r>
           </a:p>
@@ -7792,7 +7511,7 @@
               </a:buClr>
             </a:pPr>
             <a:r>
-              <a:rPr lang="en-US" noProof="0" dirty="0" smtClean="0"/>
+              <a:rPr lang="en-US" noProof="0" dirty="0"/>
               <a:t>Infrastructure</a:t>
             </a:r>
           </a:p>
@@ -7816,13 +7535,6 @@
   <p:clrMapOvr>
     <a:masterClrMapping/>
   </p:clrMapOvr>
-  <p:timing>
-    <p:tnLst>
-      <p:par>
-        <p:cTn id="1" dur="indefinite" restart="never" nodeType="tmRoot"/>
-      </p:par>
-    </p:tnLst>
-  </p:timing>
 </p:sld>
 </file>
 
@@ -7859,10 +7571,9 @@
           <a:lstStyle/>
           <a:p>
             <a:r>
-              <a:rPr lang="en-US" noProof="0" dirty="0" smtClean="0"/>
+              <a:rPr lang="en-US" noProof="0" dirty="0"/>
               <a:t>Genesis of an open-source project</a:t>
             </a:r>
-            <a:endParaRPr lang="en-US" noProof="0" dirty="0"/>
           </a:p>
         </p:txBody>
       </p:sp>
@@ -7889,7 +7600,7 @@
               </a:lnSpc>
             </a:pPr>
             <a:r>
-              <a:rPr lang="en-US" noProof="0" dirty="0" smtClean="0"/>
+              <a:rPr lang="en-US" noProof="0" dirty="0"/>
               <a:t>It all started from a personal need</a:t>
             </a:r>
           </a:p>
@@ -7900,7 +7611,7 @@
               </a:lnSpc>
             </a:pPr>
             <a:r>
-              <a:rPr lang="en-US" noProof="0" dirty="0" smtClean="0"/>
+              <a:rPr lang="en-US" noProof="0" dirty="0"/>
               <a:t>advanced research project on transport stream security</a:t>
             </a:r>
           </a:p>
@@ -7911,7 +7622,7 @@
               </a:lnSpc>
             </a:pPr>
             <a:r>
-              <a:rPr lang="en-US" noProof="0" dirty="0" smtClean="0"/>
+              <a:rPr lang="en-US" noProof="0" dirty="0"/>
               <a:t>need to increase knowledge in TS structure</a:t>
             </a:r>
           </a:p>
@@ -7922,10 +7633,10 @@
               </a:lnSpc>
             </a:pPr>
             <a:r>
-              <a:rPr lang="en-US" dirty="0" smtClean="0"/>
+              <a:rPr lang="en-US" dirty="0"/>
               <a:t>in-depth TS analysis</a:t>
             </a:r>
-            <a:endParaRPr lang="en-US" noProof="0" dirty="0" smtClean="0"/>
+            <a:endParaRPr lang="en-US" noProof="0" dirty="0"/>
           </a:p>
           <a:p>
             <a:pPr lvl="1">
@@ -7934,15 +7645,15 @@
               </a:lnSpc>
             </a:pPr>
             <a:r>
-              <a:rPr lang="en-US" noProof="0" dirty="0" smtClean="0"/>
+              <a:rPr lang="en-US" noProof="0" dirty="0"/>
               <a:t>real-time transformation of TS using </a:t>
             </a:r>
             <a:r>
-              <a:rPr lang="en-US" noProof="0" dirty="0" err="1" smtClean="0"/>
+              <a:rPr lang="en-US" noProof="0" dirty="0" err="1"/>
               <a:t>Dektec</a:t>
             </a:r>
             <a:r>
-              <a:rPr lang="en-US" noProof="0" dirty="0" smtClean="0"/>
+              <a:rPr lang="en-US" noProof="0" dirty="0"/>
               <a:t> ASI devices</a:t>
             </a:r>
           </a:p>
@@ -7953,7 +7664,7 @@
               </a:lnSpc>
             </a:pPr>
             <a:r>
-              <a:rPr lang="en-US" noProof="0" dirty="0" smtClean="0"/>
+              <a:rPr lang="en-US" noProof="0" dirty="0"/>
               <a:t>=&gt; needed flexible manipulations of TS for experimentations</a:t>
             </a:r>
           </a:p>
@@ -7964,7 +7675,7 @@
               </a:lnSpc>
             </a:pPr>
             <a:r>
-              <a:rPr lang="en-US" noProof="0" dirty="0" smtClean="0"/>
+              <a:rPr lang="en-US" noProof="0" dirty="0"/>
               <a:t>Then some colleagues used it for different purposes</a:t>
             </a:r>
           </a:p>
@@ -7975,7 +7686,7 @@
               </a:lnSpc>
             </a:pPr>
             <a:r>
-              <a:rPr lang="en-US" dirty="0" smtClean="0"/>
+              <a:rPr lang="en-US" dirty="0"/>
               <a:t>unexpected usages</a:t>
             </a:r>
           </a:p>
@@ -7986,7 +7697,7 @@
               </a:lnSpc>
             </a:pPr>
             <a:r>
-              <a:rPr lang="en-US" noProof="0" dirty="0" smtClean="0"/>
+              <a:rPr lang="en-US" noProof="0" dirty="0"/>
               <a:t>proved the usefulness of the toolbox</a:t>
             </a:r>
           </a:p>
@@ -7997,7 +7708,7 @@
               </a:lnSpc>
             </a:pPr>
             <a:r>
-              <a:rPr lang="en-US" noProof="0" dirty="0" smtClean="0"/>
+              <a:rPr lang="en-US" noProof="0" dirty="0"/>
               <a:t>And finally could be useful to any DTV engineer</a:t>
             </a:r>
           </a:p>
@@ -8008,7 +7719,7 @@
               </a:lnSpc>
             </a:pPr>
             <a:r>
-              <a:rPr lang="en-US" noProof="0" dirty="0" smtClean="0"/>
+              <a:rPr lang="en-US" noProof="0" dirty="0"/>
               <a:t>we all receive a lot from open-source tools</a:t>
             </a:r>
           </a:p>
@@ -8019,7 +7730,7 @@
               </a:lnSpc>
             </a:pPr>
             <a:r>
-              <a:rPr lang="en-US" noProof="0" dirty="0" smtClean="0"/>
+              <a:rPr lang="en-US" noProof="0" dirty="0"/>
               <a:t>sometimes, it‘s time to give back in return</a:t>
             </a:r>
           </a:p>
@@ -8030,7 +7741,7 @@
               </a:lnSpc>
             </a:pPr>
             <a:r>
-              <a:rPr lang="en-US" noProof="0" dirty="0" smtClean="0"/>
+              <a:rPr lang="en-US" noProof="0" dirty="0"/>
               <a:t>=&gt; open-source your work</a:t>
             </a:r>
           </a:p>
@@ -8046,13 +7757,6 @@
   <p:clrMapOvr>
     <a:masterClrMapping/>
   </p:clrMapOvr>
-  <p:timing>
-    <p:tnLst>
-      <p:par>
-        <p:cTn id="1" dur="indefinite" restart="never" nodeType="tmRoot"/>
-      </p:par>
-    </p:tnLst>
-  </p:timing>
 </p:sld>
 </file>
 
@@ -8089,10 +7793,9 @@
           <a:lstStyle/>
           <a:p>
             <a:r>
-              <a:rPr lang="en-US" noProof="0" dirty="0" smtClean="0"/>
+              <a:rPr lang="en-US" noProof="0" dirty="0"/>
               <a:t>TSDuck timeline</a:t>
             </a:r>
-            <a:endParaRPr lang="en-US" noProof="0" dirty="0"/>
           </a:p>
         </p:txBody>
       </p:sp>
@@ -8119,7 +7822,7 @@
               </a:lnSpc>
             </a:pPr>
             <a:r>
-              <a:rPr lang="en-US" noProof="0" dirty="0" smtClean="0"/>
+              <a:rPr lang="en-US" noProof="0" dirty="0"/>
               <a:t>2005-2006 : V1</a:t>
             </a:r>
           </a:p>
@@ -8130,7 +7833,7 @@
               </a:lnSpc>
             </a:pPr>
             <a:r>
-              <a:rPr lang="en-US" noProof="0" dirty="0" smtClean="0"/>
+              <a:rPr lang="en-US" noProof="0" dirty="0"/>
               <a:t>written in C (a mistake!)</a:t>
             </a:r>
           </a:p>
@@ -8141,7 +7844,7 @@
               </a:lnSpc>
             </a:pPr>
             <a:r>
-              <a:rPr lang="en-US" noProof="0" dirty="0" smtClean="0"/>
+              <a:rPr lang="en-US" noProof="0" dirty="0"/>
               <a:t>Linux only</a:t>
             </a:r>
           </a:p>
@@ -8152,7 +7855,7 @@
               </a:lnSpc>
             </a:pPr>
             <a:r>
-              <a:rPr lang="en-US" noProof="0" dirty="0" smtClean="0"/>
+              <a:rPr lang="en-US" noProof="0" dirty="0"/>
               <a:t>2007-2011 : V2</a:t>
             </a:r>
           </a:p>
@@ -8163,7 +7866,7 @@
               </a:lnSpc>
             </a:pPr>
             <a:r>
-              <a:rPr lang="en-US" noProof="0" dirty="0" smtClean="0"/>
+              <a:rPr lang="en-US" noProof="0" dirty="0"/>
               <a:t>scrapped and re-written in C++</a:t>
             </a:r>
           </a:p>
@@ -8174,7 +7877,7 @@
               </a:lnSpc>
             </a:pPr>
             <a:r>
-              <a:rPr lang="en-US" noProof="0" dirty="0" smtClean="0"/>
+              <a:rPr lang="en-US" noProof="0" dirty="0"/>
               <a:t>multi-platform architecture, including Windows native support</a:t>
             </a:r>
           </a:p>
@@ -8185,7 +7888,7 @@
               </a:lnSpc>
             </a:pPr>
             <a:r>
-              <a:rPr lang="en-US" noProof="0" dirty="0" smtClean="0"/>
+              <a:rPr lang="en-US" noProof="0" dirty="0"/>
               <a:t>2012-2015 : hibernation…</a:t>
             </a:r>
           </a:p>
@@ -8196,10 +7899,10 @@
               </a:lnSpc>
             </a:pPr>
             <a:r>
-              <a:rPr lang="en-US" dirty="0" smtClean="0"/>
+              <a:rPr lang="en-US" dirty="0"/>
               <a:t>no longer needed to work on transport streams</a:t>
             </a:r>
-            <a:endParaRPr lang="en-US" noProof="0" dirty="0" smtClean="0"/>
+            <a:endParaRPr lang="en-US" noProof="0" dirty="0"/>
           </a:p>
           <a:p>
             <a:pPr>
@@ -8208,8 +7911,8 @@
               </a:lnSpc>
             </a:pPr>
             <a:r>
-              <a:rPr lang="en-US" noProof="0" dirty="0" smtClean="0"/>
-              <a:t>2016-2021 : V3</a:t>
+              <a:rPr lang="en-US" noProof="0" dirty="0"/>
+              <a:t>2016-2022 : V3</a:t>
             </a:r>
           </a:p>
           <a:p>
@@ -8219,7 +7922,7 @@
               </a:lnSpc>
             </a:pPr>
             <a:r>
-              <a:rPr lang="en-US" noProof="0" dirty="0" smtClean="0"/>
+              <a:rPr lang="en-US" noProof="0" dirty="0"/>
               <a:t>moved to open-source</a:t>
             </a:r>
           </a:p>
@@ -8230,7 +7933,7 @@
               </a:lnSpc>
             </a:pPr>
             <a:r>
-              <a:rPr lang="en-US" noProof="0" dirty="0" smtClean="0"/>
+              <a:rPr lang="en-US" noProof="0" dirty="0"/>
               <a:t>renamed as TSDuck</a:t>
             </a:r>
           </a:p>
@@ -8241,7 +7944,7 @@
               </a:lnSpc>
             </a:pPr>
             <a:r>
-              <a:rPr lang="en-US" noProof="0" dirty="0" smtClean="0"/>
+              <a:rPr lang="en-US" noProof="0" dirty="0"/>
               <a:t>many improvements and new features</a:t>
             </a:r>
           </a:p>
@@ -8252,7 +7955,7 @@
               </a:lnSpc>
             </a:pPr>
             <a:r>
-              <a:rPr lang="en-US" noProof="0" dirty="0" smtClean="0"/>
+              <a:rPr lang="en-US" noProof="0" dirty="0"/>
               <a:t>started a community of users</a:t>
             </a:r>
           </a:p>
@@ -8268,13 +7971,6 @@
   <p:clrMapOvr>
     <a:masterClrMapping/>
   </p:clrMapOvr>
-  <p:timing>
-    <p:tnLst>
-      <p:par>
-        <p:cTn id="1" dur="indefinite" restart="never" nodeType="tmRoot"/>
-      </p:par>
-    </p:tnLst>
-  </p:timing>
 </p:sld>
 </file>
 
@@ -8311,10 +8007,9 @@
           <a:lstStyle/>
           <a:p>
             <a:r>
-              <a:rPr lang="en-US" noProof="0" dirty="0" smtClean="0"/>
+              <a:rPr lang="en-US" noProof="0" dirty="0"/>
               <a:t>Resource constraints</a:t>
             </a:r>
-            <a:endParaRPr lang="en-US" noProof="0" dirty="0"/>
           </a:p>
         </p:txBody>
       </p:sp>
@@ -8334,61 +8029,61 @@
           <a:lstStyle/>
           <a:p>
             <a:r>
-              <a:rPr lang="en-US" noProof="0" dirty="0" smtClean="0"/>
+              <a:rPr lang="en-US" noProof="0" dirty="0"/>
               <a:t>Personal project</a:t>
             </a:r>
           </a:p>
           <a:p>
             <a:pPr lvl="1"/>
             <a:r>
-              <a:rPr lang="en-US" noProof="0" dirty="0" smtClean="0"/>
+              <a:rPr lang="en-US" noProof="0" dirty="0"/>
               <a:t>less linked to my professional activities over time</a:t>
             </a:r>
           </a:p>
           <a:p>
             <a:pPr lvl="1"/>
             <a:r>
-              <a:rPr lang="en-US" noProof="0" dirty="0" smtClean="0"/>
+              <a:rPr lang="en-US" noProof="0" dirty="0"/>
               <a:t>on spare time only</a:t>
             </a:r>
           </a:p>
           <a:p>
             <a:pPr lvl="1"/>
             <a:r>
-              <a:rPr lang="en-US" noProof="0" dirty="0" smtClean="0"/>
+              <a:rPr lang="en-US" noProof="0" dirty="0"/>
               <a:t>on personal expenses (hardware, web hosting)</a:t>
             </a:r>
           </a:p>
           <a:p>
             <a:r>
-              <a:rPr lang="en-US" noProof="0" dirty="0" smtClean="0"/>
+              <a:rPr lang="en-US" noProof="0" dirty="0"/>
               <a:t>Limited resources</a:t>
             </a:r>
           </a:p>
           <a:p>
             <a:pPr lvl="1"/>
             <a:r>
-              <a:rPr lang="en-US" noProof="0" dirty="0" smtClean="0"/>
+              <a:rPr lang="en-US" noProof="0" dirty="0"/>
               <a:t>no fully equipped lab</a:t>
             </a:r>
           </a:p>
           <a:p>
             <a:pPr lvl="1"/>
             <a:r>
-              <a:rPr lang="en-US" noProof="0" dirty="0" smtClean="0"/>
+              <a:rPr lang="en-US" noProof="0" dirty="0"/>
               <a:t>reduced time availability, no continuity</a:t>
             </a:r>
           </a:p>
           <a:p>
             <a:r>
-              <a:rPr lang="en-US" noProof="0" dirty="0" smtClean="0"/>
+              <a:rPr lang="en-US" noProof="0" dirty="0"/>
               <a:t>Resource-driven project</a:t>
             </a:r>
           </a:p>
           <a:p>
             <a:pPr lvl="1"/>
             <a:r>
-              <a:rPr lang="en-US" noProof="0" dirty="0" smtClean="0"/>
+              <a:rPr lang="en-US" noProof="0" dirty="0"/>
               <a:t>scarce resources is the main driver for the project organization</a:t>
             </a:r>
           </a:p>
@@ -8408,13 +8103,6 @@
   <p:clrMapOvr>
     <a:masterClrMapping/>
   </p:clrMapOvr>
-  <p:timing>
-    <p:tnLst>
-      <p:par>
-        <p:cTn id="1" dur="indefinite" restart="never" nodeType="tmRoot"/>
-      </p:par>
-    </p:tnLst>
-  </p:timing>
 </p:sld>
 </file>
 
@@ -8451,7 +8139,7 @@
           <a:lstStyle/>
           <a:p>
             <a:r>
-              <a:rPr lang="en-US" dirty="0" err="1" smtClean="0"/>
+              <a:rPr lang="en-US" dirty="0" err="1"/>
               <a:t>Productization</a:t>
             </a:r>
             <a:endParaRPr lang="en-US" dirty="0"/>
@@ -8481,7 +8169,7 @@
               </a:lnSpc>
             </a:pPr>
             <a:r>
-              <a:rPr lang="en-US" dirty="0" smtClean="0"/>
+              <a:rPr lang="en-US" dirty="0"/>
               <a:t>An open-source product is still a product</a:t>
             </a:r>
           </a:p>
@@ -8492,7 +8180,7 @@
               </a:lnSpc>
             </a:pPr>
             <a:r>
-              <a:rPr lang="en-US" dirty="0" smtClean="0"/>
+              <a:rPr lang="en-US" dirty="0"/>
               <a:t>but many wonderful open-source tools</a:t>
             </a:r>
           </a:p>
@@ -8504,7 +8192,7 @@
               <a:buNone/>
             </a:pPr>
             <a:r>
-              <a:rPr lang="en-US" dirty="0" smtClean="0"/>
+              <a:rPr lang="en-US" dirty="0"/>
               <a:t>have zero doc (ffmpeg, openssl)</a:t>
             </a:r>
           </a:p>
@@ -8516,7 +8204,7 @@
               <a:buNone/>
             </a:pPr>
             <a:r>
-              <a:rPr lang="en-US" dirty="0" smtClean="0"/>
+              <a:rPr lang="en-US" dirty="0"/>
               <a:t>are a pain to build (dependency issues, poor Windows integration, exotic build tools)</a:t>
             </a:r>
           </a:p>
@@ -8527,7 +8215,7 @@
               </a:lnSpc>
             </a:pPr>
             <a:r>
-              <a:rPr lang="en-US" dirty="0" smtClean="0"/>
+              <a:rPr lang="en-US" dirty="0"/>
               <a:t>Essential qualities of a product</a:t>
             </a:r>
           </a:p>
@@ -8538,7 +8226,7 @@
               </a:lnSpc>
             </a:pPr>
             <a:r>
-              <a:rPr lang="en-US" dirty="0" smtClean="0"/>
+              <a:rPr lang="en-US" dirty="0"/>
               <a:t>reliability (no bug, no crash…)</a:t>
             </a:r>
           </a:p>
@@ -8549,7 +8237,7 @@
               </a:lnSpc>
             </a:pPr>
             <a:r>
-              <a:rPr lang="en-US" dirty="0" smtClean="0"/>
+              <a:rPr lang="en-US" dirty="0"/>
               <a:t>stability (no memory leak…)</a:t>
             </a:r>
           </a:p>
@@ -8560,7 +8248,7 @@
               </a:lnSpc>
             </a:pPr>
             <a:r>
-              <a:rPr lang="en-US" dirty="0" smtClean="0"/>
+              <a:rPr lang="en-US" dirty="0"/>
               <a:t>documentation</a:t>
             </a:r>
           </a:p>
@@ -8571,7 +8259,7 @@
               </a:lnSpc>
             </a:pPr>
             <a:r>
-              <a:rPr lang="en-US" dirty="0" smtClean="0"/>
+              <a:rPr lang="en-US" dirty="0"/>
               <a:t>packaging and installation</a:t>
             </a:r>
           </a:p>
@@ -8582,7 +8270,7 @@
               </a:lnSpc>
             </a:pPr>
             <a:r>
-              <a:rPr lang="en-US" dirty="0" smtClean="0"/>
+              <a:rPr lang="en-US" dirty="0"/>
               <a:t>support (assistance, bug fix)</a:t>
             </a:r>
           </a:p>
@@ -8593,7 +8281,7 @@
               </a:lnSpc>
             </a:pPr>
             <a:r>
-              <a:rPr lang="en-US" dirty="0" smtClean="0"/>
+              <a:rPr lang="en-US" dirty="0"/>
               <a:t>communication (web)</a:t>
             </a:r>
           </a:p>
@@ -8604,7 +8292,7 @@
               </a:lnSpc>
             </a:pPr>
             <a:r>
-              <a:rPr lang="en-US" dirty="0" smtClean="0"/>
+              <a:rPr lang="en-US" dirty="0"/>
               <a:t>All of this with limited time and resource…</a:t>
             </a:r>
           </a:p>
@@ -8615,7 +8303,7 @@
               </a:lnSpc>
             </a:pPr>
             <a:r>
-              <a:rPr lang="en-US" dirty="0" smtClean="0"/>
+              <a:rPr lang="en-US" dirty="0"/>
               <a:t>self-discipline and automation are essential</a:t>
             </a:r>
           </a:p>
@@ -8639,13 +8327,6 @@
   <p:clrMapOvr>
     <a:masterClrMapping/>
   </p:clrMapOvr>
-  <p:timing>
-    <p:tnLst>
-      <p:par>
-        <p:cTn id="1" dur="indefinite" restart="never" nodeType="tmRoot"/>
-      </p:par>
-    </p:tnLst>
-  </p:timing>
 </p:sld>
 </file>
 
@@ -8682,10 +8363,9 @@
           <a:lstStyle/>
           <a:p>
             <a:r>
-              <a:rPr lang="en-US" noProof="0" dirty="0" smtClean="0"/>
+              <a:rPr lang="en-US" noProof="0" dirty="0"/>
               <a:t>Coding principles</a:t>
             </a:r>
-            <a:endParaRPr lang="en-US" noProof="0" dirty="0"/>
           </a:p>
         </p:txBody>
       </p:sp>
@@ -8712,7 +8392,7 @@
               </a:lnSpc>
             </a:pPr>
             <a:r>
-              <a:rPr lang="en-US" dirty="0" smtClean="0"/>
+              <a:rPr lang="en-US" dirty="0"/>
               <a:t>Efficiency-driven coding</a:t>
             </a:r>
           </a:p>
@@ -8723,7 +8403,7 @@
               </a:lnSpc>
             </a:pPr>
             <a:r>
-              <a:rPr lang="en-US" dirty="0" smtClean="0"/>
+              <a:rPr lang="en-US" dirty="0"/>
               <a:t>write code rapidly</a:t>
             </a:r>
           </a:p>
@@ -8734,7 +8414,7 @@
               </a:lnSpc>
             </a:pPr>
             <a:r>
-              <a:rPr lang="en-US" dirty="0" smtClean="0"/>
+              <a:rPr lang="en-US" dirty="0"/>
               <a:t>invest time in coding, don’t lose time in debugging</a:t>
             </a:r>
           </a:p>
@@ -8745,7 +8425,7 @@
               </a:lnSpc>
             </a:pPr>
             <a:r>
-              <a:rPr lang="en-US" dirty="0" smtClean="0"/>
+              <a:rPr lang="en-US" dirty="0"/>
               <a:t>anticipate instead of debug</a:t>
             </a:r>
           </a:p>
@@ -8757,7 +8437,7 @@
               <a:buNone/>
             </a:pPr>
             <a:r>
-              <a:rPr lang="en-US" dirty="0" smtClean="0"/>
+              <a:rPr lang="en-US" dirty="0"/>
               <a:t>full compile-time code checking</a:t>
             </a:r>
           </a:p>
@@ -8769,7 +8449,7 @@
               <a:buNone/>
             </a:pPr>
             <a:r>
-              <a:rPr lang="en-US" dirty="0" smtClean="0"/>
+              <a:rPr lang="en-US" dirty="0"/>
               <a:t>use all language features to enforce defensive coding techniques</a:t>
             </a:r>
           </a:p>
@@ -8780,7 +8460,7 @@
               </a:lnSpc>
             </a:pPr>
             <a:r>
-              <a:rPr lang="en-US" dirty="0" smtClean="0"/>
+              <a:rPr lang="en-US" dirty="0"/>
               <a:t>Integrated « quality by design »</a:t>
             </a:r>
           </a:p>
@@ -8791,15 +8471,15 @@
               </a:lnSpc>
             </a:pPr>
             <a:r>
-              <a:rPr lang="en-US" dirty="0" smtClean="0"/>
+              <a:rPr lang="en-US" dirty="0"/>
               <a:t>explained in a </a:t>
             </a:r>
             <a:r>
-              <a:rPr lang="en-US" i="1" dirty="0" smtClean="0"/>
+              <a:rPr lang="en-US" i="1" dirty="0"/>
               <a:t>TSDuck coding guidelines </a:t>
             </a:r>
             <a:r>
-              <a:rPr lang="en-US" dirty="0" smtClean="0"/>
+              <a:rPr lang="en-US" dirty="0"/>
               <a:t>document</a:t>
             </a:r>
           </a:p>
@@ -8811,7 +8491,7 @@
               <a:buNone/>
             </a:pPr>
             <a:r>
-              <a:rPr lang="en-US" dirty="0" smtClean="0"/>
+              <a:rPr lang="en-US" dirty="0"/>
               <a:t>a generic programming manifesto, not limited to TSDuck</a:t>
             </a:r>
           </a:p>
@@ -8822,7 +8502,7 @@
               </a:lnSpc>
             </a:pPr>
             <a:r>
-              <a:rPr lang="en-US" dirty="0" smtClean="0"/>
+              <a:rPr lang="en-US" dirty="0"/>
               <a:t>based on past professional experience</a:t>
             </a:r>
           </a:p>
@@ -8834,7 +8514,7 @@
               <a:buNone/>
             </a:pPr>
             <a:r>
-              <a:rPr lang="en-US" dirty="0" smtClean="0"/>
+              <a:rPr lang="en-US" dirty="0"/>
               <a:t>large projects in Ada, Java and C++</a:t>
             </a:r>
           </a:p>
@@ -8846,10 +8526,9 @@
               <a:buNone/>
             </a:pPr>
             <a:r>
-              <a:rPr lang="en-US" dirty="0" smtClean="0"/>
+              <a:rPr lang="en-US" dirty="0"/>
               <a:t>stringent software engineering rules and methodologies</a:t>
             </a:r>
-            <a:endParaRPr lang="en-US" dirty="0"/>
           </a:p>
         </p:txBody>
       </p:sp>
@@ -8863,13 +8542,6 @@
   <p:clrMapOvr>
     <a:masterClrMapping/>
   </p:clrMapOvr>
-  <p:timing>
-    <p:tnLst>
-      <p:par>
-        <p:cTn id="1" dur="indefinite" restart="never" nodeType="tmRoot"/>
-      </p:par>
-    </p:tnLst>
-  </p:timing>
 </p:sld>
 </file>
 
@@ -8906,10 +8578,9 @@
           <a:lstStyle/>
           <a:p>
             <a:r>
-              <a:rPr lang="en-US" dirty="0" smtClean="0"/>
+              <a:rPr lang="en-US" dirty="0"/>
               <a:t>Coding techniques</a:t>
             </a:r>
-            <a:endParaRPr lang="en-US" dirty="0"/>
           </a:p>
         </p:txBody>
       </p:sp>
@@ -8936,7 +8607,7 @@
               </a:lnSpc>
             </a:pPr>
             <a:r>
-              <a:rPr lang="en-US" dirty="0" smtClean="0"/>
+              <a:rPr lang="en-US" dirty="0"/>
               <a:t>Use proven object design patterns</a:t>
             </a:r>
           </a:p>
@@ -8947,7 +8618,7 @@
               </a:lnSpc>
             </a:pPr>
             <a:r>
-              <a:rPr lang="en-US" dirty="0" smtClean="0"/>
+              <a:rPr lang="en-US" dirty="0"/>
               <a:t>Robustness enforcement</a:t>
             </a:r>
           </a:p>
@@ -8958,7 +8629,7 @@
               </a:lnSpc>
             </a:pPr>
             <a:r>
-              <a:rPr lang="en-US" dirty="0" smtClean="0"/>
+              <a:rPr lang="en-US" dirty="0"/>
               <a:t>resist to incorrect or malformed input data</a:t>
             </a:r>
           </a:p>
@@ -8969,7 +8640,7 @@
               </a:lnSpc>
             </a:pPr>
             <a:r>
-              <a:rPr lang="en-US" dirty="0" smtClean="0"/>
+              <a:rPr lang="en-US" dirty="0"/>
               <a:t>defensive coding, cross-checking, assertions, bug self-detection, etc.</a:t>
             </a:r>
           </a:p>
@@ -8980,7 +8651,7 @@
               </a:lnSpc>
             </a:pPr>
             <a:r>
-              <a:rPr lang="en-US" dirty="0" smtClean="0"/>
+              <a:rPr lang="en-US" dirty="0"/>
               <a:t>Avoiding resource leaks is easy</a:t>
             </a:r>
           </a:p>
@@ -8991,7 +8662,7 @@
               </a:lnSpc>
             </a:pPr>
             <a:r>
-              <a:rPr lang="en-US" dirty="0" smtClean="0"/>
+              <a:rPr lang="en-US" dirty="0"/>
               <a:t>don’t spend time on new/delete or lock/unlock</a:t>
             </a:r>
           </a:p>
@@ -9002,7 +8673,7 @@
               </a:lnSpc>
             </a:pPr>
             <a:r>
-              <a:rPr lang="en-US" dirty="0" smtClean="0"/>
+              <a:rPr lang="en-US" dirty="0"/>
               <a:t>implement « safe pointer » and « guard » classes</a:t>
             </a:r>
           </a:p>
@@ -9013,7 +8684,7 @@
               </a:lnSpc>
             </a:pPr>
             <a:r>
-              <a:rPr lang="en-US" dirty="0" smtClean="0"/>
+              <a:rPr lang="en-US" dirty="0"/>
               <a:t>the C++ concept of « destructor » is invaluable !</a:t>
             </a:r>
           </a:p>
@@ -9025,7 +8696,7 @@
               <a:buNone/>
             </a:pPr>
             <a:r>
-              <a:rPr lang="en-US" dirty="0" smtClean="0"/>
+              <a:rPr lang="en-US" dirty="0"/>
               <a:t>you can’t even count on it in Java or Python (not to mention C of course)</a:t>
             </a:r>
           </a:p>
@@ -9037,7 +8708,7 @@
               <a:buNone/>
             </a:pPr>
             <a:r>
-              <a:rPr lang="en-US" dirty="0" smtClean="0"/>
+              <a:rPr lang="en-US" dirty="0"/>
               <a:t>properly using it saves hours of debug</a:t>
             </a:r>
           </a:p>
@@ -9048,7 +8719,7 @@
               </a:lnSpc>
             </a:pPr>
             <a:r>
-              <a:rPr lang="en-US" dirty="0" smtClean="0"/>
+              <a:rPr lang="en-US" dirty="0"/>
               <a:t>Refactoring</a:t>
             </a:r>
           </a:p>
@@ -9059,7 +8730,7 @@
               </a:lnSpc>
             </a:pPr>
             <a:r>
-              <a:rPr lang="en-US" dirty="0" smtClean="0"/>
+              <a:rPr lang="en-US" dirty="0"/>
               <a:t>never let the quality of the code degrade, refactor properly</a:t>
             </a:r>
           </a:p>
@@ -9070,7 +8741,7 @@
               </a:lnSpc>
             </a:pPr>
             <a:r>
-              <a:rPr lang="en-US" dirty="0" smtClean="0"/>
+              <a:rPr lang="en-US" dirty="0"/>
               <a:t>too many projects accumulate quick &amp; dirty fixes or copy/paste</a:t>
             </a:r>
           </a:p>
@@ -9082,10 +8753,9 @@
               <a:buNone/>
             </a:pPr>
             <a:r>
-              <a:rPr lang="en-US" dirty="0" smtClean="0"/>
+              <a:rPr lang="en-US" dirty="0"/>
               <a:t>and finally collapse over time because of an inconsistent code base</a:t>
             </a:r>
-            <a:endParaRPr lang="en-US" dirty="0"/>
           </a:p>
         </p:txBody>
       </p:sp>
@@ -9099,13 +8769,6 @@
   <p:clrMapOvr>
     <a:masterClrMapping/>
   </p:clrMapOvr>
-  <p:timing>
-    <p:tnLst>
-      <p:par>
-        <p:cTn id="1" dur="indefinite" restart="never" nodeType="tmRoot"/>
-      </p:par>
-    </p:tnLst>
-  </p:timing>
 </p:sld>
 </file>
 
@@ -9142,10 +8805,9 @@
           <a:lstStyle/>
           <a:p>
             <a:r>
-              <a:rPr lang="en-US" noProof="0" dirty="0" smtClean="0"/>
+              <a:rPr lang="en-US" noProof="0" dirty="0"/>
               <a:t>Coding cadence</a:t>
             </a:r>
-            <a:endParaRPr lang="en-US" noProof="0" dirty="0"/>
           </a:p>
         </p:txBody>
       </p:sp>
@@ -9177,7 +8839,7 @@
               </a:lnSpc>
             </a:pPr>
             <a:r>
-              <a:rPr lang="en-US" dirty="0" smtClean="0"/>
+              <a:rPr lang="en-US" dirty="0"/>
               <a:t>Extreme Agility</a:t>
             </a:r>
           </a:p>
@@ -9188,7 +8850,7 @@
               </a:lnSpc>
             </a:pPr>
             <a:r>
-              <a:rPr lang="en-US" dirty="0" smtClean="0"/>
+              <a:rPr lang="en-US" dirty="0"/>
               <a:t>coding on spare time only</a:t>
             </a:r>
           </a:p>
@@ -9200,7 +8862,7 @@
               <a:buNone/>
             </a:pPr>
             <a:r>
-              <a:rPr lang="en-US" dirty="0" smtClean="0"/>
+              <a:rPr lang="en-US" dirty="0"/>
               <a:t>no time to enter long coding tunnels</a:t>
             </a:r>
           </a:p>
@@ -9211,7 +8873,7 @@
               </a:lnSpc>
             </a:pPr>
             <a:r>
-              <a:rPr lang="en-US" dirty="0" smtClean="0"/>
+              <a:rPr lang="en-US" dirty="0"/>
               <a:t>small iterations</a:t>
             </a:r>
           </a:p>
@@ -9223,7 +8885,7 @@
               <a:buNone/>
             </a:pPr>
             <a:r>
-              <a:rPr lang="en-US" dirty="0" smtClean="0"/>
+              <a:rPr lang="en-US" dirty="0"/>
               <a:t>consistent and clean, commit on master branch</a:t>
             </a:r>
           </a:p>
@@ -9235,7 +8897,7 @@
               <a:buNone/>
             </a:pPr>
             <a:r>
-              <a:rPr lang="en-US" dirty="0" smtClean="0"/>
+              <a:rPr lang="en-US" dirty="0"/>
               <a:t>successfully compile and pass tests</a:t>
             </a:r>
           </a:p>
@@ -9246,7 +8908,7 @@
               </a:lnSpc>
             </a:pPr>
             <a:r>
-              <a:rPr lang="en-US" dirty="0" smtClean="0"/>
+              <a:rPr lang="en-US" dirty="0"/>
               <a:t>avoid divergent branches</a:t>
             </a:r>
           </a:p>
@@ -9258,7 +8920,7 @@
               <a:buNone/>
             </a:pPr>
             <a:r>
-              <a:rPr lang="en-US" dirty="0" smtClean="0"/>
+              <a:rPr lang="en-US" dirty="0"/>
               <a:t>merge &amp; rebase takes time, I haven’t any</a:t>
             </a:r>
           </a:p>
@@ -9269,7 +8931,7 @@
               </a:lnSpc>
             </a:pPr>
             <a:r>
-              <a:rPr lang="en-US" dirty="0" smtClean="0"/>
+              <a:rPr lang="en-US" dirty="0"/>
               <a:t>Make short term a long term investment</a:t>
             </a:r>
           </a:p>
@@ -9280,7 +8942,7 @@
               </a:lnSpc>
             </a:pPr>
             <a:r>
-              <a:rPr lang="en-US" dirty="0" smtClean="0"/>
+              <a:rPr lang="en-US" dirty="0"/>
               <a:t>plan evolutions on the long term</a:t>
             </a:r>
           </a:p>
@@ -9291,7 +8953,7 @@
               </a:lnSpc>
             </a:pPr>
             <a:r>
-              <a:rPr lang="en-US" dirty="0" smtClean="0"/>
+              <a:rPr lang="en-US" dirty="0"/>
               <a:t>code step by step on the short term</a:t>
             </a:r>
           </a:p>
@@ -9303,7 +8965,7 @@
               <a:buNone/>
             </a:pPr>
             <a:r>
-              <a:rPr lang="en-US" dirty="0" smtClean="0"/>
+              <a:rPr lang="en-US" dirty="0"/>
               <a:t>dormant code for future features</a:t>
             </a:r>
           </a:p>
@@ -9315,7 +8977,7 @@
               <a:buNone/>
             </a:pPr>
             <a:r>
-              <a:rPr lang="en-US" dirty="0" smtClean="0"/>
+              <a:rPr lang="en-US" dirty="0"/>
               <a:t>=&gt; if you don’t understand the latest commits, they will make sense later…</a:t>
             </a:r>
           </a:p>
@@ -9331,13 +8993,6 @@
   <p:clrMapOvr>
     <a:masterClrMapping/>
   </p:clrMapOvr>
-  <p:timing>
-    <p:tnLst>
-      <p:par>
-        <p:cTn id="1" dur="indefinite" restart="never" nodeType="tmRoot"/>
-      </p:par>
-    </p:tnLst>
-  </p:timing>
 </p:sld>
 </file>
 
